--- a/docs/VariationalAutoencodersFigures.pptx
+++ b/docs/VariationalAutoencodersFigures.pptx
@@ -3321,6 +3321,1240 @@
           <a:chExt cx="0" cy="0"/>
         </a:xfrm>
       </p:grpSpPr>
+      <p:grpSp>
+        <p:nvGrpSpPr>
+          <p:cNvPr id="24" name="Group 23">
+            <a:extLst>
+              <a:ext uri="{FF2B5EF4-FFF2-40B4-BE49-F238E27FC236}">
+                <a16:creationId xmlns:a16="http://schemas.microsoft.com/office/drawing/2014/main" id="{66A2B852-D946-A518-513B-931EA0742D76}"/>
+              </a:ext>
+            </a:extLst>
+          </p:cNvPr>
+          <p:cNvGrpSpPr/>
+          <p:nvPr/>
+        </p:nvGrpSpPr>
+        <p:grpSpPr>
+          <a:xfrm>
+            <a:off x="1164917" y="713585"/>
+            <a:ext cx="3518209" cy="1407313"/>
+            <a:chOff x="1164917" y="713585"/>
+            <a:chExt cx="3518209" cy="1407313"/>
+          </a:xfrm>
+        </p:grpSpPr>
+        <p:sp>
+          <p:nvSpPr>
+            <p:cNvPr id="4" name="Rectangle 3">
+              <a:extLst>
+                <a:ext uri="{FF2B5EF4-FFF2-40B4-BE49-F238E27FC236}">
+                  <a16:creationId xmlns:a16="http://schemas.microsoft.com/office/drawing/2014/main" id="{90766028-2143-6321-0E11-E466ADEE6690}"/>
+                </a:ext>
+              </a:extLst>
+            </p:cNvPr>
+            <p:cNvSpPr/>
+            <p:nvPr/>
+          </p:nvSpPr>
+          <p:spPr>
+            <a:xfrm>
+              <a:off x="1308107" y="1073148"/>
+              <a:ext cx="238125" cy="1047750"/>
+            </a:xfrm>
+            <a:prstGeom prst="rect">
+              <a:avLst/>
+            </a:prstGeom>
+            <a:solidFill>
+              <a:schemeClr val="accent1">
+                <a:alpha val="35761"/>
+              </a:schemeClr>
+            </a:solidFill>
+          </p:spPr>
+          <p:style>
+            <a:lnRef idx="2">
+              <a:schemeClr val="accent1">
+                <a:shade val="15000"/>
+              </a:schemeClr>
+            </a:lnRef>
+            <a:fillRef idx="1">
+              <a:schemeClr val="accent1"/>
+            </a:fillRef>
+            <a:effectRef idx="0">
+              <a:schemeClr val="accent1"/>
+            </a:effectRef>
+            <a:fontRef idx="minor">
+              <a:schemeClr val="lt1"/>
+            </a:fontRef>
+          </p:style>
+          <p:txBody>
+            <a:bodyPr rtlCol="0" anchor="ctr"/>
+            <a:lstStyle/>
+            <a:p>
+              <a:pPr algn="ctr"/>
+              <a:endParaRPr lang="en-US"/>
+            </a:p>
+          </p:txBody>
+        </p:sp>
+        <p:sp>
+          <p:nvSpPr>
+            <p:cNvPr id="5" name="Manual Operation 4">
+              <a:extLst>
+                <a:ext uri="{FF2B5EF4-FFF2-40B4-BE49-F238E27FC236}">
+                  <a16:creationId xmlns:a16="http://schemas.microsoft.com/office/drawing/2014/main" id="{EF121137-97D5-7293-E099-B3108788C0B3}"/>
+                </a:ext>
+              </a:extLst>
+            </p:cNvPr>
+            <p:cNvSpPr/>
+            <p:nvPr/>
+          </p:nvSpPr>
+          <p:spPr>
+            <a:xfrm rot="16200000">
+              <a:off x="1794940" y="1355197"/>
+              <a:ext cx="587375" cy="492125"/>
+            </a:xfrm>
+            <a:prstGeom prst="flowChartManualOperation">
+              <a:avLst/>
+            </a:prstGeom>
+            <a:solidFill>
+              <a:schemeClr val="accent1">
+                <a:alpha val="34442"/>
+              </a:schemeClr>
+            </a:solidFill>
+          </p:spPr>
+          <p:style>
+            <a:lnRef idx="2">
+              <a:schemeClr val="accent1">
+                <a:shade val="15000"/>
+              </a:schemeClr>
+            </a:lnRef>
+            <a:fillRef idx="1">
+              <a:schemeClr val="accent1"/>
+            </a:fillRef>
+            <a:effectRef idx="0">
+              <a:schemeClr val="accent1"/>
+            </a:effectRef>
+            <a:fontRef idx="minor">
+              <a:schemeClr val="lt1"/>
+            </a:fontRef>
+          </p:style>
+          <p:txBody>
+            <a:bodyPr rtlCol="0" anchor="ctr"/>
+            <a:lstStyle/>
+            <a:p>
+              <a:pPr algn="ctr"/>
+              <a:endParaRPr lang="en-US"/>
+            </a:p>
+          </p:txBody>
+        </p:sp>
+        <mc:AlternateContent xmlns:mc="http://schemas.openxmlformats.org/markup-compatibility/2006">
+          <mc:Choice xmlns:a14="http://schemas.microsoft.com/office/drawing/2010/main" Requires="a14">
+            <p:sp>
+              <p:nvSpPr>
+                <p:cNvPr id="6" name="TextBox 5">
+                  <a:extLst>
+                    <a:ext uri="{FF2B5EF4-FFF2-40B4-BE49-F238E27FC236}">
+                      <a16:creationId xmlns:a16="http://schemas.microsoft.com/office/drawing/2014/main" id="{7E6CAF43-05CC-71F4-94FB-26BD5BDC5262}"/>
+                    </a:ext>
+                  </a:extLst>
+                </p:cNvPr>
+                <p:cNvSpPr txBox="1"/>
+                <p:nvPr/>
+              </p:nvSpPr>
+              <p:spPr>
+                <a:xfrm>
+                  <a:off x="1805378" y="1420741"/>
+                  <a:ext cx="527709" cy="338554"/>
+                </a:xfrm>
+                <a:prstGeom prst="rect">
+                  <a:avLst/>
+                </a:prstGeom>
+                <a:noFill/>
+              </p:spPr>
+              <p:txBody>
+                <a:bodyPr wrap="none" rtlCol="0">
+                  <a:spAutoFit/>
+                </a:bodyPr>
+                <a:lstStyle/>
+                <a:p>
+                  <a:r>
+                    <a:rPr lang="en-US" sz="800" dirty="0"/>
+                    <a:t>Encoder</a:t>
+                  </a:r>
+                </a:p>
+                <a:p>
+                  <a:r>
+                    <a:rPr lang="en-US" sz="800" dirty="0"/>
+                    <a:t>    </a:t>
+                  </a:r>
+                  <a14:m>
+                    <m:oMath xmlns:m="http://schemas.openxmlformats.org/officeDocument/2006/math">
+                      <m:sSub>
+                        <m:sSubPr>
+                          <m:ctrlPr>
+                            <a:rPr lang="en-US" sz="800" i="1" smtClean="0">
+                              <a:latin typeface="Cambria Math" panose="02040503050406030204" pitchFamily="18" charset="0"/>
+                            </a:rPr>
+                          </m:ctrlPr>
+                        </m:sSubPr>
+                        <m:e>
+                          <m:r>
+                            <a:rPr lang="en-US" sz="800" b="0" i="1" smtClean="0">
+                              <a:latin typeface="Cambria Math" panose="02040503050406030204" pitchFamily="18" charset="0"/>
+                            </a:rPr>
+                            <m:t>𝑓</m:t>
+                          </m:r>
+                        </m:e>
+                        <m:sub>
+                          <m:r>
+                            <a:rPr lang="en-US" sz="800" i="1" smtClean="0">
+                              <a:latin typeface="Cambria Math" panose="02040503050406030204" pitchFamily="18" charset="0"/>
+                              <a:ea typeface="Cambria Math" panose="02040503050406030204" pitchFamily="18" charset="0"/>
+                            </a:rPr>
+                            <m:t>𝜃</m:t>
+                          </m:r>
+                        </m:sub>
+                      </m:sSub>
+                    </m:oMath>
+                  </a14:m>
+                  <a:endParaRPr lang="en-US" sz="800" dirty="0"/>
+                </a:p>
+              </p:txBody>
+            </p:sp>
+          </mc:Choice>
+          <mc:Fallback>
+            <p:sp>
+              <p:nvSpPr>
+                <p:cNvPr id="6" name="TextBox 5">
+                  <a:extLst>
+                    <a:ext uri="{FF2B5EF4-FFF2-40B4-BE49-F238E27FC236}">
+                      <a16:creationId xmlns:a16="http://schemas.microsoft.com/office/drawing/2014/main" id="{7E6CAF43-05CC-71F4-94FB-26BD5BDC5262}"/>
+                    </a:ext>
+                  </a:extLst>
+                </p:cNvPr>
+                <p:cNvSpPr txBox="1">
+                  <a:spLocks noRot="1" noChangeAspect="1" noMove="1" noResize="1" noEditPoints="1" noAdjustHandles="1" noChangeArrowheads="1" noChangeShapeType="1" noTextEdit="1"/>
+                </p:cNvSpPr>
+                <p:nvPr/>
+              </p:nvSpPr>
+              <p:spPr>
+                <a:xfrm>
+                  <a:off x="1805378" y="1420741"/>
+                  <a:ext cx="527709" cy="338554"/>
+                </a:xfrm>
+                <a:prstGeom prst="rect">
+                  <a:avLst/>
+                </a:prstGeom>
+                <a:blipFill>
+                  <a:blip r:embed="rId2"/>
+                  <a:stretch>
+                    <a:fillRect/>
+                  </a:stretch>
+                </a:blipFill>
+              </p:spPr>
+              <p:txBody>
+                <a:bodyPr/>
+                <a:lstStyle/>
+                <a:p>
+                  <a:r>
+                    <a:rPr lang="en-US">
+                      <a:noFill/>
+                    </a:rPr>
+                    <a:t> </a:t>
+                  </a:r>
+                </a:p>
+              </p:txBody>
+            </p:sp>
+          </mc:Fallback>
+        </mc:AlternateContent>
+        <mc:AlternateContent xmlns:mc="http://schemas.openxmlformats.org/markup-compatibility/2006">
+          <mc:Choice xmlns:a14="http://schemas.microsoft.com/office/drawing/2010/main" Requires="a14">
+            <p:sp>
+              <p:nvSpPr>
+                <p:cNvPr id="7" name="TextBox 6">
+                  <a:extLst>
+                    <a:ext uri="{FF2B5EF4-FFF2-40B4-BE49-F238E27FC236}">
+                      <a16:creationId xmlns:a16="http://schemas.microsoft.com/office/drawing/2014/main" id="{FF12376A-9E80-99B5-23C9-D84929AF561E}"/>
+                    </a:ext>
+                  </a:extLst>
+                </p:cNvPr>
+                <p:cNvSpPr txBox="1"/>
+                <p:nvPr/>
+              </p:nvSpPr>
+              <p:spPr>
+                <a:xfrm>
+                  <a:off x="1294825" y="1478058"/>
+                  <a:ext cx="264688" cy="215444"/>
+                </a:xfrm>
+                <a:prstGeom prst="rect">
+                  <a:avLst/>
+                </a:prstGeom>
+                <a:noFill/>
+              </p:spPr>
+              <p:txBody>
+                <a:bodyPr wrap="none" rtlCol="0">
+                  <a:spAutoFit/>
+                </a:bodyPr>
+                <a:lstStyle/>
+                <a:p>
+                  <a14:m>
+                    <m:oMathPara xmlns:m="http://schemas.openxmlformats.org/officeDocument/2006/math">
+                      <m:oMathParaPr>
+                        <m:jc m:val="centerGroup"/>
+                      </m:oMathParaPr>
+                      <m:oMath xmlns:m="http://schemas.openxmlformats.org/officeDocument/2006/math">
+                        <m:r>
+                          <a:rPr lang="en-US" sz="800" b="1" i="0" smtClean="0">
+                            <a:latin typeface="Cambria Math" panose="02040503050406030204" pitchFamily="18" charset="0"/>
+                          </a:rPr>
+                          <m:t>𝐱</m:t>
+                        </m:r>
+                      </m:oMath>
+                    </m:oMathPara>
+                  </a14:m>
+                  <a:endParaRPr lang="en-US" sz="800" b="1" dirty="0"/>
+                </a:p>
+              </p:txBody>
+            </p:sp>
+          </mc:Choice>
+          <mc:Fallback>
+            <p:sp>
+              <p:nvSpPr>
+                <p:cNvPr id="7" name="TextBox 6">
+                  <a:extLst>
+                    <a:ext uri="{FF2B5EF4-FFF2-40B4-BE49-F238E27FC236}">
+                      <a16:creationId xmlns:a16="http://schemas.microsoft.com/office/drawing/2014/main" id="{FF12376A-9E80-99B5-23C9-D84929AF561E}"/>
+                    </a:ext>
+                  </a:extLst>
+                </p:cNvPr>
+                <p:cNvSpPr txBox="1">
+                  <a:spLocks noRot="1" noChangeAspect="1" noMove="1" noResize="1" noEditPoints="1" noAdjustHandles="1" noChangeArrowheads="1" noChangeShapeType="1" noTextEdit="1"/>
+                </p:cNvSpPr>
+                <p:nvPr/>
+              </p:nvSpPr>
+              <p:spPr>
+                <a:xfrm>
+                  <a:off x="1294825" y="1478058"/>
+                  <a:ext cx="264688" cy="215444"/>
+                </a:xfrm>
+                <a:prstGeom prst="rect">
+                  <a:avLst/>
+                </a:prstGeom>
+                <a:blipFill>
+                  <a:blip r:embed="rId3"/>
+                  <a:stretch>
+                    <a:fillRect/>
+                  </a:stretch>
+                </a:blipFill>
+              </p:spPr>
+              <p:txBody>
+                <a:bodyPr/>
+                <a:lstStyle/>
+                <a:p>
+                  <a:r>
+                    <a:rPr lang="en-US">
+                      <a:noFill/>
+                    </a:rPr>
+                    <a:t> </a:t>
+                  </a:r>
+                </a:p>
+              </p:txBody>
+            </p:sp>
+          </mc:Fallback>
+        </mc:AlternateContent>
+        <p:sp>
+          <p:nvSpPr>
+            <p:cNvPr id="8" name="Rectangle 7">
+              <a:extLst>
+                <a:ext uri="{FF2B5EF4-FFF2-40B4-BE49-F238E27FC236}">
+                  <a16:creationId xmlns:a16="http://schemas.microsoft.com/office/drawing/2014/main" id="{5B340D6A-D5B8-B367-650E-6CFE2ACFDB6E}"/>
+                </a:ext>
+              </a:extLst>
+            </p:cNvPr>
+            <p:cNvSpPr/>
+            <p:nvPr/>
+          </p:nvSpPr>
+          <p:spPr>
+            <a:xfrm>
+              <a:off x="2614586" y="1474454"/>
+              <a:ext cx="279400" cy="242529"/>
+            </a:xfrm>
+            <a:prstGeom prst="rect">
+              <a:avLst/>
+            </a:prstGeom>
+            <a:solidFill>
+              <a:srgbClr val="C00000">
+                <a:alpha val="62655"/>
+              </a:srgbClr>
+            </a:solidFill>
+          </p:spPr>
+          <p:style>
+            <a:lnRef idx="2">
+              <a:schemeClr val="accent1">
+                <a:shade val="15000"/>
+              </a:schemeClr>
+            </a:lnRef>
+            <a:fillRef idx="1">
+              <a:schemeClr val="accent1"/>
+            </a:fillRef>
+            <a:effectRef idx="0">
+              <a:schemeClr val="accent1"/>
+            </a:effectRef>
+            <a:fontRef idx="minor">
+              <a:schemeClr val="lt1"/>
+            </a:fontRef>
+          </p:style>
+          <p:txBody>
+            <a:bodyPr rtlCol="0" anchor="ctr"/>
+            <a:lstStyle/>
+            <a:p>
+              <a:pPr algn="ctr"/>
+              <a:endParaRPr lang="en-US"/>
+            </a:p>
+          </p:txBody>
+        </p:sp>
+        <mc:AlternateContent xmlns:mc="http://schemas.openxmlformats.org/markup-compatibility/2006">
+          <mc:Choice xmlns:a14="http://schemas.microsoft.com/office/drawing/2010/main" Requires="a14">
+            <p:sp>
+              <p:nvSpPr>
+                <p:cNvPr id="9" name="TextBox 8">
+                  <a:extLst>
+                    <a:ext uri="{FF2B5EF4-FFF2-40B4-BE49-F238E27FC236}">
+                      <a16:creationId xmlns:a16="http://schemas.microsoft.com/office/drawing/2014/main" id="{A2982995-E5FD-E770-248E-F0BEA28249BE}"/>
+                    </a:ext>
+                  </a:extLst>
+                </p:cNvPr>
+                <p:cNvSpPr txBox="1"/>
+                <p:nvPr/>
+              </p:nvSpPr>
+              <p:spPr>
+                <a:xfrm>
+                  <a:off x="2618643" y="1487996"/>
+                  <a:ext cx="269626" cy="215444"/>
+                </a:xfrm>
+                <a:prstGeom prst="rect">
+                  <a:avLst/>
+                </a:prstGeom>
+                <a:noFill/>
+              </p:spPr>
+              <p:txBody>
+                <a:bodyPr wrap="none" rtlCol="0">
+                  <a:spAutoFit/>
+                </a:bodyPr>
+                <a:lstStyle/>
+                <a:p>
+                  <a14:m>
+                    <m:oMathPara xmlns:m="http://schemas.openxmlformats.org/officeDocument/2006/math">
+                      <m:oMathParaPr>
+                        <m:jc m:val="centerGroup"/>
+                      </m:oMathParaPr>
+                      <m:oMath xmlns:m="http://schemas.openxmlformats.org/officeDocument/2006/math">
+                        <m:r>
+                          <a:rPr lang="en-US" sz="800" b="1" i="0" smtClean="0">
+                            <a:latin typeface="Cambria Math" panose="02040503050406030204" pitchFamily="18" charset="0"/>
+                          </a:rPr>
+                          <m:t>𝐡</m:t>
+                        </m:r>
+                      </m:oMath>
+                    </m:oMathPara>
+                  </a14:m>
+                  <a:endParaRPr lang="en-US" sz="800" b="1" dirty="0"/>
+                </a:p>
+              </p:txBody>
+            </p:sp>
+          </mc:Choice>
+          <mc:Fallback>
+            <p:sp>
+              <p:nvSpPr>
+                <p:cNvPr id="9" name="TextBox 8">
+                  <a:extLst>
+                    <a:ext uri="{FF2B5EF4-FFF2-40B4-BE49-F238E27FC236}">
+                      <a16:creationId xmlns:a16="http://schemas.microsoft.com/office/drawing/2014/main" id="{A2982995-E5FD-E770-248E-F0BEA28249BE}"/>
+                    </a:ext>
+                  </a:extLst>
+                </p:cNvPr>
+                <p:cNvSpPr txBox="1">
+                  <a:spLocks noRot="1" noChangeAspect="1" noMove="1" noResize="1" noEditPoints="1" noAdjustHandles="1" noChangeArrowheads="1" noChangeShapeType="1" noTextEdit="1"/>
+                </p:cNvSpPr>
+                <p:nvPr/>
+              </p:nvSpPr>
+              <p:spPr>
+                <a:xfrm>
+                  <a:off x="2618643" y="1487996"/>
+                  <a:ext cx="269626" cy="215444"/>
+                </a:xfrm>
+                <a:prstGeom prst="rect">
+                  <a:avLst/>
+                </a:prstGeom>
+                <a:blipFill>
+                  <a:blip r:embed="rId4"/>
+                  <a:stretch>
+                    <a:fillRect/>
+                  </a:stretch>
+                </a:blipFill>
+              </p:spPr>
+              <p:txBody>
+                <a:bodyPr/>
+                <a:lstStyle/>
+                <a:p>
+                  <a:r>
+                    <a:rPr lang="en-US">
+                      <a:noFill/>
+                    </a:rPr>
+                    <a:t> </a:t>
+                  </a:r>
+                </a:p>
+              </p:txBody>
+            </p:sp>
+          </mc:Fallback>
+        </mc:AlternateContent>
+        <p:sp>
+          <p:nvSpPr>
+            <p:cNvPr id="10" name="Manual Operation 9">
+              <a:extLst>
+                <a:ext uri="{FF2B5EF4-FFF2-40B4-BE49-F238E27FC236}">
+                  <a16:creationId xmlns:a16="http://schemas.microsoft.com/office/drawing/2014/main" id="{2F910868-8C0F-C6EC-F3BE-54B8631B25AF}"/>
+                </a:ext>
+              </a:extLst>
+            </p:cNvPr>
+            <p:cNvSpPr/>
+            <p:nvPr/>
+          </p:nvSpPr>
+          <p:spPr>
+            <a:xfrm rot="5400000">
+              <a:off x="3134505" y="1355196"/>
+              <a:ext cx="587375" cy="492125"/>
+            </a:xfrm>
+            <a:prstGeom prst="flowChartManualOperation">
+              <a:avLst/>
+            </a:prstGeom>
+            <a:solidFill>
+              <a:schemeClr val="accent6">
+                <a:lumMod val="75000"/>
+                <a:alpha val="34442"/>
+              </a:schemeClr>
+            </a:solidFill>
+          </p:spPr>
+          <p:style>
+            <a:lnRef idx="2">
+              <a:schemeClr val="accent1">
+                <a:shade val="15000"/>
+              </a:schemeClr>
+            </a:lnRef>
+            <a:fillRef idx="1">
+              <a:schemeClr val="accent1"/>
+            </a:fillRef>
+            <a:effectRef idx="0">
+              <a:schemeClr val="accent1"/>
+            </a:effectRef>
+            <a:fontRef idx="minor">
+              <a:schemeClr val="lt1"/>
+            </a:fontRef>
+          </p:style>
+          <p:txBody>
+            <a:bodyPr rtlCol="0" anchor="ctr"/>
+            <a:lstStyle/>
+            <a:p>
+              <a:pPr algn="ctr"/>
+              <a:endParaRPr lang="en-US"/>
+            </a:p>
+          </p:txBody>
+        </p:sp>
+        <mc:AlternateContent xmlns:mc="http://schemas.openxmlformats.org/markup-compatibility/2006">
+          <mc:Choice xmlns:a14="http://schemas.microsoft.com/office/drawing/2010/main" Requires="a14">
+            <p:sp>
+              <p:nvSpPr>
+                <p:cNvPr id="11" name="TextBox 10">
+                  <a:extLst>
+                    <a:ext uri="{FF2B5EF4-FFF2-40B4-BE49-F238E27FC236}">
+                      <a16:creationId xmlns:a16="http://schemas.microsoft.com/office/drawing/2014/main" id="{62A77179-700A-E64E-5599-DBAEA161E401}"/>
+                    </a:ext>
+                  </a:extLst>
+                </p:cNvPr>
+                <p:cNvSpPr txBox="1"/>
+                <p:nvPr/>
+              </p:nvSpPr>
+              <p:spPr>
+                <a:xfrm>
+                  <a:off x="3159528" y="1426466"/>
+                  <a:ext cx="537327" cy="349583"/>
+                </a:xfrm>
+                <a:prstGeom prst="rect">
+                  <a:avLst/>
+                </a:prstGeom>
+                <a:noFill/>
+              </p:spPr>
+              <p:txBody>
+                <a:bodyPr wrap="none" rtlCol="0">
+                  <a:spAutoFit/>
+                </a:bodyPr>
+                <a:lstStyle/>
+                <a:p>
+                  <a:r>
+                    <a:rPr lang="en-US" sz="800" dirty="0"/>
+                    <a:t>Decoder</a:t>
+                  </a:r>
+                </a:p>
+                <a:p>
+                  <a14:m>
+                    <m:oMathPara xmlns:m="http://schemas.openxmlformats.org/officeDocument/2006/math">
+                      <m:oMathParaPr>
+                        <m:jc m:val="centerGroup"/>
+                      </m:oMathParaPr>
+                      <m:oMath xmlns:m="http://schemas.openxmlformats.org/officeDocument/2006/math">
+                        <m:sSub>
+                          <m:sSubPr>
+                            <m:ctrlPr>
+                              <a:rPr lang="en-US" sz="800" i="1" smtClean="0">
+                                <a:latin typeface="Cambria Math" panose="02040503050406030204" pitchFamily="18" charset="0"/>
+                                <a:ea typeface="Cambria Math" panose="02040503050406030204" pitchFamily="18" charset="0"/>
+                              </a:rPr>
+                            </m:ctrlPr>
+                          </m:sSubPr>
+                          <m:e>
+                            <m:r>
+                              <a:rPr lang="en-US" sz="800" b="0" i="1" smtClean="0">
+                                <a:latin typeface="Cambria Math" panose="02040503050406030204" pitchFamily="18" charset="0"/>
+                                <a:ea typeface="Cambria Math" panose="02040503050406030204" pitchFamily="18" charset="0"/>
+                              </a:rPr>
+                              <m:t>𝑔</m:t>
+                            </m:r>
+                          </m:e>
+                          <m:sub>
+                            <m:r>
+                              <a:rPr lang="en-US" sz="800" i="1" smtClean="0">
+                                <a:latin typeface="Cambria Math" panose="02040503050406030204" pitchFamily="18" charset="0"/>
+                                <a:ea typeface="Cambria Math" panose="02040503050406030204" pitchFamily="18" charset="0"/>
+                              </a:rPr>
+                              <m:t>𝜓</m:t>
+                            </m:r>
+                          </m:sub>
+                        </m:sSub>
+                      </m:oMath>
+                    </m:oMathPara>
+                  </a14:m>
+                  <a:endParaRPr lang="en-US" sz="800" dirty="0"/>
+                </a:p>
+              </p:txBody>
+            </p:sp>
+          </mc:Choice>
+          <mc:Fallback>
+            <p:sp>
+              <p:nvSpPr>
+                <p:cNvPr id="11" name="TextBox 10">
+                  <a:extLst>
+                    <a:ext uri="{FF2B5EF4-FFF2-40B4-BE49-F238E27FC236}">
+                      <a16:creationId xmlns:a16="http://schemas.microsoft.com/office/drawing/2014/main" id="{62A77179-700A-E64E-5599-DBAEA161E401}"/>
+                    </a:ext>
+                  </a:extLst>
+                </p:cNvPr>
+                <p:cNvSpPr txBox="1">
+                  <a:spLocks noRot="1" noChangeAspect="1" noMove="1" noResize="1" noEditPoints="1" noAdjustHandles="1" noChangeArrowheads="1" noChangeShapeType="1" noTextEdit="1"/>
+                </p:cNvSpPr>
+                <p:nvPr/>
+              </p:nvSpPr>
+              <p:spPr>
+                <a:xfrm>
+                  <a:off x="3159528" y="1426466"/>
+                  <a:ext cx="537327" cy="349583"/>
+                </a:xfrm>
+                <a:prstGeom prst="rect">
+                  <a:avLst/>
+                </a:prstGeom>
+                <a:blipFill>
+                  <a:blip r:embed="rId5"/>
+                  <a:stretch>
+                    <a:fillRect/>
+                  </a:stretch>
+                </a:blipFill>
+              </p:spPr>
+              <p:txBody>
+                <a:bodyPr/>
+                <a:lstStyle/>
+                <a:p>
+                  <a:r>
+                    <a:rPr lang="en-US">
+                      <a:noFill/>
+                    </a:rPr>
+                    <a:t> </a:t>
+                  </a:r>
+                </a:p>
+              </p:txBody>
+            </p:sp>
+          </mc:Fallback>
+        </mc:AlternateContent>
+        <p:sp>
+          <p:nvSpPr>
+            <p:cNvPr id="12" name="Rectangle 11">
+              <a:extLst>
+                <a:ext uri="{FF2B5EF4-FFF2-40B4-BE49-F238E27FC236}">
+                  <a16:creationId xmlns:a16="http://schemas.microsoft.com/office/drawing/2014/main" id="{B3775194-9643-E105-4202-EAADB52A6F4F}"/>
+                </a:ext>
+              </a:extLst>
+            </p:cNvPr>
+            <p:cNvSpPr/>
+            <p:nvPr/>
+          </p:nvSpPr>
+          <p:spPr>
+            <a:xfrm>
+              <a:off x="3962398" y="1073148"/>
+              <a:ext cx="238125" cy="1047750"/>
+            </a:xfrm>
+            <a:prstGeom prst="rect">
+              <a:avLst/>
+            </a:prstGeom>
+            <a:solidFill>
+              <a:schemeClr val="accent6">
+                <a:lumMod val="75000"/>
+                <a:alpha val="35761"/>
+              </a:schemeClr>
+            </a:solidFill>
+          </p:spPr>
+          <p:style>
+            <a:lnRef idx="2">
+              <a:schemeClr val="accent1">
+                <a:shade val="15000"/>
+              </a:schemeClr>
+            </a:lnRef>
+            <a:fillRef idx="1">
+              <a:schemeClr val="accent1"/>
+            </a:fillRef>
+            <a:effectRef idx="0">
+              <a:schemeClr val="accent1"/>
+            </a:effectRef>
+            <a:fontRef idx="minor">
+              <a:schemeClr val="lt1"/>
+            </a:fontRef>
+          </p:style>
+          <p:txBody>
+            <a:bodyPr rtlCol="0" anchor="ctr"/>
+            <a:lstStyle/>
+            <a:p>
+              <a:pPr algn="ctr"/>
+              <a:endParaRPr lang="en-US"/>
+            </a:p>
+          </p:txBody>
+        </p:sp>
+        <mc:AlternateContent xmlns:mc="http://schemas.openxmlformats.org/markup-compatibility/2006">
+          <mc:Choice xmlns:a14="http://schemas.microsoft.com/office/drawing/2010/main" Requires="a14">
+            <p:sp>
+              <p:nvSpPr>
+                <p:cNvPr id="13" name="TextBox 12">
+                  <a:extLst>
+                    <a:ext uri="{FF2B5EF4-FFF2-40B4-BE49-F238E27FC236}">
+                      <a16:creationId xmlns:a16="http://schemas.microsoft.com/office/drawing/2014/main" id="{6A20588D-8B39-16F3-258E-FE0063EB5FD5}"/>
+                    </a:ext>
+                  </a:extLst>
+                </p:cNvPr>
+                <p:cNvSpPr txBox="1"/>
+                <p:nvPr/>
+              </p:nvSpPr>
+              <p:spPr>
+                <a:xfrm>
+                  <a:off x="3962398" y="1453721"/>
+                  <a:ext cx="297902" cy="215444"/>
+                </a:xfrm>
+                <a:prstGeom prst="rect">
+                  <a:avLst/>
+                </a:prstGeom>
+                <a:noFill/>
+              </p:spPr>
+              <p:txBody>
+                <a:bodyPr wrap="none" rtlCol="0">
+                  <a:spAutoFit/>
+                </a:bodyPr>
+                <a:lstStyle/>
+                <a:p>
+                  <a14:m>
+                    <m:oMathPara xmlns:m="http://schemas.openxmlformats.org/officeDocument/2006/math">
+                      <m:oMathParaPr>
+                        <m:jc m:val="centerGroup"/>
+                      </m:oMathParaPr>
+                      <m:oMath xmlns:m="http://schemas.openxmlformats.org/officeDocument/2006/math">
+                        <m:sSup>
+                          <m:sSupPr>
+                            <m:ctrlPr>
+                              <a:rPr lang="en-US" sz="800" b="1" i="1" smtClean="0">
+                                <a:latin typeface="Cambria Math" panose="02040503050406030204" pitchFamily="18" charset="0"/>
+                              </a:rPr>
+                            </m:ctrlPr>
+                          </m:sSupPr>
+                          <m:e>
+                            <m:r>
+                              <a:rPr lang="en-US" sz="800" b="1" i="0" smtClean="0">
+                                <a:latin typeface="Cambria Math" panose="02040503050406030204" pitchFamily="18" charset="0"/>
+                              </a:rPr>
+                              <m:t>𝐱</m:t>
+                            </m:r>
+                          </m:e>
+                          <m:sup>
+                            <m:r>
+                              <a:rPr lang="en-US" sz="800" b="1" i="1" smtClean="0">
+                                <a:latin typeface="Cambria Math" panose="02040503050406030204" pitchFamily="18" charset="0"/>
+                              </a:rPr>
+                              <m:t>′</m:t>
+                            </m:r>
+                          </m:sup>
+                        </m:sSup>
+                      </m:oMath>
+                    </m:oMathPara>
+                  </a14:m>
+                  <a:endParaRPr lang="en-US" sz="800" b="1" dirty="0"/>
+                </a:p>
+              </p:txBody>
+            </p:sp>
+          </mc:Choice>
+          <mc:Fallback>
+            <p:sp>
+              <p:nvSpPr>
+                <p:cNvPr id="13" name="TextBox 12">
+                  <a:extLst>
+                    <a:ext uri="{FF2B5EF4-FFF2-40B4-BE49-F238E27FC236}">
+                      <a16:creationId xmlns:a16="http://schemas.microsoft.com/office/drawing/2014/main" id="{6A20588D-8B39-16F3-258E-FE0063EB5FD5}"/>
+                    </a:ext>
+                  </a:extLst>
+                </p:cNvPr>
+                <p:cNvSpPr txBox="1">
+                  <a:spLocks noRot="1" noChangeAspect="1" noMove="1" noResize="1" noEditPoints="1" noAdjustHandles="1" noChangeArrowheads="1" noChangeShapeType="1" noTextEdit="1"/>
+                </p:cNvSpPr>
+                <p:nvPr/>
+              </p:nvSpPr>
+              <p:spPr>
+                <a:xfrm>
+                  <a:off x="3962398" y="1453721"/>
+                  <a:ext cx="297902" cy="215444"/>
+                </a:xfrm>
+                <a:prstGeom prst="rect">
+                  <a:avLst/>
+                </a:prstGeom>
+                <a:blipFill>
+                  <a:blip r:embed="rId6"/>
+                  <a:stretch>
+                    <a:fillRect/>
+                  </a:stretch>
+                </a:blipFill>
+              </p:spPr>
+              <p:txBody>
+                <a:bodyPr/>
+                <a:lstStyle/>
+                <a:p>
+                  <a:r>
+                    <a:rPr lang="en-US">
+                      <a:noFill/>
+                    </a:rPr>
+                    <a:t> </a:t>
+                  </a:r>
+                </a:p>
+              </p:txBody>
+            </p:sp>
+          </mc:Fallback>
+        </mc:AlternateContent>
+        <mc:AlternateContent xmlns:mc="http://schemas.openxmlformats.org/markup-compatibility/2006">
+          <mc:Choice xmlns:a14="http://schemas.microsoft.com/office/drawing/2010/main" Requires="a14">
+            <p:sp>
+              <p:nvSpPr>
+                <p:cNvPr id="14" name="TextBox 13">
+                  <a:extLst>
+                    <a:ext uri="{FF2B5EF4-FFF2-40B4-BE49-F238E27FC236}">
+                      <a16:creationId xmlns:a16="http://schemas.microsoft.com/office/drawing/2014/main" id="{39CBDFB5-9547-CB6A-29FF-A5FD43D0DBEC}"/>
+                    </a:ext>
+                  </a:extLst>
+                </p:cNvPr>
+                <p:cNvSpPr txBox="1"/>
+                <p:nvPr/>
+              </p:nvSpPr>
+              <p:spPr>
+                <a:xfrm>
+                  <a:off x="1164917" y="797896"/>
+                  <a:ext cx="524503" cy="215444"/>
+                </a:xfrm>
+                <a:prstGeom prst="rect">
+                  <a:avLst/>
+                </a:prstGeom>
+                <a:noFill/>
+              </p:spPr>
+              <p:txBody>
+                <a:bodyPr wrap="none" rtlCol="0">
+                  <a:spAutoFit/>
+                </a:bodyPr>
+                <a:lstStyle/>
+                <a:p>
+                  <a14:m>
+                    <m:oMathPara xmlns:m="http://schemas.openxmlformats.org/officeDocument/2006/math">
+                      <m:oMathParaPr>
+                        <m:jc m:val="centerGroup"/>
+                      </m:oMathParaPr>
+                      <m:oMath xmlns:m="http://schemas.openxmlformats.org/officeDocument/2006/math">
+                        <m:r>
+                          <m:rPr>
+                            <m:sty m:val="p"/>
+                          </m:rPr>
+                          <a:rPr lang="en-US" sz="800" b="0" i="0" smtClean="0">
+                            <a:latin typeface="Cambria Math" panose="02040503050406030204" pitchFamily="18" charset="0"/>
+                          </a:rPr>
+                          <m:t>Input</m:t>
+                        </m:r>
+                        <m:r>
+                          <a:rPr lang="en-US" sz="800" b="0" i="0" smtClean="0">
+                            <a:latin typeface="Cambria Math" panose="02040503050406030204" pitchFamily="18" charset="0"/>
+                          </a:rPr>
+                          <m:t> </m:t>
+                        </m:r>
+                        <m:r>
+                          <a:rPr lang="en-US" sz="800" b="1" i="0" smtClean="0">
+                            <a:latin typeface="Cambria Math" panose="02040503050406030204" pitchFamily="18" charset="0"/>
+                          </a:rPr>
+                          <m:t>𝐱</m:t>
+                        </m:r>
+                      </m:oMath>
+                    </m:oMathPara>
+                  </a14:m>
+                  <a:endParaRPr lang="en-US" sz="800" b="1" dirty="0"/>
+                </a:p>
+              </p:txBody>
+            </p:sp>
+          </mc:Choice>
+          <mc:Fallback>
+            <p:sp>
+              <p:nvSpPr>
+                <p:cNvPr id="14" name="TextBox 13">
+                  <a:extLst>
+                    <a:ext uri="{FF2B5EF4-FFF2-40B4-BE49-F238E27FC236}">
+                      <a16:creationId xmlns:a16="http://schemas.microsoft.com/office/drawing/2014/main" id="{39CBDFB5-9547-CB6A-29FF-A5FD43D0DBEC}"/>
+                    </a:ext>
+                  </a:extLst>
+                </p:cNvPr>
+                <p:cNvSpPr txBox="1">
+                  <a:spLocks noRot="1" noChangeAspect="1" noMove="1" noResize="1" noEditPoints="1" noAdjustHandles="1" noChangeArrowheads="1" noChangeShapeType="1" noTextEdit="1"/>
+                </p:cNvSpPr>
+                <p:nvPr/>
+              </p:nvSpPr>
+              <p:spPr>
+                <a:xfrm>
+                  <a:off x="1164917" y="797896"/>
+                  <a:ext cx="524503" cy="215444"/>
+                </a:xfrm>
+                <a:prstGeom prst="rect">
+                  <a:avLst/>
+                </a:prstGeom>
+                <a:blipFill>
+                  <a:blip r:embed="rId7"/>
+                  <a:stretch>
+                    <a:fillRect b="-5556"/>
+                  </a:stretch>
+                </a:blipFill>
+              </p:spPr>
+              <p:txBody>
+                <a:bodyPr/>
+                <a:lstStyle/>
+                <a:p>
+                  <a:r>
+                    <a:rPr lang="en-US">
+                      <a:noFill/>
+                    </a:rPr>
+                    <a:t> </a:t>
+                  </a:r>
+                </a:p>
+              </p:txBody>
+            </p:sp>
+          </mc:Fallback>
+        </mc:AlternateContent>
+        <mc:AlternateContent xmlns:mc="http://schemas.openxmlformats.org/markup-compatibility/2006">
+          <mc:Choice xmlns:a14="http://schemas.microsoft.com/office/drawing/2010/main" Requires="a14">
+            <p:sp>
+              <p:nvSpPr>
+                <p:cNvPr id="15" name="TextBox 14">
+                  <a:extLst>
+                    <a:ext uri="{FF2B5EF4-FFF2-40B4-BE49-F238E27FC236}">
+                      <a16:creationId xmlns:a16="http://schemas.microsoft.com/office/drawing/2014/main" id="{241B02F3-703D-F1BA-51D3-6D8595CD1EAE}"/>
+                    </a:ext>
+                  </a:extLst>
+                </p:cNvPr>
+                <p:cNvSpPr txBox="1"/>
+                <p:nvPr/>
+              </p:nvSpPr>
+              <p:spPr>
+                <a:xfrm>
+                  <a:off x="3633786" y="713585"/>
+                  <a:ext cx="1049340" cy="338554"/>
+                </a:xfrm>
+                <a:prstGeom prst="rect">
+                  <a:avLst/>
+                </a:prstGeom>
+                <a:noFill/>
+              </p:spPr>
+              <p:txBody>
+                <a:bodyPr wrap="square" rtlCol="0">
+                  <a:spAutoFit/>
+                </a:bodyPr>
+                <a:lstStyle/>
+                <a:p>
+                  <a:pPr/>
+                  <a14:m>
+                    <m:oMath xmlns:m="http://schemas.openxmlformats.org/officeDocument/2006/math">
+                      <m:r>
+                        <m:rPr>
+                          <m:sty m:val="p"/>
+                        </m:rPr>
+                        <a:rPr lang="en-US" sz="800" b="0" i="0" smtClean="0">
+                          <a:latin typeface="Cambria Math" panose="02040503050406030204" pitchFamily="18" charset="0"/>
+                        </a:rPr>
+                        <m:t>Output</m:t>
+                      </m:r>
+                      <m:r>
+                        <a:rPr lang="en-US" sz="800" b="0" i="0" smtClean="0">
+                          <a:latin typeface="Cambria Math" panose="02040503050406030204" pitchFamily="18" charset="0"/>
+                        </a:rPr>
+                        <m:t> </m:t>
+                      </m:r>
+                      <m:sSup>
+                        <m:sSupPr>
+                          <m:ctrlPr>
+                            <a:rPr lang="en-US" sz="800" b="1" i="1" smtClean="0">
+                              <a:latin typeface="Cambria Math" panose="02040503050406030204" pitchFamily="18" charset="0"/>
+                            </a:rPr>
+                          </m:ctrlPr>
+                        </m:sSupPr>
+                        <m:e>
+                          <m:r>
+                            <a:rPr lang="en-US" sz="800" b="1" i="0" smtClean="0">
+                              <a:latin typeface="Cambria Math" panose="02040503050406030204" pitchFamily="18" charset="0"/>
+                            </a:rPr>
+                            <m:t>𝐱</m:t>
+                          </m:r>
+                        </m:e>
+                        <m:sup>
+                          <m:r>
+                            <a:rPr lang="en-US" sz="800" b="1" i="1" smtClean="0">
+                              <a:latin typeface="Cambria Math" panose="02040503050406030204" pitchFamily="18" charset="0"/>
+                            </a:rPr>
+                            <m:t>′</m:t>
+                          </m:r>
+                        </m:sup>
+                      </m:sSup>
+                    </m:oMath>
+                  </a14:m>
+                  <a:r>
+                    <a:rPr lang="en-US" sz="800" dirty="0"/>
+                    <a:t>  is </a:t>
+                  </a:r>
+                </a:p>
+                <a:p>
+                  <a:pPr/>
+                  <a:r>
+                    <a:rPr lang="en-US" sz="800" dirty="0"/>
+                    <a:t>reconstructed input</a:t>
+                  </a:r>
+                </a:p>
+              </p:txBody>
+            </p:sp>
+          </mc:Choice>
+          <mc:Fallback>
+            <p:sp>
+              <p:nvSpPr>
+                <p:cNvPr id="15" name="TextBox 14">
+                  <a:extLst>
+                    <a:ext uri="{FF2B5EF4-FFF2-40B4-BE49-F238E27FC236}">
+                      <a16:creationId xmlns:a16="http://schemas.microsoft.com/office/drawing/2014/main" id="{241B02F3-703D-F1BA-51D3-6D8595CD1EAE}"/>
+                    </a:ext>
+                  </a:extLst>
+                </p:cNvPr>
+                <p:cNvSpPr txBox="1">
+                  <a:spLocks noRot="1" noChangeAspect="1" noMove="1" noResize="1" noEditPoints="1" noAdjustHandles="1" noChangeArrowheads="1" noChangeShapeType="1" noTextEdit="1"/>
+                </p:cNvSpPr>
+                <p:nvPr/>
+              </p:nvSpPr>
+              <p:spPr>
+                <a:xfrm>
+                  <a:off x="3633786" y="713585"/>
+                  <a:ext cx="1049340" cy="338554"/>
+                </a:xfrm>
+                <a:prstGeom prst="rect">
+                  <a:avLst/>
+                </a:prstGeom>
+                <a:blipFill>
+                  <a:blip r:embed="rId8"/>
+                  <a:stretch>
+                    <a:fillRect/>
+                  </a:stretch>
+                </a:blipFill>
+              </p:spPr>
+              <p:txBody>
+                <a:bodyPr/>
+                <a:lstStyle/>
+                <a:p>
+                  <a:r>
+                    <a:rPr lang="en-US">
+                      <a:noFill/>
+                    </a:rPr>
+                    <a:t> </a:t>
+                  </a:r>
+                </a:p>
+              </p:txBody>
+            </p:sp>
+          </mc:Fallback>
+        </mc:AlternateContent>
+        <p:cxnSp>
+          <p:nvCxnSpPr>
+            <p:cNvPr id="17" name="Straight Arrow Connector 16">
+              <a:extLst>
+                <a:ext uri="{FF2B5EF4-FFF2-40B4-BE49-F238E27FC236}">
+                  <a16:creationId xmlns:a16="http://schemas.microsoft.com/office/drawing/2014/main" id="{BCD30BFF-BCF2-FD73-42A6-3E2751F9D3DC}"/>
+                </a:ext>
+              </a:extLst>
+            </p:cNvPr>
+            <p:cNvCxnSpPr>
+              <a:cxnSpLocks/>
+            </p:cNvCxnSpPr>
+            <p:nvPr/>
+          </p:nvCxnSpPr>
+          <p:spPr>
+            <a:xfrm>
+              <a:off x="1535726" y="1595718"/>
+              <a:ext cx="307387" cy="0"/>
+            </a:xfrm>
+            <a:prstGeom prst="straightConnector1">
+              <a:avLst/>
+            </a:prstGeom>
+            <a:ln>
+              <a:tailEnd type="triangle"/>
+            </a:ln>
+          </p:spPr>
+          <p:style>
+            <a:lnRef idx="1">
+              <a:schemeClr val="accent1"/>
+            </a:lnRef>
+            <a:fillRef idx="0">
+              <a:schemeClr val="accent1"/>
+            </a:fillRef>
+            <a:effectRef idx="0">
+              <a:schemeClr val="accent1"/>
+            </a:effectRef>
+            <a:fontRef idx="minor">
+              <a:schemeClr val="tx1"/>
+            </a:fontRef>
+          </p:style>
+        </p:cxnSp>
+        <p:cxnSp>
+          <p:nvCxnSpPr>
+            <p:cNvPr id="19" name="Straight Arrow Connector 18">
+              <a:extLst>
+                <a:ext uri="{FF2B5EF4-FFF2-40B4-BE49-F238E27FC236}">
+                  <a16:creationId xmlns:a16="http://schemas.microsoft.com/office/drawing/2014/main" id="{6A310A70-EDC7-2648-8ED4-EC530FC4D6AB}"/>
+                </a:ext>
+              </a:extLst>
+            </p:cNvPr>
+            <p:cNvCxnSpPr>
+              <a:cxnSpLocks/>
+            </p:cNvCxnSpPr>
+            <p:nvPr/>
+          </p:nvCxnSpPr>
+          <p:spPr>
+            <a:xfrm>
+              <a:off x="2333087" y="1595718"/>
+              <a:ext cx="281449" cy="0"/>
+            </a:xfrm>
+            <a:prstGeom prst="straightConnector1">
+              <a:avLst/>
+            </a:prstGeom>
+            <a:ln>
+              <a:tailEnd type="triangle"/>
+            </a:ln>
+          </p:spPr>
+          <p:style>
+            <a:lnRef idx="1">
+              <a:schemeClr val="accent1"/>
+            </a:lnRef>
+            <a:fillRef idx="0">
+              <a:schemeClr val="accent1"/>
+            </a:fillRef>
+            <a:effectRef idx="0">
+              <a:schemeClr val="accent1"/>
+            </a:effectRef>
+            <a:fontRef idx="minor">
+              <a:schemeClr val="tx1"/>
+            </a:fontRef>
+          </p:style>
+        </p:cxnSp>
+        <p:cxnSp>
+          <p:nvCxnSpPr>
+            <p:cNvPr id="22" name="Straight Arrow Connector 21">
+              <a:extLst>
+                <a:ext uri="{FF2B5EF4-FFF2-40B4-BE49-F238E27FC236}">
+                  <a16:creationId xmlns:a16="http://schemas.microsoft.com/office/drawing/2014/main" id="{C2CDC83C-866E-2504-F199-D235A8F1469B}"/>
+                </a:ext>
+              </a:extLst>
+            </p:cNvPr>
+            <p:cNvCxnSpPr>
+              <a:cxnSpLocks/>
+            </p:cNvCxnSpPr>
+            <p:nvPr/>
+          </p:nvCxnSpPr>
+          <p:spPr>
+            <a:xfrm>
+              <a:off x="2900681" y="1600761"/>
+              <a:ext cx="281449" cy="0"/>
+            </a:xfrm>
+            <a:prstGeom prst="straightConnector1">
+              <a:avLst/>
+            </a:prstGeom>
+            <a:ln>
+              <a:tailEnd type="triangle"/>
+            </a:ln>
+          </p:spPr>
+          <p:style>
+            <a:lnRef idx="1">
+              <a:schemeClr val="accent1"/>
+            </a:lnRef>
+            <a:fillRef idx="0">
+              <a:schemeClr val="accent1"/>
+            </a:fillRef>
+            <a:effectRef idx="0">
+              <a:schemeClr val="accent1"/>
+            </a:effectRef>
+            <a:fontRef idx="minor">
+              <a:schemeClr val="tx1"/>
+            </a:fontRef>
+          </p:style>
+        </p:cxnSp>
+        <p:cxnSp>
+          <p:nvCxnSpPr>
+            <p:cNvPr id="23" name="Straight Arrow Connector 22">
+              <a:extLst>
+                <a:ext uri="{FF2B5EF4-FFF2-40B4-BE49-F238E27FC236}">
+                  <a16:creationId xmlns:a16="http://schemas.microsoft.com/office/drawing/2014/main" id="{3D1B6B57-E1F0-7936-8EF0-BD6267732B44}"/>
+                </a:ext>
+              </a:extLst>
+            </p:cNvPr>
+            <p:cNvCxnSpPr>
+              <a:cxnSpLocks/>
+            </p:cNvCxnSpPr>
+            <p:nvPr/>
+          </p:nvCxnSpPr>
+          <p:spPr>
+            <a:xfrm>
+              <a:off x="3674255" y="1595718"/>
+              <a:ext cx="281449" cy="0"/>
+            </a:xfrm>
+            <a:prstGeom prst="straightConnector1">
+              <a:avLst/>
+            </a:prstGeom>
+            <a:ln>
+              <a:tailEnd type="triangle"/>
+            </a:ln>
+          </p:spPr>
+          <p:style>
+            <a:lnRef idx="1">
+              <a:schemeClr val="accent1"/>
+            </a:lnRef>
+            <a:fillRef idx="0">
+              <a:schemeClr val="accent1"/>
+            </a:fillRef>
+            <a:effectRef idx="0">
+              <a:schemeClr val="accent1"/>
+            </a:effectRef>
+            <a:fontRef idx="minor">
+              <a:schemeClr val="tx1"/>
+            </a:fontRef>
+          </p:style>
+        </p:cxnSp>
+      </p:grpSp>
     </p:spTree>
     <p:extLst>
       <p:ext uri="{BB962C8B-B14F-4D97-AF65-F5344CB8AC3E}">

--- a/docs/VariationalAutoencodersFigures.pptx
+++ b/docs/VariationalAutoencodersFigures.pptx
@@ -4555,6 +4555,1307 @@
           </p:style>
         </p:cxnSp>
       </p:grpSp>
+      <p:grpSp>
+        <p:nvGrpSpPr>
+          <p:cNvPr id="45" name="Group 44">
+            <a:extLst>
+              <a:ext uri="{FF2B5EF4-FFF2-40B4-BE49-F238E27FC236}">
+                <a16:creationId xmlns:a16="http://schemas.microsoft.com/office/drawing/2014/main" id="{D4C37F74-FCC9-6850-C1CE-F27E252D69BC}"/>
+              </a:ext>
+            </a:extLst>
+          </p:cNvPr>
+          <p:cNvGrpSpPr/>
+          <p:nvPr/>
+        </p:nvGrpSpPr>
+        <p:grpSpPr>
+          <a:xfrm>
+            <a:off x="5973792" y="646981"/>
+            <a:ext cx="1872664" cy="1473917"/>
+            <a:chOff x="5973792" y="646981"/>
+            <a:chExt cx="1872664" cy="1473917"/>
+          </a:xfrm>
+        </p:grpSpPr>
+        <p:grpSp>
+          <p:nvGrpSpPr>
+            <p:cNvPr id="30" name="Group 29">
+              <a:extLst>
+                <a:ext uri="{FF2B5EF4-FFF2-40B4-BE49-F238E27FC236}">
+                  <a16:creationId xmlns:a16="http://schemas.microsoft.com/office/drawing/2014/main" id="{47EC103A-D23C-4FF5-AACE-AD7FAADF3251}"/>
+                </a:ext>
+              </a:extLst>
+            </p:cNvPr>
+            <p:cNvGrpSpPr/>
+            <p:nvPr/>
+          </p:nvGrpSpPr>
+          <p:grpSpPr>
+            <a:xfrm>
+              <a:off x="6184830" y="829468"/>
+              <a:ext cx="1004977" cy="424709"/>
+              <a:chOff x="6184830" y="829468"/>
+              <a:chExt cx="1004977" cy="424709"/>
+            </a:xfrm>
+          </p:grpSpPr>
+          <mc:AlternateContent xmlns:mc="http://schemas.openxmlformats.org/markup-compatibility/2006">
+            <mc:Choice xmlns:a14="http://schemas.microsoft.com/office/drawing/2010/main" Requires="a14">
+              <p:sp>
+                <p:nvSpPr>
+                  <p:cNvPr id="25" name="TextBox 24">
+                    <a:extLst>
+                      <a:ext uri="{FF2B5EF4-FFF2-40B4-BE49-F238E27FC236}">
+                        <a16:creationId xmlns:a16="http://schemas.microsoft.com/office/drawing/2014/main" id="{B8CC107F-D281-1902-622B-FC7F94612685}"/>
+                      </a:ext>
+                    </a:extLst>
+                  </p:cNvPr>
+                  <p:cNvSpPr txBox="1"/>
+                  <p:nvPr/>
+                </p:nvSpPr>
+                <p:spPr>
+                  <a:xfrm>
+                    <a:off x="6271404" y="918713"/>
+                    <a:ext cx="831831" cy="246221"/>
+                  </a:xfrm>
+                  <a:prstGeom prst="rect">
+                    <a:avLst/>
+                  </a:prstGeom>
+                  <a:noFill/>
+                </p:spPr>
+                <p:txBody>
+                  <a:bodyPr wrap="none" rtlCol="0">
+                    <a:spAutoFit/>
+                  </a:bodyPr>
+                  <a:lstStyle/>
+                  <a:p>
+                    <a14:m>
+                      <m:oMathPara xmlns:m="http://schemas.openxmlformats.org/officeDocument/2006/math">
+                        <m:oMathParaPr>
+                          <m:jc m:val="centerGroup"/>
+                        </m:oMathParaPr>
+                        <m:oMath xmlns:m="http://schemas.openxmlformats.org/officeDocument/2006/math">
+                          <m:r>
+                            <a:rPr lang="en-US" sz="1000" i="1" dirty="0" smtClean="0">
+                              <a:latin typeface="Cambria Math" panose="02040503050406030204" pitchFamily="18" charset="0"/>
+                            </a:rPr>
+                            <m:t>𝑧</m:t>
+                          </m:r>
+                          <m:r>
+                            <a:rPr lang="en-US" sz="1000" b="0" i="1" dirty="0" smtClean="0">
+                              <a:latin typeface="Cambria Math" panose="02040503050406030204" pitchFamily="18" charset="0"/>
+                            </a:rPr>
+                            <m:t> </m:t>
+                          </m:r>
+                          <m:r>
+                            <a:rPr lang="en-US" sz="1000" i="1" dirty="0" smtClean="0">
+                              <a:latin typeface="Cambria Math" panose="02040503050406030204" pitchFamily="18" charset="0"/>
+                              <a:ea typeface="Cambria Math" panose="02040503050406030204" pitchFamily="18" charset="0"/>
+                            </a:rPr>
+                            <m:t>~</m:t>
+                          </m:r>
+                          <m:r>
+                            <a:rPr lang="en-US" sz="1000" b="0" i="1" dirty="0" smtClean="0">
+                              <a:latin typeface="Cambria Math" panose="02040503050406030204" pitchFamily="18" charset="0"/>
+                              <a:ea typeface="Cambria Math" panose="02040503050406030204" pitchFamily="18" charset="0"/>
+                            </a:rPr>
+                            <m:t> </m:t>
+                          </m:r>
+                          <m:r>
+                            <a:rPr lang="en-US" sz="1000" b="0" i="1" dirty="0" smtClean="0">
+                              <a:latin typeface="Cambria Math" panose="02040503050406030204" pitchFamily="18" charset="0"/>
+                              <a:ea typeface="Cambria Math" panose="02040503050406030204" pitchFamily="18" charset="0"/>
+                            </a:rPr>
+                            <m:t>𝒩</m:t>
+                          </m:r>
+                          <m:d>
+                            <m:dPr>
+                              <m:ctrlPr>
+                                <a:rPr lang="en-US" sz="1000" b="0" i="1" dirty="0" smtClean="0">
+                                  <a:latin typeface="Cambria Math" panose="02040503050406030204" pitchFamily="18" charset="0"/>
+                                  <a:ea typeface="Cambria Math" panose="02040503050406030204" pitchFamily="18" charset="0"/>
+                                </a:rPr>
+                              </m:ctrlPr>
+                            </m:dPr>
+                            <m:e>
+                              <m:r>
+                                <a:rPr lang="en-US" sz="1000" b="0" i="1" dirty="0" smtClean="0">
+                                  <a:latin typeface="Cambria Math" panose="02040503050406030204" pitchFamily="18" charset="0"/>
+                                  <a:ea typeface="Cambria Math" panose="02040503050406030204" pitchFamily="18" charset="0"/>
+                                </a:rPr>
+                                <m:t>0, </m:t>
+                              </m:r>
+                              <m:r>
+                                <a:rPr lang="en-US" sz="1000" b="0" i="1" dirty="0" smtClean="0">
+                                  <a:latin typeface="Cambria Math" panose="02040503050406030204" pitchFamily="18" charset="0"/>
+                                  <a:ea typeface="Cambria Math" panose="02040503050406030204" pitchFamily="18" charset="0"/>
+                                </a:rPr>
+                                <m:t>𝐼</m:t>
+                              </m:r>
+                            </m:e>
+                          </m:d>
+                        </m:oMath>
+                      </m:oMathPara>
+                    </a14:m>
+                    <a:endParaRPr lang="en-US" sz="1000" dirty="0"/>
+                  </a:p>
+                </p:txBody>
+              </p:sp>
+            </mc:Choice>
+            <mc:Fallback>
+              <p:sp>
+                <p:nvSpPr>
+                  <p:cNvPr id="25" name="TextBox 24">
+                    <a:extLst>
+                      <a:ext uri="{FF2B5EF4-FFF2-40B4-BE49-F238E27FC236}">
+                        <a16:creationId xmlns:a16="http://schemas.microsoft.com/office/drawing/2014/main" id="{B8CC107F-D281-1902-622B-FC7F94612685}"/>
+                      </a:ext>
+                    </a:extLst>
+                  </p:cNvPr>
+                  <p:cNvSpPr txBox="1">
+                    <a:spLocks noRot="1" noChangeAspect="1" noMove="1" noResize="1" noEditPoints="1" noAdjustHandles="1" noChangeArrowheads="1" noChangeShapeType="1" noTextEdit="1"/>
+                  </p:cNvSpPr>
+                  <p:nvPr/>
+                </p:nvSpPr>
+                <p:spPr>
+                  <a:xfrm>
+                    <a:off x="6271404" y="918713"/>
+                    <a:ext cx="831831" cy="246221"/>
+                  </a:xfrm>
+                  <a:prstGeom prst="rect">
+                    <a:avLst/>
+                  </a:prstGeom>
+                  <a:blipFill>
+                    <a:blip r:embed="rId9"/>
+                    <a:stretch>
+                      <a:fillRect b="-5000"/>
+                    </a:stretch>
+                  </a:blipFill>
+                </p:spPr>
+                <p:txBody>
+                  <a:bodyPr/>
+                  <a:lstStyle/>
+                  <a:p>
+                    <a:r>
+                      <a:rPr lang="en-US">
+                        <a:noFill/>
+                      </a:rPr>
+                      <a:t> </a:t>
+                    </a:r>
+                  </a:p>
+                </p:txBody>
+              </p:sp>
+            </mc:Fallback>
+          </mc:AlternateContent>
+          <p:sp>
+            <p:nvSpPr>
+              <p:cNvPr id="26" name="Oval 25">
+                <a:extLst>
+                  <a:ext uri="{FF2B5EF4-FFF2-40B4-BE49-F238E27FC236}">
+                    <a16:creationId xmlns:a16="http://schemas.microsoft.com/office/drawing/2014/main" id="{5C9E1271-FBDE-9B93-7E39-879B836CE571}"/>
+                  </a:ext>
+                </a:extLst>
+              </p:cNvPr>
+              <p:cNvSpPr/>
+              <p:nvPr/>
+            </p:nvSpPr>
+            <p:spPr>
+              <a:xfrm>
+                <a:off x="6184830" y="829468"/>
+                <a:ext cx="1004977" cy="424709"/>
+              </a:xfrm>
+              <a:prstGeom prst="ellipse">
+                <a:avLst/>
+              </a:prstGeom>
+              <a:solidFill>
+                <a:schemeClr val="accent1">
+                  <a:alpha val="21000"/>
+                </a:schemeClr>
+              </a:solidFill>
+            </p:spPr>
+            <p:style>
+              <a:lnRef idx="2">
+                <a:schemeClr val="accent1">
+                  <a:shade val="15000"/>
+                </a:schemeClr>
+              </a:lnRef>
+              <a:fillRef idx="1">
+                <a:schemeClr val="accent1"/>
+              </a:fillRef>
+              <a:effectRef idx="0">
+                <a:schemeClr val="accent1"/>
+              </a:effectRef>
+              <a:fontRef idx="minor">
+                <a:schemeClr val="lt1"/>
+              </a:fontRef>
+            </p:style>
+            <p:txBody>
+              <a:bodyPr rtlCol="0" anchor="ctr"/>
+              <a:lstStyle/>
+              <a:p>
+                <a:pPr algn="ctr"/>
+                <a:endParaRPr lang="en-US"/>
+              </a:p>
+            </p:txBody>
+          </p:sp>
+        </p:grpSp>
+        <p:grpSp>
+          <p:nvGrpSpPr>
+            <p:cNvPr id="29" name="Group 28">
+              <a:extLst>
+                <a:ext uri="{FF2B5EF4-FFF2-40B4-BE49-F238E27FC236}">
+                  <a16:creationId xmlns:a16="http://schemas.microsoft.com/office/drawing/2014/main" id="{AC531AEC-E62A-9364-6F03-269F29D387E6}"/>
+                </a:ext>
+              </a:extLst>
+            </p:cNvPr>
+            <p:cNvGrpSpPr/>
+            <p:nvPr/>
+          </p:nvGrpSpPr>
+          <p:grpSpPr>
+            <a:xfrm>
+              <a:off x="6522659" y="1609906"/>
+              <a:ext cx="329318" cy="332286"/>
+              <a:chOff x="6511423" y="1595885"/>
+              <a:chExt cx="329318" cy="332286"/>
+            </a:xfrm>
+          </p:grpSpPr>
+          <mc:AlternateContent xmlns:mc="http://schemas.openxmlformats.org/markup-compatibility/2006">
+            <mc:Choice xmlns:a14="http://schemas.microsoft.com/office/drawing/2010/main" Requires="a14">
+              <p:sp>
+                <p:nvSpPr>
+                  <p:cNvPr id="27" name="TextBox 26">
+                    <a:extLst>
+                      <a:ext uri="{FF2B5EF4-FFF2-40B4-BE49-F238E27FC236}">
+                        <a16:creationId xmlns:a16="http://schemas.microsoft.com/office/drawing/2014/main" id="{4575F036-6D04-F1D0-CDE5-B30F68357386}"/>
+                      </a:ext>
+                    </a:extLst>
+                  </p:cNvPr>
+                  <p:cNvSpPr txBox="1"/>
+                  <p:nvPr/>
+                </p:nvSpPr>
+                <p:spPr>
+                  <a:xfrm>
+                    <a:off x="6537308" y="1636184"/>
+                    <a:ext cx="300019" cy="246221"/>
+                  </a:xfrm>
+                  <a:prstGeom prst="rect">
+                    <a:avLst/>
+                  </a:prstGeom>
+                  <a:noFill/>
+                </p:spPr>
+                <p:txBody>
+                  <a:bodyPr wrap="none" rtlCol="0">
+                    <a:spAutoFit/>
+                  </a:bodyPr>
+                  <a:lstStyle/>
+                  <a:p>
+                    <a14:m>
+                      <m:oMathPara xmlns:m="http://schemas.openxmlformats.org/officeDocument/2006/math">
+                        <m:oMathParaPr>
+                          <m:jc m:val="centerGroup"/>
+                        </m:oMathParaPr>
+                        <m:oMath xmlns:m="http://schemas.openxmlformats.org/officeDocument/2006/math">
+                          <m:r>
+                            <a:rPr lang="en-US" sz="1000" i="1" dirty="0" smtClean="0">
+                              <a:latin typeface="Cambria Math" panose="02040503050406030204" pitchFamily="18" charset="0"/>
+                            </a:rPr>
+                            <m:t>𝑋</m:t>
+                          </m:r>
+                        </m:oMath>
+                      </m:oMathPara>
+                    </a14:m>
+                    <a:endParaRPr lang="en-US" sz="1000" dirty="0"/>
+                  </a:p>
+                </p:txBody>
+              </p:sp>
+            </mc:Choice>
+            <mc:Fallback>
+              <p:sp>
+                <p:nvSpPr>
+                  <p:cNvPr id="27" name="TextBox 26">
+                    <a:extLst>
+                      <a:ext uri="{FF2B5EF4-FFF2-40B4-BE49-F238E27FC236}">
+                        <a16:creationId xmlns:a16="http://schemas.microsoft.com/office/drawing/2014/main" id="{4575F036-6D04-F1D0-CDE5-B30F68357386}"/>
+                      </a:ext>
+                    </a:extLst>
+                  </p:cNvPr>
+                  <p:cNvSpPr txBox="1">
+                    <a:spLocks noRot="1" noChangeAspect="1" noMove="1" noResize="1" noEditPoints="1" noAdjustHandles="1" noChangeArrowheads="1" noChangeShapeType="1" noTextEdit="1"/>
+                  </p:cNvSpPr>
+                  <p:nvPr/>
+                </p:nvSpPr>
+                <p:spPr>
+                  <a:xfrm>
+                    <a:off x="6537308" y="1636184"/>
+                    <a:ext cx="300019" cy="246221"/>
+                  </a:xfrm>
+                  <a:prstGeom prst="rect">
+                    <a:avLst/>
+                  </a:prstGeom>
+                  <a:blipFill>
+                    <a:blip r:embed="rId10"/>
+                    <a:stretch>
+                      <a:fillRect/>
+                    </a:stretch>
+                  </a:blipFill>
+                </p:spPr>
+                <p:txBody>
+                  <a:bodyPr/>
+                  <a:lstStyle/>
+                  <a:p>
+                    <a:r>
+                      <a:rPr lang="en-US">
+                        <a:noFill/>
+                      </a:rPr>
+                      <a:t> </a:t>
+                    </a:r>
+                  </a:p>
+                </p:txBody>
+              </p:sp>
+            </mc:Fallback>
+          </mc:AlternateContent>
+          <p:sp>
+            <p:nvSpPr>
+              <p:cNvPr id="28" name="Oval 27">
+                <a:extLst>
+                  <a:ext uri="{FF2B5EF4-FFF2-40B4-BE49-F238E27FC236}">
+                    <a16:creationId xmlns:a16="http://schemas.microsoft.com/office/drawing/2014/main" id="{D0AE8C19-CF89-F279-1B47-FAA035276111}"/>
+                  </a:ext>
+                </a:extLst>
+              </p:cNvPr>
+              <p:cNvSpPr/>
+              <p:nvPr/>
+            </p:nvSpPr>
+            <p:spPr>
+              <a:xfrm>
+                <a:off x="6511423" y="1595885"/>
+                <a:ext cx="329318" cy="332286"/>
+              </a:xfrm>
+              <a:prstGeom prst="ellipse">
+                <a:avLst/>
+              </a:prstGeom>
+              <a:solidFill>
+                <a:schemeClr val="accent1">
+                  <a:alpha val="26887"/>
+                </a:schemeClr>
+              </a:solidFill>
+            </p:spPr>
+            <p:style>
+              <a:lnRef idx="2">
+                <a:schemeClr val="accent1">
+                  <a:shade val="15000"/>
+                </a:schemeClr>
+              </a:lnRef>
+              <a:fillRef idx="1">
+                <a:schemeClr val="accent1"/>
+              </a:fillRef>
+              <a:effectRef idx="0">
+                <a:schemeClr val="accent1"/>
+              </a:effectRef>
+              <a:fontRef idx="minor">
+                <a:schemeClr val="lt1"/>
+              </a:fontRef>
+            </p:style>
+            <p:txBody>
+              <a:bodyPr rtlCol="0" anchor="ctr"/>
+              <a:lstStyle/>
+              <a:p>
+                <a:pPr algn="ctr"/>
+                <a:endParaRPr lang="en-US"/>
+              </a:p>
+            </p:txBody>
+          </p:sp>
+        </p:grpSp>
+        <p:grpSp>
+          <p:nvGrpSpPr>
+            <p:cNvPr id="34" name="Group 33">
+              <a:extLst>
+                <a:ext uri="{FF2B5EF4-FFF2-40B4-BE49-F238E27FC236}">
+                  <a16:creationId xmlns:a16="http://schemas.microsoft.com/office/drawing/2014/main" id="{B9F1A6AA-721C-DF78-EFE4-BE325A185333}"/>
+                </a:ext>
+              </a:extLst>
+            </p:cNvPr>
+            <p:cNvGrpSpPr/>
+            <p:nvPr/>
+          </p:nvGrpSpPr>
+          <p:grpSpPr>
+            <a:xfrm>
+              <a:off x="7517138" y="882862"/>
+              <a:ext cx="329318" cy="332286"/>
+              <a:chOff x="7524761" y="875679"/>
+              <a:chExt cx="329318" cy="332286"/>
+            </a:xfrm>
+          </p:grpSpPr>
+          <p:sp>
+            <p:nvSpPr>
+              <p:cNvPr id="33" name="Oval 32">
+                <a:extLst>
+                  <a:ext uri="{FF2B5EF4-FFF2-40B4-BE49-F238E27FC236}">
+                    <a16:creationId xmlns:a16="http://schemas.microsoft.com/office/drawing/2014/main" id="{A5B2D075-F61B-F0EA-34EC-6FF859157569}"/>
+                  </a:ext>
+                </a:extLst>
+              </p:cNvPr>
+              <p:cNvSpPr/>
+              <p:nvPr/>
+            </p:nvSpPr>
+            <p:spPr>
+              <a:xfrm>
+                <a:off x="7524761" y="875679"/>
+                <a:ext cx="329318" cy="332286"/>
+              </a:xfrm>
+              <a:prstGeom prst="ellipse">
+                <a:avLst/>
+              </a:prstGeom>
+              <a:solidFill>
+                <a:schemeClr val="accent1">
+                  <a:alpha val="26887"/>
+                </a:schemeClr>
+              </a:solidFill>
+            </p:spPr>
+            <p:style>
+              <a:lnRef idx="2">
+                <a:schemeClr val="accent1">
+                  <a:shade val="15000"/>
+                </a:schemeClr>
+              </a:lnRef>
+              <a:fillRef idx="1">
+                <a:schemeClr val="accent1"/>
+              </a:fillRef>
+              <a:effectRef idx="0">
+                <a:schemeClr val="accent1"/>
+              </a:effectRef>
+              <a:fontRef idx="minor">
+                <a:schemeClr val="lt1"/>
+              </a:fontRef>
+            </p:style>
+            <p:txBody>
+              <a:bodyPr rtlCol="0" anchor="ctr"/>
+              <a:lstStyle/>
+              <a:p>
+                <a:pPr algn="ctr"/>
+                <a:endParaRPr lang="en-US" dirty="0"/>
+              </a:p>
+            </p:txBody>
+          </p:sp>
+          <mc:AlternateContent xmlns:mc="http://schemas.openxmlformats.org/markup-compatibility/2006">
+            <mc:Choice xmlns:a14="http://schemas.microsoft.com/office/drawing/2010/main" Requires="a14">
+              <p:sp>
+                <p:nvSpPr>
+                  <p:cNvPr id="32" name="TextBox 31">
+                    <a:extLst>
+                      <a:ext uri="{FF2B5EF4-FFF2-40B4-BE49-F238E27FC236}">
+                        <a16:creationId xmlns:a16="http://schemas.microsoft.com/office/drawing/2014/main" id="{94DE0C0C-EAA2-72EB-9D01-2B0EFAE0C3CB}"/>
+                      </a:ext>
+                    </a:extLst>
+                  </p:cNvPr>
+                  <p:cNvSpPr txBox="1"/>
+                  <p:nvPr/>
+                </p:nvSpPr>
+                <p:spPr>
+                  <a:xfrm>
+                    <a:off x="7550646" y="915978"/>
+                    <a:ext cx="289438" cy="246221"/>
+                  </a:xfrm>
+                  <a:prstGeom prst="rect">
+                    <a:avLst/>
+                  </a:prstGeom>
+                  <a:noFill/>
+                </p:spPr>
+                <p:txBody>
+                  <a:bodyPr wrap="none" rtlCol="0">
+                    <a:spAutoFit/>
+                  </a:bodyPr>
+                  <a:lstStyle/>
+                  <a:p>
+                    <a14:m>
+                      <m:oMathPara xmlns:m="http://schemas.openxmlformats.org/officeDocument/2006/math">
+                        <m:oMathParaPr>
+                          <m:jc m:val="centerGroup"/>
+                        </m:oMathParaPr>
+                        <m:oMath xmlns:m="http://schemas.openxmlformats.org/officeDocument/2006/math">
+                          <m:r>
+                            <a:rPr lang="en-US" sz="1000" i="1" smtClean="0">
+                              <a:latin typeface="Cambria Math" panose="02040503050406030204" pitchFamily="18" charset="0"/>
+                              <a:ea typeface="Cambria Math" panose="02040503050406030204" pitchFamily="18" charset="0"/>
+                            </a:rPr>
+                            <m:t>𝜃</m:t>
+                          </m:r>
+                        </m:oMath>
+                      </m:oMathPara>
+                    </a14:m>
+                    <a:endParaRPr lang="en-US" sz="1000" dirty="0"/>
+                  </a:p>
+                </p:txBody>
+              </p:sp>
+            </mc:Choice>
+            <mc:Fallback>
+              <p:sp>
+                <p:nvSpPr>
+                  <p:cNvPr id="32" name="TextBox 31">
+                    <a:extLst>
+                      <a:ext uri="{FF2B5EF4-FFF2-40B4-BE49-F238E27FC236}">
+                        <a16:creationId xmlns:a16="http://schemas.microsoft.com/office/drawing/2014/main" id="{94DE0C0C-EAA2-72EB-9D01-2B0EFAE0C3CB}"/>
+                      </a:ext>
+                    </a:extLst>
+                  </p:cNvPr>
+                  <p:cNvSpPr txBox="1">
+                    <a:spLocks noRot="1" noChangeAspect="1" noMove="1" noResize="1" noEditPoints="1" noAdjustHandles="1" noChangeArrowheads="1" noChangeShapeType="1" noTextEdit="1"/>
+                  </p:cNvSpPr>
+                  <p:nvPr/>
+                </p:nvSpPr>
+                <p:spPr>
+                  <a:xfrm>
+                    <a:off x="7550646" y="915978"/>
+                    <a:ext cx="289438" cy="246221"/>
+                  </a:xfrm>
+                  <a:prstGeom prst="rect">
+                    <a:avLst/>
+                  </a:prstGeom>
+                  <a:blipFill>
+                    <a:blip r:embed="rId11"/>
+                    <a:stretch>
+                      <a:fillRect/>
+                    </a:stretch>
+                  </a:blipFill>
+                </p:spPr>
+                <p:txBody>
+                  <a:bodyPr/>
+                  <a:lstStyle/>
+                  <a:p>
+                    <a:r>
+                      <a:rPr lang="en-US">
+                        <a:noFill/>
+                      </a:rPr>
+                      <a:t> </a:t>
+                    </a:r>
+                  </a:p>
+                </p:txBody>
+              </p:sp>
+            </mc:Fallback>
+          </mc:AlternateContent>
+        </p:grpSp>
+        <p:cxnSp>
+          <p:nvCxnSpPr>
+            <p:cNvPr id="36" name="Straight Arrow Connector 35">
+              <a:extLst>
+                <a:ext uri="{FF2B5EF4-FFF2-40B4-BE49-F238E27FC236}">
+                  <a16:creationId xmlns:a16="http://schemas.microsoft.com/office/drawing/2014/main" id="{D2DEB997-552E-D6D6-7126-4FD5BC0D1BD9}"/>
+                </a:ext>
+              </a:extLst>
+            </p:cNvPr>
+            <p:cNvCxnSpPr>
+              <a:stCxn id="26" idx="4"/>
+              <a:endCxn id="28" idx="0"/>
+            </p:cNvCxnSpPr>
+            <p:nvPr/>
+          </p:nvCxnSpPr>
+          <p:spPr>
+            <a:xfrm flipH="1">
+              <a:off x="6687318" y="1254177"/>
+              <a:ext cx="1" cy="355729"/>
+            </a:xfrm>
+            <a:prstGeom prst="straightConnector1">
+              <a:avLst/>
+            </a:prstGeom>
+            <a:ln>
+              <a:tailEnd type="triangle"/>
+            </a:ln>
+          </p:spPr>
+          <p:style>
+            <a:lnRef idx="1">
+              <a:schemeClr val="accent1"/>
+            </a:lnRef>
+            <a:fillRef idx="0">
+              <a:schemeClr val="accent1"/>
+            </a:fillRef>
+            <a:effectRef idx="0">
+              <a:schemeClr val="accent1"/>
+            </a:effectRef>
+            <a:fontRef idx="minor">
+              <a:schemeClr val="tx1"/>
+            </a:fontRef>
+          </p:style>
+        </p:cxnSp>
+        <p:cxnSp>
+          <p:nvCxnSpPr>
+            <p:cNvPr id="38" name="Straight Arrow Connector 37">
+              <a:extLst>
+                <a:ext uri="{FF2B5EF4-FFF2-40B4-BE49-F238E27FC236}">
+                  <a16:creationId xmlns:a16="http://schemas.microsoft.com/office/drawing/2014/main" id="{9A4D3039-EB78-EB86-D1AB-903BD1EEFFF6}"/>
+                </a:ext>
+              </a:extLst>
+            </p:cNvPr>
+            <p:cNvCxnSpPr>
+              <a:cxnSpLocks/>
+              <a:endCxn id="28" idx="7"/>
+            </p:cNvCxnSpPr>
+            <p:nvPr/>
+          </p:nvCxnSpPr>
+          <p:spPr>
+            <a:xfrm flipH="1">
+              <a:off x="6803749" y="1164934"/>
+              <a:ext cx="761617" cy="493634"/>
+            </a:xfrm>
+            <a:prstGeom prst="straightConnector1">
+              <a:avLst/>
+            </a:prstGeom>
+            <a:ln>
+              <a:tailEnd type="triangle"/>
+            </a:ln>
+          </p:spPr>
+          <p:style>
+            <a:lnRef idx="1">
+              <a:schemeClr val="accent1"/>
+            </a:lnRef>
+            <a:fillRef idx="0">
+              <a:schemeClr val="accent1"/>
+            </a:fillRef>
+            <a:effectRef idx="0">
+              <a:schemeClr val="accent1"/>
+            </a:effectRef>
+            <a:fontRef idx="minor">
+              <a:schemeClr val="tx1"/>
+            </a:fontRef>
+          </p:style>
+        </p:cxnSp>
+        <p:sp>
+          <p:nvSpPr>
+            <p:cNvPr id="43" name="Rectangle 42">
+              <a:extLst>
+                <a:ext uri="{FF2B5EF4-FFF2-40B4-BE49-F238E27FC236}">
+                  <a16:creationId xmlns:a16="http://schemas.microsoft.com/office/drawing/2014/main" id="{48FBDD3C-0094-B4DE-29BE-083C583A5E74}"/>
+                </a:ext>
+              </a:extLst>
+            </p:cNvPr>
+            <p:cNvSpPr/>
+            <p:nvPr/>
+          </p:nvSpPr>
+          <p:spPr>
+            <a:xfrm>
+              <a:off x="5973792" y="646981"/>
+              <a:ext cx="1427672" cy="1473917"/>
+            </a:xfrm>
+            <a:prstGeom prst="rect">
+              <a:avLst/>
+            </a:prstGeom>
+            <a:solidFill>
+              <a:schemeClr val="accent1">
+                <a:alpha val="5841"/>
+              </a:schemeClr>
+            </a:solidFill>
+          </p:spPr>
+          <p:style>
+            <a:lnRef idx="2">
+              <a:schemeClr val="accent1">
+                <a:shade val="15000"/>
+              </a:schemeClr>
+            </a:lnRef>
+            <a:fillRef idx="1">
+              <a:schemeClr val="accent1"/>
+            </a:fillRef>
+            <a:effectRef idx="0">
+              <a:schemeClr val="accent1"/>
+            </a:effectRef>
+            <a:fontRef idx="minor">
+              <a:schemeClr val="lt1"/>
+            </a:fontRef>
+          </p:style>
+          <p:txBody>
+            <a:bodyPr rtlCol="0" anchor="ctr"/>
+            <a:lstStyle/>
+            <a:p>
+              <a:pPr algn="ctr"/>
+              <a:endParaRPr lang="en-US" dirty="0"/>
+            </a:p>
+          </p:txBody>
+        </p:sp>
+        <mc:AlternateContent xmlns:mc="http://schemas.openxmlformats.org/markup-compatibility/2006">
+          <mc:Choice xmlns:a14="http://schemas.microsoft.com/office/drawing/2010/main" Requires="a14">
+            <p:sp>
+              <p:nvSpPr>
+                <p:cNvPr id="44" name="TextBox 43">
+                  <a:extLst>
+                    <a:ext uri="{FF2B5EF4-FFF2-40B4-BE49-F238E27FC236}">
+                      <a16:creationId xmlns:a16="http://schemas.microsoft.com/office/drawing/2014/main" id="{DE9C3AFB-CAF5-F4C9-BC9B-17B9C3006B3C}"/>
+                    </a:ext>
+                  </a:extLst>
+                </p:cNvPr>
+                <p:cNvSpPr txBox="1"/>
+                <p:nvPr/>
+              </p:nvSpPr>
+              <p:spPr>
+                <a:xfrm>
+                  <a:off x="7116110" y="1870496"/>
+                  <a:ext cx="311239" cy="246221"/>
+                </a:xfrm>
+                <a:prstGeom prst="rect">
+                  <a:avLst/>
+                </a:prstGeom>
+                <a:noFill/>
+              </p:spPr>
+              <p:txBody>
+                <a:bodyPr wrap="none" rtlCol="0">
+                  <a:spAutoFit/>
+                </a:bodyPr>
+                <a:lstStyle/>
+                <a:p>
+                  <a14:m>
+                    <m:oMathPara xmlns:m="http://schemas.openxmlformats.org/officeDocument/2006/math">
+                      <m:oMathParaPr>
+                        <m:jc m:val="centerGroup"/>
+                      </m:oMathParaPr>
+                      <m:oMath xmlns:m="http://schemas.openxmlformats.org/officeDocument/2006/math">
+                        <m:r>
+                          <a:rPr lang="en-US" sz="1000" i="1" dirty="0" smtClean="0">
+                            <a:latin typeface="Cambria Math" panose="02040503050406030204" pitchFamily="18" charset="0"/>
+                          </a:rPr>
+                          <m:t>𝑁</m:t>
+                        </m:r>
+                      </m:oMath>
+                    </m:oMathPara>
+                  </a14:m>
+                  <a:endParaRPr lang="en-US" sz="1000" dirty="0"/>
+                </a:p>
+              </p:txBody>
+            </p:sp>
+          </mc:Choice>
+          <mc:Fallback>
+            <p:sp>
+              <p:nvSpPr>
+                <p:cNvPr id="44" name="TextBox 43">
+                  <a:extLst>
+                    <a:ext uri="{FF2B5EF4-FFF2-40B4-BE49-F238E27FC236}">
+                      <a16:creationId xmlns:a16="http://schemas.microsoft.com/office/drawing/2014/main" id="{DE9C3AFB-CAF5-F4C9-BC9B-17B9C3006B3C}"/>
+                    </a:ext>
+                  </a:extLst>
+                </p:cNvPr>
+                <p:cNvSpPr txBox="1">
+                  <a:spLocks noRot="1" noChangeAspect="1" noMove="1" noResize="1" noEditPoints="1" noAdjustHandles="1" noChangeArrowheads="1" noChangeShapeType="1" noTextEdit="1"/>
+                </p:cNvSpPr>
+                <p:nvPr/>
+              </p:nvSpPr>
+              <p:spPr>
+                <a:xfrm>
+                  <a:off x="7116110" y="1870496"/>
+                  <a:ext cx="311239" cy="246221"/>
+                </a:xfrm>
+                <a:prstGeom prst="rect">
+                  <a:avLst/>
+                </a:prstGeom>
+                <a:blipFill>
+                  <a:blip r:embed="rId12"/>
+                  <a:stretch>
+                    <a:fillRect/>
+                  </a:stretch>
+                </a:blipFill>
+              </p:spPr>
+              <p:txBody>
+                <a:bodyPr/>
+                <a:lstStyle/>
+                <a:p>
+                  <a:r>
+                    <a:rPr lang="en-US">
+                      <a:noFill/>
+                    </a:rPr>
+                    <a:t> </a:t>
+                  </a:r>
+                </a:p>
+              </p:txBody>
+            </p:sp>
+          </mc:Fallback>
+        </mc:AlternateContent>
+      </p:grpSp>
+      <mc:AlternateContent xmlns:mc="http://schemas.openxmlformats.org/markup-compatibility/2006">
+        <mc:Choice xmlns:a14="http://schemas.microsoft.com/office/drawing/2010/main" Requires="a14">
+          <p:sp>
+            <p:nvSpPr>
+              <p:cNvPr id="46" name="TextBox 45">
+                <a:extLst>
+                  <a:ext uri="{FF2B5EF4-FFF2-40B4-BE49-F238E27FC236}">
+                    <a16:creationId xmlns:a16="http://schemas.microsoft.com/office/drawing/2014/main" id="{3DA15823-4243-5190-98A8-F06CCE6D4F81}"/>
+                  </a:ext>
+                </a:extLst>
+              </p:cNvPr>
+              <p:cNvSpPr txBox="1"/>
+              <p:nvPr/>
+            </p:nvSpPr>
+            <p:spPr>
+              <a:xfrm>
+                <a:off x="9385540" y="1013340"/>
+                <a:ext cx="320280" cy="230832"/>
+              </a:xfrm>
+              <a:prstGeom prst="rect">
+                <a:avLst/>
+              </a:prstGeom>
+              <a:noFill/>
+            </p:spPr>
+            <p:txBody>
+              <a:bodyPr wrap="none" rtlCol="0">
+                <a:spAutoFit/>
+              </a:bodyPr>
+              <a:lstStyle/>
+              <a:p>
+                <a14:m>
+                  <m:oMathPara xmlns:m="http://schemas.openxmlformats.org/officeDocument/2006/math">
+                    <m:oMathParaPr>
+                      <m:jc m:val="centerGroup"/>
+                    </m:oMathParaPr>
+                    <m:oMath xmlns:m="http://schemas.openxmlformats.org/officeDocument/2006/math">
+                      <m:sSub>
+                        <m:sSubPr>
+                          <m:ctrlPr>
+                            <a:rPr lang="en-US" sz="900" i="1" smtClean="0">
+                              <a:latin typeface="Cambria Math" panose="02040503050406030204" pitchFamily="18" charset="0"/>
+                            </a:rPr>
+                          </m:ctrlPr>
+                        </m:sSubPr>
+                        <m:e>
+                          <m:r>
+                            <a:rPr lang="en-US" sz="900" b="0" i="1" smtClean="0">
+                              <a:latin typeface="Cambria Math" panose="02040503050406030204" pitchFamily="18" charset="0"/>
+                            </a:rPr>
+                            <m:t>𝑥</m:t>
+                          </m:r>
+                        </m:e>
+                        <m:sub>
+                          <m:r>
+                            <a:rPr lang="en-US" sz="900" b="0" i="1" smtClean="0">
+                              <a:latin typeface="Cambria Math" panose="02040503050406030204" pitchFamily="18" charset="0"/>
+                            </a:rPr>
+                            <m:t>1</m:t>
+                          </m:r>
+                        </m:sub>
+                      </m:sSub>
+                    </m:oMath>
+                  </m:oMathPara>
+                </a14:m>
+                <a:endParaRPr lang="en-US" sz="900" dirty="0"/>
+              </a:p>
+            </p:txBody>
+          </p:sp>
+        </mc:Choice>
+        <mc:Fallback>
+          <p:sp>
+            <p:nvSpPr>
+              <p:cNvPr id="46" name="TextBox 45">
+                <a:extLst>
+                  <a:ext uri="{FF2B5EF4-FFF2-40B4-BE49-F238E27FC236}">
+                    <a16:creationId xmlns:a16="http://schemas.microsoft.com/office/drawing/2014/main" id="{3DA15823-4243-5190-98A8-F06CCE6D4F81}"/>
+                  </a:ext>
+                </a:extLst>
+              </p:cNvPr>
+              <p:cNvSpPr txBox="1">
+                <a:spLocks noRot="1" noChangeAspect="1" noMove="1" noResize="1" noEditPoints="1" noAdjustHandles="1" noChangeArrowheads="1" noChangeShapeType="1" noTextEdit="1"/>
+              </p:cNvSpPr>
+              <p:nvPr/>
+            </p:nvSpPr>
+            <p:spPr>
+              <a:xfrm>
+                <a:off x="9385540" y="1013340"/>
+                <a:ext cx="320280" cy="230832"/>
+              </a:xfrm>
+              <a:prstGeom prst="rect">
+                <a:avLst/>
+              </a:prstGeom>
+              <a:blipFill>
+                <a:blip r:embed="rId13"/>
+                <a:stretch>
+                  <a:fillRect/>
+                </a:stretch>
+              </a:blipFill>
+            </p:spPr>
+            <p:txBody>
+              <a:bodyPr/>
+              <a:lstStyle/>
+              <a:p>
+                <a:r>
+                  <a:rPr lang="en-US">
+                    <a:noFill/>
+                  </a:rPr>
+                  <a:t> </a:t>
+                </a:r>
+              </a:p>
+            </p:txBody>
+          </p:sp>
+        </mc:Fallback>
+      </mc:AlternateContent>
+      <mc:AlternateContent xmlns:mc="http://schemas.openxmlformats.org/markup-compatibility/2006">
+        <mc:Choice xmlns:a14="http://schemas.microsoft.com/office/drawing/2010/main" Requires="a14">
+          <p:sp>
+            <p:nvSpPr>
+              <p:cNvPr id="47" name="TextBox 46">
+                <a:extLst>
+                  <a:ext uri="{FF2B5EF4-FFF2-40B4-BE49-F238E27FC236}">
+                    <a16:creationId xmlns:a16="http://schemas.microsoft.com/office/drawing/2014/main" id="{5B7297EC-416E-13FE-95F9-31641A7880C6}"/>
+                  </a:ext>
+                </a:extLst>
+              </p:cNvPr>
+              <p:cNvSpPr txBox="1"/>
+              <p:nvPr/>
+            </p:nvSpPr>
+            <p:spPr>
+              <a:xfrm>
+                <a:off x="9380583" y="1455470"/>
+                <a:ext cx="322973" cy="230832"/>
+              </a:xfrm>
+              <a:prstGeom prst="rect">
+                <a:avLst/>
+              </a:prstGeom>
+              <a:noFill/>
+            </p:spPr>
+            <p:txBody>
+              <a:bodyPr wrap="none" rtlCol="0">
+                <a:spAutoFit/>
+              </a:bodyPr>
+              <a:lstStyle/>
+              <a:p>
+                <a14:m>
+                  <m:oMathPara xmlns:m="http://schemas.openxmlformats.org/officeDocument/2006/math">
+                    <m:oMathParaPr>
+                      <m:jc m:val="centerGroup"/>
+                    </m:oMathParaPr>
+                    <m:oMath xmlns:m="http://schemas.openxmlformats.org/officeDocument/2006/math">
+                      <m:sSub>
+                        <m:sSubPr>
+                          <m:ctrlPr>
+                            <a:rPr lang="en-US" sz="900" i="1" smtClean="0">
+                              <a:latin typeface="Cambria Math" panose="02040503050406030204" pitchFamily="18" charset="0"/>
+                            </a:rPr>
+                          </m:ctrlPr>
+                        </m:sSubPr>
+                        <m:e>
+                          <m:r>
+                            <a:rPr lang="en-US" sz="900" b="0" i="1" smtClean="0">
+                              <a:latin typeface="Cambria Math" panose="02040503050406030204" pitchFamily="18" charset="0"/>
+                            </a:rPr>
+                            <m:t>𝑥</m:t>
+                          </m:r>
+                        </m:e>
+                        <m:sub>
+                          <m:r>
+                            <a:rPr lang="en-US" sz="900" b="0" i="1" smtClean="0">
+                              <a:latin typeface="Cambria Math" panose="02040503050406030204" pitchFamily="18" charset="0"/>
+                            </a:rPr>
+                            <m:t>2</m:t>
+                          </m:r>
+                        </m:sub>
+                      </m:sSub>
+                    </m:oMath>
+                  </m:oMathPara>
+                </a14:m>
+                <a:endParaRPr lang="en-US" sz="900" dirty="0"/>
+              </a:p>
+            </p:txBody>
+          </p:sp>
+        </mc:Choice>
+        <mc:Fallback>
+          <p:sp>
+            <p:nvSpPr>
+              <p:cNvPr id="47" name="TextBox 46">
+                <a:extLst>
+                  <a:ext uri="{FF2B5EF4-FFF2-40B4-BE49-F238E27FC236}">
+                    <a16:creationId xmlns:a16="http://schemas.microsoft.com/office/drawing/2014/main" id="{5B7297EC-416E-13FE-95F9-31641A7880C6}"/>
+                  </a:ext>
+                </a:extLst>
+              </p:cNvPr>
+              <p:cNvSpPr txBox="1">
+                <a:spLocks noRot="1" noChangeAspect="1" noMove="1" noResize="1" noEditPoints="1" noAdjustHandles="1" noChangeArrowheads="1" noChangeShapeType="1" noTextEdit="1"/>
+              </p:cNvSpPr>
+              <p:nvPr/>
+            </p:nvSpPr>
+            <p:spPr>
+              <a:xfrm>
+                <a:off x="9380583" y="1455470"/>
+                <a:ext cx="322973" cy="230832"/>
+              </a:xfrm>
+              <a:prstGeom prst="rect">
+                <a:avLst/>
+              </a:prstGeom>
+              <a:blipFill>
+                <a:blip r:embed="rId14"/>
+                <a:stretch>
+                  <a:fillRect/>
+                </a:stretch>
+              </a:blipFill>
+            </p:spPr>
+            <p:txBody>
+              <a:bodyPr/>
+              <a:lstStyle/>
+              <a:p>
+                <a:r>
+                  <a:rPr lang="en-US">
+                    <a:noFill/>
+                  </a:rPr>
+                  <a:t> </a:t>
+                </a:r>
+              </a:p>
+            </p:txBody>
+          </p:sp>
+        </mc:Fallback>
+      </mc:AlternateContent>
+      <mc:AlternateContent xmlns:mc="http://schemas.openxmlformats.org/markup-compatibility/2006">
+        <mc:Choice xmlns:a14="http://schemas.microsoft.com/office/drawing/2010/main" Requires="a14">
+          <p:sp>
+            <p:nvSpPr>
+              <p:cNvPr id="48" name="TextBox 47">
+                <a:extLst>
+                  <a:ext uri="{FF2B5EF4-FFF2-40B4-BE49-F238E27FC236}">
+                    <a16:creationId xmlns:a16="http://schemas.microsoft.com/office/drawing/2014/main" id="{674E7053-F16E-C70B-A248-F58FE7EDBA18}"/>
+                  </a:ext>
+                </a:extLst>
+              </p:cNvPr>
+              <p:cNvSpPr txBox="1"/>
+              <p:nvPr/>
+            </p:nvSpPr>
+            <p:spPr>
+              <a:xfrm>
+                <a:off x="9382367" y="1888609"/>
+                <a:ext cx="322973" cy="230832"/>
+              </a:xfrm>
+              <a:prstGeom prst="rect">
+                <a:avLst/>
+              </a:prstGeom>
+              <a:noFill/>
+            </p:spPr>
+            <p:txBody>
+              <a:bodyPr wrap="none" rtlCol="0">
+                <a:spAutoFit/>
+              </a:bodyPr>
+              <a:lstStyle/>
+              <a:p>
+                <a14:m>
+                  <m:oMathPara xmlns:m="http://schemas.openxmlformats.org/officeDocument/2006/math">
+                    <m:oMathParaPr>
+                      <m:jc m:val="centerGroup"/>
+                    </m:oMathParaPr>
+                    <m:oMath xmlns:m="http://schemas.openxmlformats.org/officeDocument/2006/math">
+                      <m:sSub>
+                        <m:sSubPr>
+                          <m:ctrlPr>
+                            <a:rPr lang="en-US" sz="900" i="1" smtClean="0">
+                              <a:latin typeface="Cambria Math" panose="02040503050406030204" pitchFamily="18" charset="0"/>
+                            </a:rPr>
+                          </m:ctrlPr>
+                        </m:sSubPr>
+                        <m:e>
+                          <m:r>
+                            <a:rPr lang="en-US" sz="900" b="0" i="1" smtClean="0">
+                              <a:latin typeface="Cambria Math" panose="02040503050406030204" pitchFamily="18" charset="0"/>
+                            </a:rPr>
+                            <m:t>𝑥</m:t>
+                          </m:r>
+                        </m:e>
+                        <m:sub>
+                          <m:r>
+                            <a:rPr lang="en-US" sz="900" b="0" i="1" smtClean="0">
+                              <a:latin typeface="Cambria Math" panose="02040503050406030204" pitchFamily="18" charset="0"/>
+                            </a:rPr>
+                            <m:t>3</m:t>
+                          </m:r>
+                        </m:sub>
+                      </m:sSub>
+                    </m:oMath>
+                  </m:oMathPara>
+                </a14:m>
+                <a:endParaRPr lang="en-US" sz="900" dirty="0"/>
+              </a:p>
+            </p:txBody>
+          </p:sp>
+        </mc:Choice>
+        <mc:Fallback>
+          <p:sp>
+            <p:nvSpPr>
+              <p:cNvPr id="48" name="TextBox 47">
+                <a:extLst>
+                  <a:ext uri="{FF2B5EF4-FFF2-40B4-BE49-F238E27FC236}">
+                    <a16:creationId xmlns:a16="http://schemas.microsoft.com/office/drawing/2014/main" id="{674E7053-F16E-C70B-A248-F58FE7EDBA18}"/>
+                  </a:ext>
+                </a:extLst>
+              </p:cNvPr>
+              <p:cNvSpPr txBox="1">
+                <a:spLocks noRot="1" noChangeAspect="1" noMove="1" noResize="1" noEditPoints="1" noAdjustHandles="1" noChangeArrowheads="1" noChangeShapeType="1" noTextEdit="1"/>
+              </p:cNvSpPr>
+              <p:nvPr/>
+            </p:nvSpPr>
+            <p:spPr>
+              <a:xfrm>
+                <a:off x="9382367" y="1888609"/>
+                <a:ext cx="322973" cy="230832"/>
+              </a:xfrm>
+              <a:prstGeom prst="rect">
+                <a:avLst/>
+              </a:prstGeom>
+              <a:blipFill>
+                <a:blip r:embed="rId15"/>
+                <a:stretch>
+                  <a:fillRect/>
+                </a:stretch>
+              </a:blipFill>
+            </p:spPr>
+            <p:txBody>
+              <a:bodyPr/>
+              <a:lstStyle/>
+              <a:p>
+                <a:r>
+                  <a:rPr lang="en-US">
+                    <a:noFill/>
+                  </a:rPr>
+                  <a:t> </a:t>
+                </a:r>
+              </a:p>
+            </p:txBody>
+          </p:sp>
+        </mc:Fallback>
+      </mc:AlternateContent>
+      <p:sp>
+        <p:nvSpPr>
+          <p:cNvPr id="49" name="Oval 48">
+            <a:extLst>
+              <a:ext uri="{FF2B5EF4-FFF2-40B4-BE49-F238E27FC236}">
+                <a16:creationId xmlns:a16="http://schemas.microsoft.com/office/drawing/2014/main" id="{1290628C-990A-639D-E58A-CA0B586E4566}"/>
+              </a:ext>
+            </a:extLst>
+          </p:cNvPr>
+          <p:cNvSpPr/>
+          <p:nvPr/>
+        </p:nvSpPr>
+        <p:spPr>
+          <a:xfrm>
+            <a:off x="9371545" y="975285"/>
+            <a:ext cx="329318" cy="332286"/>
+          </a:xfrm>
+          <a:prstGeom prst="ellipse">
+            <a:avLst/>
+          </a:prstGeom>
+          <a:solidFill>
+            <a:schemeClr val="accent1">
+              <a:alpha val="26887"/>
+            </a:schemeClr>
+          </a:solidFill>
+        </p:spPr>
+        <p:style>
+          <a:lnRef idx="2">
+            <a:schemeClr val="accent1">
+              <a:shade val="15000"/>
+            </a:schemeClr>
+          </a:lnRef>
+          <a:fillRef idx="1">
+            <a:schemeClr val="accent1"/>
+          </a:fillRef>
+          <a:effectRef idx="0">
+            <a:schemeClr val="accent1"/>
+          </a:effectRef>
+          <a:fontRef idx="minor">
+            <a:schemeClr val="lt1"/>
+          </a:fontRef>
+        </p:style>
+        <p:txBody>
+          <a:bodyPr rtlCol="0" anchor="ctr"/>
+          <a:lstStyle/>
+          <a:p>
+            <a:pPr algn="ctr"/>
+            <a:endParaRPr lang="en-US" dirty="0"/>
+          </a:p>
+        </p:txBody>
+      </p:sp>
+      <p:sp>
+        <p:nvSpPr>
+          <p:cNvPr id="50" name="Oval 49">
+            <a:extLst>
+              <a:ext uri="{FF2B5EF4-FFF2-40B4-BE49-F238E27FC236}">
+                <a16:creationId xmlns:a16="http://schemas.microsoft.com/office/drawing/2014/main" id="{2AB41B04-39DF-F479-1BC2-18F9617797DA}"/>
+              </a:ext>
+            </a:extLst>
+          </p:cNvPr>
+          <p:cNvSpPr/>
+          <p:nvPr/>
+        </p:nvSpPr>
+        <p:spPr>
+          <a:xfrm>
+            <a:off x="9379195" y="1417662"/>
+            <a:ext cx="329318" cy="332286"/>
+          </a:xfrm>
+          <a:prstGeom prst="ellipse">
+            <a:avLst/>
+          </a:prstGeom>
+          <a:solidFill>
+            <a:schemeClr val="accent1">
+              <a:alpha val="26887"/>
+            </a:schemeClr>
+          </a:solidFill>
+        </p:spPr>
+        <p:style>
+          <a:lnRef idx="2">
+            <a:schemeClr val="accent1">
+              <a:shade val="15000"/>
+            </a:schemeClr>
+          </a:lnRef>
+          <a:fillRef idx="1">
+            <a:schemeClr val="accent1"/>
+          </a:fillRef>
+          <a:effectRef idx="0">
+            <a:schemeClr val="accent1"/>
+          </a:effectRef>
+          <a:fontRef idx="minor">
+            <a:schemeClr val="lt1"/>
+          </a:fontRef>
+        </p:style>
+        <p:txBody>
+          <a:bodyPr rtlCol="0" anchor="ctr"/>
+          <a:lstStyle/>
+          <a:p>
+            <a:pPr algn="ctr"/>
+            <a:endParaRPr lang="en-US" dirty="0"/>
+          </a:p>
+        </p:txBody>
+      </p:sp>
+      <p:sp>
+        <p:nvSpPr>
+          <p:cNvPr id="51" name="Oval 50">
+            <a:extLst>
+              <a:ext uri="{FF2B5EF4-FFF2-40B4-BE49-F238E27FC236}">
+                <a16:creationId xmlns:a16="http://schemas.microsoft.com/office/drawing/2014/main" id="{1AD1FCC6-306E-8752-C108-8E488E321527}"/>
+              </a:ext>
+            </a:extLst>
+          </p:cNvPr>
+          <p:cNvSpPr/>
+          <p:nvPr/>
+        </p:nvSpPr>
+        <p:spPr>
+          <a:xfrm>
+            <a:off x="9379195" y="1858654"/>
+            <a:ext cx="329318" cy="332286"/>
+          </a:xfrm>
+          <a:prstGeom prst="ellipse">
+            <a:avLst/>
+          </a:prstGeom>
+          <a:solidFill>
+            <a:schemeClr val="accent1">
+              <a:alpha val="26887"/>
+            </a:schemeClr>
+          </a:solidFill>
+        </p:spPr>
+        <p:style>
+          <a:lnRef idx="2">
+            <a:schemeClr val="accent1">
+              <a:shade val="15000"/>
+            </a:schemeClr>
+          </a:lnRef>
+          <a:fillRef idx="1">
+            <a:schemeClr val="accent1"/>
+          </a:fillRef>
+          <a:effectRef idx="0">
+            <a:schemeClr val="accent1"/>
+          </a:effectRef>
+          <a:fontRef idx="minor">
+            <a:schemeClr val="lt1"/>
+          </a:fontRef>
+        </p:style>
+        <p:txBody>
+          <a:bodyPr rtlCol="0" anchor="ctr"/>
+          <a:lstStyle/>
+          <a:p>
+            <a:pPr algn="ctr"/>
+            <a:endParaRPr lang="en-US" dirty="0"/>
+          </a:p>
+        </p:txBody>
+      </p:sp>
     </p:spTree>
     <p:extLst>
       <p:ext uri="{BB962C8B-B14F-4D97-AF65-F5344CB8AC3E}">

--- a/docs/VariationalAutoencodersFigures.pptx
+++ b/docs/VariationalAutoencodersFigures.pptx
@@ -3321,6 +3321,115 @@
           <a:chExt cx="0" cy="0"/>
         </a:xfrm>
       </p:grpSpPr>
+      <p:sp>
+        <p:nvSpPr>
+          <p:cNvPr id="61" name="Oval 60">
+            <a:extLst>
+              <a:ext uri="{FF2B5EF4-FFF2-40B4-BE49-F238E27FC236}">
+                <a16:creationId xmlns:a16="http://schemas.microsoft.com/office/drawing/2014/main" id="{39D86CA3-910D-4D34-8935-1B6831B6A8E9}"/>
+              </a:ext>
+            </a:extLst>
+          </p:cNvPr>
+          <p:cNvSpPr/>
+          <p:nvPr/>
+        </p:nvSpPr>
+        <p:spPr>
+          <a:xfrm>
+            <a:off x="10057304" y="1674120"/>
+            <a:ext cx="329318" cy="332286"/>
+          </a:xfrm>
+          <a:prstGeom prst="ellipse">
+            <a:avLst/>
+          </a:prstGeom>
+          <a:solidFill>
+            <a:schemeClr val="accent2">
+              <a:alpha val="26887"/>
+            </a:schemeClr>
+          </a:solidFill>
+          <a:ln>
+            <a:solidFill>
+              <a:schemeClr val="accent2">
+                <a:lumMod val="75000"/>
+              </a:schemeClr>
+            </a:solidFill>
+          </a:ln>
+        </p:spPr>
+        <p:style>
+          <a:lnRef idx="2">
+            <a:schemeClr val="accent1">
+              <a:shade val="15000"/>
+            </a:schemeClr>
+          </a:lnRef>
+          <a:fillRef idx="1">
+            <a:schemeClr val="accent1"/>
+          </a:fillRef>
+          <a:effectRef idx="0">
+            <a:schemeClr val="accent1"/>
+          </a:effectRef>
+          <a:fontRef idx="minor">
+            <a:schemeClr val="lt1"/>
+          </a:fontRef>
+        </p:style>
+        <p:txBody>
+          <a:bodyPr rtlCol="0" anchor="ctr"/>
+          <a:lstStyle/>
+          <a:p>
+            <a:pPr algn="ctr"/>
+            <a:endParaRPr lang="en-US" dirty="0"/>
+          </a:p>
+        </p:txBody>
+      </p:sp>
+      <p:sp>
+        <p:nvSpPr>
+          <p:cNvPr id="53" name="Oval 52">
+            <a:extLst>
+              <a:ext uri="{FF2B5EF4-FFF2-40B4-BE49-F238E27FC236}">
+                <a16:creationId xmlns:a16="http://schemas.microsoft.com/office/drawing/2014/main" id="{0352C064-F0BD-2594-355C-2AA4DEA061CF}"/>
+              </a:ext>
+            </a:extLst>
+          </p:cNvPr>
+          <p:cNvSpPr/>
+          <p:nvPr/>
+        </p:nvSpPr>
+        <p:spPr>
+          <a:xfrm>
+            <a:off x="9379195" y="2299646"/>
+            <a:ext cx="329318" cy="332286"/>
+          </a:xfrm>
+          <a:prstGeom prst="ellipse">
+            <a:avLst/>
+          </a:prstGeom>
+          <a:solidFill>
+            <a:schemeClr val="accent1">
+              <a:alpha val="26887"/>
+            </a:schemeClr>
+          </a:solidFill>
+        </p:spPr>
+        <p:style>
+          <a:lnRef idx="2">
+            <a:schemeClr val="accent1">
+              <a:shade val="15000"/>
+            </a:schemeClr>
+          </a:lnRef>
+          <a:fillRef idx="1">
+            <a:schemeClr val="accent1"/>
+          </a:fillRef>
+          <a:effectRef idx="0">
+            <a:schemeClr val="accent1"/>
+          </a:effectRef>
+          <a:fontRef idx="minor">
+            <a:schemeClr val="lt1"/>
+          </a:fontRef>
+        </p:style>
+        <p:txBody>
+          <a:bodyPr rtlCol="0" anchor="ctr"/>
+          <a:lstStyle/>
+          <a:p>
+            <a:pPr algn="ctr"/>
+            <a:endParaRPr lang="en-US" dirty="0"/>
+          </a:p>
+        </p:txBody>
+      </p:sp>
       <p:grpSp>
         <p:nvGrpSpPr>
           <p:cNvPr id="24" name="Group 23">
@@ -5856,6 +5965,2087 @@
           </a:p>
         </p:txBody>
       </p:sp>
+      <mc:AlternateContent xmlns:mc="http://schemas.openxmlformats.org/markup-compatibility/2006">
+        <mc:Choice xmlns:a14="http://schemas.microsoft.com/office/drawing/2010/main" Requires="a14">
+          <p:sp>
+            <p:nvSpPr>
+              <p:cNvPr id="52" name="TextBox 51">
+                <a:extLst>
+                  <a:ext uri="{FF2B5EF4-FFF2-40B4-BE49-F238E27FC236}">
+                    <a16:creationId xmlns:a16="http://schemas.microsoft.com/office/drawing/2014/main" id="{7CFA59FC-5294-E47D-8ADA-BD6732FE4BB4}"/>
+                  </a:ext>
+                </a:extLst>
+              </p:cNvPr>
+              <p:cNvSpPr txBox="1"/>
+              <p:nvPr/>
+            </p:nvSpPr>
+            <p:spPr>
+              <a:xfrm>
+                <a:off x="9382367" y="2329601"/>
+                <a:ext cx="322973" cy="230832"/>
+              </a:xfrm>
+              <a:prstGeom prst="rect">
+                <a:avLst/>
+              </a:prstGeom>
+              <a:noFill/>
+            </p:spPr>
+            <p:txBody>
+              <a:bodyPr wrap="none" rtlCol="0">
+                <a:spAutoFit/>
+              </a:bodyPr>
+              <a:lstStyle/>
+              <a:p>
+                <a14:m>
+                  <m:oMathPara xmlns:m="http://schemas.openxmlformats.org/officeDocument/2006/math">
+                    <m:oMathParaPr>
+                      <m:jc m:val="centerGroup"/>
+                    </m:oMathParaPr>
+                    <m:oMath xmlns:m="http://schemas.openxmlformats.org/officeDocument/2006/math">
+                      <m:sSub>
+                        <m:sSubPr>
+                          <m:ctrlPr>
+                            <a:rPr lang="en-US" sz="900" i="1" smtClean="0">
+                              <a:latin typeface="Cambria Math" panose="02040503050406030204" pitchFamily="18" charset="0"/>
+                            </a:rPr>
+                          </m:ctrlPr>
+                        </m:sSubPr>
+                        <m:e>
+                          <m:r>
+                            <a:rPr lang="en-US" sz="900" b="0" i="1" smtClean="0">
+                              <a:latin typeface="Cambria Math" panose="02040503050406030204" pitchFamily="18" charset="0"/>
+                            </a:rPr>
+                            <m:t>𝑥</m:t>
+                          </m:r>
+                        </m:e>
+                        <m:sub>
+                          <m:r>
+                            <a:rPr lang="en-US" sz="900" b="0" i="1" smtClean="0">
+                              <a:latin typeface="Cambria Math" panose="02040503050406030204" pitchFamily="18" charset="0"/>
+                            </a:rPr>
+                            <m:t>4</m:t>
+                          </m:r>
+                        </m:sub>
+                      </m:sSub>
+                    </m:oMath>
+                  </m:oMathPara>
+                </a14:m>
+                <a:endParaRPr lang="en-US" sz="900" dirty="0"/>
+              </a:p>
+            </p:txBody>
+          </p:sp>
+        </mc:Choice>
+        <mc:Fallback>
+          <p:sp>
+            <p:nvSpPr>
+              <p:cNvPr id="52" name="TextBox 51">
+                <a:extLst>
+                  <a:ext uri="{FF2B5EF4-FFF2-40B4-BE49-F238E27FC236}">
+                    <a16:creationId xmlns:a16="http://schemas.microsoft.com/office/drawing/2014/main" id="{7CFA59FC-5294-E47D-8ADA-BD6732FE4BB4}"/>
+                  </a:ext>
+                </a:extLst>
+              </p:cNvPr>
+              <p:cNvSpPr txBox="1">
+                <a:spLocks noRot="1" noChangeAspect="1" noMove="1" noResize="1" noEditPoints="1" noAdjustHandles="1" noChangeArrowheads="1" noChangeShapeType="1" noTextEdit="1"/>
+              </p:cNvSpPr>
+              <p:nvPr/>
+            </p:nvSpPr>
+            <p:spPr>
+              <a:xfrm>
+                <a:off x="9382367" y="2329601"/>
+                <a:ext cx="322973" cy="230832"/>
+              </a:xfrm>
+              <a:prstGeom prst="rect">
+                <a:avLst/>
+              </a:prstGeom>
+              <a:blipFill>
+                <a:blip r:embed="rId16"/>
+                <a:stretch>
+                  <a:fillRect/>
+                </a:stretch>
+              </a:blipFill>
+            </p:spPr>
+            <p:txBody>
+              <a:bodyPr/>
+              <a:lstStyle/>
+              <a:p>
+                <a:r>
+                  <a:rPr lang="en-US">
+                    <a:noFill/>
+                  </a:rPr>
+                  <a:t> </a:t>
+                </a:r>
+              </a:p>
+            </p:txBody>
+          </p:sp>
+        </mc:Fallback>
+      </mc:AlternateContent>
+      <p:sp>
+        <p:nvSpPr>
+          <p:cNvPr id="54" name="Oval 53">
+            <a:extLst>
+              <a:ext uri="{FF2B5EF4-FFF2-40B4-BE49-F238E27FC236}">
+                <a16:creationId xmlns:a16="http://schemas.microsoft.com/office/drawing/2014/main" id="{2E9D8BFE-887B-A00E-67A4-BB2FC48E34A5}"/>
+              </a:ext>
+            </a:extLst>
+          </p:cNvPr>
+          <p:cNvSpPr/>
+          <p:nvPr/>
+        </p:nvSpPr>
+        <p:spPr>
+          <a:xfrm>
+            <a:off x="9382368" y="2740638"/>
+            <a:ext cx="329318" cy="332286"/>
+          </a:xfrm>
+          <a:prstGeom prst="ellipse">
+            <a:avLst/>
+          </a:prstGeom>
+          <a:solidFill>
+            <a:schemeClr val="accent1">
+              <a:alpha val="26887"/>
+            </a:schemeClr>
+          </a:solidFill>
+        </p:spPr>
+        <p:style>
+          <a:lnRef idx="2">
+            <a:schemeClr val="accent1">
+              <a:shade val="15000"/>
+            </a:schemeClr>
+          </a:lnRef>
+          <a:fillRef idx="1">
+            <a:schemeClr val="accent1"/>
+          </a:fillRef>
+          <a:effectRef idx="0">
+            <a:schemeClr val="accent1"/>
+          </a:effectRef>
+          <a:fontRef idx="minor">
+            <a:schemeClr val="lt1"/>
+          </a:fontRef>
+        </p:style>
+        <p:txBody>
+          <a:bodyPr rtlCol="0" anchor="ctr"/>
+          <a:lstStyle/>
+          <a:p>
+            <a:pPr algn="ctr"/>
+            <a:endParaRPr lang="en-US" dirty="0"/>
+          </a:p>
+        </p:txBody>
+      </p:sp>
+      <mc:AlternateContent xmlns:mc="http://schemas.openxmlformats.org/markup-compatibility/2006">
+        <mc:Choice xmlns:a14="http://schemas.microsoft.com/office/drawing/2010/main" Requires="a14">
+          <p:sp>
+            <p:nvSpPr>
+              <p:cNvPr id="55" name="TextBox 54">
+                <a:extLst>
+                  <a:ext uri="{FF2B5EF4-FFF2-40B4-BE49-F238E27FC236}">
+                    <a16:creationId xmlns:a16="http://schemas.microsoft.com/office/drawing/2014/main" id="{33DA0D43-AAC2-F891-E834-B4DA12E3A561}"/>
+                  </a:ext>
+                </a:extLst>
+              </p:cNvPr>
+              <p:cNvSpPr txBox="1"/>
+              <p:nvPr/>
+            </p:nvSpPr>
+            <p:spPr>
+              <a:xfrm>
+                <a:off x="9385540" y="2770593"/>
+                <a:ext cx="322973" cy="230832"/>
+              </a:xfrm>
+              <a:prstGeom prst="rect">
+                <a:avLst/>
+              </a:prstGeom>
+              <a:noFill/>
+            </p:spPr>
+            <p:txBody>
+              <a:bodyPr wrap="none" rtlCol="0">
+                <a:spAutoFit/>
+              </a:bodyPr>
+              <a:lstStyle/>
+              <a:p>
+                <a14:m>
+                  <m:oMathPara xmlns:m="http://schemas.openxmlformats.org/officeDocument/2006/math">
+                    <m:oMathParaPr>
+                      <m:jc m:val="centerGroup"/>
+                    </m:oMathParaPr>
+                    <m:oMath xmlns:m="http://schemas.openxmlformats.org/officeDocument/2006/math">
+                      <m:sSub>
+                        <m:sSubPr>
+                          <m:ctrlPr>
+                            <a:rPr lang="en-US" sz="900" i="1" smtClean="0">
+                              <a:latin typeface="Cambria Math" panose="02040503050406030204" pitchFamily="18" charset="0"/>
+                            </a:rPr>
+                          </m:ctrlPr>
+                        </m:sSubPr>
+                        <m:e>
+                          <m:r>
+                            <a:rPr lang="en-US" sz="900" b="0" i="1" smtClean="0">
+                              <a:latin typeface="Cambria Math" panose="02040503050406030204" pitchFamily="18" charset="0"/>
+                            </a:rPr>
+                            <m:t>𝑥</m:t>
+                          </m:r>
+                        </m:e>
+                        <m:sub>
+                          <m:r>
+                            <a:rPr lang="en-US" sz="900" b="0" i="1" smtClean="0">
+                              <a:latin typeface="Cambria Math" panose="02040503050406030204" pitchFamily="18" charset="0"/>
+                            </a:rPr>
+                            <m:t>5</m:t>
+                          </m:r>
+                        </m:sub>
+                      </m:sSub>
+                    </m:oMath>
+                  </m:oMathPara>
+                </a14:m>
+                <a:endParaRPr lang="en-US" sz="900" dirty="0"/>
+              </a:p>
+            </p:txBody>
+          </p:sp>
+        </mc:Choice>
+        <mc:Fallback>
+          <p:sp>
+            <p:nvSpPr>
+              <p:cNvPr id="55" name="TextBox 54">
+                <a:extLst>
+                  <a:ext uri="{FF2B5EF4-FFF2-40B4-BE49-F238E27FC236}">
+                    <a16:creationId xmlns:a16="http://schemas.microsoft.com/office/drawing/2014/main" id="{33DA0D43-AAC2-F891-E834-B4DA12E3A561}"/>
+                  </a:ext>
+                </a:extLst>
+              </p:cNvPr>
+              <p:cNvSpPr txBox="1">
+                <a:spLocks noRot="1" noChangeAspect="1" noMove="1" noResize="1" noEditPoints="1" noAdjustHandles="1" noChangeArrowheads="1" noChangeShapeType="1" noTextEdit="1"/>
+              </p:cNvSpPr>
+              <p:nvPr/>
+            </p:nvSpPr>
+            <p:spPr>
+              <a:xfrm>
+                <a:off x="9385540" y="2770593"/>
+                <a:ext cx="322973" cy="230832"/>
+              </a:xfrm>
+              <a:prstGeom prst="rect">
+                <a:avLst/>
+              </a:prstGeom>
+              <a:blipFill>
+                <a:blip r:embed="rId17"/>
+                <a:stretch>
+                  <a:fillRect/>
+                </a:stretch>
+              </a:blipFill>
+            </p:spPr>
+            <p:txBody>
+              <a:bodyPr/>
+              <a:lstStyle/>
+              <a:p>
+                <a:r>
+                  <a:rPr lang="en-US">
+                    <a:noFill/>
+                  </a:rPr>
+                  <a:t> </a:t>
+                </a:r>
+              </a:p>
+            </p:txBody>
+          </p:sp>
+        </mc:Fallback>
+      </mc:AlternateContent>
+      <p:sp>
+        <p:nvSpPr>
+          <p:cNvPr id="56" name="Oval 55">
+            <a:extLst>
+              <a:ext uri="{FF2B5EF4-FFF2-40B4-BE49-F238E27FC236}">
+                <a16:creationId xmlns:a16="http://schemas.microsoft.com/office/drawing/2014/main" id="{6362BE5A-9C2E-B2C0-FE65-012B115F6501}"/>
+              </a:ext>
+            </a:extLst>
+          </p:cNvPr>
+          <p:cNvSpPr/>
+          <p:nvPr/>
+        </p:nvSpPr>
+        <p:spPr>
+          <a:xfrm>
+            <a:off x="9379195" y="3184426"/>
+            <a:ext cx="329318" cy="332286"/>
+          </a:xfrm>
+          <a:prstGeom prst="ellipse">
+            <a:avLst/>
+          </a:prstGeom>
+          <a:solidFill>
+            <a:schemeClr val="accent1">
+              <a:alpha val="26887"/>
+            </a:schemeClr>
+          </a:solidFill>
+        </p:spPr>
+        <p:style>
+          <a:lnRef idx="2">
+            <a:schemeClr val="accent1">
+              <a:shade val="15000"/>
+            </a:schemeClr>
+          </a:lnRef>
+          <a:fillRef idx="1">
+            <a:schemeClr val="accent1"/>
+          </a:fillRef>
+          <a:effectRef idx="0">
+            <a:schemeClr val="accent1"/>
+          </a:effectRef>
+          <a:fontRef idx="minor">
+            <a:schemeClr val="lt1"/>
+          </a:fontRef>
+        </p:style>
+        <p:txBody>
+          <a:bodyPr rtlCol="0" anchor="ctr"/>
+          <a:lstStyle/>
+          <a:p>
+            <a:pPr algn="ctr"/>
+            <a:endParaRPr lang="en-US" dirty="0"/>
+          </a:p>
+        </p:txBody>
+      </p:sp>
+      <mc:AlternateContent xmlns:mc="http://schemas.openxmlformats.org/markup-compatibility/2006">
+        <mc:Choice xmlns:a14="http://schemas.microsoft.com/office/drawing/2010/main" Requires="a14">
+          <p:sp>
+            <p:nvSpPr>
+              <p:cNvPr id="57" name="TextBox 56">
+                <a:extLst>
+                  <a:ext uri="{FF2B5EF4-FFF2-40B4-BE49-F238E27FC236}">
+                    <a16:creationId xmlns:a16="http://schemas.microsoft.com/office/drawing/2014/main" id="{002A9A99-57B4-2375-5208-0271D2A83AD6}"/>
+                  </a:ext>
+                </a:extLst>
+              </p:cNvPr>
+              <p:cNvSpPr txBox="1"/>
+              <p:nvPr/>
+            </p:nvSpPr>
+            <p:spPr>
+              <a:xfrm>
+                <a:off x="9382367" y="3214381"/>
+                <a:ext cx="322973" cy="230832"/>
+              </a:xfrm>
+              <a:prstGeom prst="rect">
+                <a:avLst/>
+              </a:prstGeom>
+              <a:noFill/>
+            </p:spPr>
+            <p:txBody>
+              <a:bodyPr wrap="none" rtlCol="0">
+                <a:spAutoFit/>
+              </a:bodyPr>
+              <a:lstStyle/>
+              <a:p>
+                <a14:m>
+                  <m:oMathPara xmlns:m="http://schemas.openxmlformats.org/officeDocument/2006/math">
+                    <m:oMathParaPr>
+                      <m:jc m:val="centerGroup"/>
+                    </m:oMathParaPr>
+                    <m:oMath xmlns:m="http://schemas.openxmlformats.org/officeDocument/2006/math">
+                      <m:sSub>
+                        <m:sSubPr>
+                          <m:ctrlPr>
+                            <a:rPr lang="en-US" sz="900" i="1" smtClean="0">
+                              <a:latin typeface="Cambria Math" panose="02040503050406030204" pitchFamily="18" charset="0"/>
+                            </a:rPr>
+                          </m:ctrlPr>
+                        </m:sSubPr>
+                        <m:e>
+                          <m:r>
+                            <a:rPr lang="en-US" sz="900" b="0" i="1" smtClean="0">
+                              <a:latin typeface="Cambria Math" panose="02040503050406030204" pitchFamily="18" charset="0"/>
+                            </a:rPr>
+                            <m:t>𝑥</m:t>
+                          </m:r>
+                        </m:e>
+                        <m:sub>
+                          <m:r>
+                            <a:rPr lang="en-US" sz="900" b="0" i="1" smtClean="0">
+                              <a:latin typeface="Cambria Math" panose="02040503050406030204" pitchFamily="18" charset="0"/>
+                            </a:rPr>
+                            <m:t>6</m:t>
+                          </m:r>
+                        </m:sub>
+                      </m:sSub>
+                    </m:oMath>
+                  </m:oMathPara>
+                </a14:m>
+                <a:endParaRPr lang="en-US" sz="900" dirty="0"/>
+              </a:p>
+            </p:txBody>
+          </p:sp>
+        </mc:Choice>
+        <mc:Fallback>
+          <p:sp>
+            <p:nvSpPr>
+              <p:cNvPr id="57" name="TextBox 56">
+                <a:extLst>
+                  <a:ext uri="{FF2B5EF4-FFF2-40B4-BE49-F238E27FC236}">
+                    <a16:creationId xmlns:a16="http://schemas.microsoft.com/office/drawing/2014/main" id="{002A9A99-57B4-2375-5208-0271D2A83AD6}"/>
+                  </a:ext>
+                </a:extLst>
+              </p:cNvPr>
+              <p:cNvSpPr txBox="1">
+                <a:spLocks noRot="1" noChangeAspect="1" noMove="1" noResize="1" noEditPoints="1" noAdjustHandles="1" noChangeArrowheads="1" noChangeShapeType="1" noTextEdit="1"/>
+              </p:cNvSpPr>
+              <p:nvPr/>
+            </p:nvSpPr>
+            <p:spPr>
+              <a:xfrm>
+                <a:off x="9382367" y="3214381"/>
+                <a:ext cx="322973" cy="230832"/>
+              </a:xfrm>
+              <a:prstGeom prst="rect">
+                <a:avLst/>
+              </a:prstGeom>
+              <a:blipFill>
+                <a:blip r:embed="rId18"/>
+                <a:stretch>
+                  <a:fillRect/>
+                </a:stretch>
+              </a:blipFill>
+            </p:spPr>
+            <p:txBody>
+              <a:bodyPr/>
+              <a:lstStyle/>
+              <a:p>
+                <a:r>
+                  <a:rPr lang="en-US">
+                    <a:noFill/>
+                  </a:rPr>
+                  <a:t> </a:t>
+                </a:r>
+              </a:p>
+            </p:txBody>
+          </p:sp>
+        </mc:Fallback>
+      </mc:AlternateContent>
+      <p:sp>
+        <p:nvSpPr>
+          <p:cNvPr id="58" name="Oval 57">
+            <a:extLst>
+              <a:ext uri="{FF2B5EF4-FFF2-40B4-BE49-F238E27FC236}">
+                <a16:creationId xmlns:a16="http://schemas.microsoft.com/office/drawing/2014/main" id="{2D5C44A7-3584-974C-D7D3-34836068F7B4}"/>
+              </a:ext>
+            </a:extLst>
+          </p:cNvPr>
+          <p:cNvSpPr/>
+          <p:nvPr/>
+        </p:nvSpPr>
+        <p:spPr>
+          <a:xfrm>
+            <a:off x="9379195" y="3622622"/>
+            <a:ext cx="329318" cy="332286"/>
+          </a:xfrm>
+          <a:prstGeom prst="ellipse">
+            <a:avLst/>
+          </a:prstGeom>
+          <a:solidFill>
+            <a:schemeClr val="accent1">
+              <a:alpha val="26887"/>
+            </a:schemeClr>
+          </a:solidFill>
+        </p:spPr>
+        <p:style>
+          <a:lnRef idx="2">
+            <a:schemeClr val="accent1">
+              <a:shade val="15000"/>
+            </a:schemeClr>
+          </a:lnRef>
+          <a:fillRef idx="1">
+            <a:schemeClr val="accent1"/>
+          </a:fillRef>
+          <a:effectRef idx="0">
+            <a:schemeClr val="accent1"/>
+          </a:effectRef>
+          <a:fontRef idx="minor">
+            <a:schemeClr val="lt1"/>
+          </a:fontRef>
+        </p:style>
+        <p:txBody>
+          <a:bodyPr rtlCol="0" anchor="ctr"/>
+          <a:lstStyle/>
+          <a:p>
+            <a:pPr algn="ctr"/>
+            <a:endParaRPr lang="en-US" dirty="0"/>
+          </a:p>
+        </p:txBody>
+      </p:sp>
+      <mc:AlternateContent xmlns:mc="http://schemas.openxmlformats.org/markup-compatibility/2006">
+        <mc:Choice xmlns:a14="http://schemas.microsoft.com/office/drawing/2010/main" Requires="a14">
+          <p:sp>
+            <p:nvSpPr>
+              <p:cNvPr id="59" name="TextBox 58">
+                <a:extLst>
+                  <a:ext uri="{FF2B5EF4-FFF2-40B4-BE49-F238E27FC236}">
+                    <a16:creationId xmlns:a16="http://schemas.microsoft.com/office/drawing/2014/main" id="{AEFF7110-D5C2-10D8-CC32-63D698BAC96F}"/>
+                  </a:ext>
+                </a:extLst>
+              </p:cNvPr>
+              <p:cNvSpPr txBox="1"/>
+              <p:nvPr/>
+            </p:nvSpPr>
+            <p:spPr>
+              <a:xfrm>
+                <a:off x="9363355" y="3669661"/>
+                <a:ext cx="360996" cy="230832"/>
+              </a:xfrm>
+              <a:prstGeom prst="rect">
+                <a:avLst/>
+              </a:prstGeom>
+              <a:noFill/>
+            </p:spPr>
+            <p:txBody>
+              <a:bodyPr wrap="none" rtlCol="0">
+                <a:spAutoFit/>
+              </a:bodyPr>
+              <a:lstStyle/>
+              <a:p>
+                <a14:m>
+                  <m:oMathPara xmlns:m="http://schemas.openxmlformats.org/officeDocument/2006/math">
+                    <m:oMathParaPr>
+                      <m:jc m:val="centerGroup"/>
+                    </m:oMathParaPr>
+                    <m:oMath xmlns:m="http://schemas.openxmlformats.org/officeDocument/2006/math">
+                      <m:r>
+                        <a:rPr lang="en-US" sz="900" i="1" smtClean="0">
+                          <a:latin typeface="Cambria Math" panose="02040503050406030204" pitchFamily="18" charset="0"/>
+                        </a:rPr>
+                        <m:t>+</m:t>
+                      </m:r>
+                      <m:r>
+                        <a:rPr lang="en-US" sz="900" b="0" i="1" smtClean="0">
+                          <a:latin typeface="Cambria Math" panose="02040503050406030204" pitchFamily="18" charset="0"/>
+                        </a:rPr>
+                        <m:t>1</m:t>
+                      </m:r>
+                    </m:oMath>
+                  </m:oMathPara>
+                </a14:m>
+                <a:endParaRPr lang="en-US" sz="900" dirty="0"/>
+              </a:p>
+            </p:txBody>
+          </p:sp>
+        </mc:Choice>
+        <mc:Fallback>
+          <p:sp>
+            <p:nvSpPr>
+              <p:cNvPr id="59" name="TextBox 58">
+                <a:extLst>
+                  <a:ext uri="{FF2B5EF4-FFF2-40B4-BE49-F238E27FC236}">
+                    <a16:creationId xmlns:a16="http://schemas.microsoft.com/office/drawing/2014/main" id="{AEFF7110-D5C2-10D8-CC32-63D698BAC96F}"/>
+                  </a:ext>
+                </a:extLst>
+              </p:cNvPr>
+              <p:cNvSpPr txBox="1">
+                <a:spLocks noRot="1" noChangeAspect="1" noMove="1" noResize="1" noEditPoints="1" noAdjustHandles="1" noChangeArrowheads="1" noChangeShapeType="1" noTextEdit="1"/>
+              </p:cNvSpPr>
+              <p:nvPr/>
+            </p:nvSpPr>
+            <p:spPr>
+              <a:xfrm>
+                <a:off x="9363355" y="3669661"/>
+                <a:ext cx="360996" cy="230832"/>
+              </a:xfrm>
+              <a:prstGeom prst="rect">
+                <a:avLst/>
+              </a:prstGeom>
+              <a:blipFill>
+                <a:blip r:embed="rId19"/>
+                <a:stretch>
+                  <a:fillRect/>
+                </a:stretch>
+              </a:blipFill>
+            </p:spPr>
+            <p:txBody>
+              <a:bodyPr/>
+              <a:lstStyle/>
+              <a:p>
+                <a:r>
+                  <a:rPr lang="en-US">
+                    <a:noFill/>
+                  </a:rPr>
+                  <a:t> </a:t>
+                </a:r>
+              </a:p>
+            </p:txBody>
+          </p:sp>
+        </mc:Fallback>
+      </mc:AlternateContent>
+      <mc:AlternateContent xmlns:mc="http://schemas.openxmlformats.org/markup-compatibility/2006">
+        <mc:Choice xmlns:a14="http://schemas.microsoft.com/office/drawing/2010/main" Requires="a14">
+          <p:sp>
+            <p:nvSpPr>
+              <p:cNvPr id="62" name="TextBox 61">
+                <a:extLst>
+                  <a:ext uri="{FF2B5EF4-FFF2-40B4-BE49-F238E27FC236}">
+                    <a16:creationId xmlns:a16="http://schemas.microsoft.com/office/drawing/2014/main" id="{D705FB51-3843-8FD6-3884-CAD9A2F5B2DB}"/>
+                  </a:ext>
+                </a:extLst>
+              </p:cNvPr>
+              <p:cNvSpPr txBox="1"/>
+              <p:nvPr/>
+            </p:nvSpPr>
+            <p:spPr>
+              <a:xfrm>
+                <a:off x="10071299" y="2171558"/>
+                <a:ext cx="320280" cy="230832"/>
+              </a:xfrm>
+              <a:prstGeom prst="rect">
+                <a:avLst/>
+              </a:prstGeom>
+              <a:noFill/>
+            </p:spPr>
+            <p:txBody>
+              <a:bodyPr wrap="none" rtlCol="0">
+                <a:spAutoFit/>
+              </a:bodyPr>
+              <a:lstStyle/>
+              <a:p>
+                <a14:m>
+                  <m:oMathPara xmlns:m="http://schemas.openxmlformats.org/officeDocument/2006/math">
+                    <m:oMathParaPr>
+                      <m:jc m:val="centerGroup"/>
+                    </m:oMathParaPr>
+                    <m:oMath xmlns:m="http://schemas.openxmlformats.org/officeDocument/2006/math">
+                      <m:sSub>
+                        <m:sSubPr>
+                          <m:ctrlPr>
+                            <a:rPr lang="en-US" sz="900" i="1" smtClean="0">
+                              <a:latin typeface="Cambria Math" panose="02040503050406030204" pitchFamily="18" charset="0"/>
+                            </a:rPr>
+                          </m:ctrlPr>
+                        </m:sSubPr>
+                        <m:e>
+                          <m:r>
+                            <a:rPr lang="en-US" sz="900" b="0" i="1" smtClean="0">
+                              <a:latin typeface="Cambria Math" panose="02040503050406030204" pitchFamily="18" charset="0"/>
+                            </a:rPr>
+                            <m:t>𝑥</m:t>
+                          </m:r>
+                        </m:e>
+                        <m:sub>
+                          <m:r>
+                            <a:rPr lang="en-US" sz="900" b="0" i="1" smtClean="0">
+                              <a:latin typeface="Cambria Math" panose="02040503050406030204" pitchFamily="18" charset="0"/>
+                            </a:rPr>
+                            <m:t>1</m:t>
+                          </m:r>
+                        </m:sub>
+                      </m:sSub>
+                    </m:oMath>
+                  </m:oMathPara>
+                </a14:m>
+                <a:endParaRPr lang="en-US" sz="900" dirty="0"/>
+              </a:p>
+            </p:txBody>
+          </p:sp>
+        </mc:Choice>
+        <mc:Fallback>
+          <p:sp>
+            <p:nvSpPr>
+              <p:cNvPr id="62" name="TextBox 61">
+                <a:extLst>
+                  <a:ext uri="{FF2B5EF4-FFF2-40B4-BE49-F238E27FC236}">
+                    <a16:creationId xmlns:a16="http://schemas.microsoft.com/office/drawing/2014/main" id="{D705FB51-3843-8FD6-3884-CAD9A2F5B2DB}"/>
+                  </a:ext>
+                </a:extLst>
+              </p:cNvPr>
+              <p:cNvSpPr txBox="1">
+                <a:spLocks noRot="1" noChangeAspect="1" noMove="1" noResize="1" noEditPoints="1" noAdjustHandles="1" noChangeArrowheads="1" noChangeShapeType="1" noTextEdit="1"/>
+              </p:cNvSpPr>
+              <p:nvPr/>
+            </p:nvSpPr>
+            <p:spPr>
+              <a:xfrm>
+                <a:off x="10071299" y="2171558"/>
+                <a:ext cx="320280" cy="230832"/>
+              </a:xfrm>
+              <a:prstGeom prst="rect">
+                <a:avLst/>
+              </a:prstGeom>
+              <a:blipFill>
+                <a:blip r:embed="rId20"/>
+                <a:stretch>
+                  <a:fillRect/>
+                </a:stretch>
+              </a:blipFill>
+            </p:spPr>
+            <p:txBody>
+              <a:bodyPr/>
+              <a:lstStyle/>
+              <a:p>
+                <a:r>
+                  <a:rPr lang="en-US">
+                    <a:noFill/>
+                  </a:rPr>
+                  <a:t> </a:t>
+                </a:r>
+              </a:p>
+            </p:txBody>
+          </p:sp>
+        </mc:Fallback>
+      </mc:AlternateContent>
+      <p:sp>
+        <p:nvSpPr>
+          <p:cNvPr id="63" name="Oval 62">
+            <a:extLst>
+              <a:ext uri="{FF2B5EF4-FFF2-40B4-BE49-F238E27FC236}">
+                <a16:creationId xmlns:a16="http://schemas.microsoft.com/office/drawing/2014/main" id="{6F239D33-7AE9-2CEB-2C81-B6D30C494A7B}"/>
+              </a:ext>
+            </a:extLst>
+          </p:cNvPr>
+          <p:cNvSpPr/>
+          <p:nvPr/>
+        </p:nvSpPr>
+        <p:spPr>
+          <a:xfrm>
+            <a:off x="10057304" y="2133503"/>
+            <a:ext cx="329318" cy="332286"/>
+          </a:xfrm>
+          <a:prstGeom prst="ellipse">
+            <a:avLst/>
+          </a:prstGeom>
+          <a:solidFill>
+            <a:schemeClr val="accent1">
+              <a:alpha val="26887"/>
+            </a:schemeClr>
+          </a:solidFill>
+        </p:spPr>
+        <p:style>
+          <a:lnRef idx="2">
+            <a:schemeClr val="accent1">
+              <a:shade val="15000"/>
+            </a:schemeClr>
+          </a:lnRef>
+          <a:fillRef idx="1">
+            <a:schemeClr val="accent1"/>
+          </a:fillRef>
+          <a:effectRef idx="0">
+            <a:schemeClr val="accent1"/>
+          </a:effectRef>
+          <a:fontRef idx="minor">
+            <a:schemeClr val="lt1"/>
+          </a:fontRef>
+        </p:style>
+        <p:txBody>
+          <a:bodyPr rtlCol="0" anchor="ctr"/>
+          <a:lstStyle/>
+          <a:p>
+            <a:pPr algn="ctr"/>
+            <a:endParaRPr lang="en-US" dirty="0"/>
+          </a:p>
+        </p:txBody>
+      </p:sp>
+      <mc:AlternateContent xmlns:mc="http://schemas.openxmlformats.org/markup-compatibility/2006">
+        <mc:Choice xmlns:a14="http://schemas.microsoft.com/office/drawing/2010/main" Requires="a14">
+          <p:sp>
+            <p:nvSpPr>
+              <p:cNvPr id="64" name="TextBox 63">
+                <a:extLst>
+                  <a:ext uri="{FF2B5EF4-FFF2-40B4-BE49-F238E27FC236}">
+                    <a16:creationId xmlns:a16="http://schemas.microsoft.com/office/drawing/2014/main" id="{F3964BC5-64FC-9828-6586-82A6E02E0FFE}"/>
+                  </a:ext>
+                </a:extLst>
+              </p:cNvPr>
+              <p:cNvSpPr txBox="1"/>
+              <p:nvPr/>
+            </p:nvSpPr>
+            <p:spPr>
+              <a:xfrm>
+                <a:off x="10071299" y="2635650"/>
+                <a:ext cx="320280" cy="230832"/>
+              </a:xfrm>
+              <a:prstGeom prst="rect">
+                <a:avLst/>
+              </a:prstGeom>
+              <a:noFill/>
+            </p:spPr>
+            <p:txBody>
+              <a:bodyPr wrap="none" rtlCol="0">
+                <a:spAutoFit/>
+              </a:bodyPr>
+              <a:lstStyle/>
+              <a:p>
+                <a14:m>
+                  <m:oMathPara xmlns:m="http://schemas.openxmlformats.org/officeDocument/2006/math">
+                    <m:oMathParaPr>
+                      <m:jc m:val="centerGroup"/>
+                    </m:oMathParaPr>
+                    <m:oMath xmlns:m="http://schemas.openxmlformats.org/officeDocument/2006/math">
+                      <m:sSub>
+                        <m:sSubPr>
+                          <m:ctrlPr>
+                            <a:rPr lang="en-US" sz="900" i="1" smtClean="0">
+                              <a:latin typeface="Cambria Math" panose="02040503050406030204" pitchFamily="18" charset="0"/>
+                            </a:rPr>
+                          </m:ctrlPr>
+                        </m:sSubPr>
+                        <m:e>
+                          <m:r>
+                            <a:rPr lang="en-US" sz="900" b="0" i="1" smtClean="0">
+                              <a:latin typeface="Cambria Math" panose="02040503050406030204" pitchFamily="18" charset="0"/>
+                            </a:rPr>
+                            <m:t>𝑥</m:t>
+                          </m:r>
+                        </m:e>
+                        <m:sub>
+                          <m:r>
+                            <a:rPr lang="en-US" sz="900" b="0" i="1" smtClean="0">
+                              <a:latin typeface="Cambria Math" panose="02040503050406030204" pitchFamily="18" charset="0"/>
+                            </a:rPr>
+                            <m:t>1</m:t>
+                          </m:r>
+                        </m:sub>
+                      </m:sSub>
+                    </m:oMath>
+                  </m:oMathPara>
+                </a14:m>
+                <a:endParaRPr lang="en-US" sz="900" dirty="0"/>
+              </a:p>
+            </p:txBody>
+          </p:sp>
+        </mc:Choice>
+        <mc:Fallback>
+          <p:sp>
+            <p:nvSpPr>
+              <p:cNvPr id="64" name="TextBox 63">
+                <a:extLst>
+                  <a:ext uri="{FF2B5EF4-FFF2-40B4-BE49-F238E27FC236}">
+                    <a16:creationId xmlns:a16="http://schemas.microsoft.com/office/drawing/2014/main" id="{F3964BC5-64FC-9828-6586-82A6E02E0FFE}"/>
+                  </a:ext>
+                </a:extLst>
+              </p:cNvPr>
+              <p:cNvSpPr txBox="1">
+                <a:spLocks noRot="1" noChangeAspect="1" noMove="1" noResize="1" noEditPoints="1" noAdjustHandles="1" noChangeArrowheads="1" noChangeShapeType="1" noTextEdit="1"/>
+              </p:cNvSpPr>
+              <p:nvPr/>
+            </p:nvSpPr>
+            <p:spPr>
+              <a:xfrm>
+                <a:off x="10071299" y="2635650"/>
+                <a:ext cx="320280" cy="230832"/>
+              </a:xfrm>
+              <a:prstGeom prst="rect">
+                <a:avLst/>
+              </a:prstGeom>
+              <a:blipFill>
+                <a:blip r:embed="rId21"/>
+                <a:stretch>
+                  <a:fillRect/>
+                </a:stretch>
+              </a:blipFill>
+            </p:spPr>
+            <p:txBody>
+              <a:bodyPr/>
+              <a:lstStyle/>
+              <a:p>
+                <a:r>
+                  <a:rPr lang="en-US">
+                    <a:noFill/>
+                  </a:rPr>
+                  <a:t> </a:t>
+                </a:r>
+              </a:p>
+            </p:txBody>
+          </p:sp>
+        </mc:Fallback>
+      </mc:AlternateContent>
+      <p:sp>
+        <p:nvSpPr>
+          <p:cNvPr id="65" name="Oval 64">
+            <a:extLst>
+              <a:ext uri="{FF2B5EF4-FFF2-40B4-BE49-F238E27FC236}">
+                <a16:creationId xmlns:a16="http://schemas.microsoft.com/office/drawing/2014/main" id="{860A474B-2907-293C-E8B0-94A6B23091A1}"/>
+              </a:ext>
+            </a:extLst>
+          </p:cNvPr>
+          <p:cNvSpPr/>
+          <p:nvPr/>
+        </p:nvSpPr>
+        <p:spPr>
+          <a:xfrm>
+            <a:off x="10057304" y="2597595"/>
+            <a:ext cx="329318" cy="332286"/>
+          </a:xfrm>
+          <a:prstGeom prst="ellipse">
+            <a:avLst/>
+          </a:prstGeom>
+          <a:solidFill>
+            <a:schemeClr val="accent1">
+              <a:alpha val="26887"/>
+            </a:schemeClr>
+          </a:solidFill>
+        </p:spPr>
+        <p:style>
+          <a:lnRef idx="2">
+            <a:schemeClr val="accent1">
+              <a:shade val="15000"/>
+            </a:schemeClr>
+          </a:lnRef>
+          <a:fillRef idx="1">
+            <a:schemeClr val="accent1"/>
+          </a:fillRef>
+          <a:effectRef idx="0">
+            <a:schemeClr val="accent1"/>
+          </a:effectRef>
+          <a:fontRef idx="minor">
+            <a:schemeClr val="lt1"/>
+          </a:fontRef>
+        </p:style>
+        <p:txBody>
+          <a:bodyPr rtlCol="0" anchor="ctr"/>
+          <a:lstStyle/>
+          <a:p>
+            <a:pPr algn="ctr"/>
+            <a:endParaRPr lang="en-US" dirty="0"/>
+          </a:p>
+        </p:txBody>
+      </p:sp>
+      <mc:AlternateContent xmlns:mc="http://schemas.openxmlformats.org/markup-compatibility/2006">
+        <mc:Choice xmlns:a14="http://schemas.microsoft.com/office/drawing/2010/main" Requires="a14">
+          <p:sp>
+            <p:nvSpPr>
+              <p:cNvPr id="66" name="TextBox 65">
+                <a:extLst>
+                  <a:ext uri="{FF2B5EF4-FFF2-40B4-BE49-F238E27FC236}">
+                    <a16:creationId xmlns:a16="http://schemas.microsoft.com/office/drawing/2014/main" id="{9EF9522F-7CC1-113E-8C4B-C22C847DD63A}"/>
+                  </a:ext>
+                </a:extLst>
+              </p:cNvPr>
+              <p:cNvSpPr txBox="1"/>
+              <p:nvPr/>
+            </p:nvSpPr>
+            <p:spPr>
+              <a:xfrm>
+                <a:off x="10071299" y="3099742"/>
+                <a:ext cx="320280" cy="230832"/>
+              </a:xfrm>
+              <a:prstGeom prst="rect">
+                <a:avLst/>
+              </a:prstGeom>
+              <a:noFill/>
+            </p:spPr>
+            <p:txBody>
+              <a:bodyPr wrap="none" rtlCol="0">
+                <a:spAutoFit/>
+              </a:bodyPr>
+              <a:lstStyle/>
+              <a:p>
+                <a14:m>
+                  <m:oMathPara xmlns:m="http://schemas.openxmlformats.org/officeDocument/2006/math">
+                    <m:oMathParaPr>
+                      <m:jc m:val="centerGroup"/>
+                    </m:oMathParaPr>
+                    <m:oMath xmlns:m="http://schemas.openxmlformats.org/officeDocument/2006/math">
+                      <m:sSub>
+                        <m:sSubPr>
+                          <m:ctrlPr>
+                            <a:rPr lang="en-US" sz="900" i="1" smtClean="0">
+                              <a:latin typeface="Cambria Math" panose="02040503050406030204" pitchFamily="18" charset="0"/>
+                            </a:rPr>
+                          </m:ctrlPr>
+                        </m:sSubPr>
+                        <m:e>
+                          <m:r>
+                            <a:rPr lang="en-US" sz="900" b="0" i="1" smtClean="0">
+                              <a:latin typeface="Cambria Math" panose="02040503050406030204" pitchFamily="18" charset="0"/>
+                            </a:rPr>
+                            <m:t>𝑥</m:t>
+                          </m:r>
+                        </m:e>
+                        <m:sub>
+                          <m:r>
+                            <a:rPr lang="en-US" sz="900" b="0" i="1" smtClean="0">
+                              <a:latin typeface="Cambria Math" panose="02040503050406030204" pitchFamily="18" charset="0"/>
+                            </a:rPr>
+                            <m:t>1</m:t>
+                          </m:r>
+                        </m:sub>
+                      </m:sSub>
+                    </m:oMath>
+                  </m:oMathPara>
+                </a14:m>
+                <a:endParaRPr lang="en-US" sz="900" dirty="0"/>
+              </a:p>
+            </p:txBody>
+          </p:sp>
+        </mc:Choice>
+        <mc:Fallback>
+          <p:sp>
+            <p:nvSpPr>
+              <p:cNvPr id="66" name="TextBox 65">
+                <a:extLst>
+                  <a:ext uri="{FF2B5EF4-FFF2-40B4-BE49-F238E27FC236}">
+                    <a16:creationId xmlns:a16="http://schemas.microsoft.com/office/drawing/2014/main" id="{9EF9522F-7CC1-113E-8C4B-C22C847DD63A}"/>
+                  </a:ext>
+                </a:extLst>
+              </p:cNvPr>
+              <p:cNvSpPr txBox="1">
+                <a:spLocks noRot="1" noChangeAspect="1" noMove="1" noResize="1" noEditPoints="1" noAdjustHandles="1" noChangeArrowheads="1" noChangeShapeType="1" noTextEdit="1"/>
+              </p:cNvSpPr>
+              <p:nvPr/>
+            </p:nvSpPr>
+            <p:spPr>
+              <a:xfrm>
+                <a:off x="10071299" y="3099742"/>
+                <a:ext cx="320280" cy="230832"/>
+              </a:xfrm>
+              <a:prstGeom prst="rect">
+                <a:avLst/>
+              </a:prstGeom>
+              <a:blipFill>
+                <a:blip r:embed="rId20"/>
+                <a:stretch>
+                  <a:fillRect/>
+                </a:stretch>
+              </a:blipFill>
+            </p:spPr>
+            <p:txBody>
+              <a:bodyPr/>
+              <a:lstStyle/>
+              <a:p>
+                <a:r>
+                  <a:rPr lang="en-US">
+                    <a:noFill/>
+                  </a:rPr>
+                  <a:t> </a:t>
+                </a:r>
+              </a:p>
+            </p:txBody>
+          </p:sp>
+        </mc:Fallback>
+      </mc:AlternateContent>
+      <p:sp>
+        <p:nvSpPr>
+          <p:cNvPr id="67" name="Oval 66">
+            <a:extLst>
+              <a:ext uri="{FF2B5EF4-FFF2-40B4-BE49-F238E27FC236}">
+                <a16:creationId xmlns:a16="http://schemas.microsoft.com/office/drawing/2014/main" id="{27351EEB-5344-93FD-9CC0-0C40815B9E38}"/>
+              </a:ext>
+            </a:extLst>
+          </p:cNvPr>
+          <p:cNvSpPr/>
+          <p:nvPr/>
+        </p:nvSpPr>
+        <p:spPr>
+          <a:xfrm>
+            <a:off x="10057304" y="3061687"/>
+            <a:ext cx="329318" cy="332286"/>
+          </a:xfrm>
+          <a:prstGeom prst="ellipse">
+            <a:avLst/>
+          </a:prstGeom>
+          <a:solidFill>
+            <a:schemeClr val="accent1">
+              <a:alpha val="26887"/>
+            </a:schemeClr>
+          </a:solidFill>
+        </p:spPr>
+        <p:style>
+          <a:lnRef idx="2">
+            <a:schemeClr val="accent1">
+              <a:shade val="15000"/>
+            </a:schemeClr>
+          </a:lnRef>
+          <a:fillRef idx="1">
+            <a:schemeClr val="accent1"/>
+          </a:fillRef>
+          <a:effectRef idx="0">
+            <a:schemeClr val="accent1"/>
+          </a:effectRef>
+          <a:fontRef idx="minor">
+            <a:schemeClr val="lt1"/>
+          </a:fontRef>
+        </p:style>
+        <p:txBody>
+          <a:bodyPr rtlCol="0" anchor="ctr"/>
+          <a:lstStyle/>
+          <a:p>
+            <a:pPr algn="ctr"/>
+            <a:endParaRPr lang="en-US" dirty="0"/>
+          </a:p>
+        </p:txBody>
+      </p:sp>
+      <mc:AlternateContent xmlns:mc="http://schemas.openxmlformats.org/markup-compatibility/2006">
+        <mc:Choice xmlns:a14="http://schemas.microsoft.com/office/drawing/2010/main" Requires="a14">
+          <p:sp>
+            <p:nvSpPr>
+              <p:cNvPr id="68" name="TextBox 67">
+                <a:extLst>
+                  <a:ext uri="{FF2B5EF4-FFF2-40B4-BE49-F238E27FC236}">
+                    <a16:creationId xmlns:a16="http://schemas.microsoft.com/office/drawing/2014/main" id="{A200EC3C-17F0-F383-D41E-9C704FC82257}"/>
+                  </a:ext>
+                </a:extLst>
+              </p:cNvPr>
+              <p:cNvSpPr txBox="1"/>
+              <p:nvPr/>
+            </p:nvSpPr>
+            <p:spPr>
+              <a:xfrm>
+                <a:off x="10706803" y="1012313"/>
+                <a:ext cx="320280" cy="230832"/>
+              </a:xfrm>
+              <a:prstGeom prst="rect">
+                <a:avLst/>
+              </a:prstGeom>
+              <a:noFill/>
+            </p:spPr>
+            <p:txBody>
+              <a:bodyPr wrap="none" rtlCol="0">
+                <a:spAutoFit/>
+              </a:bodyPr>
+              <a:lstStyle/>
+              <a:p>
+                <a14:m>
+                  <m:oMathPara xmlns:m="http://schemas.openxmlformats.org/officeDocument/2006/math">
+                    <m:oMathParaPr>
+                      <m:jc m:val="centerGroup"/>
+                    </m:oMathParaPr>
+                    <m:oMath xmlns:m="http://schemas.openxmlformats.org/officeDocument/2006/math">
+                      <m:sSub>
+                        <m:sSubPr>
+                          <m:ctrlPr>
+                            <a:rPr lang="en-US" sz="900" i="1" smtClean="0">
+                              <a:latin typeface="Cambria Math" panose="02040503050406030204" pitchFamily="18" charset="0"/>
+                            </a:rPr>
+                          </m:ctrlPr>
+                        </m:sSubPr>
+                        <m:e>
+                          <m:r>
+                            <a:rPr lang="en-US" sz="900" b="0" i="1" smtClean="0">
+                              <a:latin typeface="Cambria Math" panose="02040503050406030204" pitchFamily="18" charset="0"/>
+                            </a:rPr>
+                            <m:t>𝑥</m:t>
+                          </m:r>
+                        </m:e>
+                        <m:sub>
+                          <m:r>
+                            <a:rPr lang="en-US" sz="900" b="0" i="1" smtClean="0">
+                              <a:latin typeface="Cambria Math" panose="02040503050406030204" pitchFamily="18" charset="0"/>
+                            </a:rPr>
+                            <m:t>1</m:t>
+                          </m:r>
+                        </m:sub>
+                      </m:sSub>
+                    </m:oMath>
+                  </m:oMathPara>
+                </a14:m>
+                <a:endParaRPr lang="en-US" sz="900" dirty="0"/>
+              </a:p>
+            </p:txBody>
+          </p:sp>
+        </mc:Choice>
+        <mc:Fallback>
+          <p:sp>
+            <p:nvSpPr>
+              <p:cNvPr id="68" name="TextBox 67">
+                <a:extLst>
+                  <a:ext uri="{FF2B5EF4-FFF2-40B4-BE49-F238E27FC236}">
+                    <a16:creationId xmlns:a16="http://schemas.microsoft.com/office/drawing/2014/main" id="{A200EC3C-17F0-F383-D41E-9C704FC82257}"/>
+                  </a:ext>
+                </a:extLst>
+              </p:cNvPr>
+              <p:cNvSpPr txBox="1">
+                <a:spLocks noRot="1" noChangeAspect="1" noMove="1" noResize="1" noEditPoints="1" noAdjustHandles="1" noChangeArrowheads="1" noChangeShapeType="1" noTextEdit="1"/>
+              </p:cNvSpPr>
+              <p:nvPr/>
+            </p:nvSpPr>
+            <p:spPr>
+              <a:xfrm>
+                <a:off x="10706803" y="1012313"/>
+                <a:ext cx="320280" cy="230832"/>
+              </a:xfrm>
+              <a:prstGeom prst="rect">
+                <a:avLst/>
+              </a:prstGeom>
+              <a:blipFill>
+                <a:blip r:embed="rId22"/>
+                <a:stretch>
+                  <a:fillRect/>
+                </a:stretch>
+              </a:blipFill>
+            </p:spPr>
+            <p:txBody>
+              <a:bodyPr/>
+              <a:lstStyle/>
+              <a:p>
+                <a:r>
+                  <a:rPr lang="en-US">
+                    <a:noFill/>
+                  </a:rPr>
+                  <a:t> </a:t>
+                </a:r>
+              </a:p>
+            </p:txBody>
+          </p:sp>
+        </mc:Fallback>
+      </mc:AlternateContent>
+      <p:sp>
+        <p:nvSpPr>
+          <p:cNvPr id="69" name="Oval 68">
+            <a:extLst>
+              <a:ext uri="{FF2B5EF4-FFF2-40B4-BE49-F238E27FC236}">
+                <a16:creationId xmlns:a16="http://schemas.microsoft.com/office/drawing/2014/main" id="{03C168FD-6BC9-8EA5-A386-E0091E903E0E}"/>
+              </a:ext>
+            </a:extLst>
+          </p:cNvPr>
+          <p:cNvSpPr/>
+          <p:nvPr/>
+        </p:nvSpPr>
+        <p:spPr>
+          <a:xfrm>
+            <a:off x="10692808" y="974258"/>
+            <a:ext cx="329318" cy="332286"/>
+          </a:xfrm>
+          <a:prstGeom prst="ellipse">
+            <a:avLst/>
+          </a:prstGeom>
+          <a:solidFill>
+            <a:schemeClr val="accent1">
+              <a:alpha val="26887"/>
+            </a:schemeClr>
+          </a:solidFill>
+        </p:spPr>
+        <p:style>
+          <a:lnRef idx="2">
+            <a:schemeClr val="accent1">
+              <a:shade val="15000"/>
+            </a:schemeClr>
+          </a:lnRef>
+          <a:fillRef idx="1">
+            <a:schemeClr val="accent1"/>
+          </a:fillRef>
+          <a:effectRef idx="0">
+            <a:schemeClr val="accent1"/>
+          </a:effectRef>
+          <a:fontRef idx="minor">
+            <a:schemeClr val="lt1"/>
+          </a:fontRef>
+        </p:style>
+        <p:txBody>
+          <a:bodyPr rtlCol="0" anchor="ctr"/>
+          <a:lstStyle/>
+          <a:p>
+            <a:pPr algn="ctr"/>
+            <a:endParaRPr lang="en-US" dirty="0"/>
+          </a:p>
+        </p:txBody>
+      </p:sp>
+      <mc:AlternateContent xmlns:mc="http://schemas.openxmlformats.org/markup-compatibility/2006">
+        <mc:Choice xmlns:a14="http://schemas.microsoft.com/office/drawing/2010/main" Requires="a14">
+          <p:sp>
+            <p:nvSpPr>
+              <p:cNvPr id="70" name="TextBox 69">
+                <a:extLst>
+                  <a:ext uri="{FF2B5EF4-FFF2-40B4-BE49-F238E27FC236}">
+                    <a16:creationId xmlns:a16="http://schemas.microsoft.com/office/drawing/2014/main" id="{1044D3CE-2B3D-B2CB-9655-08357A37C8AF}"/>
+                  </a:ext>
+                </a:extLst>
+              </p:cNvPr>
+              <p:cNvSpPr txBox="1"/>
+              <p:nvPr/>
+            </p:nvSpPr>
+            <p:spPr>
+              <a:xfrm>
+                <a:off x="10706803" y="1451590"/>
+                <a:ext cx="320280" cy="230832"/>
+              </a:xfrm>
+              <a:prstGeom prst="rect">
+                <a:avLst/>
+              </a:prstGeom>
+              <a:noFill/>
+            </p:spPr>
+            <p:txBody>
+              <a:bodyPr wrap="none" rtlCol="0">
+                <a:spAutoFit/>
+              </a:bodyPr>
+              <a:lstStyle/>
+              <a:p>
+                <a14:m>
+                  <m:oMathPara xmlns:m="http://schemas.openxmlformats.org/officeDocument/2006/math">
+                    <m:oMathParaPr>
+                      <m:jc m:val="centerGroup"/>
+                    </m:oMathParaPr>
+                    <m:oMath xmlns:m="http://schemas.openxmlformats.org/officeDocument/2006/math">
+                      <m:sSub>
+                        <m:sSubPr>
+                          <m:ctrlPr>
+                            <a:rPr lang="en-US" sz="900" i="1" smtClean="0">
+                              <a:latin typeface="Cambria Math" panose="02040503050406030204" pitchFamily="18" charset="0"/>
+                            </a:rPr>
+                          </m:ctrlPr>
+                        </m:sSubPr>
+                        <m:e>
+                          <m:r>
+                            <a:rPr lang="en-US" sz="900" b="0" i="1" smtClean="0">
+                              <a:latin typeface="Cambria Math" panose="02040503050406030204" pitchFamily="18" charset="0"/>
+                            </a:rPr>
+                            <m:t>𝑥</m:t>
+                          </m:r>
+                        </m:e>
+                        <m:sub>
+                          <m:r>
+                            <a:rPr lang="en-US" sz="900" b="0" i="1" smtClean="0">
+                              <a:latin typeface="Cambria Math" panose="02040503050406030204" pitchFamily="18" charset="0"/>
+                            </a:rPr>
+                            <m:t>1</m:t>
+                          </m:r>
+                        </m:sub>
+                      </m:sSub>
+                    </m:oMath>
+                  </m:oMathPara>
+                </a14:m>
+                <a:endParaRPr lang="en-US" sz="900" dirty="0"/>
+              </a:p>
+            </p:txBody>
+          </p:sp>
+        </mc:Choice>
+        <mc:Fallback>
+          <p:sp>
+            <p:nvSpPr>
+              <p:cNvPr id="70" name="TextBox 69">
+                <a:extLst>
+                  <a:ext uri="{FF2B5EF4-FFF2-40B4-BE49-F238E27FC236}">
+                    <a16:creationId xmlns:a16="http://schemas.microsoft.com/office/drawing/2014/main" id="{1044D3CE-2B3D-B2CB-9655-08357A37C8AF}"/>
+                  </a:ext>
+                </a:extLst>
+              </p:cNvPr>
+              <p:cNvSpPr txBox="1">
+                <a:spLocks noRot="1" noChangeAspect="1" noMove="1" noResize="1" noEditPoints="1" noAdjustHandles="1" noChangeArrowheads="1" noChangeShapeType="1" noTextEdit="1"/>
+              </p:cNvSpPr>
+              <p:nvPr/>
+            </p:nvSpPr>
+            <p:spPr>
+              <a:xfrm>
+                <a:off x="10706803" y="1451590"/>
+                <a:ext cx="320280" cy="230832"/>
+              </a:xfrm>
+              <a:prstGeom prst="rect">
+                <a:avLst/>
+              </a:prstGeom>
+              <a:blipFill>
+                <a:blip r:embed="rId23"/>
+                <a:stretch>
+                  <a:fillRect/>
+                </a:stretch>
+              </a:blipFill>
+            </p:spPr>
+            <p:txBody>
+              <a:bodyPr/>
+              <a:lstStyle/>
+              <a:p>
+                <a:r>
+                  <a:rPr lang="en-US">
+                    <a:noFill/>
+                  </a:rPr>
+                  <a:t> </a:t>
+                </a:r>
+              </a:p>
+            </p:txBody>
+          </p:sp>
+        </mc:Fallback>
+      </mc:AlternateContent>
+      <p:sp>
+        <p:nvSpPr>
+          <p:cNvPr id="71" name="Oval 70">
+            <a:extLst>
+              <a:ext uri="{FF2B5EF4-FFF2-40B4-BE49-F238E27FC236}">
+                <a16:creationId xmlns:a16="http://schemas.microsoft.com/office/drawing/2014/main" id="{96B57ADC-0D65-9B84-FF48-FE49DD068490}"/>
+              </a:ext>
+            </a:extLst>
+          </p:cNvPr>
+          <p:cNvSpPr/>
+          <p:nvPr/>
+        </p:nvSpPr>
+        <p:spPr>
+          <a:xfrm>
+            <a:off x="10692808" y="1413535"/>
+            <a:ext cx="329318" cy="332286"/>
+          </a:xfrm>
+          <a:prstGeom prst="ellipse">
+            <a:avLst/>
+          </a:prstGeom>
+          <a:solidFill>
+            <a:schemeClr val="accent1">
+              <a:alpha val="26887"/>
+            </a:schemeClr>
+          </a:solidFill>
+        </p:spPr>
+        <p:style>
+          <a:lnRef idx="2">
+            <a:schemeClr val="accent1">
+              <a:shade val="15000"/>
+            </a:schemeClr>
+          </a:lnRef>
+          <a:fillRef idx="1">
+            <a:schemeClr val="accent1"/>
+          </a:fillRef>
+          <a:effectRef idx="0">
+            <a:schemeClr val="accent1"/>
+          </a:effectRef>
+          <a:fontRef idx="minor">
+            <a:schemeClr val="lt1"/>
+          </a:fontRef>
+        </p:style>
+        <p:txBody>
+          <a:bodyPr rtlCol="0" anchor="ctr"/>
+          <a:lstStyle/>
+          <a:p>
+            <a:pPr algn="ctr"/>
+            <a:endParaRPr lang="en-US" dirty="0"/>
+          </a:p>
+        </p:txBody>
+      </p:sp>
+      <mc:AlternateContent xmlns:mc="http://schemas.openxmlformats.org/markup-compatibility/2006">
+        <mc:Choice xmlns:a14="http://schemas.microsoft.com/office/drawing/2010/main" Requires="a14">
+          <p:sp>
+            <p:nvSpPr>
+              <p:cNvPr id="72" name="TextBox 71">
+                <a:extLst>
+                  <a:ext uri="{FF2B5EF4-FFF2-40B4-BE49-F238E27FC236}">
+                    <a16:creationId xmlns:a16="http://schemas.microsoft.com/office/drawing/2014/main" id="{58CC6DA5-2D32-8D5D-5A35-E937CE10B6E1}"/>
+                  </a:ext>
+                </a:extLst>
+              </p:cNvPr>
+              <p:cNvSpPr txBox="1"/>
+              <p:nvPr/>
+            </p:nvSpPr>
+            <p:spPr>
+              <a:xfrm>
+                <a:off x="10706803" y="1897092"/>
+                <a:ext cx="320280" cy="230832"/>
+              </a:xfrm>
+              <a:prstGeom prst="rect">
+                <a:avLst/>
+              </a:prstGeom>
+              <a:noFill/>
+            </p:spPr>
+            <p:txBody>
+              <a:bodyPr wrap="none" rtlCol="0">
+                <a:spAutoFit/>
+              </a:bodyPr>
+              <a:lstStyle/>
+              <a:p>
+                <a14:m>
+                  <m:oMathPara xmlns:m="http://schemas.openxmlformats.org/officeDocument/2006/math">
+                    <m:oMathParaPr>
+                      <m:jc m:val="centerGroup"/>
+                    </m:oMathParaPr>
+                    <m:oMath xmlns:m="http://schemas.openxmlformats.org/officeDocument/2006/math">
+                      <m:sSub>
+                        <m:sSubPr>
+                          <m:ctrlPr>
+                            <a:rPr lang="en-US" sz="900" i="1" smtClean="0">
+                              <a:latin typeface="Cambria Math" panose="02040503050406030204" pitchFamily="18" charset="0"/>
+                            </a:rPr>
+                          </m:ctrlPr>
+                        </m:sSubPr>
+                        <m:e>
+                          <m:r>
+                            <a:rPr lang="en-US" sz="900" b="0" i="1" smtClean="0">
+                              <a:latin typeface="Cambria Math" panose="02040503050406030204" pitchFamily="18" charset="0"/>
+                            </a:rPr>
+                            <m:t>𝑥</m:t>
+                          </m:r>
+                        </m:e>
+                        <m:sub>
+                          <m:r>
+                            <a:rPr lang="en-US" sz="900" b="0" i="1" smtClean="0">
+                              <a:latin typeface="Cambria Math" panose="02040503050406030204" pitchFamily="18" charset="0"/>
+                            </a:rPr>
+                            <m:t>1</m:t>
+                          </m:r>
+                        </m:sub>
+                      </m:sSub>
+                    </m:oMath>
+                  </m:oMathPara>
+                </a14:m>
+                <a:endParaRPr lang="en-US" sz="900" dirty="0"/>
+              </a:p>
+            </p:txBody>
+          </p:sp>
+        </mc:Choice>
+        <mc:Fallback>
+          <p:sp>
+            <p:nvSpPr>
+              <p:cNvPr id="72" name="TextBox 71">
+                <a:extLst>
+                  <a:ext uri="{FF2B5EF4-FFF2-40B4-BE49-F238E27FC236}">
+                    <a16:creationId xmlns:a16="http://schemas.microsoft.com/office/drawing/2014/main" id="{58CC6DA5-2D32-8D5D-5A35-E937CE10B6E1}"/>
+                  </a:ext>
+                </a:extLst>
+              </p:cNvPr>
+              <p:cNvSpPr txBox="1">
+                <a:spLocks noRot="1" noChangeAspect="1" noMove="1" noResize="1" noEditPoints="1" noAdjustHandles="1" noChangeArrowheads="1" noChangeShapeType="1" noTextEdit="1"/>
+              </p:cNvSpPr>
+              <p:nvPr/>
+            </p:nvSpPr>
+            <p:spPr>
+              <a:xfrm>
+                <a:off x="10706803" y="1897092"/>
+                <a:ext cx="320280" cy="230832"/>
+              </a:xfrm>
+              <a:prstGeom prst="rect">
+                <a:avLst/>
+              </a:prstGeom>
+              <a:blipFill>
+                <a:blip r:embed="rId23"/>
+                <a:stretch>
+                  <a:fillRect/>
+                </a:stretch>
+              </a:blipFill>
+            </p:spPr>
+            <p:txBody>
+              <a:bodyPr/>
+              <a:lstStyle/>
+              <a:p>
+                <a:r>
+                  <a:rPr lang="en-US">
+                    <a:noFill/>
+                  </a:rPr>
+                  <a:t> </a:t>
+                </a:r>
+              </a:p>
+            </p:txBody>
+          </p:sp>
+        </mc:Fallback>
+      </mc:AlternateContent>
+      <p:sp>
+        <p:nvSpPr>
+          <p:cNvPr id="73" name="Oval 72">
+            <a:extLst>
+              <a:ext uri="{FF2B5EF4-FFF2-40B4-BE49-F238E27FC236}">
+                <a16:creationId xmlns:a16="http://schemas.microsoft.com/office/drawing/2014/main" id="{D4804E19-82DF-2E05-F8AF-E9E5C9D50688}"/>
+              </a:ext>
+            </a:extLst>
+          </p:cNvPr>
+          <p:cNvSpPr/>
+          <p:nvPr/>
+        </p:nvSpPr>
+        <p:spPr>
+          <a:xfrm>
+            <a:off x="10692808" y="1859037"/>
+            <a:ext cx="329318" cy="332286"/>
+          </a:xfrm>
+          <a:prstGeom prst="ellipse">
+            <a:avLst/>
+          </a:prstGeom>
+          <a:solidFill>
+            <a:schemeClr val="accent1">
+              <a:alpha val="26887"/>
+            </a:schemeClr>
+          </a:solidFill>
+        </p:spPr>
+        <p:style>
+          <a:lnRef idx="2">
+            <a:schemeClr val="accent1">
+              <a:shade val="15000"/>
+            </a:schemeClr>
+          </a:lnRef>
+          <a:fillRef idx="1">
+            <a:schemeClr val="accent1"/>
+          </a:fillRef>
+          <a:effectRef idx="0">
+            <a:schemeClr val="accent1"/>
+          </a:effectRef>
+          <a:fontRef idx="minor">
+            <a:schemeClr val="lt1"/>
+          </a:fontRef>
+        </p:style>
+        <p:txBody>
+          <a:bodyPr rtlCol="0" anchor="ctr"/>
+          <a:lstStyle/>
+          <a:p>
+            <a:pPr algn="ctr"/>
+            <a:endParaRPr lang="en-US" dirty="0"/>
+          </a:p>
+        </p:txBody>
+      </p:sp>
+      <mc:AlternateContent xmlns:mc="http://schemas.openxmlformats.org/markup-compatibility/2006">
+        <mc:Choice xmlns:a14="http://schemas.microsoft.com/office/drawing/2010/main" Requires="a14">
+          <p:sp>
+            <p:nvSpPr>
+              <p:cNvPr id="74" name="TextBox 73">
+                <a:extLst>
+                  <a:ext uri="{FF2B5EF4-FFF2-40B4-BE49-F238E27FC236}">
+                    <a16:creationId xmlns:a16="http://schemas.microsoft.com/office/drawing/2014/main" id="{B7F02349-6330-6F59-CF52-FBBA47A540E8}"/>
+                  </a:ext>
+                </a:extLst>
+              </p:cNvPr>
+              <p:cNvSpPr txBox="1"/>
+              <p:nvPr/>
+            </p:nvSpPr>
+            <p:spPr>
+              <a:xfrm>
+                <a:off x="10701846" y="2346796"/>
+                <a:ext cx="320280" cy="230832"/>
+              </a:xfrm>
+              <a:prstGeom prst="rect">
+                <a:avLst/>
+              </a:prstGeom>
+              <a:noFill/>
+            </p:spPr>
+            <p:txBody>
+              <a:bodyPr wrap="none" rtlCol="0">
+                <a:spAutoFit/>
+              </a:bodyPr>
+              <a:lstStyle/>
+              <a:p>
+                <a14:m>
+                  <m:oMathPara xmlns:m="http://schemas.openxmlformats.org/officeDocument/2006/math">
+                    <m:oMathParaPr>
+                      <m:jc m:val="centerGroup"/>
+                    </m:oMathParaPr>
+                    <m:oMath xmlns:m="http://schemas.openxmlformats.org/officeDocument/2006/math">
+                      <m:sSub>
+                        <m:sSubPr>
+                          <m:ctrlPr>
+                            <a:rPr lang="en-US" sz="900" i="1" smtClean="0">
+                              <a:latin typeface="Cambria Math" panose="02040503050406030204" pitchFamily="18" charset="0"/>
+                            </a:rPr>
+                          </m:ctrlPr>
+                        </m:sSubPr>
+                        <m:e>
+                          <m:r>
+                            <a:rPr lang="en-US" sz="900" b="0" i="1" smtClean="0">
+                              <a:latin typeface="Cambria Math" panose="02040503050406030204" pitchFamily="18" charset="0"/>
+                            </a:rPr>
+                            <m:t>𝑥</m:t>
+                          </m:r>
+                        </m:e>
+                        <m:sub>
+                          <m:r>
+                            <a:rPr lang="en-US" sz="900" b="0" i="1" smtClean="0">
+                              <a:latin typeface="Cambria Math" panose="02040503050406030204" pitchFamily="18" charset="0"/>
+                            </a:rPr>
+                            <m:t>1</m:t>
+                          </m:r>
+                        </m:sub>
+                      </m:sSub>
+                    </m:oMath>
+                  </m:oMathPara>
+                </a14:m>
+                <a:endParaRPr lang="en-US" sz="900" dirty="0"/>
+              </a:p>
+            </p:txBody>
+          </p:sp>
+        </mc:Choice>
+        <mc:Fallback>
+          <p:sp>
+            <p:nvSpPr>
+              <p:cNvPr id="74" name="TextBox 73">
+                <a:extLst>
+                  <a:ext uri="{FF2B5EF4-FFF2-40B4-BE49-F238E27FC236}">
+                    <a16:creationId xmlns:a16="http://schemas.microsoft.com/office/drawing/2014/main" id="{B7F02349-6330-6F59-CF52-FBBA47A540E8}"/>
+                  </a:ext>
+                </a:extLst>
+              </p:cNvPr>
+              <p:cNvSpPr txBox="1">
+                <a:spLocks noRot="1" noChangeAspect="1" noMove="1" noResize="1" noEditPoints="1" noAdjustHandles="1" noChangeArrowheads="1" noChangeShapeType="1" noTextEdit="1"/>
+              </p:cNvSpPr>
+              <p:nvPr/>
+            </p:nvSpPr>
+            <p:spPr>
+              <a:xfrm>
+                <a:off x="10701846" y="2346796"/>
+                <a:ext cx="320280" cy="230832"/>
+              </a:xfrm>
+              <a:prstGeom prst="rect">
+                <a:avLst/>
+              </a:prstGeom>
+              <a:blipFill>
+                <a:blip r:embed="rId24"/>
+                <a:stretch>
+                  <a:fillRect/>
+                </a:stretch>
+              </a:blipFill>
+            </p:spPr>
+            <p:txBody>
+              <a:bodyPr/>
+              <a:lstStyle/>
+              <a:p>
+                <a:r>
+                  <a:rPr lang="en-US">
+                    <a:noFill/>
+                  </a:rPr>
+                  <a:t> </a:t>
+                </a:r>
+              </a:p>
+            </p:txBody>
+          </p:sp>
+        </mc:Fallback>
+      </mc:AlternateContent>
+      <p:sp>
+        <p:nvSpPr>
+          <p:cNvPr id="75" name="Oval 74">
+            <a:extLst>
+              <a:ext uri="{FF2B5EF4-FFF2-40B4-BE49-F238E27FC236}">
+                <a16:creationId xmlns:a16="http://schemas.microsoft.com/office/drawing/2014/main" id="{7AB6EBC6-A5D5-B825-2165-47F9B54D0E18}"/>
+              </a:ext>
+            </a:extLst>
+          </p:cNvPr>
+          <p:cNvSpPr/>
+          <p:nvPr/>
+        </p:nvSpPr>
+        <p:spPr>
+          <a:xfrm>
+            <a:off x="10687851" y="2308741"/>
+            <a:ext cx="329318" cy="332286"/>
+          </a:xfrm>
+          <a:prstGeom prst="ellipse">
+            <a:avLst/>
+          </a:prstGeom>
+          <a:solidFill>
+            <a:schemeClr val="accent1">
+              <a:alpha val="26887"/>
+            </a:schemeClr>
+          </a:solidFill>
+        </p:spPr>
+        <p:style>
+          <a:lnRef idx="2">
+            <a:schemeClr val="accent1">
+              <a:shade val="15000"/>
+            </a:schemeClr>
+          </a:lnRef>
+          <a:fillRef idx="1">
+            <a:schemeClr val="accent1"/>
+          </a:fillRef>
+          <a:effectRef idx="0">
+            <a:schemeClr val="accent1"/>
+          </a:effectRef>
+          <a:fontRef idx="minor">
+            <a:schemeClr val="lt1"/>
+          </a:fontRef>
+        </p:style>
+        <p:txBody>
+          <a:bodyPr rtlCol="0" anchor="ctr"/>
+          <a:lstStyle/>
+          <a:p>
+            <a:pPr algn="ctr"/>
+            <a:endParaRPr lang="en-US" dirty="0"/>
+          </a:p>
+        </p:txBody>
+      </p:sp>
+      <mc:AlternateContent xmlns:mc="http://schemas.openxmlformats.org/markup-compatibility/2006">
+        <mc:Choice xmlns:a14="http://schemas.microsoft.com/office/drawing/2010/main" Requires="a14">
+          <p:sp>
+            <p:nvSpPr>
+              <p:cNvPr id="76" name="TextBox 75">
+                <a:extLst>
+                  <a:ext uri="{FF2B5EF4-FFF2-40B4-BE49-F238E27FC236}">
+                    <a16:creationId xmlns:a16="http://schemas.microsoft.com/office/drawing/2014/main" id="{783EBA91-8531-7739-6265-5C8553FB7DFA}"/>
+                  </a:ext>
+                </a:extLst>
+              </p:cNvPr>
+              <p:cNvSpPr txBox="1"/>
+              <p:nvPr/>
+            </p:nvSpPr>
+            <p:spPr>
+              <a:xfrm>
+                <a:off x="10701846" y="2803936"/>
+                <a:ext cx="320280" cy="230832"/>
+              </a:xfrm>
+              <a:prstGeom prst="rect">
+                <a:avLst/>
+              </a:prstGeom>
+              <a:noFill/>
+            </p:spPr>
+            <p:txBody>
+              <a:bodyPr wrap="none" rtlCol="0">
+                <a:spAutoFit/>
+              </a:bodyPr>
+              <a:lstStyle/>
+              <a:p>
+                <a14:m>
+                  <m:oMathPara xmlns:m="http://schemas.openxmlformats.org/officeDocument/2006/math">
+                    <m:oMathParaPr>
+                      <m:jc m:val="centerGroup"/>
+                    </m:oMathParaPr>
+                    <m:oMath xmlns:m="http://schemas.openxmlformats.org/officeDocument/2006/math">
+                      <m:sSub>
+                        <m:sSubPr>
+                          <m:ctrlPr>
+                            <a:rPr lang="en-US" sz="900" i="1" smtClean="0">
+                              <a:latin typeface="Cambria Math" panose="02040503050406030204" pitchFamily="18" charset="0"/>
+                            </a:rPr>
+                          </m:ctrlPr>
+                        </m:sSubPr>
+                        <m:e>
+                          <m:r>
+                            <a:rPr lang="en-US" sz="900" b="0" i="1" smtClean="0">
+                              <a:latin typeface="Cambria Math" panose="02040503050406030204" pitchFamily="18" charset="0"/>
+                            </a:rPr>
+                            <m:t>𝑥</m:t>
+                          </m:r>
+                        </m:e>
+                        <m:sub>
+                          <m:r>
+                            <a:rPr lang="en-US" sz="900" b="0" i="1" smtClean="0">
+                              <a:latin typeface="Cambria Math" panose="02040503050406030204" pitchFamily="18" charset="0"/>
+                            </a:rPr>
+                            <m:t>1</m:t>
+                          </m:r>
+                        </m:sub>
+                      </m:sSub>
+                    </m:oMath>
+                  </m:oMathPara>
+                </a14:m>
+                <a:endParaRPr lang="en-US" sz="900" dirty="0"/>
+              </a:p>
+            </p:txBody>
+          </p:sp>
+        </mc:Choice>
+        <mc:Fallback>
+          <p:sp>
+            <p:nvSpPr>
+              <p:cNvPr id="76" name="TextBox 75">
+                <a:extLst>
+                  <a:ext uri="{FF2B5EF4-FFF2-40B4-BE49-F238E27FC236}">
+                    <a16:creationId xmlns:a16="http://schemas.microsoft.com/office/drawing/2014/main" id="{783EBA91-8531-7739-6265-5C8553FB7DFA}"/>
+                  </a:ext>
+                </a:extLst>
+              </p:cNvPr>
+              <p:cNvSpPr txBox="1">
+                <a:spLocks noRot="1" noChangeAspect="1" noMove="1" noResize="1" noEditPoints="1" noAdjustHandles="1" noChangeArrowheads="1" noChangeShapeType="1" noTextEdit="1"/>
+              </p:cNvSpPr>
+              <p:nvPr/>
+            </p:nvSpPr>
+            <p:spPr>
+              <a:xfrm>
+                <a:off x="10701846" y="2803936"/>
+                <a:ext cx="320280" cy="230832"/>
+              </a:xfrm>
+              <a:prstGeom prst="rect">
+                <a:avLst/>
+              </a:prstGeom>
+              <a:blipFill>
+                <a:blip r:embed="rId24"/>
+                <a:stretch>
+                  <a:fillRect/>
+                </a:stretch>
+              </a:blipFill>
+            </p:spPr>
+            <p:txBody>
+              <a:bodyPr/>
+              <a:lstStyle/>
+              <a:p>
+                <a:r>
+                  <a:rPr lang="en-US">
+                    <a:noFill/>
+                  </a:rPr>
+                  <a:t> </a:t>
+                </a:r>
+              </a:p>
+            </p:txBody>
+          </p:sp>
+        </mc:Fallback>
+      </mc:AlternateContent>
+      <p:sp>
+        <p:nvSpPr>
+          <p:cNvPr id="77" name="Oval 76">
+            <a:extLst>
+              <a:ext uri="{FF2B5EF4-FFF2-40B4-BE49-F238E27FC236}">
+                <a16:creationId xmlns:a16="http://schemas.microsoft.com/office/drawing/2014/main" id="{4A47A3D7-3886-23B3-3A9E-1861A4B33658}"/>
+              </a:ext>
+            </a:extLst>
+          </p:cNvPr>
+          <p:cNvSpPr/>
+          <p:nvPr/>
+        </p:nvSpPr>
+        <p:spPr>
+          <a:xfrm>
+            <a:off x="10687851" y="2765881"/>
+            <a:ext cx="329318" cy="332286"/>
+          </a:xfrm>
+          <a:prstGeom prst="ellipse">
+            <a:avLst/>
+          </a:prstGeom>
+          <a:solidFill>
+            <a:schemeClr val="accent1">
+              <a:alpha val="26887"/>
+            </a:schemeClr>
+          </a:solidFill>
+        </p:spPr>
+        <p:style>
+          <a:lnRef idx="2">
+            <a:schemeClr val="accent1">
+              <a:shade val="15000"/>
+            </a:schemeClr>
+          </a:lnRef>
+          <a:fillRef idx="1">
+            <a:schemeClr val="accent1"/>
+          </a:fillRef>
+          <a:effectRef idx="0">
+            <a:schemeClr val="accent1"/>
+          </a:effectRef>
+          <a:fontRef idx="minor">
+            <a:schemeClr val="lt1"/>
+          </a:fontRef>
+        </p:style>
+        <p:txBody>
+          <a:bodyPr rtlCol="0" anchor="ctr"/>
+          <a:lstStyle/>
+          <a:p>
+            <a:pPr algn="ctr"/>
+            <a:endParaRPr lang="en-US" dirty="0"/>
+          </a:p>
+        </p:txBody>
+      </p:sp>
+      <mc:AlternateContent xmlns:mc="http://schemas.openxmlformats.org/markup-compatibility/2006">
+        <mc:Choice xmlns:a14="http://schemas.microsoft.com/office/drawing/2010/main" Requires="a14">
+          <p:sp>
+            <p:nvSpPr>
+              <p:cNvPr id="78" name="TextBox 77">
+                <a:extLst>
+                  <a:ext uri="{FF2B5EF4-FFF2-40B4-BE49-F238E27FC236}">
+                    <a16:creationId xmlns:a16="http://schemas.microsoft.com/office/drawing/2014/main" id="{56F40DFD-BA3B-F9EB-FF81-C134C028E96F}"/>
+                  </a:ext>
+                </a:extLst>
+              </p:cNvPr>
+              <p:cNvSpPr txBox="1"/>
+              <p:nvPr/>
+            </p:nvSpPr>
+            <p:spPr>
+              <a:xfrm>
+                <a:off x="10696889" y="3245036"/>
+                <a:ext cx="320280" cy="230832"/>
+              </a:xfrm>
+              <a:prstGeom prst="rect">
+                <a:avLst/>
+              </a:prstGeom>
+              <a:noFill/>
+            </p:spPr>
+            <p:txBody>
+              <a:bodyPr wrap="none" rtlCol="0">
+                <a:spAutoFit/>
+              </a:bodyPr>
+              <a:lstStyle/>
+              <a:p>
+                <a14:m>
+                  <m:oMathPara xmlns:m="http://schemas.openxmlformats.org/officeDocument/2006/math">
+                    <m:oMathParaPr>
+                      <m:jc m:val="centerGroup"/>
+                    </m:oMathParaPr>
+                    <m:oMath xmlns:m="http://schemas.openxmlformats.org/officeDocument/2006/math">
+                      <m:sSub>
+                        <m:sSubPr>
+                          <m:ctrlPr>
+                            <a:rPr lang="en-US" sz="900" i="1" smtClean="0">
+                              <a:latin typeface="Cambria Math" panose="02040503050406030204" pitchFamily="18" charset="0"/>
+                            </a:rPr>
+                          </m:ctrlPr>
+                        </m:sSubPr>
+                        <m:e>
+                          <m:r>
+                            <a:rPr lang="en-US" sz="900" b="0" i="1" smtClean="0">
+                              <a:latin typeface="Cambria Math" panose="02040503050406030204" pitchFamily="18" charset="0"/>
+                            </a:rPr>
+                            <m:t>𝑥</m:t>
+                          </m:r>
+                        </m:e>
+                        <m:sub>
+                          <m:r>
+                            <a:rPr lang="en-US" sz="900" b="0" i="1" smtClean="0">
+                              <a:latin typeface="Cambria Math" panose="02040503050406030204" pitchFamily="18" charset="0"/>
+                            </a:rPr>
+                            <m:t>1</m:t>
+                          </m:r>
+                        </m:sub>
+                      </m:sSub>
+                    </m:oMath>
+                  </m:oMathPara>
+                </a14:m>
+                <a:endParaRPr lang="en-US" sz="900" dirty="0"/>
+              </a:p>
+            </p:txBody>
+          </p:sp>
+        </mc:Choice>
+        <mc:Fallback>
+          <p:sp>
+            <p:nvSpPr>
+              <p:cNvPr id="78" name="TextBox 77">
+                <a:extLst>
+                  <a:ext uri="{FF2B5EF4-FFF2-40B4-BE49-F238E27FC236}">
+                    <a16:creationId xmlns:a16="http://schemas.microsoft.com/office/drawing/2014/main" id="{56F40DFD-BA3B-F9EB-FF81-C134C028E96F}"/>
+                  </a:ext>
+                </a:extLst>
+              </p:cNvPr>
+              <p:cNvSpPr txBox="1">
+                <a:spLocks noRot="1" noChangeAspect="1" noMove="1" noResize="1" noEditPoints="1" noAdjustHandles="1" noChangeArrowheads="1" noChangeShapeType="1" noTextEdit="1"/>
+              </p:cNvSpPr>
+              <p:nvPr/>
+            </p:nvSpPr>
+            <p:spPr>
+              <a:xfrm>
+                <a:off x="10696889" y="3245036"/>
+                <a:ext cx="320280" cy="230832"/>
+              </a:xfrm>
+              <a:prstGeom prst="rect">
+                <a:avLst/>
+              </a:prstGeom>
+              <a:blipFill>
+                <a:blip r:embed="rId25"/>
+                <a:stretch>
+                  <a:fillRect/>
+                </a:stretch>
+              </a:blipFill>
+            </p:spPr>
+            <p:txBody>
+              <a:bodyPr/>
+              <a:lstStyle/>
+              <a:p>
+                <a:r>
+                  <a:rPr lang="en-US">
+                    <a:noFill/>
+                  </a:rPr>
+                  <a:t> </a:t>
+                </a:r>
+              </a:p>
+            </p:txBody>
+          </p:sp>
+        </mc:Fallback>
+      </mc:AlternateContent>
+      <p:sp>
+        <p:nvSpPr>
+          <p:cNvPr id="79" name="Oval 78">
+            <a:extLst>
+              <a:ext uri="{FF2B5EF4-FFF2-40B4-BE49-F238E27FC236}">
+                <a16:creationId xmlns:a16="http://schemas.microsoft.com/office/drawing/2014/main" id="{05BD3F3A-8A30-7220-8157-87608F02BB3B}"/>
+              </a:ext>
+            </a:extLst>
+          </p:cNvPr>
+          <p:cNvSpPr/>
+          <p:nvPr/>
+        </p:nvSpPr>
+        <p:spPr>
+          <a:xfrm>
+            <a:off x="10682894" y="3206981"/>
+            <a:ext cx="329318" cy="332286"/>
+          </a:xfrm>
+          <a:prstGeom prst="ellipse">
+            <a:avLst/>
+          </a:prstGeom>
+          <a:solidFill>
+            <a:schemeClr val="accent1">
+              <a:alpha val="26887"/>
+            </a:schemeClr>
+          </a:solidFill>
+        </p:spPr>
+        <p:style>
+          <a:lnRef idx="2">
+            <a:schemeClr val="accent1">
+              <a:shade val="15000"/>
+            </a:schemeClr>
+          </a:lnRef>
+          <a:fillRef idx="1">
+            <a:schemeClr val="accent1"/>
+          </a:fillRef>
+          <a:effectRef idx="0">
+            <a:schemeClr val="accent1"/>
+          </a:effectRef>
+          <a:fontRef idx="minor">
+            <a:schemeClr val="lt1"/>
+          </a:fontRef>
+        </p:style>
+        <p:txBody>
+          <a:bodyPr rtlCol="0" anchor="ctr"/>
+          <a:lstStyle/>
+          <a:p>
+            <a:pPr algn="ctr"/>
+            <a:endParaRPr lang="en-US" dirty="0"/>
+          </a:p>
+        </p:txBody>
+      </p:sp>
     </p:spTree>
     <p:extLst>
       <p:ext uri="{BB962C8B-B14F-4D97-AF65-F5344CB8AC3E}">

--- a/docs/VariationalAutoencodersFigures.pptx
+++ b/docs/VariationalAutoencodersFigures.pptx
@@ -3321,115 +3321,6 @@
           <a:chExt cx="0" cy="0"/>
         </a:xfrm>
       </p:grpSpPr>
-      <p:sp>
-        <p:nvSpPr>
-          <p:cNvPr id="61" name="Oval 60">
-            <a:extLst>
-              <a:ext uri="{FF2B5EF4-FFF2-40B4-BE49-F238E27FC236}">
-                <a16:creationId xmlns:a16="http://schemas.microsoft.com/office/drawing/2014/main" id="{39D86CA3-910D-4D34-8935-1B6831B6A8E9}"/>
-              </a:ext>
-            </a:extLst>
-          </p:cNvPr>
-          <p:cNvSpPr/>
-          <p:nvPr/>
-        </p:nvSpPr>
-        <p:spPr>
-          <a:xfrm>
-            <a:off x="10057304" y="1674120"/>
-            <a:ext cx="329318" cy="332286"/>
-          </a:xfrm>
-          <a:prstGeom prst="ellipse">
-            <a:avLst/>
-          </a:prstGeom>
-          <a:solidFill>
-            <a:schemeClr val="accent2">
-              <a:alpha val="26887"/>
-            </a:schemeClr>
-          </a:solidFill>
-          <a:ln>
-            <a:solidFill>
-              <a:schemeClr val="accent2">
-                <a:lumMod val="75000"/>
-              </a:schemeClr>
-            </a:solidFill>
-          </a:ln>
-        </p:spPr>
-        <p:style>
-          <a:lnRef idx="2">
-            <a:schemeClr val="accent1">
-              <a:shade val="15000"/>
-            </a:schemeClr>
-          </a:lnRef>
-          <a:fillRef idx="1">
-            <a:schemeClr val="accent1"/>
-          </a:fillRef>
-          <a:effectRef idx="0">
-            <a:schemeClr val="accent1"/>
-          </a:effectRef>
-          <a:fontRef idx="minor">
-            <a:schemeClr val="lt1"/>
-          </a:fontRef>
-        </p:style>
-        <p:txBody>
-          <a:bodyPr rtlCol="0" anchor="ctr"/>
-          <a:lstStyle/>
-          <a:p>
-            <a:pPr algn="ctr"/>
-            <a:endParaRPr lang="en-US" dirty="0"/>
-          </a:p>
-        </p:txBody>
-      </p:sp>
-      <p:sp>
-        <p:nvSpPr>
-          <p:cNvPr id="53" name="Oval 52">
-            <a:extLst>
-              <a:ext uri="{FF2B5EF4-FFF2-40B4-BE49-F238E27FC236}">
-                <a16:creationId xmlns:a16="http://schemas.microsoft.com/office/drawing/2014/main" id="{0352C064-F0BD-2594-355C-2AA4DEA061CF}"/>
-              </a:ext>
-            </a:extLst>
-          </p:cNvPr>
-          <p:cNvSpPr/>
-          <p:nvPr/>
-        </p:nvSpPr>
-        <p:spPr>
-          <a:xfrm>
-            <a:off x="9379195" y="2299646"/>
-            <a:ext cx="329318" cy="332286"/>
-          </a:xfrm>
-          <a:prstGeom prst="ellipse">
-            <a:avLst/>
-          </a:prstGeom>
-          <a:solidFill>
-            <a:schemeClr val="accent1">
-              <a:alpha val="26887"/>
-            </a:schemeClr>
-          </a:solidFill>
-        </p:spPr>
-        <p:style>
-          <a:lnRef idx="2">
-            <a:schemeClr val="accent1">
-              <a:shade val="15000"/>
-            </a:schemeClr>
-          </a:lnRef>
-          <a:fillRef idx="1">
-            <a:schemeClr val="accent1"/>
-          </a:fillRef>
-          <a:effectRef idx="0">
-            <a:schemeClr val="accent1"/>
-          </a:effectRef>
-          <a:fontRef idx="minor">
-            <a:schemeClr val="lt1"/>
-          </a:fontRef>
-        </p:style>
-        <p:txBody>
-          <a:bodyPr rtlCol="0" anchor="ctr"/>
-          <a:lstStyle/>
-          <a:p>
-            <a:pPr algn="ctr"/>
-            <a:endParaRPr lang="en-US" dirty="0"/>
-          </a:p>
-        </p:txBody>
-      </p:sp>
       <p:grpSp>
         <p:nvGrpSpPr>
           <p:cNvPr id="24" name="Group 23">
@@ -5470,61 +5361,4929 @@
           </mc:Fallback>
         </mc:AlternateContent>
       </p:grpSp>
-      <mc:AlternateContent xmlns:mc="http://schemas.openxmlformats.org/markup-compatibility/2006">
-        <mc:Choice xmlns:a14="http://schemas.microsoft.com/office/drawing/2010/main" Requires="a14">
-          <p:sp>
-            <p:nvSpPr>
-              <p:cNvPr id="46" name="TextBox 45">
-                <a:extLst>
-                  <a:ext uri="{FF2B5EF4-FFF2-40B4-BE49-F238E27FC236}">
-                    <a16:creationId xmlns:a16="http://schemas.microsoft.com/office/drawing/2014/main" id="{3DA15823-4243-5190-98A8-F06CCE6D4F81}"/>
-                  </a:ext>
-                </a:extLst>
-              </p:cNvPr>
-              <p:cNvSpPr txBox="1"/>
-              <p:nvPr/>
-            </p:nvSpPr>
-            <p:spPr>
-              <a:xfrm>
-                <a:off x="9385540" y="1013340"/>
-                <a:ext cx="320280" cy="230832"/>
-              </a:xfrm>
-              <a:prstGeom prst="rect">
-                <a:avLst/>
-              </a:prstGeom>
-              <a:noFill/>
-            </p:spPr>
-            <p:txBody>
-              <a:bodyPr wrap="none" rtlCol="0">
-                <a:spAutoFit/>
-              </a:bodyPr>
-              <a:lstStyle/>
-              <a:p>
-                <a14:m>
-                  <m:oMathPara xmlns:m="http://schemas.openxmlformats.org/officeDocument/2006/math">
-                    <m:oMathParaPr>
-                      <m:jc m:val="centerGroup"/>
-                    </m:oMathParaPr>
+      <p:grpSp>
+        <p:nvGrpSpPr>
+          <p:cNvPr id="201" name="Group 200">
+            <a:extLst>
+              <a:ext uri="{FF2B5EF4-FFF2-40B4-BE49-F238E27FC236}">
+                <a16:creationId xmlns:a16="http://schemas.microsoft.com/office/drawing/2014/main" id="{66CECEF1-938B-BBFE-A0D8-AC5F94726020}"/>
+              </a:ext>
+            </a:extLst>
+          </p:cNvPr>
+          <p:cNvGrpSpPr/>
+          <p:nvPr/>
+        </p:nvGrpSpPr>
+        <p:grpSpPr>
+          <a:xfrm>
+            <a:off x="9192049" y="974258"/>
+            <a:ext cx="2812690" cy="3308747"/>
+            <a:chOff x="9192049" y="974258"/>
+            <a:chExt cx="2812690" cy="3308747"/>
+          </a:xfrm>
+        </p:grpSpPr>
+        <p:sp>
+          <p:nvSpPr>
+            <p:cNvPr id="79" name="Oval 78">
+              <a:extLst>
+                <a:ext uri="{FF2B5EF4-FFF2-40B4-BE49-F238E27FC236}">
+                  <a16:creationId xmlns:a16="http://schemas.microsoft.com/office/drawing/2014/main" id="{05BD3F3A-8A30-7220-8157-87608F02BB3B}"/>
+                </a:ext>
+              </a:extLst>
+            </p:cNvPr>
+            <p:cNvSpPr/>
+            <p:nvPr/>
+          </p:nvSpPr>
+          <p:spPr>
+            <a:xfrm>
+              <a:off x="10682894" y="3206981"/>
+              <a:ext cx="329318" cy="332286"/>
+            </a:xfrm>
+            <a:prstGeom prst="ellipse">
+              <a:avLst/>
+            </a:prstGeom>
+            <a:solidFill>
+              <a:schemeClr val="accent2">
+                <a:alpha val="26887"/>
+              </a:schemeClr>
+            </a:solidFill>
+            <a:ln>
+              <a:solidFill>
+                <a:schemeClr val="accent2">
+                  <a:lumMod val="75000"/>
+                </a:schemeClr>
+              </a:solidFill>
+            </a:ln>
+          </p:spPr>
+          <p:style>
+            <a:lnRef idx="2">
+              <a:schemeClr val="accent1">
+                <a:shade val="15000"/>
+              </a:schemeClr>
+            </a:lnRef>
+            <a:fillRef idx="1">
+              <a:schemeClr val="accent1"/>
+            </a:fillRef>
+            <a:effectRef idx="0">
+              <a:schemeClr val="accent1"/>
+            </a:effectRef>
+            <a:fontRef idx="minor">
+              <a:schemeClr val="lt1"/>
+            </a:fontRef>
+          </p:style>
+          <p:txBody>
+            <a:bodyPr rtlCol="0" anchor="ctr"/>
+            <a:lstStyle/>
+            <a:p>
+              <a:pPr algn="ctr"/>
+              <a:endParaRPr lang="en-US" dirty="0"/>
+            </a:p>
+          </p:txBody>
+        </p:sp>
+        <p:sp>
+          <p:nvSpPr>
+            <p:cNvPr id="77" name="Oval 76">
+              <a:extLst>
+                <a:ext uri="{FF2B5EF4-FFF2-40B4-BE49-F238E27FC236}">
+                  <a16:creationId xmlns:a16="http://schemas.microsoft.com/office/drawing/2014/main" id="{4A47A3D7-3886-23B3-3A9E-1861A4B33658}"/>
+                </a:ext>
+              </a:extLst>
+            </p:cNvPr>
+            <p:cNvSpPr/>
+            <p:nvPr/>
+          </p:nvSpPr>
+          <p:spPr>
+            <a:xfrm>
+              <a:off x="10687851" y="2765881"/>
+              <a:ext cx="329318" cy="332286"/>
+            </a:xfrm>
+            <a:prstGeom prst="ellipse">
+              <a:avLst/>
+            </a:prstGeom>
+            <a:solidFill>
+              <a:schemeClr val="accent2">
+                <a:alpha val="26887"/>
+              </a:schemeClr>
+            </a:solidFill>
+            <a:ln>
+              <a:solidFill>
+                <a:schemeClr val="accent2">
+                  <a:lumMod val="75000"/>
+                </a:schemeClr>
+              </a:solidFill>
+            </a:ln>
+          </p:spPr>
+          <p:style>
+            <a:lnRef idx="2">
+              <a:schemeClr val="accent1">
+                <a:shade val="15000"/>
+              </a:schemeClr>
+            </a:lnRef>
+            <a:fillRef idx="1">
+              <a:schemeClr val="accent1"/>
+            </a:fillRef>
+            <a:effectRef idx="0">
+              <a:schemeClr val="accent1"/>
+            </a:effectRef>
+            <a:fontRef idx="minor">
+              <a:schemeClr val="lt1"/>
+            </a:fontRef>
+          </p:style>
+          <p:txBody>
+            <a:bodyPr rtlCol="0" anchor="ctr"/>
+            <a:lstStyle/>
+            <a:p>
+              <a:pPr algn="ctr"/>
+              <a:endParaRPr lang="en-US" dirty="0"/>
+            </a:p>
+          </p:txBody>
+        </p:sp>
+        <p:sp>
+          <p:nvSpPr>
+            <p:cNvPr id="75" name="Oval 74">
+              <a:extLst>
+                <a:ext uri="{FF2B5EF4-FFF2-40B4-BE49-F238E27FC236}">
+                  <a16:creationId xmlns:a16="http://schemas.microsoft.com/office/drawing/2014/main" id="{7AB6EBC6-A5D5-B825-2165-47F9B54D0E18}"/>
+                </a:ext>
+              </a:extLst>
+            </p:cNvPr>
+            <p:cNvSpPr/>
+            <p:nvPr/>
+          </p:nvSpPr>
+          <p:spPr>
+            <a:xfrm>
+              <a:off x="10687851" y="2308741"/>
+              <a:ext cx="329318" cy="332286"/>
+            </a:xfrm>
+            <a:prstGeom prst="ellipse">
+              <a:avLst/>
+            </a:prstGeom>
+            <a:solidFill>
+              <a:schemeClr val="accent2">
+                <a:alpha val="26887"/>
+              </a:schemeClr>
+            </a:solidFill>
+            <a:ln>
+              <a:solidFill>
+                <a:schemeClr val="accent2">
+                  <a:lumMod val="75000"/>
+                </a:schemeClr>
+              </a:solidFill>
+            </a:ln>
+          </p:spPr>
+          <p:style>
+            <a:lnRef idx="2">
+              <a:schemeClr val="accent1">
+                <a:shade val="15000"/>
+              </a:schemeClr>
+            </a:lnRef>
+            <a:fillRef idx="1">
+              <a:schemeClr val="accent1"/>
+            </a:fillRef>
+            <a:effectRef idx="0">
+              <a:schemeClr val="accent1"/>
+            </a:effectRef>
+            <a:fontRef idx="minor">
+              <a:schemeClr val="lt1"/>
+            </a:fontRef>
+          </p:style>
+          <p:txBody>
+            <a:bodyPr rtlCol="0" anchor="ctr"/>
+            <a:lstStyle/>
+            <a:p>
+              <a:pPr algn="ctr"/>
+              <a:endParaRPr lang="en-US" dirty="0"/>
+            </a:p>
+          </p:txBody>
+        </p:sp>
+        <p:sp>
+          <p:nvSpPr>
+            <p:cNvPr id="73" name="Oval 72">
+              <a:extLst>
+                <a:ext uri="{FF2B5EF4-FFF2-40B4-BE49-F238E27FC236}">
+                  <a16:creationId xmlns:a16="http://schemas.microsoft.com/office/drawing/2014/main" id="{D4804E19-82DF-2E05-F8AF-E9E5C9D50688}"/>
+                </a:ext>
+              </a:extLst>
+            </p:cNvPr>
+            <p:cNvSpPr/>
+            <p:nvPr/>
+          </p:nvSpPr>
+          <p:spPr>
+            <a:xfrm>
+              <a:off x="10692808" y="1859037"/>
+              <a:ext cx="329318" cy="332286"/>
+            </a:xfrm>
+            <a:prstGeom prst="ellipse">
+              <a:avLst/>
+            </a:prstGeom>
+            <a:solidFill>
+              <a:schemeClr val="accent2">
+                <a:alpha val="26887"/>
+              </a:schemeClr>
+            </a:solidFill>
+            <a:ln>
+              <a:solidFill>
+                <a:schemeClr val="accent2">
+                  <a:lumMod val="75000"/>
+                </a:schemeClr>
+              </a:solidFill>
+            </a:ln>
+          </p:spPr>
+          <p:style>
+            <a:lnRef idx="2">
+              <a:schemeClr val="accent1">
+                <a:shade val="15000"/>
+              </a:schemeClr>
+            </a:lnRef>
+            <a:fillRef idx="1">
+              <a:schemeClr val="accent1"/>
+            </a:fillRef>
+            <a:effectRef idx="0">
+              <a:schemeClr val="accent1"/>
+            </a:effectRef>
+            <a:fontRef idx="minor">
+              <a:schemeClr val="lt1"/>
+            </a:fontRef>
+          </p:style>
+          <p:txBody>
+            <a:bodyPr rtlCol="0" anchor="ctr"/>
+            <a:lstStyle/>
+            <a:p>
+              <a:pPr algn="ctr"/>
+              <a:endParaRPr lang="en-US" dirty="0"/>
+            </a:p>
+          </p:txBody>
+        </p:sp>
+        <p:sp>
+          <p:nvSpPr>
+            <p:cNvPr id="71" name="Oval 70">
+              <a:extLst>
+                <a:ext uri="{FF2B5EF4-FFF2-40B4-BE49-F238E27FC236}">
+                  <a16:creationId xmlns:a16="http://schemas.microsoft.com/office/drawing/2014/main" id="{96B57ADC-0D65-9B84-FF48-FE49DD068490}"/>
+                </a:ext>
+              </a:extLst>
+            </p:cNvPr>
+            <p:cNvSpPr/>
+            <p:nvPr/>
+          </p:nvSpPr>
+          <p:spPr>
+            <a:xfrm>
+              <a:off x="10692808" y="1413535"/>
+              <a:ext cx="329318" cy="332286"/>
+            </a:xfrm>
+            <a:prstGeom prst="ellipse">
+              <a:avLst/>
+            </a:prstGeom>
+            <a:solidFill>
+              <a:schemeClr val="accent2">
+                <a:alpha val="26887"/>
+              </a:schemeClr>
+            </a:solidFill>
+            <a:ln>
+              <a:solidFill>
+                <a:schemeClr val="accent2">
+                  <a:lumMod val="75000"/>
+                </a:schemeClr>
+              </a:solidFill>
+            </a:ln>
+          </p:spPr>
+          <p:style>
+            <a:lnRef idx="2">
+              <a:schemeClr val="accent1">
+                <a:shade val="15000"/>
+              </a:schemeClr>
+            </a:lnRef>
+            <a:fillRef idx="1">
+              <a:schemeClr val="accent1"/>
+            </a:fillRef>
+            <a:effectRef idx="0">
+              <a:schemeClr val="accent1"/>
+            </a:effectRef>
+            <a:fontRef idx="minor">
+              <a:schemeClr val="lt1"/>
+            </a:fontRef>
+          </p:style>
+          <p:txBody>
+            <a:bodyPr rtlCol="0" anchor="ctr"/>
+            <a:lstStyle/>
+            <a:p>
+              <a:pPr algn="ctr"/>
+              <a:endParaRPr lang="en-US" dirty="0"/>
+            </a:p>
+          </p:txBody>
+        </p:sp>
+        <p:sp>
+          <p:nvSpPr>
+            <p:cNvPr id="69" name="Oval 68">
+              <a:extLst>
+                <a:ext uri="{FF2B5EF4-FFF2-40B4-BE49-F238E27FC236}">
+                  <a16:creationId xmlns:a16="http://schemas.microsoft.com/office/drawing/2014/main" id="{03C168FD-6BC9-8EA5-A386-E0091E903E0E}"/>
+                </a:ext>
+              </a:extLst>
+            </p:cNvPr>
+            <p:cNvSpPr/>
+            <p:nvPr/>
+          </p:nvSpPr>
+          <p:spPr>
+            <a:xfrm>
+              <a:off x="10692808" y="974258"/>
+              <a:ext cx="329318" cy="332286"/>
+            </a:xfrm>
+            <a:prstGeom prst="ellipse">
+              <a:avLst/>
+            </a:prstGeom>
+            <a:solidFill>
+              <a:schemeClr val="accent2">
+                <a:alpha val="26887"/>
+              </a:schemeClr>
+            </a:solidFill>
+            <a:ln>
+              <a:solidFill>
+                <a:schemeClr val="accent2">
+                  <a:lumMod val="75000"/>
+                </a:schemeClr>
+              </a:solidFill>
+            </a:ln>
+          </p:spPr>
+          <p:style>
+            <a:lnRef idx="2">
+              <a:schemeClr val="accent1">
+                <a:shade val="15000"/>
+              </a:schemeClr>
+            </a:lnRef>
+            <a:fillRef idx="1">
+              <a:schemeClr val="accent1"/>
+            </a:fillRef>
+            <a:effectRef idx="0">
+              <a:schemeClr val="accent1"/>
+            </a:effectRef>
+            <a:fontRef idx="minor">
+              <a:schemeClr val="lt1"/>
+            </a:fontRef>
+          </p:style>
+          <p:txBody>
+            <a:bodyPr rtlCol="0" anchor="ctr"/>
+            <a:lstStyle/>
+            <a:p>
+              <a:pPr algn="ctr"/>
+              <a:endParaRPr lang="en-US" dirty="0"/>
+            </a:p>
+          </p:txBody>
+        </p:sp>
+        <p:sp>
+          <p:nvSpPr>
+            <p:cNvPr id="67" name="Oval 66">
+              <a:extLst>
+                <a:ext uri="{FF2B5EF4-FFF2-40B4-BE49-F238E27FC236}">
+                  <a16:creationId xmlns:a16="http://schemas.microsoft.com/office/drawing/2014/main" id="{27351EEB-5344-93FD-9CC0-0C40815B9E38}"/>
+                </a:ext>
+              </a:extLst>
+            </p:cNvPr>
+            <p:cNvSpPr/>
+            <p:nvPr/>
+          </p:nvSpPr>
+          <p:spPr>
+            <a:xfrm>
+              <a:off x="10057304" y="3061687"/>
+              <a:ext cx="329318" cy="332286"/>
+            </a:xfrm>
+            <a:prstGeom prst="ellipse">
+              <a:avLst/>
+            </a:prstGeom>
+            <a:solidFill>
+              <a:schemeClr val="accent2">
+                <a:alpha val="26887"/>
+              </a:schemeClr>
+            </a:solidFill>
+            <a:ln>
+              <a:solidFill>
+                <a:schemeClr val="accent2">
+                  <a:lumMod val="75000"/>
+                </a:schemeClr>
+              </a:solidFill>
+            </a:ln>
+          </p:spPr>
+          <p:style>
+            <a:lnRef idx="2">
+              <a:schemeClr val="accent1">
+                <a:shade val="15000"/>
+              </a:schemeClr>
+            </a:lnRef>
+            <a:fillRef idx="1">
+              <a:schemeClr val="accent1"/>
+            </a:fillRef>
+            <a:effectRef idx="0">
+              <a:schemeClr val="accent1"/>
+            </a:effectRef>
+            <a:fontRef idx="minor">
+              <a:schemeClr val="lt1"/>
+            </a:fontRef>
+          </p:style>
+          <p:txBody>
+            <a:bodyPr rtlCol="0" anchor="ctr"/>
+            <a:lstStyle/>
+            <a:p>
+              <a:pPr algn="ctr"/>
+              <a:endParaRPr lang="en-US" dirty="0"/>
+            </a:p>
+          </p:txBody>
+        </p:sp>
+        <p:sp>
+          <p:nvSpPr>
+            <p:cNvPr id="65" name="Oval 64">
+              <a:extLst>
+                <a:ext uri="{FF2B5EF4-FFF2-40B4-BE49-F238E27FC236}">
+                  <a16:creationId xmlns:a16="http://schemas.microsoft.com/office/drawing/2014/main" id="{860A474B-2907-293C-E8B0-94A6B23091A1}"/>
+                </a:ext>
+              </a:extLst>
+            </p:cNvPr>
+            <p:cNvSpPr/>
+            <p:nvPr/>
+          </p:nvSpPr>
+          <p:spPr>
+            <a:xfrm>
+              <a:off x="10057304" y="2597595"/>
+              <a:ext cx="329318" cy="332286"/>
+            </a:xfrm>
+            <a:prstGeom prst="ellipse">
+              <a:avLst/>
+            </a:prstGeom>
+            <a:solidFill>
+              <a:schemeClr val="accent2">
+                <a:alpha val="26887"/>
+              </a:schemeClr>
+            </a:solidFill>
+            <a:ln>
+              <a:solidFill>
+                <a:schemeClr val="accent2">
+                  <a:lumMod val="75000"/>
+                </a:schemeClr>
+              </a:solidFill>
+            </a:ln>
+          </p:spPr>
+          <p:style>
+            <a:lnRef idx="2">
+              <a:schemeClr val="accent1">
+                <a:shade val="15000"/>
+              </a:schemeClr>
+            </a:lnRef>
+            <a:fillRef idx="1">
+              <a:schemeClr val="accent1"/>
+            </a:fillRef>
+            <a:effectRef idx="0">
+              <a:schemeClr val="accent1"/>
+            </a:effectRef>
+            <a:fontRef idx="minor">
+              <a:schemeClr val="lt1"/>
+            </a:fontRef>
+          </p:style>
+          <p:txBody>
+            <a:bodyPr rtlCol="0" anchor="ctr"/>
+            <a:lstStyle/>
+            <a:p>
+              <a:pPr algn="ctr"/>
+              <a:endParaRPr lang="en-US" dirty="0"/>
+            </a:p>
+          </p:txBody>
+        </p:sp>
+        <p:sp>
+          <p:nvSpPr>
+            <p:cNvPr id="63" name="Oval 62">
+              <a:extLst>
+                <a:ext uri="{FF2B5EF4-FFF2-40B4-BE49-F238E27FC236}">
+                  <a16:creationId xmlns:a16="http://schemas.microsoft.com/office/drawing/2014/main" id="{6F239D33-7AE9-2CEB-2C81-B6D30C494A7B}"/>
+                </a:ext>
+              </a:extLst>
+            </p:cNvPr>
+            <p:cNvSpPr/>
+            <p:nvPr/>
+          </p:nvSpPr>
+          <p:spPr>
+            <a:xfrm>
+              <a:off x="10057304" y="2133503"/>
+              <a:ext cx="329318" cy="332286"/>
+            </a:xfrm>
+            <a:prstGeom prst="ellipse">
+              <a:avLst/>
+            </a:prstGeom>
+            <a:solidFill>
+              <a:schemeClr val="accent2">
+                <a:alpha val="26887"/>
+              </a:schemeClr>
+            </a:solidFill>
+            <a:ln>
+              <a:solidFill>
+                <a:schemeClr val="accent2">
+                  <a:lumMod val="75000"/>
+                </a:schemeClr>
+              </a:solidFill>
+            </a:ln>
+          </p:spPr>
+          <p:style>
+            <a:lnRef idx="2">
+              <a:schemeClr val="accent1">
+                <a:shade val="15000"/>
+              </a:schemeClr>
+            </a:lnRef>
+            <a:fillRef idx="1">
+              <a:schemeClr val="accent1"/>
+            </a:fillRef>
+            <a:effectRef idx="0">
+              <a:schemeClr val="accent1"/>
+            </a:effectRef>
+            <a:fontRef idx="minor">
+              <a:schemeClr val="lt1"/>
+            </a:fontRef>
+          </p:style>
+          <p:txBody>
+            <a:bodyPr rtlCol="0" anchor="ctr"/>
+            <a:lstStyle/>
+            <a:p>
+              <a:pPr algn="ctr"/>
+              <a:endParaRPr lang="en-US" dirty="0"/>
+            </a:p>
+          </p:txBody>
+        </p:sp>
+        <p:sp>
+          <p:nvSpPr>
+            <p:cNvPr id="61" name="Oval 60">
+              <a:extLst>
+                <a:ext uri="{FF2B5EF4-FFF2-40B4-BE49-F238E27FC236}">
+                  <a16:creationId xmlns:a16="http://schemas.microsoft.com/office/drawing/2014/main" id="{39D86CA3-910D-4D34-8935-1B6831B6A8E9}"/>
+                </a:ext>
+              </a:extLst>
+            </p:cNvPr>
+            <p:cNvSpPr/>
+            <p:nvPr/>
+          </p:nvSpPr>
+          <p:spPr>
+            <a:xfrm>
+              <a:off x="10057304" y="1674120"/>
+              <a:ext cx="329318" cy="332286"/>
+            </a:xfrm>
+            <a:prstGeom prst="ellipse">
+              <a:avLst/>
+            </a:prstGeom>
+            <a:solidFill>
+              <a:schemeClr val="accent2">
+                <a:alpha val="26887"/>
+              </a:schemeClr>
+            </a:solidFill>
+            <a:ln>
+              <a:solidFill>
+                <a:schemeClr val="accent2">
+                  <a:lumMod val="75000"/>
+                </a:schemeClr>
+              </a:solidFill>
+            </a:ln>
+          </p:spPr>
+          <p:style>
+            <a:lnRef idx="2">
+              <a:schemeClr val="accent1">
+                <a:shade val="15000"/>
+              </a:schemeClr>
+            </a:lnRef>
+            <a:fillRef idx="1">
+              <a:schemeClr val="accent1"/>
+            </a:fillRef>
+            <a:effectRef idx="0">
+              <a:schemeClr val="accent1"/>
+            </a:effectRef>
+            <a:fontRef idx="minor">
+              <a:schemeClr val="lt1"/>
+            </a:fontRef>
+          </p:style>
+          <p:txBody>
+            <a:bodyPr rtlCol="0" anchor="ctr"/>
+            <a:lstStyle/>
+            <a:p>
+              <a:pPr algn="ctr"/>
+              <a:endParaRPr lang="en-US" dirty="0"/>
+            </a:p>
+          </p:txBody>
+        </p:sp>
+        <p:sp>
+          <p:nvSpPr>
+            <p:cNvPr id="53" name="Oval 52">
+              <a:extLst>
+                <a:ext uri="{FF2B5EF4-FFF2-40B4-BE49-F238E27FC236}">
+                  <a16:creationId xmlns:a16="http://schemas.microsoft.com/office/drawing/2014/main" id="{0352C064-F0BD-2594-355C-2AA4DEA061CF}"/>
+                </a:ext>
+              </a:extLst>
+            </p:cNvPr>
+            <p:cNvSpPr/>
+            <p:nvPr/>
+          </p:nvSpPr>
+          <p:spPr>
+            <a:xfrm>
+              <a:off x="9379195" y="2299646"/>
+              <a:ext cx="329318" cy="332286"/>
+            </a:xfrm>
+            <a:prstGeom prst="ellipse">
+              <a:avLst/>
+            </a:prstGeom>
+            <a:solidFill>
+              <a:schemeClr val="accent1">
+                <a:alpha val="26887"/>
+              </a:schemeClr>
+            </a:solidFill>
+          </p:spPr>
+          <p:style>
+            <a:lnRef idx="2">
+              <a:schemeClr val="accent1">
+                <a:shade val="15000"/>
+              </a:schemeClr>
+            </a:lnRef>
+            <a:fillRef idx="1">
+              <a:schemeClr val="accent1"/>
+            </a:fillRef>
+            <a:effectRef idx="0">
+              <a:schemeClr val="accent1"/>
+            </a:effectRef>
+            <a:fontRef idx="minor">
+              <a:schemeClr val="lt1"/>
+            </a:fontRef>
+          </p:style>
+          <p:txBody>
+            <a:bodyPr rtlCol="0" anchor="ctr"/>
+            <a:lstStyle/>
+            <a:p>
+              <a:pPr algn="ctr"/>
+              <a:endParaRPr lang="en-US" dirty="0"/>
+            </a:p>
+          </p:txBody>
+        </p:sp>
+        <mc:AlternateContent xmlns:mc="http://schemas.openxmlformats.org/markup-compatibility/2006">
+          <mc:Choice xmlns:a14="http://schemas.microsoft.com/office/drawing/2010/main" Requires="a14">
+            <p:sp>
+              <p:nvSpPr>
+                <p:cNvPr id="46" name="TextBox 45">
+                  <a:extLst>
+                    <a:ext uri="{FF2B5EF4-FFF2-40B4-BE49-F238E27FC236}">
+                      <a16:creationId xmlns:a16="http://schemas.microsoft.com/office/drawing/2014/main" id="{3DA15823-4243-5190-98A8-F06CCE6D4F81}"/>
+                    </a:ext>
+                  </a:extLst>
+                </p:cNvPr>
+                <p:cNvSpPr txBox="1"/>
+                <p:nvPr/>
+              </p:nvSpPr>
+              <p:spPr>
+                <a:xfrm>
+                  <a:off x="9385540" y="1013340"/>
+                  <a:ext cx="320280" cy="230832"/>
+                </a:xfrm>
+                <a:prstGeom prst="rect">
+                  <a:avLst/>
+                </a:prstGeom>
+                <a:noFill/>
+              </p:spPr>
+              <p:txBody>
+                <a:bodyPr wrap="none" rtlCol="0">
+                  <a:spAutoFit/>
+                </a:bodyPr>
+                <a:lstStyle/>
+                <a:p>
+                  <a14:m>
+                    <m:oMathPara xmlns:m="http://schemas.openxmlformats.org/officeDocument/2006/math">
+                      <m:oMathParaPr>
+                        <m:jc m:val="centerGroup"/>
+                      </m:oMathParaPr>
+                      <m:oMath xmlns:m="http://schemas.openxmlformats.org/officeDocument/2006/math">
+                        <m:sSub>
+                          <m:sSubPr>
+                            <m:ctrlPr>
+                              <a:rPr lang="en-US" sz="900" i="1" smtClean="0">
+                                <a:latin typeface="Cambria Math" panose="02040503050406030204" pitchFamily="18" charset="0"/>
+                              </a:rPr>
+                            </m:ctrlPr>
+                          </m:sSubPr>
+                          <m:e>
+                            <m:r>
+                              <a:rPr lang="en-US" sz="900" b="0" i="1" smtClean="0">
+                                <a:latin typeface="Cambria Math" panose="02040503050406030204" pitchFamily="18" charset="0"/>
+                              </a:rPr>
+                              <m:t>𝑥</m:t>
+                            </m:r>
+                          </m:e>
+                          <m:sub>
+                            <m:r>
+                              <a:rPr lang="en-US" sz="900" b="0" i="1" smtClean="0">
+                                <a:latin typeface="Cambria Math" panose="02040503050406030204" pitchFamily="18" charset="0"/>
+                              </a:rPr>
+                              <m:t>1</m:t>
+                            </m:r>
+                          </m:sub>
+                        </m:sSub>
+                      </m:oMath>
+                    </m:oMathPara>
+                  </a14:m>
+                  <a:endParaRPr lang="en-US" sz="900" dirty="0"/>
+                </a:p>
+              </p:txBody>
+            </p:sp>
+          </mc:Choice>
+          <mc:Fallback>
+            <p:sp>
+              <p:nvSpPr>
+                <p:cNvPr id="46" name="TextBox 45">
+                  <a:extLst>
+                    <a:ext uri="{FF2B5EF4-FFF2-40B4-BE49-F238E27FC236}">
+                      <a16:creationId xmlns:a16="http://schemas.microsoft.com/office/drawing/2014/main" id="{3DA15823-4243-5190-98A8-F06CCE6D4F81}"/>
+                    </a:ext>
+                  </a:extLst>
+                </p:cNvPr>
+                <p:cNvSpPr txBox="1">
+                  <a:spLocks noRot="1" noChangeAspect="1" noMove="1" noResize="1" noEditPoints="1" noAdjustHandles="1" noChangeArrowheads="1" noChangeShapeType="1" noTextEdit="1"/>
+                </p:cNvSpPr>
+                <p:nvPr/>
+              </p:nvSpPr>
+              <p:spPr>
+                <a:xfrm>
+                  <a:off x="9385540" y="1013340"/>
+                  <a:ext cx="320280" cy="230832"/>
+                </a:xfrm>
+                <a:prstGeom prst="rect">
+                  <a:avLst/>
+                </a:prstGeom>
+                <a:blipFill>
+                  <a:blip r:embed="rId13"/>
+                  <a:stretch>
+                    <a:fillRect/>
+                  </a:stretch>
+                </a:blipFill>
+              </p:spPr>
+              <p:txBody>
+                <a:bodyPr/>
+                <a:lstStyle/>
+                <a:p>
+                  <a:r>
+                    <a:rPr lang="en-US">
+                      <a:noFill/>
+                    </a:rPr>
+                    <a:t> </a:t>
+                  </a:r>
+                </a:p>
+              </p:txBody>
+            </p:sp>
+          </mc:Fallback>
+        </mc:AlternateContent>
+        <mc:AlternateContent xmlns:mc="http://schemas.openxmlformats.org/markup-compatibility/2006">
+          <mc:Choice xmlns:a14="http://schemas.microsoft.com/office/drawing/2010/main" Requires="a14">
+            <p:sp>
+              <p:nvSpPr>
+                <p:cNvPr id="47" name="TextBox 46">
+                  <a:extLst>
+                    <a:ext uri="{FF2B5EF4-FFF2-40B4-BE49-F238E27FC236}">
+                      <a16:creationId xmlns:a16="http://schemas.microsoft.com/office/drawing/2014/main" id="{5B7297EC-416E-13FE-95F9-31641A7880C6}"/>
+                    </a:ext>
+                  </a:extLst>
+                </p:cNvPr>
+                <p:cNvSpPr txBox="1"/>
+                <p:nvPr/>
+              </p:nvSpPr>
+              <p:spPr>
+                <a:xfrm>
+                  <a:off x="9380583" y="1455470"/>
+                  <a:ext cx="322973" cy="230832"/>
+                </a:xfrm>
+                <a:prstGeom prst="rect">
+                  <a:avLst/>
+                </a:prstGeom>
+                <a:noFill/>
+              </p:spPr>
+              <p:txBody>
+                <a:bodyPr wrap="none" rtlCol="0">
+                  <a:spAutoFit/>
+                </a:bodyPr>
+                <a:lstStyle/>
+                <a:p>
+                  <a14:m>
+                    <m:oMathPara xmlns:m="http://schemas.openxmlformats.org/officeDocument/2006/math">
+                      <m:oMathParaPr>
+                        <m:jc m:val="centerGroup"/>
+                      </m:oMathParaPr>
+                      <m:oMath xmlns:m="http://schemas.openxmlformats.org/officeDocument/2006/math">
+                        <m:sSub>
+                          <m:sSubPr>
+                            <m:ctrlPr>
+                              <a:rPr lang="en-US" sz="900" i="1" smtClean="0">
+                                <a:latin typeface="Cambria Math" panose="02040503050406030204" pitchFamily="18" charset="0"/>
+                              </a:rPr>
+                            </m:ctrlPr>
+                          </m:sSubPr>
+                          <m:e>
+                            <m:r>
+                              <a:rPr lang="en-US" sz="900" b="0" i="1" smtClean="0">
+                                <a:latin typeface="Cambria Math" panose="02040503050406030204" pitchFamily="18" charset="0"/>
+                              </a:rPr>
+                              <m:t>𝑥</m:t>
+                            </m:r>
+                          </m:e>
+                          <m:sub>
+                            <m:r>
+                              <a:rPr lang="en-US" sz="900" b="0" i="1" smtClean="0">
+                                <a:latin typeface="Cambria Math" panose="02040503050406030204" pitchFamily="18" charset="0"/>
+                              </a:rPr>
+                              <m:t>2</m:t>
+                            </m:r>
+                          </m:sub>
+                        </m:sSub>
+                      </m:oMath>
+                    </m:oMathPara>
+                  </a14:m>
+                  <a:endParaRPr lang="en-US" sz="900" dirty="0"/>
+                </a:p>
+              </p:txBody>
+            </p:sp>
+          </mc:Choice>
+          <mc:Fallback>
+            <p:sp>
+              <p:nvSpPr>
+                <p:cNvPr id="47" name="TextBox 46">
+                  <a:extLst>
+                    <a:ext uri="{FF2B5EF4-FFF2-40B4-BE49-F238E27FC236}">
+                      <a16:creationId xmlns:a16="http://schemas.microsoft.com/office/drawing/2014/main" id="{5B7297EC-416E-13FE-95F9-31641A7880C6}"/>
+                    </a:ext>
+                  </a:extLst>
+                </p:cNvPr>
+                <p:cNvSpPr txBox="1">
+                  <a:spLocks noRot="1" noChangeAspect="1" noMove="1" noResize="1" noEditPoints="1" noAdjustHandles="1" noChangeArrowheads="1" noChangeShapeType="1" noTextEdit="1"/>
+                </p:cNvSpPr>
+                <p:nvPr/>
+              </p:nvSpPr>
+              <p:spPr>
+                <a:xfrm>
+                  <a:off x="9380583" y="1455470"/>
+                  <a:ext cx="322973" cy="230832"/>
+                </a:xfrm>
+                <a:prstGeom prst="rect">
+                  <a:avLst/>
+                </a:prstGeom>
+                <a:blipFill>
+                  <a:blip r:embed="rId14"/>
+                  <a:stretch>
+                    <a:fillRect/>
+                  </a:stretch>
+                </a:blipFill>
+              </p:spPr>
+              <p:txBody>
+                <a:bodyPr/>
+                <a:lstStyle/>
+                <a:p>
+                  <a:r>
+                    <a:rPr lang="en-US">
+                      <a:noFill/>
+                    </a:rPr>
+                    <a:t> </a:t>
+                  </a:r>
+                </a:p>
+              </p:txBody>
+            </p:sp>
+          </mc:Fallback>
+        </mc:AlternateContent>
+        <mc:AlternateContent xmlns:mc="http://schemas.openxmlformats.org/markup-compatibility/2006">
+          <mc:Choice xmlns:a14="http://schemas.microsoft.com/office/drawing/2010/main" Requires="a14">
+            <p:sp>
+              <p:nvSpPr>
+                <p:cNvPr id="48" name="TextBox 47">
+                  <a:extLst>
+                    <a:ext uri="{FF2B5EF4-FFF2-40B4-BE49-F238E27FC236}">
+                      <a16:creationId xmlns:a16="http://schemas.microsoft.com/office/drawing/2014/main" id="{674E7053-F16E-C70B-A248-F58FE7EDBA18}"/>
+                    </a:ext>
+                  </a:extLst>
+                </p:cNvPr>
+                <p:cNvSpPr txBox="1"/>
+                <p:nvPr/>
+              </p:nvSpPr>
+              <p:spPr>
+                <a:xfrm>
+                  <a:off x="9382367" y="1888609"/>
+                  <a:ext cx="322973" cy="230832"/>
+                </a:xfrm>
+                <a:prstGeom prst="rect">
+                  <a:avLst/>
+                </a:prstGeom>
+                <a:noFill/>
+              </p:spPr>
+              <p:txBody>
+                <a:bodyPr wrap="none" rtlCol="0">
+                  <a:spAutoFit/>
+                </a:bodyPr>
+                <a:lstStyle/>
+                <a:p>
+                  <a14:m>
+                    <m:oMathPara xmlns:m="http://schemas.openxmlformats.org/officeDocument/2006/math">
+                      <m:oMathParaPr>
+                        <m:jc m:val="centerGroup"/>
+                      </m:oMathParaPr>
+                      <m:oMath xmlns:m="http://schemas.openxmlformats.org/officeDocument/2006/math">
+                        <m:sSub>
+                          <m:sSubPr>
+                            <m:ctrlPr>
+                              <a:rPr lang="en-US" sz="900" i="1" smtClean="0">
+                                <a:latin typeface="Cambria Math" panose="02040503050406030204" pitchFamily="18" charset="0"/>
+                              </a:rPr>
+                            </m:ctrlPr>
+                          </m:sSubPr>
+                          <m:e>
+                            <m:r>
+                              <a:rPr lang="en-US" sz="900" b="0" i="1" smtClean="0">
+                                <a:latin typeface="Cambria Math" panose="02040503050406030204" pitchFamily="18" charset="0"/>
+                              </a:rPr>
+                              <m:t>𝑥</m:t>
+                            </m:r>
+                          </m:e>
+                          <m:sub>
+                            <m:r>
+                              <a:rPr lang="en-US" sz="900" b="0" i="1" smtClean="0">
+                                <a:latin typeface="Cambria Math" panose="02040503050406030204" pitchFamily="18" charset="0"/>
+                              </a:rPr>
+                              <m:t>3</m:t>
+                            </m:r>
+                          </m:sub>
+                        </m:sSub>
+                      </m:oMath>
+                    </m:oMathPara>
+                  </a14:m>
+                  <a:endParaRPr lang="en-US" sz="900" dirty="0"/>
+                </a:p>
+              </p:txBody>
+            </p:sp>
+          </mc:Choice>
+          <mc:Fallback>
+            <p:sp>
+              <p:nvSpPr>
+                <p:cNvPr id="48" name="TextBox 47">
+                  <a:extLst>
+                    <a:ext uri="{FF2B5EF4-FFF2-40B4-BE49-F238E27FC236}">
+                      <a16:creationId xmlns:a16="http://schemas.microsoft.com/office/drawing/2014/main" id="{674E7053-F16E-C70B-A248-F58FE7EDBA18}"/>
+                    </a:ext>
+                  </a:extLst>
+                </p:cNvPr>
+                <p:cNvSpPr txBox="1">
+                  <a:spLocks noRot="1" noChangeAspect="1" noMove="1" noResize="1" noEditPoints="1" noAdjustHandles="1" noChangeArrowheads="1" noChangeShapeType="1" noTextEdit="1"/>
+                </p:cNvSpPr>
+                <p:nvPr/>
+              </p:nvSpPr>
+              <p:spPr>
+                <a:xfrm>
+                  <a:off x="9382367" y="1888609"/>
+                  <a:ext cx="322973" cy="230832"/>
+                </a:xfrm>
+                <a:prstGeom prst="rect">
+                  <a:avLst/>
+                </a:prstGeom>
+                <a:blipFill>
+                  <a:blip r:embed="rId15"/>
+                  <a:stretch>
+                    <a:fillRect/>
+                  </a:stretch>
+                </a:blipFill>
+              </p:spPr>
+              <p:txBody>
+                <a:bodyPr/>
+                <a:lstStyle/>
+                <a:p>
+                  <a:r>
+                    <a:rPr lang="en-US">
+                      <a:noFill/>
+                    </a:rPr>
+                    <a:t> </a:t>
+                  </a:r>
+                </a:p>
+              </p:txBody>
+            </p:sp>
+          </mc:Fallback>
+        </mc:AlternateContent>
+        <p:sp>
+          <p:nvSpPr>
+            <p:cNvPr id="49" name="Oval 48">
+              <a:extLst>
+                <a:ext uri="{FF2B5EF4-FFF2-40B4-BE49-F238E27FC236}">
+                  <a16:creationId xmlns:a16="http://schemas.microsoft.com/office/drawing/2014/main" id="{1290628C-990A-639D-E58A-CA0B586E4566}"/>
+                </a:ext>
+              </a:extLst>
+            </p:cNvPr>
+            <p:cNvSpPr/>
+            <p:nvPr/>
+          </p:nvSpPr>
+          <p:spPr>
+            <a:xfrm>
+              <a:off x="9371545" y="975285"/>
+              <a:ext cx="329318" cy="332286"/>
+            </a:xfrm>
+            <a:prstGeom prst="ellipse">
+              <a:avLst/>
+            </a:prstGeom>
+            <a:solidFill>
+              <a:schemeClr val="accent1">
+                <a:alpha val="26887"/>
+              </a:schemeClr>
+            </a:solidFill>
+          </p:spPr>
+          <p:style>
+            <a:lnRef idx="2">
+              <a:schemeClr val="accent1">
+                <a:shade val="15000"/>
+              </a:schemeClr>
+            </a:lnRef>
+            <a:fillRef idx="1">
+              <a:schemeClr val="accent1"/>
+            </a:fillRef>
+            <a:effectRef idx="0">
+              <a:schemeClr val="accent1"/>
+            </a:effectRef>
+            <a:fontRef idx="minor">
+              <a:schemeClr val="lt1"/>
+            </a:fontRef>
+          </p:style>
+          <p:txBody>
+            <a:bodyPr rtlCol="0" anchor="ctr"/>
+            <a:lstStyle/>
+            <a:p>
+              <a:pPr algn="ctr"/>
+              <a:endParaRPr lang="en-US" dirty="0"/>
+            </a:p>
+          </p:txBody>
+        </p:sp>
+        <p:sp>
+          <p:nvSpPr>
+            <p:cNvPr id="50" name="Oval 49">
+              <a:extLst>
+                <a:ext uri="{FF2B5EF4-FFF2-40B4-BE49-F238E27FC236}">
+                  <a16:creationId xmlns:a16="http://schemas.microsoft.com/office/drawing/2014/main" id="{2AB41B04-39DF-F479-1BC2-18F9617797DA}"/>
+                </a:ext>
+              </a:extLst>
+            </p:cNvPr>
+            <p:cNvSpPr/>
+            <p:nvPr/>
+          </p:nvSpPr>
+          <p:spPr>
+            <a:xfrm>
+              <a:off x="9379195" y="1417662"/>
+              <a:ext cx="329318" cy="332286"/>
+            </a:xfrm>
+            <a:prstGeom prst="ellipse">
+              <a:avLst/>
+            </a:prstGeom>
+            <a:solidFill>
+              <a:schemeClr val="accent1">
+                <a:alpha val="26887"/>
+              </a:schemeClr>
+            </a:solidFill>
+          </p:spPr>
+          <p:style>
+            <a:lnRef idx="2">
+              <a:schemeClr val="accent1">
+                <a:shade val="15000"/>
+              </a:schemeClr>
+            </a:lnRef>
+            <a:fillRef idx="1">
+              <a:schemeClr val="accent1"/>
+            </a:fillRef>
+            <a:effectRef idx="0">
+              <a:schemeClr val="accent1"/>
+            </a:effectRef>
+            <a:fontRef idx="minor">
+              <a:schemeClr val="lt1"/>
+            </a:fontRef>
+          </p:style>
+          <p:txBody>
+            <a:bodyPr rtlCol="0" anchor="ctr"/>
+            <a:lstStyle/>
+            <a:p>
+              <a:pPr algn="ctr"/>
+              <a:endParaRPr lang="en-US" dirty="0"/>
+            </a:p>
+          </p:txBody>
+        </p:sp>
+        <p:sp>
+          <p:nvSpPr>
+            <p:cNvPr id="51" name="Oval 50">
+              <a:extLst>
+                <a:ext uri="{FF2B5EF4-FFF2-40B4-BE49-F238E27FC236}">
+                  <a16:creationId xmlns:a16="http://schemas.microsoft.com/office/drawing/2014/main" id="{1AD1FCC6-306E-8752-C108-8E488E321527}"/>
+                </a:ext>
+              </a:extLst>
+            </p:cNvPr>
+            <p:cNvSpPr/>
+            <p:nvPr/>
+          </p:nvSpPr>
+          <p:spPr>
+            <a:xfrm>
+              <a:off x="9379195" y="1858654"/>
+              <a:ext cx="329318" cy="332286"/>
+            </a:xfrm>
+            <a:prstGeom prst="ellipse">
+              <a:avLst/>
+            </a:prstGeom>
+            <a:solidFill>
+              <a:schemeClr val="accent1">
+                <a:alpha val="26887"/>
+              </a:schemeClr>
+            </a:solidFill>
+          </p:spPr>
+          <p:style>
+            <a:lnRef idx="2">
+              <a:schemeClr val="accent1">
+                <a:shade val="15000"/>
+              </a:schemeClr>
+            </a:lnRef>
+            <a:fillRef idx="1">
+              <a:schemeClr val="accent1"/>
+            </a:fillRef>
+            <a:effectRef idx="0">
+              <a:schemeClr val="accent1"/>
+            </a:effectRef>
+            <a:fontRef idx="minor">
+              <a:schemeClr val="lt1"/>
+            </a:fontRef>
+          </p:style>
+          <p:txBody>
+            <a:bodyPr rtlCol="0" anchor="ctr"/>
+            <a:lstStyle/>
+            <a:p>
+              <a:pPr algn="ctr"/>
+              <a:endParaRPr lang="en-US" dirty="0"/>
+            </a:p>
+          </p:txBody>
+        </p:sp>
+        <mc:AlternateContent xmlns:mc="http://schemas.openxmlformats.org/markup-compatibility/2006">
+          <mc:Choice xmlns:a14="http://schemas.microsoft.com/office/drawing/2010/main" Requires="a14">
+            <p:sp>
+              <p:nvSpPr>
+                <p:cNvPr id="52" name="TextBox 51">
+                  <a:extLst>
+                    <a:ext uri="{FF2B5EF4-FFF2-40B4-BE49-F238E27FC236}">
+                      <a16:creationId xmlns:a16="http://schemas.microsoft.com/office/drawing/2014/main" id="{7CFA59FC-5294-E47D-8ADA-BD6732FE4BB4}"/>
+                    </a:ext>
+                  </a:extLst>
+                </p:cNvPr>
+                <p:cNvSpPr txBox="1"/>
+                <p:nvPr/>
+              </p:nvSpPr>
+              <p:spPr>
+                <a:xfrm>
+                  <a:off x="9382367" y="2329601"/>
+                  <a:ext cx="322973" cy="230832"/>
+                </a:xfrm>
+                <a:prstGeom prst="rect">
+                  <a:avLst/>
+                </a:prstGeom>
+                <a:noFill/>
+              </p:spPr>
+              <p:txBody>
+                <a:bodyPr wrap="none" rtlCol="0">
+                  <a:spAutoFit/>
+                </a:bodyPr>
+                <a:lstStyle/>
+                <a:p>
+                  <a14:m>
+                    <m:oMathPara xmlns:m="http://schemas.openxmlformats.org/officeDocument/2006/math">
+                      <m:oMathParaPr>
+                        <m:jc m:val="centerGroup"/>
+                      </m:oMathParaPr>
+                      <m:oMath xmlns:m="http://schemas.openxmlformats.org/officeDocument/2006/math">
+                        <m:sSub>
+                          <m:sSubPr>
+                            <m:ctrlPr>
+                              <a:rPr lang="en-US" sz="900" i="1" smtClean="0">
+                                <a:latin typeface="Cambria Math" panose="02040503050406030204" pitchFamily="18" charset="0"/>
+                              </a:rPr>
+                            </m:ctrlPr>
+                          </m:sSubPr>
+                          <m:e>
+                            <m:r>
+                              <a:rPr lang="en-US" sz="900" b="0" i="1" smtClean="0">
+                                <a:latin typeface="Cambria Math" panose="02040503050406030204" pitchFamily="18" charset="0"/>
+                              </a:rPr>
+                              <m:t>𝑥</m:t>
+                            </m:r>
+                          </m:e>
+                          <m:sub>
+                            <m:r>
+                              <a:rPr lang="en-US" sz="900" b="0" i="1" smtClean="0">
+                                <a:latin typeface="Cambria Math" panose="02040503050406030204" pitchFamily="18" charset="0"/>
+                              </a:rPr>
+                              <m:t>4</m:t>
+                            </m:r>
+                          </m:sub>
+                        </m:sSub>
+                      </m:oMath>
+                    </m:oMathPara>
+                  </a14:m>
+                  <a:endParaRPr lang="en-US" sz="900" dirty="0"/>
+                </a:p>
+              </p:txBody>
+            </p:sp>
+          </mc:Choice>
+          <mc:Fallback>
+            <p:sp>
+              <p:nvSpPr>
+                <p:cNvPr id="52" name="TextBox 51">
+                  <a:extLst>
+                    <a:ext uri="{FF2B5EF4-FFF2-40B4-BE49-F238E27FC236}">
+                      <a16:creationId xmlns:a16="http://schemas.microsoft.com/office/drawing/2014/main" id="{7CFA59FC-5294-E47D-8ADA-BD6732FE4BB4}"/>
+                    </a:ext>
+                  </a:extLst>
+                </p:cNvPr>
+                <p:cNvSpPr txBox="1">
+                  <a:spLocks noRot="1" noChangeAspect="1" noMove="1" noResize="1" noEditPoints="1" noAdjustHandles="1" noChangeArrowheads="1" noChangeShapeType="1" noTextEdit="1"/>
+                </p:cNvSpPr>
+                <p:nvPr/>
+              </p:nvSpPr>
+              <p:spPr>
+                <a:xfrm>
+                  <a:off x="9382367" y="2329601"/>
+                  <a:ext cx="322973" cy="230832"/>
+                </a:xfrm>
+                <a:prstGeom prst="rect">
+                  <a:avLst/>
+                </a:prstGeom>
+                <a:blipFill>
+                  <a:blip r:embed="rId16"/>
+                  <a:stretch>
+                    <a:fillRect/>
+                  </a:stretch>
+                </a:blipFill>
+              </p:spPr>
+              <p:txBody>
+                <a:bodyPr/>
+                <a:lstStyle/>
+                <a:p>
+                  <a:r>
+                    <a:rPr lang="en-US">
+                      <a:noFill/>
+                    </a:rPr>
+                    <a:t> </a:t>
+                  </a:r>
+                </a:p>
+              </p:txBody>
+            </p:sp>
+          </mc:Fallback>
+        </mc:AlternateContent>
+        <p:sp>
+          <p:nvSpPr>
+            <p:cNvPr id="54" name="Oval 53">
+              <a:extLst>
+                <a:ext uri="{FF2B5EF4-FFF2-40B4-BE49-F238E27FC236}">
+                  <a16:creationId xmlns:a16="http://schemas.microsoft.com/office/drawing/2014/main" id="{2E9D8BFE-887B-A00E-67A4-BB2FC48E34A5}"/>
+                </a:ext>
+              </a:extLst>
+            </p:cNvPr>
+            <p:cNvSpPr/>
+            <p:nvPr/>
+          </p:nvSpPr>
+          <p:spPr>
+            <a:xfrm>
+              <a:off x="9382368" y="2740638"/>
+              <a:ext cx="329318" cy="332286"/>
+            </a:xfrm>
+            <a:prstGeom prst="ellipse">
+              <a:avLst/>
+            </a:prstGeom>
+            <a:solidFill>
+              <a:schemeClr val="accent1">
+                <a:alpha val="26887"/>
+              </a:schemeClr>
+            </a:solidFill>
+          </p:spPr>
+          <p:style>
+            <a:lnRef idx="2">
+              <a:schemeClr val="accent1">
+                <a:shade val="15000"/>
+              </a:schemeClr>
+            </a:lnRef>
+            <a:fillRef idx="1">
+              <a:schemeClr val="accent1"/>
+            </a:fillRef>
+            <a:effectRef idx="0">
+              <a:schemeClr val="accent1"/>
+            </a:effectRef>
+            <a:fontRef idx="minor">
+              <a:schemeClr val="lt1"/>
+            </a:fontRef>
+          </p:style>
+          <p:txBody>
+            <a:bodyPr rtlCol="0" anchor="ctr"/>
+            <a:lstStyle/>
+            <a:p>
+              <a:pPr algn="ctr"/>
+              <a:endParaRPr lang="en-US" dirty="0"/>
+            </a:p>
+          </p:txBody>
+        </p:sp>
+        <mc:AlternateContent xmlns:mc="http://schemas.openxmlformats.org/markup-compatibility/2006">
+          <mc:Choice xmlns:a14="http://schemas.microsoft.com/office/drawing/2010/main" Requires="a14">
+            <p:sp>
+              <p:nvSpPr>
+                <p:cNvPr id="55" name="TextBox 54">
+                  <a:extLst>
+                    <a:ext uri="{FF2B5EF4-FFF2-40B4-BE49-F238E27FC236}">
+                      <a16:creationId xmlns:a16="http://schemas.microsoft.com/office/drawing/2014/main" id="{33DA0D43-AAC2-F891-E834-B4DA12E3A561}"/>
+                    </a:ext>
+                  </a:extLst>
+                </p:cNvPr>
+                <p:cNvSpPr txBox="1"/>
+                <p:nvPr/>
+              </p:nvSpPr>
+              <p:spPr>
+                <a:xfrm>
+                  <a:off x="9385540" y="2770593"/>
+                  <a:ext cx="322973" cy="230832"/>
+                </a:xfrm>
+                <a:prstGeom prst="rect">
+                  <a:avLst/>
+                </a:prstGeom>
+                <a:noFill/>
+              </p:spPr>
+              <p:txBody>
+                <a:bodyPr wrap="none" rtlCol="0">
+                  <a:spAutoFit/>
+                </a:bodyPr>
+                <a:lstStyle/>
+                <a:p>
+                  <a14:m>
+                    <m:oMathPara xmlns:m="http://schemas.openxmlformats.org/officeDocument/2006/math">
+                      <m:oMathParaPr>
+                        <m:jc m:val="centerGroup"/>
+                      </m:oMathParaPr>
+                      <m:oMath xmlns:m="http://schemas.openxmlformats.org/officeDocument/2006/math">
+                        <m:sSub>
+                          <m:sSubPr>
+                            <m:ctrlPr>
+                              <a:rPr lang="en-US" sz="900" i="1" smtClean="0">
+                                <a:latin typeface="Cambria Math" panose="02040503050406030204" pitchFamily="18" charset="0"/>
+                              </a:rPr>
+                            </m:ctrlPr>
+                          </m:sSubPr>
+                          <m:e>
+                            <m:r>
+                              <a:rPr lang="en-US" sz="900" b="0" i="1" smtClean="0">
+                                <a:latin typeface="Cambria Math" panose="02040503050406030204" pitchFamily="18" charset="0"/>
+                              </a:rPr>
+                              <m:t>𝑥</m:t>
+                            </m:r>
+                          </m:e>
+                          <m:sub>
+                            <m:r>
+                              <a:rPr lang="en-US" sz="900" b="0" i="1" smtClean="0">
+                                <a:latin typeface="Cambria Math" panose="02040503050406030204" pitchFamily="18" charset="0"/>
+                              </a:rPr>
+                              <m:t>5</m:t>
+                            </m:r>
+                          </m:sub>
+                        </m:sSub>
+                      </m:oMath>
+                    </m:oMathPara>
+                  </a14:m>
+                  <a:endParaRPr lang="en-US" sz="900" dirty="0"/>
+                </a:p>
+              </p:txBody>
+            </p:sp>
+          </mc:Choice>
+          <mc:Fallback>
+            <p:sp>
+              <p:nvSpPr>
+                <p:cNvPr id="55" name="TextBox 54">
+                  <a:extLst>
+                    <a:ext uri="{FF2B5EF4-FFF2-40B4-BE49-F238E27FC236}">
+                      <a16:creationId xmlns:a16="http://schemas.microsoft.com/office/drawing/2014/main" id="{33DA0D43-AAC2-F891-E834-B4DA12E3A561}"/>
+                    </a:ext>
+                  </a:extLst>
+                </p:cNvPr>
+                <p:cNvSpPr txBox="1">
+                  <a:spLocks noRot="1" noChangeAspect="1" noMove="1" noResize="1" noEditPoints="1" noAdjustHandles="1" noChangeArrowheads="1" noChangeShapeType="1" noTextEdit="1"/>
+                </p:cNvSpPr>
+                <p:nvPr/>
+              </p:nvSpPr>
+              <p:spPr>
+                <a:xfrm>
+                  <a:off x="9385540" y="2770593"/>
+                  <a:ext cx="322973" cy="230832"/>
+                </a:xfrm>
+                <a:prstGeom prst="rect">
+                  <a:avLst/>
+                </a:prstGeom>
+                <a:blipFill>
+                  <a:blip r:embed="rId17"/>
+                  <a:stretch>
+                    <a:fillRect/>
+                  </a:stretch>
+                </a:blipFill>
+              </p:spPr>
+              <p:txBody>
+                <a:bodyPr/>
+                <a:lstStyle/>
+                <a:p>
+                  <a:r>
+                    <a:rPr lang="en-US">
+                      <a:noFill/>
+                    </a:rPr>
+                    <a:t> </a:t>
+                  </a:r>
+                </a:p>
+              </p:txBody>
+            </p:sp>
+          </mc:Fallback>
+        </mc:AlternateContent>
+        <p:sp>
+          <p:nvSpPr>
+            <p:cNvPr id="56" name="Oval 55">
+              <a:extLst>
+                <a:ext uri="{FF2B5EF4-FFF2-40B4-BE49-F238E27FC236}">
+                  <a16:creationId xmlns:a16="http://schemas.microsoft.com/office/drawing/2014/main" id="{6362BE5A-9C2E-B2C0-FE65-012B115F6501}"/>
+                </a:ext>
+              </a:extLst>
+            </p:cNvPr>
+            <p:cNvSpPr/>
+            <p:nvPr/>
+          </p:nvSpPr>
+          <p:spPr>
+            <a:xfrm>
+              <a:off x="9379195" y="3184426"/>
+              <a:ext cx="329318" cy="332286"/>
+            </a:xfrm>
+            <a:prstGeom prst="ellipse">
+              <a:avLst/>
+            </a:prstGeom>
+            <a:solidFill>
+              <a:schemeClr val="accent1">
+                <a:alpha val="26887"/>
+              </a:schemeClr>
+            </a:solidFill>
+          </p:spPr>
+          <p:style>
+            <a:lnRef idx="2">
+              <a:schemeClr val="accent1">
+                <a:shade val="15000"/>
+              </a:schemeClr>
+            </a:lnRef>
+            <a:fillRef idx="1">
+              <a:schemeClr val="accent1"/>
+            </a:fillRef>
+            <a:effectRef idx="0">
+              <a:schemeClr val="accent1"/>
+            </a:effectRef>
+            <a:fontRef idx="minor">
+              <a:schemeClr val="lt1"/>
+            </a:fontRef>
+          </p:style>
+          <p:txBody>
+            <a:bodyPr rtlCol="0" anchor="ctr"/>
+            <a:lstStyle/>
+            <a:p>
+              <a:pPr algn="ctr"/>
+              <a:endParaRPr lang="en-US" dirty="0"/>
+            </a:p>
+          </p:txBody>
+        </p:sp>
+        <mc:AlternateContent xmlns:mc="http://schemas.openxmlformats.org/markup-compatibility/2006">
+          <mc:Choice xmlns:a14="http://schemas.microsoft.com/office/drawing/2010/main" Requires="a14">
+            <p:sp>
+              <p:nvSpPr>
+                <p:cNvPr id="57" name="TextBox 56">
+                  <a:extLst>
+                    <a:ext uri="{FF2B5EF4-FFF2-40B4-BE49-F238E27FC236}">
+                      <a16:creationId xmlns:a16="http://schemas.microsoft.com/office/drawing/2014/main" id="{002A9A99-57B4-2375-5208-0271D2A83AD6}"/>
+                    </a:ext>
+                  </a:extLst>
+                </p:cNvPr>
+                <p:cNvSpPr txBox="1"/>
+                <p:nvPr/>
+              </p:nvSpPr>
+              <p:spPr>
+                <a:xfrm>
+                  <a:off x="9382367" y="3214381"/>
+                  <a:ext cx="322973" cy="230832"/>
+                </a:xfrm>
+                <a:prstGeom prst="rect">
+                  <a:avLst/>
+                </a:prstGeom>
+                <a:noFill/>
+              </p:spPr>
+              <p:txBody>
+                <a:bodyPr wrap="none" rtlCol="0">
+                  <a:spAutoFit/>
+                </a:bodyPr>
+                <a:lstStyle/>
+                <a:p>
+                  <a14:m>
+                    <m:oMathPara xmlns:m="http://schemas.openxmlformats.org/officeDocument/2006/math">
+                      <m:oMathParaPr>
+                        <m:jc m:val="centerGroup"/>
+                      </m:oMathParaPr>
+                      <m:oMath xmlns:m="http://schemas.openxmlformats.org/officeDocument/2006/math">
+                        <m:sSub>
+                          <m:sSubPr>
+                            <m:ctrlPr>
+                              <a:rPr lang="en-US" sz="900" i="1" smtClean="0">
+                                <a:latin typeface="Cambria Math" panose="02040503050406030204" pitchFamily="18" charset="0"/>
+                              </a:rPr>
+                            </m:ctrlPr>
+                          </m:sSubPr>
+                          <m:e>
+                            <m:r>
+                              <a:rPr lang="en-US" sz="900" b="0" i="1" smtClean="0">
+                                <a:latin typeface="Cambria Math" panose="02040503050406030204" pitchFamily="18" charset="0"/>
+                              </a:rPr>
+                              <m:t>𝑥</m:t>
+                            </m:r>
+                          </m:e>
+                          <m:sub>
+                            <m:r>
+                              <a:rPr lang="en-US" sz="900" b="0" i="1" smtClean="0">
+                                <a:latin typeface="Cambria Math" panose="02040503050406030204" pitchFamily="18" charset="0"/>
+                              </a:rPr>
+                              <m:t>6</m:t>
+                            </m:r>
+                          </m:sub>
+                        </m:sSub>
+                      </m:oMath>
+                    </m:oMathPara>
+                  </a14:m>
+                  <a:endParaRPr lang="en-US" sz="900" dirty="0"/>
+                </a:p>
+              </p:txBody>
+            </p:sp>
+          </mc:Choice>
+          <mc:Fallback>
+            <p:sp>
+              <p:nvSpPr>
+                <p:cNvPr id="57" name="TextBox 56">
+                  <a:extLst>
+                    <a:ext uri="{FF2B5EF4-FFF2-40B4-BE49-F238E27FC236}">
+                      <a16:creationId xmlns:a16="http://schemas.microsoft.com/office/drawing/2014/main" id="{002A9A99-57B4-2375-5208-0271D2A83AD6}"/>
+                    </a:ext>
+                  </a:extLst>
+                </p:cNvPr>
+                <p:cNvSpPr txBox="1">
+                  <a:spLocks noRot="1" noChangeAspect="1" noMove="1" noResize="1" noEditPoints="1" noAdjustHandles="1" noChangeArrowheads="1" noChangeShapeType="1" noTextEdit="1"/>
+                </p:cNvSpPr>
+                <p:nvPr/>
+              </p:nvSpPr>
+              <p:spPr>
+                <a:xfrm>
+                  <a:off x="9382367" y="3214381"/>
+                  <a:ext cx="322973" cy="230832"/>
+                </a:xfrm>
+                <a:prstGeom prst="rect">
+                  <a:avLst/>
+                </a:prstGeom>
+                <a:blipFill>
+                  <a:blip r:embed="rId18"/>
+                  <a:stretch>
+                    <a:fillRect/>
+                  </a:stretch>
+                </a:blipFill>
+              </p:spPr>
+              <p:txBody>
+                <a:bodyPr/>
+                <a:lstStyle/>
+                <a:p>
+                  <a:r>
+                    <a:rPr lang="en-US">
+                      <a:noFill/>
+                    </a:rPr>
+                    <a:t> </a:t>
+                  </a:r>
+                </a:p>
+              </p:txBody>
+            </p:sp>
+          </mc:Fallback>
+        </mc:AlternateContent>
+        <p:sp>
+          <p:nvSpPr>
+            <p:cNvPr id="58" name="Oval 57">
+              <a:extLst>
+                <a:ext uri="{FF2B5EF4-FFF2-40B4-BE49-F238E27FC236}">
+                  <a16:creationId xmlns:a16="http://schemas.microsoft.com/office/drawing/2014/main" id="{2D5C44A7-3584-974C-D7D3-34836068F7B4}"/>
+                </a:ext>
+              </a:extLst>
+            </p:cNvPr>
+            <p:cNvSpPr/>
+            <p:nvPr/>
+          </p:nvSpPr>
+          <p:spPr>
+            <a:xfrm>
+              <a:off x="9379195" y="3622622"/>
+              <a:ext cx="329318" cy="332286"/>
+            </a:xfrm>
+            <a:prstGeom prst="ellipse">
+              <a:avLst/>
+            </a:prstGeom>
+            <a:solidFill>
+              <a:schemeClr val="accent1">
+                <a:alpha val="26887"/>
+              </a:schemeClr>
+            </a:solidFill>
+          </p:spPr>
+          <p:style>
+            <a:lnRef idx="2">
+              <a:schemeClr val="accent1">
+                <a:shade val="15000"/>
+              </a:schemeClr>
+            </a:lnRef>
+            <a:fillRef idx="1">
+              <a:schemeClr val="accent1"/>
+            </a:fillRef>
+            <a:effectRef idx="0">
+              <a:schemeClr val="accent1"/>
+            </a:effectRef>
+            <a:fontRef idx="minor">
+              <a:schemeClr val="lt1"/>
+            </a:fontRef>
+          </p:style>
+          <p:txBody>
+            <a:bodyPr rtlCol="0" anchor="ctr"/>
+            <a:lstStyle/>
+            <a:p>
+              <a:pPr algn="ctr"/>
+              <a:endParaRPr lang="en-US" dirty="0"/>
+            </a:p>
+          </p:txBody>
+        </p:sp>
+        <mc:AlternateContent xmlns:mc="http://schemas.openxmlformats.org/markup-compatibility/2006">
+          <mc:Choice xmlns:a14="http://schemas.microsoft.com/office/drawing/2010/main" Requires="a14">
+            <p:sp>
+              <p:nvSpPr>
+                <p:cNvPr id="59" name="TextBox 58">
+                  <a:extLst>
+                    <a:ext uri="{FF2B5EF4-FFF2-40B4-BE49-F238E27FC236}">
+                      <a16:creationId xmlns:a16="http://schemas.microsoft.com/office/drawing/2014/main" id="{AEFF7110-D5C2-10D8-CC32-63D698BAC96F}"/>
+                    </a:ext>
+                  </a:extLst>
+                </p:cNvPr>
+                <p:cNvSpPr txBox="1"/>
+                <p:nvPr/>
+              </p:nvSpPr>
+              <p:spPr>
+                <a:xfrm>
+                  <a:off x="9363355" y="3669661"/>
+                  <a:ext cx="360996" cy="230832"/>
+                </a:xfrm>
+                <a:prstGeom prst="rect">
+                  <a:avLst/>
+                </a:prstGeom>
+                <a:noFill/>
+              </p:spPr>
+              <p:txBody>
+                <a:bodyPr wrap="none" rtlCol="0">
+                  <a:spAutoFit/>
+                </a:bodyPr>
+                <a:lstStyle/>
+                <a:p>
+                  <a14:m>
+                    <m:oMathPara xmlns:m="http://schemas.openxmlformats.org/officeDocument/2006/math">
+                      <m:oMathParaPr>
+                        <m:jc m:val="centerGroup"/>
+                      </m:oMathParaPr>
+                      <m:oMath xmlns:m="http://schemas.openxmlformats.org/officeDocument/2006/math">
+                        <m:r>
+                          <a:rPr lang="en-US" sz="900" i="1" smtClean="0">
+                            <a:latin typeface="Cambria Math" panose="02040503050406030204" pitchFamily="18" charset="0"/>
+                          </a:rPr>
+                          <m:t>+</m:t>
+                        </m:r>
+                        <m:r>
+                          <a:rPr lang="en-US" sz="900" b="0" i="1" smtClean="0">
+                            <a:latin typeface="Cambria Math" panose="02040503050406030204" pitchFamily="18" charset="0"/>
+                          </a:rPr>
+                          <m:t>1</m:t>
+                        </m:r>
+                      </m:oMath>
+                    </m:oMathPara>
+                  </a14:m>
+                  <a:endParaRPr lang="en-US" sz="900" dirty="0"/>
+                </a:p>
+              </p:txBody>
+            </p:sp>
+          </mc:Choice>
+          <mc:Fallback>
+            <p:sp>
+              <p:nvSpPr>
+                <p:cNvPr id="59" name="TextBox 58">
+                  <a:extLst>
+                    <a:ext uri="{FF2B5EF4-FFF2-40B4-BE49-F238E27FC236}">
+                      <a16:creationId xmlns:a16="http://schemas.microsoft.com/office/drawing/2014/main" id="{AEFF7110-D5C2-10D8-CC32-63D698BAC96F}"/>
+                    </a:ext>
+                  </a:extLst>
+                </p:cNvPr>
+                <p:cNvSpPr txBox="1">
+                  <a:spLocks noRot="1" noChangeAspect="1" noMove="1" noResize="1" noEditPoints="1" noAdjustHandles="1" noChangeArrowheads="1" noChangeShapeType="1" noTextEdit="1"/>
+                </p:cNvSpPr>
+                <p:nvPr/>
+              </p:nvSpPr>
+              <p:spPr>
+                <a:xfrm>
+                  <a:off x="9363355" y="3669661"/>
+                  <a:ext cx="360996" cy="230832"/>
+                </a:xfrm>
+                <a:prstGeom prst="rect">
+                  <a:avLst/>
+                </a:prstGeom>
+                <a:blipFill>
+                  <a:blip r:embed="rId19"/>
+                  <a:stretch>
+                    <a:fillRect/>
+                  </a:stretch>
+                </a:blipFill>
+              </p:spPr>
+              <p:txBody>
+                <a:bodyPr/>
+                <a:lstStyle/>
+                <a:p>
+                  <a:r>
+                    <a:rPr lang="en-US">
+                      <a:noFill/>
+                    </a:rPr>
+                    <a:t> </a:t>
+                  </a:r>
+                </a:p>
+              </p:txBody>
+            </p:sp>
+          </mc:Fallback>
+        </mc:AlternateContent>
+        <mc:AlternateContent xmlns:mc="http://schemas.openxmlformats.org/markup-compatibility/2006">
+          <mc:Choice xmlns:a14="http://schemas.microsoft.com/office/drawing/2010/main" Requires="a14">
+            <p:sp>
+              <p:nvSpPr>
+                <p:cNvPr id="68" name="TextBox 67">
+                  <a:extLst>
+                    <a:ext uri="{FF2B5EF4-FFF2-40B4-BE49-F238E27FC236}">
+                      <a16:creationId xmlns:a16="http://schemas.microsoft.com/office/drawing/2014/main" id="{A200EC3C-17F0-F383-D41E-9C704FC82257}"/>
+                    </a:ext>
+                  </a:extLst>
+                </p:cNvPr>
+                <p:cNvSpPr txBox="1"/>
+                <p:nvPr/>
+              </p:nvSpPr>
+              <p:spPr>
+                <a:xfrm>
+                  <a:off x="10706803" y="1012313"/>
+                  <a:ext cx="320280" cy="230832"/>
+                </a:xfrm>
+                <a:prstGeom prst="rect">
+                  <a:avLst/>
+                </a:prstGeom>
+                <a:noFill/>
+              </p:spPr>
+              <p:txBody>
+                <a:bodyPr wrap="none" rtlCol="0">
+                  <a:spAutoFit/>
+                </a:bodyPr>
+                <a:lstStyle/>
+                <a:p>
+                  <a14:m>
+                    <m:oMathPara xmlns:m="http://schemas.openxmlformats.org/officeDocument/2006/math">
+                      <m:oMathParaPr>
+                        <m:jc m:val="centerGroup"/>
+                      </m:oMathParaPr>
+                      <m:oMath xmlns:m="http://schemas.openxmlformats.org/officeDocument/2006/math">
+                        <m:sSub>
+                          <m:sSubPr>
+                            <m:ctrlPr>
+                              <a:rPr lang="en-US" sz="900" i="1" smtClean="0">
+                                <a:latin typeface="Cambria Math" panose="02040503050406030204" pitchFamily="18" charset="0"/>
+                              </a:rPr>
+                            </m:ctrlPr>
+                          </m:sSubPr>
+                          <m:e>
+                            <m:acc>
+                              <m:accPr>
+                                <m:chr m:val="̂"/>
+                                <m:ctrlPr>
+                                  <a:rPr lang="en-US" sz="900" i="1" smtClean="0">
+                                    <a:latin typeface="Cambria Math" panose="02040503050406030204" pitchFamily="18" charset="0"/>
+                                  </a:rPr>
+                                </m:ctrlPr>
+                              </m:accPr>
+                              <m:e>
+                                <m:r>
+                                  <a:rPr lang="en-US" sz="900" b="0" i="1" smtClean="0">
+                                    <a:latin typeface="Cambria Math" panose="02040503050406030204" pitchFamily="18" charset="0"/>
+                                  </a:rPr>
+                                  <m:t>𝑥</m:t>
+                                </m:r>
+                              </m:e>
+                            </m:acc>
+                          </m:e>
+                          <m:sub>
+                            <m:r>
+                              <a:rPr lang="en-US" sz="900" b="0" i="1" smtClean="0">
+                                <a:latin typeface="Cambria Math" panose="02040503050406030204" pitchFamily="18" charset="0"/>
+                              </a:rPr>
+                              <m:t>1</m:t>
+                            </m:r>
+                          </m:sub>
+                        </m:sSub>
+                      </m:oMath>
+                    </m:oMathPara>
+                  </a14:m>
+                  <a:endParaRPr lang="en-US" sz="900" dirty="0"/>
+                </a:p>
+              </p:txBody>
+            </p:sp>
+          </mc:Choice>
+          <mc:Fallback>
+            <p:sp>
+              <p:nvSpPr>
+                <p:cNvPr id="68" name="TextBox 67">
+                  <a:extLst>
+                    <a:ext uri="{FF2B5EF4-FFF2-40B4-BE49-F238E27FC236}">
+                      <a16:creationId xmlns:a16="http://schemas.microsoft.com/office/drawing/2014/main" id="{A200EC3C-17F0-F383-D41E-9C704FC82257}"/>
+                    </a:ext>
+                  </a:extLst>
+                </p:cNvPr>
+                <p:cNvSpPr txBox="1">
+                  <a:spLocks noRot="1" noChangeAspect="1" noMove="1" noResize="1" noEditPoints="1" noAdjustHandles="1" noChangeArrowheads="1" noChangeShapeType="1" noTextEdit="1"/>
+                </p:cNvSpPr>
+                <p:nvPr/>
+              </p:nvSpPr>
+              <p:spPr>
+                <a:xfrm>
+                  <a:off x="10706803" y="1012313"/>
+                  <a:ext cx="320280" cy="230832"/>
+                </a:xfrm>
+                <a:prstGeom prst="rect">
+                  <a:avLst/>
+                </a:prstGeom>
+                <a:blipFill>
+                  <a:blip r:embed="rId20"/>
+                  <a:stretch>
+                    <a:fillRect/>
+                  </a:stretch>
+                </a:blipFill>
+              </p:spPr>
+              <p:txBody>
+                <a:bodyPr/>
+                <a:lstStyle/>
+                <a:p>
+                  <a:r>
+                    <a:rPr lang="en-US">
+                      <a:noFill/>
+                    </a:rPr>
+                    <a:t> </a:t>
+                  </a:r>
+                </a:p>
+              </p:txBody>
+            </p:sp>
+          </mc:Fallback>
+        </mc:AlternateContent>
+        <mc:AlternateContent xmlns:mc="http://schemas.openxmlformats.org/markup-compatibility/2006">
+          <mc:Choice xmlns:a14="http://schemas.microsoft.com/office/drawing/2010/main" Requires="a14">
+            <p:sp>
+              <p:nvSpPr>
+                <p:cNvPr id="80" name="TextBox 79">
+                  <a:extLst>
+                    <a:ext uri="{FF2B5EF4-FFF2-40B4-BE49-F238E27FC236}">
+                      <a16:creationId xmlns:a16="http://schemas.microsoft.com/office/drawing/2014/main" id="{3926AF3F-67FF-1C4C-692A-C8715AB0091D}"/>
+                    </a:ext>
+                  </a:extLst>
+                </p:cNvPr>
+                <p:cNvSpPr txBox="1"/>
+                <p:nvPr/>
+              </p:nvSpPr>
+              <p:spPr>
+                <a:xfrm>
+                  <a:off x="10706803" y="1453721"/>
+                  <a:ext cx="322973" cy="230832"/>
+                </a:xfrm>
+                <a:prstGeom prst="rect">
+                  <a:avLst/>
+                </a:prstGeom>
+                <a:noFill/>
+              </p:spPr>
+              <p:txBody>
+                <a:bodyPr wrap="none" rtlCol="0">
+                  <a:spAutoFit/>
+                </a:bodyPr>
+                <a:lstStyle/>
+                <a:p>
+                  <a14:m>
+                    <m:oMathPara xmlns:m="http://schemas.openxmlformats.org/officeDocument/2006/math">
+                      <m:oMathParaPr>
+                        <m:jc m:val="centerGroup"/>
+                      </m:oMathParaPr>
+                      <m:oMath xmlns:m="http://schemas.openxmlformats.org/officeDocument/2006/math">
+                        <m:sSub>
+                          <m:sSubPr>
+                            <m:ctrlPr>
+                              <a:rPr lang="en-US" sz="900" i="1" smtClean="0">
+                                <a:latin typeface="Cambria Math" panose="02040503050406030204" pitchFamily="18" charset="0"/>
+                              </a:rPr>
+                            </m:ctrlPr>
+                          </m:sSubPr>
+                          <m:e>
+                            <m:acc>
+                              <m:accPr>
+                                <m:chr m:val="̂"/>
+                                <m:ctrlPr>
+                                  <a:rPr lang="en-US" sz="900" i="1" smtClean="0">
+                                    <a:latin typeface="Cambria Math" panose="02040503050406030204" pitchFamily="18" charset="0"/>
+                                  </a:rPr>
+                                </m:ctrlPr>
+                              </m:accPr>
+                              <m:e>
+                                <m:r>
+                                  <a:rPr lang="en-US" sz="900" b="0" i="1" smtClean="0">
+                                    <a:latin typeface="Cambria Math" panose="02040503050406030204" pitchFamily="18" charset="0"/>
+                                  </a:rPr>
+                                  <m:t>𝑥</m:t>
+                                </m:r>
+                              </m:e>
+                            </m:acc>
+                          </m:e>
+                          <m:sub>
+                            <m:r>
+                              <a:rPr lang="en-US" sz="900" b="0" i="1" smtClean="0">
+                                <a:latin typeface="Cambria Math" panose="02040503050406030204" pitchFamily="18" charset="0"/>
+                              </a:rPr>
+                              <m:t>2</m:t>
+                            </m:r>
+                          </m:sub>
+                        </m:sSub>
+                      </m:oMath>
+                    </m:oMathPara>
+                  </a14:m>
+                  <a:endParaRPr lang="en-US" sz="900" dirty="0"/>
+                </a:p>
+              </p:txBody>
+            </p:sp>
+          </mc:Choice>
+          <mc:Fallback>
+            <p:sp>
+              <p:nvSpPr>
+                <p:cNvPr id="80" name="TextBox 79">
+                  <a:extLst>
+                    <a:ext uri="{FF2B5EF4-FFF2-40B4-BE49-F238E27FC236}">
+                      <a16:creationId xmlns:a16="http://schemas.microsoft.com/office/drawing/2014/main" id="{3926AF3F-67FF-1C4C-692A-C8715AB0091D}"/>
+                    </a:ext>
+                  </a:extLst>
+                </p:cNvPr>
+                <p:cNvSpPr txBox="1">
+                  <a:spLocks noRot="1" noChangeAspect="1" noMove="1" noResize="1" noEditPoints="1" noAdjustHandles="1" noChangeArrowheads="1" noChangeShapeType="1" noTextEdit="1"/>
+                </p:cNvSpPr>
+                <p:nvPr/>
+              </p:nvSpPr>
+              <p:spPr>
+                <a:xfrm>
+                  <a:off x="10706803" y="1453721"/>
+                  <a:ext cx="322973" cy="230832"/>
+                </a:xfrm>
+                <a:prstGeom prst="rect">
+                  <a:avLst/>
+                </a:prstGeom>
+                <a:blipFill>
+                  <a:blip r:embed="rId21"/>
+                  <a:stretch>
+                    <a:fillRect/>
+                  </a:stretch>
+                </a:blipFill>
+              </p:spPr>
+              <p:txBody>
+                <a:bodyPr/>
+                <a:lstStyle/>
+                <a:p>
+                  <a:r>
+                    <a:rPr lang="en-US">
+                      <a:noFill/>
+                    </a:rPr>
+                    <a:t> </a:t>
+                  </a:r>
+                </a:p>
+              </p:txBody>
+            </p:sp>
+          </mc:Fallback>
+        </mc:AlternateContent>
+        <mc:AlternateContent xmlns:mc="http://schemas.openxmlformats.org/markup-compatibility/2006">
+          <mc:Choice xmlns:a14="http://schemas.microsoft.com/office/drawing/2010/main" Requires="a14">
+            <p:sp>
+              <p:nvSpPr>
+                <p:cNvPr id="81" name="TextBox 80">
+                  <a:extLst>
+                    <a:ext uri="{FF2B5EF4-FFF2-40B4-BE49-F238E27FC236}">
+                      <a16:creationId xmlns:a16="http://schemas.microsoft.com/office/drawing/2014/main" id="{69BE05F2-DAB1-30B6-2C1A-8BBB688D9ADE}"/>
+                    </a:ext>
+                  </a:extLst>
+                </p:cNvPr>
+                <p:cNvSpPr txBox="1"/>
+                <p:nvPr/>
+              </p:nvSpPr>
+              <p:spPr>
+                <a:xfrm>
+                  <a:off x="10716783" y="1895129"/>
+                  <a:ext cx="322973" cy="230832"/>
+                </a:xfrm>
+                <a:prstGeom prst="rect">
+                  <a:avLst/>
+                </a:prstGeom>
+                <a:noFill/>
+              </p:spPr>
+              <p:txBody>
+                <a:bodyPr wrap="none" rtlCol="0">
+                  <a:spAutoFit/>
+                </a:bodyPr>
+                <a:lstStyle/>
+                <a:p>
+                  <a14:m>
+                    <m:oMathPara xmlns:m="http://schemas.openxmlformats.org/officeDocument/2006/math">
+                      <m:oMathParaPr>
+                        <m:jc m:val="centerGroup"/>
+                      </m:oMathParaPr>
+                      <m:oMath xmlns:m="http://schemas.openxmlformats.org/officeDocument/2006/math">
+                        <m:sSub>
+                          <m:sSubPr>
+                            <m:ctrlPr>
+                              <a:rPr lang="en-US" sz="900" i="1" smtClean="0">
+                                <a:latin typeface="Cambria Math" panose="02040503050406030204" pitchFamily="18" charset="0"/>
+                              </a:rPr>
+                            </m:ctrlPr>
+                          </m:sSubPr>
+                          <m:e>
+                            <m:acc>
+                              <m:accPr>
+                                <m:chr m:val="̂"/>
+                                <m:ctrlPr>
+                                  <a:rPr lang="en-US" sz="900" i="1" smtClean="0">
+                                    <a:latin typeface="Cambria Math" panose="02040503050406030204" pitchFamily="18" charset="0"/>
+                                  </a:rPr>
+                                </m:ctrlPr>
+                              </m:accPr>
+                              <m:e>
+                                <m:r>
+                                  <a:rPr lang="en-US" sz="900" b="0" i="1" smtClean="0">
+                                    <a:latin typeface="Cambria Math" panose="02040503050406030204" pitchFamily="18" charset="0"/>
+                                  </a:rPr>
+                                  <m:t>𝑥</m:t>
+                                </m:r>
+                              </m:e>
+                            </m:acc>
+                          </m:e>
+                          <m:sub>
+                            <m:r>
+                              <a:rPr lang="en-US" sz="900" b="0" i="1" smtClean="0">
+                                <a:latin typeface="Cambria Math" panose="02040503050406030204" pitchFamily="18" charset="0"/>
+                              </a:rPr>
+                              <m:t>3</m:t>
+                            </m:r>
+                          </m:sub>
+                        </m:sSub>
+                      </m:oMath>
+                    </m:oMathPara>
+                  </a14:m>
+                  <a:endParaRPr lang="en-US" sz="900" dirty="0"/>
+                </a:p>
+              </p:txBody>
+            </p:sp>
+          </mc:Choice>
+          <mc:Fallback>
+            <p:sp>
+              <p:nvSpPr>
+                <p:cNvPr id="81" name="TextBox 80">
+                  <a:extLst>
+                    <a:ext uri="{FF2B5EF4-FFF2-40B4-BE49-F238E27FC236}">
+                      <a16:creationId xmlns:a16="http://schemas.microsoft.com/office/drawing/2014/main" id="{69BE05F2-DAB1-30B6-2C1A-8BBB688D9ADE}"/>
+                    </a:ext>
+                  </a:extLst>
+                </p:cNvPr>
+                <p:cNvSpPr txBox="1">
+                  <a:spLocks noRot="1" noChangeAspect="1" noMove="1" noResize="1" noEditPoints="1" noAdjustHandles="1" noChangeArrowheads="1" noChangeShapeType="1" noTextEdit="1"/>
+                </p:cNvSpPr>
+                <p:nvPr/>
+              </p:nvSpPr>
+              <p:spPr>
+                <a:xfrm>
+                  <a:off x="10716783" y="1895129"/>
+                  <a:ext cx="322973" cy="230832"/>
+                </a:xfrm>
+                <a:prstGeom prst="rect">
+                  <a:avLst/>
+                </a:prstGeom>
+                <a:blipFill>
+                  <a:blip r:embed="rId22"/>
+                  <a:stretch>
+                    <a:fillRect/>
+                  </a:stretch>
+                </a:blipFill>
+              </p:spPr>
+              <p:txBody>
+                <a:bodyPr/>
+                <a:lstStyle/>
+                <a:p>
+                  <a:r>
+                    <a:rPr lang="en-US">
+                      <a:noFill/>
+                    </a:rPr>
+                    <a:t> </a:t>
+                  </a:r>
+                </a:p>
+              </p:txBody>
+            </p:sp>
+          </mc:Fallback>
+        </mc:AlternateContent>
+        <mc:AlternateContent xmlns:mc="http://schemas.openxmlformats.org/markup-compatibility/2006">
+          <mc:Choice xmlns:a14="http://schemas.microsoft.com/office/drawing/2010/main" Requires="a14">
+            <p:sp>
+              <p:nvSpPr>
+                <p:cNvPr id="82" name="TextBox 81">
+                  <a:extLst>
+                    <a:ext uri="{FF2B5EF4-FFF2-40B4-BE49-F238E27FC236}">
+                      <a16:creationId xmlns:a16="http://schemas.microsoft.com/office/drawing/2014/main" id="{784C63E5-4134-59F4-5978-7E1EADD4F36B}"/>
+                    </a:ext>
+                  </a:extLst>
+                </p:cNvPr>
+                <p:cNvSpPr txBox="1"/>
+                <p:nvPr/>
+              </p:nvSpPr>
+              <p:spPr>
+                <a:xfrm>
+                  <a:off x="10716783" y="2349186"/>
+                  <a:ext cx="322973" cy="230832"/>
+                </a:xfrm>
+                <a:prstGeom prst="rect">
+                  <a:avLst/>
+                </a:prstGeom>
+                <a:noFill/>
+              </p:spPr>
+              <p:txBody>
+                <a:bodyPr wrap="none" rtlCol="0">
+                  <a:spAutoFit/>
+                </a:bodyPr>
+                <a:lstStyle/>
+                <a:p>
+                  <a14:m>
+                    <m:oMathPara xmlns:m="http://schemas.openxmlformats.org/officeDocument/2006/math">
+                      <m:oMathParaPr>
+                        <m:jc m:val="centerGroup"/>
+                      </m:oMathParaPr>
+                      <m:oMath xmlns:m="http://schemas.openxmlformats.org/officeDocument/2006/math">
+                        <m:sSub>
+                          <m:sSubPr>
+                            <m:ctrlPr>
+                              <a:rPr lang="en-US" sz="900" i="1" smtClean="0">
+                                <a:latin typeface="Cambria Math" panose="02040503050406030204" pitchFamily="18" charset="0"/>
+                              </a:rPr>
+                            </m:ctrlPr>
+                          </m:sSubPr>
+                          <m:e>
+                            <m:acc>
+                              <m:accPr>
+                                <m:chr m:val="̂"/>
+                                <m:ctrlPr>
+                                  <a:rPr lang="en-US" sz="900" i="1" smtClean="0">
+                                    <a:latin typeface="Cambria Math" panose="02040503050406030204" pitchFamily="18" charset="0"/>
+                                  </a:rPr>
+                                </m:ctrlPr>
+                              </m:accPr>
+                              <m:e>
+                                <m:r>
+                                  <a:rPr lang="en-US" sz="900" b="0" i="1" smtClean="0">
+                                    <a:latin typeface="Cambria Math" panose="02040503050406030204" pitchFamily="18" charset="0"/>
+                                  </a:rPr>
+                                  <m:t>𝑥</m:t>
+                                </m:r>
+                              </m:e>
+                            </m:acc>
+                          </m:e>
+                          <m:sub>
+                            <m:r>
+                              <a:rPr lang="en-US" sz="900" b="0" i="1" smtClean="0">
+                                <a:latin typeface="Cambria Math" panose="02040503050406030204" pitchFamily="18" charset="0"/>
+                              </a:rPr>
+                              <m:t>4</m:t>
+                            </m:r>
+                          </m:sub>
+                        </m:sSub>
+                      </m:oMath>
+                    </m:oMathPara>
+                  </a14:m>
+                  <a:endParaRPr lang="en-US" sz="900" dirty="0"/>
+                </a:p>
+              </p:txBody>
+            </p:sp>
+          </mc:Choice>
+          <mc:Fallback>
+            <p:sp>
+              <p:nvSpPr>
+                <p:cNvPr id="82" name="TextBox 81">
+                  <a:extLst>
+                    <a:ext uri="{FF2B5EF4-FFF2-40B4-BE49-F238E27FC236}">
+                      <a16:creationId xmlns:a16="http://schemas.microsoft.com/office/drawing/2014/main" id="{784C63E5-4134-59F4-5978-7E1EADD4F36B}"/>
+                    </a:ext>
+                  </a:extLst>
+                </p:cNvPr>
+                <p:cNvSpPr txBox="1">
+                  <a:spLocks noRot="1" noChangeAspect="1" noMove="1" noResize="1" noEditPoints="1" noAdjustHandles="1" noChangeArrowheads="1" noChangeShapeType="1" noTextEdit="1"/>
+                </p:cNvSpPr>
+                <p:nvPr/>
+              </p:nvSpPr>
+              <p:spPr>
+                <a:xfrm>
+                  <a:off x="10716783" y="2349186"/>
+                  <a:ext cx="322973" cy="230832"/>
+                </a:xfrm>
+                <a:prstGeom prst="rect">
+                  <a:avLst/>
+                </a:prstGeom>
+                <a:blipFill>
+                  <a:blip r:embed="rId23"/>
+                  <a:stretch>
+                    <a:fillRect/>
+                  </a:stretch>
+                </a:blipFill>
+              </p:spPr>
+              <p:txBody>
+                <a:bodyPr/>
+                <a:lstStyle/>
+                <a:p>
+                  <a:r>
+                    <a:rPr lang="en-US">
+                      <a:noFill/>
+                    </a:rPr>
+                    <a:t> </a:t>
+                  </a:r>
+                </a:p>
+              </p:txBody>
+            </p:sp>
+          </mc:Fallback>
+        </mc:AlternateContent>
+        <mc:AlternateContent xmlns:mc="http://schemas.openxmlformats.org/markup-compatibility/2006">
+          <mc:Choice xmlns:a14="http://schemas.microsoft.com/office/drawing/2010/main" Requires="a14">
+            <p:sp>
+              <p:nvSpPr>
+                <p:cNvPr id="83" name="TextBox 82">
+                  <a:extLst>
+                    <a:ext uri="{FF2B5EF4-FFF2-40B4-BE49-F238E27FC236}">
+                      <a16:creationId xmlns:a16="http://schemas.microsoft.com/office/drawing/2014/main" id="{CB260C5E-9486-2CEB-0A1C-2A802B50F970}"/>
+                    </a:ext>
+                  </a:extLst>
+                </p:cNvPr>
+                <p:cNvSpPr txBox="1"/>
+                <p:nvPr/>
+              </p:nvSpPr>
+              <p:spPr>
+                <a:xfrm>
+                  <a:off x="10716783" y="2806326"/>
+                  <a:ext cx="322973" cy="230832"/>
+                </a:xfrm>
+                <a:prstGeom prst="rect">
+                  <a:avLst/>
+                </a:prstGeom>
+                <a:noFill/>
+              </p:spPr>
+              <p:txBody>
+                <a:bodyPr wrap="none" rtlCol="0">
+                  <a:spAutoFit/>
+                </a:bodyPr>
+                <a:lstStyle/>
+                <a:p>
+                  <a14:m>
+                    <m:oMathPara xmlns:m="http://schemas.openxmlformats.org/officeDocument/2006/math">
+                      <m:oMathParaPr>
+                        <m:jc m:val="centerGroup"/>
+                      </m:oMathParaPr>
+                      <m:oMath xmlns:m="http://schemas.openxmlformats.org/officeDocument/2006/math">
+                        <m:sSub>
+                          <m:sSubPr>
+                            <m:ctrlPr>
+                              <a:rPr lang="en-US" sz="900" i="1" smtClean="0">
+                                <a:latin typeface="Cambria Math" panose="02040503050406030204" pitchFamily="18" charset="0"/>
+                              </a:rPr>
+                            </m:ctrlPr>
+                          </m:sSubPr>
+                          <m:e>
+                            <m:acc>
+                              <m:accPr>
+                                <m:chr m:val="̂"/>
+                                <m:ctrlPr>
+                                  <a:rPr lang="en-US" sz="900" i="1" smtClean="0">
+                                    <a:latin typeface="Cambria Math" panose="02040503050406030204" pitchFamily="18" charset="0"/>
+                                  </a:rPr>
+                                </m:ctrlPr>
+                              </m:accPr>
+                              <m:e>
+                                <m:r>
+                                  <a:rPr lang="en-US" sz="900" b="0" i="1" smtClean="0">
+                                    <a:latin typeface="Cambria Math" panose="02040503050406030204" pitchFamily="18" charset="0"/>
+                                  </a:rPr>
+                                  <m:t>𝑥</m:t>
+                                </m:r>
+                              </m:e>
+                            </m:acc>
+                          </m:e>
+                          <m:sub>
+                            <m:r>
+                              <a:rPr lang="en-US" sz="900" b="0" i="1" smtClean="0">
+                                <a:latin typeface="Cambria Math" panose="02040503050406030204" pitchFamily="18" charset="0"/>
+                              </a:rPr>
+                              <m:t>5</m:t>
+                            </m:r>
+                          </m:sub>
+                        </m:sSub>
+                      </m:oMath>
+                    </m:oMathPara>
+                  </a14:m>
+                  <a:endParaRPr lang="en-US" sz="900" dirty="0"/>
+                </a:p>
+              </p:txBody>
+            </p:sp>
+          </mc:Choice>
+          <mc:Fallback>
+            <p:sp>
+              <p:nvSpPr>
+                <p:cNvPr id="83" name="TextBox 82">
+                  <a:extLst>
+                    <a:ext uri="{FF2B5EF4-FFF2-40B4-BE49-F238E27FC236}">
+                      <a16:creationId xmlns:a16="http://schemas.microsoft.com/office/drawing/2014/main" id="{CB260C5E-9486-2CEB-0A1C-2A802B50F970}"/>
+                    </a:ext>
+                  </a:extLst>
+                </p:cNvPr>
+                <p:cNvSpPr txBox="1">
+                  <a:spLocks noRot="1" noChangeAspect="1" noMove="1" noResize="1" noEditPoints="1" noAdjustHandles="1" noChangeArrowheads="1" noChangeShapeType="1" noTextEdit="1"/>
+                </p:cNvSpPr>
+                <p:nvPr/>
+              </p:nvSpPr>
+              <p:spPr>
+                <a:xfrm>
+                  <a:off x="10716783" y="2806326"/>
+                  <a:ext cx="322973" cy="230832"/>
+                </a:xfrm>
+                <a:prstGeom prst="rect">
+                  <a:avLst/>
+                </a:prstGeom>
+                <a:blipFill>
+                  <a:blip r:embed="rId24"/>
+                  <a:stretch>
+                    <a:fillRect/>
+                  </a:stretch>
+                </a:blipFill>
+              </p:spPr>
+              <p:txBody>
+                <a:bodyPr/>
+                <a:lstStyle/>
+                <a:p>
+                  <a:r>
+                    <a:rPr lang="en-US">
+                      <a:noFill/>
+                    </a:rPr>
+                    <a:t> </a:t>
+                  </a:r>
+                </a:p>
+              </p:txBody>
+            </p:sp>
+          </mc:Fallback>
+        </mc:AlternateContent>
+        <mc:AlternateContent xmlns:mc="http://schemas.openxmlformats.org/markup-compatibility/2006">
+          <mc:Choice xmlns:a14="http://schemas.microsoft.com/office/drawing/2010/main" Requires="a14">
+            <p:sp>
+              <p:nvSpPr>
+                <p:cNvPr id="84" name="TextBox 83">
+                  <a:extLst>
+                    <a:ext uri="{FF2B5EF4-FFF2-40B4-BE49-F238E27FC236}">
+                      <a16:creationId xmlns:a16="http://schemas.microsoft.com/office/drawing/2014/main" id="{38909BCF-C222-8239-CA4C-0833F5E71470}"/>
+                    </a:ext>
+                  </a:extLst>
+                </p:cNvPr>
+                <p:cNvSpPr txBox="1"/>
+                <p:nvPr/>
+              </p:nvSpPr>
+              <p:spPr>
+                <a:xfrm>
+                  <a:off x="10716783" y="3235380"/>
+                  <a:ext cx="322973" cy="230832"/>
+                </a:xfrm>
+                <a:prstGeom prst="rect">
+                  <a:avLst/>
+                </a:prstGeom>
+                <a:noFill/>
+              </p:spPr>
+              <p:txBody>
+                <a:bodyPr wrap="none" rtlCol="0">
+                  <a:spAutoFit/>
+                </a:bodyPr>
+                <a:lstStyle/>
+                <a:p>
+                  <a14:m>
+                    <m:oMathPara xmlns:m="http://schemas.openxmlformats.org/officeDocument/2006/math">
+                      <m:oMathParaPr>
+                        <m:jc m:val="centerGroup"/>
+                      </m:oMathParaPr>
+                      <m:oMath xmlns:m="http://schemas.openxmlformats.org/officeDocument/2006/math">
+                        <m:sSub>
+                          <m:sSubPr>
+                            <m:ctrlPr>
+                              <a:rPr lang="en-US" sz="900" i="1" smtClean="0">
+                                <a:latin typeface="Cambria Math" panose="02040503050406030204" pitchFamily="18" charset="0"/>
+                              </a:rPr>
+                            </m:ctrlPr>
+                          </m:sSubPr>
+                          <m:e>
+                            <m:acc>
+                              <m:accPr>
+                                <m:chr m:val="̂"/>
+                                <m:ctrlPr>
+                                  <a:rPr lang="en-US" sz="900" i="1" smtClean="0">
+                                    <a:latin typeface="Cambria Math" panose="02040503050406030204" pitchFamily="18" charset="0"/>
+                                  </a:rPr>
+                                </m:ctrlPr>
+                              </m:accPr>
+                              <m:e>
+                                <m:r>
+                                  <a:rPr lang="en-US" sz="900" b="0" i="1" smtClean="0">
+                                    <a:latin typeface="Cambria Math" panose="02040503050406030204" pitchFamily="18" charset="0"/>
+                                  </a:rPr>
+                                  <m:t>𝑥</m:t>
+                                </m:r>
+                              </m:e>
+                            </m:acc>
+                          </m:e>
+                          <m:sub>
+                            <m:r>
+                              <a:rPr lang="en-US" sz="900" b="0" i="1" smtClean="0">
+                                <a:latin typeface="Cambria Math" panose="02040503050406030204" pitchFamily="18" charset="0"/>
+                              </a:rPr>
+                              <m:t>6</m:t>
+                            </m:r>
+                          </m:sub>
+                        </m:sSub>
+                      </m:oMath>
+                    </m:oMathPara>
+                  </a14:m>
+                  <a:endParaRPr lang="en-US" sz="900" dirty="0"/>
+                </a:p>
+              </p:txBody>
+            </p:sp>
+          </mc:Choice>
+          <mc:Fallback>
+            <p:sp>
+              <p:nvSpPr>
+                <p:cNvPr id="84" name="TextBox 83">
+                  <a:extLst>
+                    <a:ext uri="{FF2B5EF4-FFF2-40B4-BE49-F238E27FC236}">
+                      <a16:creationId xmlns:a16="http://schemas.microsoft.com/office/drawing/2014/main" id="{38909BCF-C222-8239-CA4C-0833F5E71470}"/>
+                    </a:ext>
+                  </a:extLst>
+                </p:cNvPr>
+                <p:cNvSpPr txBox="1">
+                  <a:spLocks noRot="1" noChangeAspect="1" noMove="1" noResize="1" noEditPoints="1" noAdjustHandles="1" noChangeArrowheads="1" noChangeShapeType="1" noTextEdit="1"/>
+                </p:cNvSpPr>
+                <p:nvPr/>
+              </p:nvSpPr>
+              <p:spPr>
+                <a:xfrm>
+                  <a:off x="10716783" y="3235380"/>
+                  <a:ext cx="322973" cy="230832"/>
+                </a:xfrm>
+                <a:prstGeom prst="rect">
+                  <a:avLst/>
+                </a:prstGeom>
+                <a:blipFill>
+                  <a:blip r:embed="rId25"/>
+                  <a:stretch>
+                    <a:fillRect/>
+                  </a:stretch>
+                </a:blipFill>
+              </p:spPr>
+              <p:txBody>
+                <a:bodyPr/>
+                <a:lstStyle/>
+                <a:p>
+                  <a:r>
+                    <a:rPr lang="en-US">
+                      <a:noFill/>
+                    </a:rPr>
+                    <a:t> </a:t>
+                  </a:r>
+                </a:p>
+              </p:txBody>
+            </p:sp>
+          </mc:Fallback>
+        </mc:AlternateContent>
+        <p:cxnSp>
+          <p:nvCxnSpPr>
+            <p:cNvPr id="86" name="Straight Arrow Connector 85">
+              <a:extLst>
+                <a:ext uri="{FF2B5EF4-FFF2-40B4-BE49-F238E27FC236}">
+                  <a16:creationId xmlns:a16="http://schemas.microsoft.com/office/drawing/2014/main" id="{50807321-8830-6405-8C67-9FA87E48CB2E}"/>
+                </a:ext>
+              </a:extLst>
+            </p:cNvPr>
+            <p:cNvCxnSpPr>
+              <a:stCxn id="46" idx="3"/>
+              <a:endCxn id="61" idx="2"/>
+            </p:cNvCxnSpPr>
+            <p:nvPr/>
+          </p:nvCxnSpPr>
+          <p:spPr>
+            <a:xfrm>
+              <a:off x="9705820" y="1128756"/>
+              <a:ext cx="351484" cy="711507"/>
+            </a:xfrm>
+            <a:prstGeom prst="straightConnector1">
+              <a:avLst/>
+            </a:prstGeom>
+            <a:ln>
+              <a:tailEnd type="triangle"/>
+            </a:ln>
+          </p:spPr>
+          <p:style>
+            <a:lnRef idx="1">
+              <a:schemeClr val="accent1"/>
+            </a:lnRef>
+            <a:fillRef idx="0">
+              <a:schemeClr val="accent1"/>
+            </a:fillRef>
+            <a:effectRef idx="0">
+              <a:schemeClr val="accent1"/>
+            </a:effectRef>
+            <a:fontRef idx="minor">
+              <a:schemeClr val="tx1"/>
+            </a:fontRef>
+          </p:style>
+        </p:cxnSp>
+        <p:cxnSp>
+          <p:nvCxnSpPr>
+            <p:cNvPr id="88" name="Straight Arrow Connector 87">
+              <a:extLst>
+                <a:ext uri="{FF2B5EF4-FFF2-40B4-BE49-F238E27FC236}">
+                  <a16:creationId xmlns:a16="http://schemas.microsoft.com/office/drawing/2014/main" id="{41E8B0E0-AF76-FB20-E190-210002C4AB1A}"/>
+                </a:ext>
+              </a:extLst>
+            </p:cNvPr>
+            <p:cNvCxnSpPr>
+              <a:stCxn id="49" idx="6"/>
+              <a:endCxn id="63" idx="2"/>
+            </p:cNvCxnSpPr>
+            <p:nvPr/>
+          </p:nvCxnSpPr>
+          <p:spPr>
+            <a:xfrm>
+              <a:off x="9700863" y="1141428"/>
+              <a:ext cx="356441" cy="1158218"/>
+            </a:xfrm>
+            <a:prstGeom prst="straightConnector1">
+              <a:avLst/>
+            </a:prstGeom>
+            <a:ln>
+              <a:tailEnd type="triangle"/>
+            </a:ln>
+          </p:spPr>
+          <p:style>
+            <a:lnRef idx="1">
+              <a:schemeClr val="accent1"/>
+            </a:lnRef>
+            <a:fillRef idx="0">
+              <a:schemeClr val="accent1"/>
+            </a:fillRef>
+            <a:effectRef idx="0">
+              <a:schemeClr val="accent1"/>
+            </a:effectRef>
+            <a:fontRef idx="minor">
+              <a:schemeClr val="tx1"/>
+            </a:fontRef>
+          </p:style>
+        </p:cxnSp>
+        <p:cxnSp>
+          <p:nvCxnSpPr>
+            <p:cNvPr id="90" name="Straight Arrow Connector 89">
+              <a:extLst>
+                <a:ext uri="{FF2B5EF4-FFF2-40B4-BE49-F238E27FC236}">
+                  <a16:creationId xmlns:a16="http://schemas.microsoft.com/office/drawing/2014/main" id="{A573087C-56C1-8125-BE6E-6BEA29C54B43}"/>
+                </a:ext>
+              </a:extLst>
+            </p:cNvPr>
+            <p:cNvCxnSpPr>
+              <a:stCxn id="46" idx="3"/>
+              <a:endCxn id="65" idx="2"/>
+            </p:cNvCxnSpPr>
+            <p:nvPr/>
+          </p:nvCxnSpPr>
+          <p:spPr>
+            <a:xfrm>
+              <a:off x="9705820" y="1128756"/>
+              <a:ext cx="351484" cy="1634982"/>
+            </a:xfrm>
+            <a:prstGeom prst="straightConnector1">
+              <a:avLst/>
+            </a:prstGeom>
+            <a:ln>
+              <a:tailEnd type="triangle"/>
+            </a:ln>
+          </p:spPr>
+          <p:style>
+            <a:lnRef idx="1">
+              <a:schemeClr val="accent1"/>
+            </a:lnRef>
+            <a:fillRef idx="0">
+              <a:schemeClr val="accent1"/>
+            </a:fillRef>
+            <a:effectRef idx="0">
+              <a:schemeClr val="accent1"/>
+            </a:effectRef>
+            <a:fontRef idx="minor">
+              <a:schemeClr val="tx1"/>
+            </a:fontRef>
+          </p:style>
+        </p:cxnSp>
+        <p:cxnSp>
+          <p:nvCxnSpPr>
+            <p:cNvPr id="94" name="Straight Arrow Connector 93">
+              <a:extLst>
+                <a:ext uri="{FF2B5EF4-FFF2-40B4-BE49-F238E27FC236}">
+                  <a16:creationId xmlns:a16="http://schemas.microsoft.com/office/drawing/2014/main" id="{7727CCE8-4705-C03F-0D96-3E94E9534115}"/>
+                </a:ext>
+              </a:extLst>
+            </p:cNvPr>
+            <p:cNvCxnSpPr>
+              <a:stCxn id="50" idx="6"/>
+              <a:endCxn id="61" idx="2"/>
+            </p:cNvCxnSpPr>
+            <p:nvPr/>
+          </p:nvCxnSpPr>
+          <p:spPr>
+            <a:xfrm>
+              <a:off x="9708513" y="1583805"/>
+              <a:ext cx="348791" cy="256458"/>
+            </a:xfrm>
+            <a:prstGeom prst="straightConnector1">
+              <a:avLst/>
+            </a:prstGeom>
+            <a:ln>
+              <a:tailEnd type="triangle"/>
+            </a:ln>
+          </p:spPr>
+          <p:style>
+            <a:lnRef idx="1">
+              <a:schemeClr val="accent1"/>
+            </a:lnRef>
+            <a:fillRef idx="0">
+              <a:schemeClr val="accent1"/>
+            </a:fillRef>
+            <a:effectRef idx="0">
+              <a:schemeClr val="accent1"/>
+            </a:effectRef>
+            <a:fontRef idx="minor">
+              <a:schemeClr val="tx1"/>
+            </a:fontRef>
+          </p:style>
+        </p:cxnSp>
+        <p:cxnSp>
+          <p:nvCxnSpPr>
+            <p:cNvPr id="96" name="Straight Arrow Connector 95">
+              <a:extLst>
+                <a:ext uri="{FF2B5EF4-FFF2-40B4-BE49-F238E27FC236}">
+                  <a16:creationId xmlns:a16="http://schemas.microsoft.com/office/drawing/2014/main" id="{D25B34C1-43D7-8B55-B140-0A916D6A20D0}"/>
+                </a:ext>
+              </a:extLst>
+            </p:cNvPr>
+            <p:cNvCxnSpPr>
+              <a:stCxn id="51" idx="6"/>
+              <a:endCxn id="61" idx="2"/>
+            </p:cNvCxnSpPr>
+            <p:nvPr/>
+          </p:nvCxnSpPr>
+          <p:spPr>
+            <a:xfrm flipV="1">
+              <a:off x="9708513" y="1840263"/>
+              <a:ext cx="348791" cy="184534"/>
+            </a:xfrm>
+            <a:prstGeom prst="straightConnector1">
+              <a:avLst/>
+            </a:prstGeom>
+            <a:ln>
+              <a:tailEnd type="triangle"/>
+            </a:ln>
+          </p:spPr>
+          <p:style>
+            <a:lnRef idx="1">
+              <a:schemeClr val="accent1"/>
+            </a:lnRef>
+            <a:fillRef idx="0">
+              <a:schemeClr val="accent1"/>
+            </a:fillRef>
+            <a:effectRef idx="0">
+              <a:schemeClr val="accent1"/>
+            </a:effectRef>
+            <a:fontRef idx="minor">
+              <a:schemeClr val="tx1"/>
+            </a:fontRef>
+          </p:style>
+        </p:cxnSp>
+        <p:cxnSp>
+          <p:nvCxnSpPr>
+            <p:cNvPr id="98" name="Straight Arrow Connector 97">
+              <a:extLst>
+                <a:ext uri="{FF2B5EF4-FFF2-40B4-BE49-F238E27FC236}">
+                  <a16:creationId xmlns:a16="http://schemas.microsoft.com/office/drawing/2014/main" id="{6ACB424E-0347-D2A4-3F88-874541795611}"/>
+                </a:ext>
+              </a:extLst>
+            </p:cNvPr>
+            <p:cNvCxnSpPr>
+              <a:stCxn id="50" idx="6"/>
+              <a:endCxn id="63" idx="2"/>
+            </p:cNvCxnSpPr>
+            <p:nvPr/>
+          </p:nvCxnSpPr>
+          <p:spPr>
+            <a:xfrm>
+              <a:off x="9708513" y="1583805"/>
+              <a:ext cx="348791" cy="715841"/>
+            </a:xfrm>
+            <a:prstGeom prst="straightConnector1">
+              <a:avLst/>
+            </a:prstGeom>
+            <a:ln>
+              <a:tailEnd type="triangle"/>
+            </a:ln>
+          </p:spPr>
+          <p:style>
+            <a:lnRef idx="1">
+              <a:schemeClr val="accent1"/>
+            </a:lnRef>
+            <a:fillRef idx="0">
+              <a:schemeClr val="accent1"/>
+            </a:fillRef>
+            <a:effectRef idx="0">
+              <a:schemeClr val="accent1"/>
+            </a:effectRef>
+            <a:fontRef idx="minor">
+              <a:schemeClr val="tx1"/>
+            </a:fontRef>
+          </p:style>
+        </p:cxnSp>
+        <p:cxnSp>
+          <p:nvCxnSpPr>
+            <p:cNvPr id="100" name="Straight Arrow Connector 99">
+              <a:extLst>
+                <a:ext uri="{FF2B5EF4-FFF2-40B4-BE49-F238E27FC236}">
+                  <a16:creationId xmlns:a16="http://schemas.microsoft.com/office/drawing/2014/main" id="{F9634981-35C4-19AE-D7CA-58CBF1B36315}"/>
+                </a:ext>
+              </a:extLst>
+            </p:cNvPr>
+            <p:cNvCxnSpPr>
+              <a:stCxn id="50" idx="6"/>
+              <a:endCxn id="65" idx="2"/>
+            </p:cNvCxnSpPr>
+            <p:nvPr/>
+          </p:nvCxnSpPr>
+          <p:spPr>
+            <a:xfrm>
+              <a:off x="9708513" y="1583805"/>
+              <a:ext cx="348791" cy="1179933"/>
+            </a:xfrm>
+            <a:prstGeom prst="straightConnector1">
+              <a:avLst/>
+            </a:prstGeom>
+            <a:ln>
+              <a:tailEnd type="triangle"/>
+            </a:ln>
+          </p:spPr>
+          <p:style>
+            <a:lnRef idx="1">
+              <a:schemeClr val="accent1"/>
+            </a:lnRef>
+            <a:fillRef idx="0">
+              <a:schemeClr val="accent1"/>
+            </a:fillRef>
+            <a:effectRef idx="0">
+              <a:schemeClr val="accent1"/>
+            </a:effectRef>
+            <a:fontRef idx="minor">
+              <a:schemeClr val="tx1"/>
+            </a:fontRef>
+          </p:style>
+        </p:cxnSp>
+        <p:cxnSp>
+          <p:nvCxnSpPr>
+            <p:cNvPr id="104" name="Straight Arrow Connector 103">
+              <a:extLst>
+                <a:ext uri="{FF2B5EF4-FFF2-40B4-BE49-F238E27FC236}">
+                  <a16:creationId xmlns:a16="http://schemas.microsoft.com/office/drawing/2014/main" id="{2CDEF4B6-9C2C-219D-31F1-4BE874F42652}"/>
+                </a:ext>
+              </a:extLst>
+            </p:cNvPr>
+            <p:cNvCxnSpPr>
+              <a:stCxn id="51" idx="6"/>
+              <a:endCxn id="63" idx="2"/>
+            </p:cNvCxnSpPr>
+            <p:nvPr/>
+          </p:nvCxnSpPr>
+          <p:spPr>
+            <a:xfrm>
+              <a:off x="9708513" y="2024797"/>
+              <a:ext cx="348791" cy="274849"/>
+            </a:xfrm>
+            <a:prstGeom prst="straightConnector1">
+              <a:avLst/>
+            </a:prstGeom>
+            <a:ln>
+              <a:tailEnd type="triangle"/>
+            </a:ln>
+          </p:spPr>
+          <p:style>
+            <a:lnRef idx="1">
+              <a:schemeClr val="accent1"/>
+            </a:lnRef>
+            <a:fillRef idx="0">
+              <a:schemeClr val="accent1"/>
+            </a:fillRef>
+            <a:effectRef idx="0">
+              <a:schemeClr val="accent1"/>
+            </a:effectRef>
+            <a:fontRef idx="minor">
+              <a:schemeClr val="tx1"/>
+            </a:fontRef>
+          </p:style>
+        </p:cxnSp>
+        <p:cxnSp>
+          <p:nvCxnSpPr>
+            <p:cNvPr id="106" name="Straight Arrow Connector 105">
+              <a:extLst>
+                <a:ext uri="{FF2B5EF4-FFF2-40B4-BE49-F238E27FC236}">
+                  <a16:creationId xmlns:a16="http://schemas.microsoft.com/office/drawing/2014/main" id="{6A279ECB-C66B-D93A-2FCF-25D41BE4F23D}"/>
+                </a:ext>
+              </a:extLst>
+            </p:cNvPr>
+            <p:cNvCxnSpPr>
+              <a:stCxn id="51" idx="6"/>
+              <a:endCxn id="65" idx="2"/>
+            </p:cNvCxnSpPr>
+            <p:nvPr/>
+          </p:nvCxnSpPr>
+          <p:spPr>
+            <a:xfrm>
+              <a:off x="9708513" y="2024797"/>
+              <a:ext cx="348791" cy="738941"/>
+            </a:xfrm>
+            <a:prstGeom prst="straightConnector1">
+              <a:avLst/>
+            </a:prstGeom>
+            <a:ln>
+              <a:tailEnd type="triangle"/>
+            </a:ln>
+          </p:spPr>
+          <p:style>
+            <a:lnRef idx="1">
+              <a:schemeClr val="accent1"/>
+            </a:lnRef>
+            <a:fillRef idx="0">
+              <a:schemeClr val="accent1"/>
+            </a:fillRef>
+            <a:effectRef idx="0">
+              <a:schemeClr val="accent1"/>
+            </a:effectRef>
+            <a:fontRef idx="minor">
+              <a:schemeClr val="tx1"/>
+            </a:fontRef>
+          </p:style>
+        </p:cxnSp>
+        <p:cxnSp>
+          <p:nvCxnSpPr>
+            <p:cNvPr id="110" name="Straight Arrow Connector 109">
+              <a:extLst>
+                <a:ext uri="{FF2B5EF4-FFF2-40B4-BE49-F238E27FC236}">
+                  <a16:creationId xmlns:a16="http://schemas.microsoft.com/office/drawing/2014/main" id="{9A3BCFA1-7A06-6E21-1607-E4801780D2FB}"/>
+                </a:ext>
+              </a:extLst>
+            </p:cNvPr>
+            <p:cNvCxnSpPr>
+              <a:stCxn id="53" idx="6"/>
+              <a:endCxn id="61" idx="2"/>
+            </p:cNvCxnSpPr>
+            <p:nvPr/>
+          </p:nvCxnSpPr>
+          <p:spPr>
+            <a:xfrm flipV="1">
+              <a:off x="9708513" y="1840263"/>
+              <a:ext cx="348791" cy="625526"/>
+            </a:xfrm>
+            <a:prstGeom prst="straightConnector1">
+              <a:avLst/>
+            </a:prstGeom>
+            <a:ln>
+              <a:tailEnd type="triangle"/>
+            </a:ln>
+          </p:spPr>
+          <p:style>
+            <a:lnRef idx="1">
+              <a:schemeClr val="accent1"/>
+            </a:lnRef>
+            <a:fillRef idx="0">
+              <a:schemeClr val="accent1"/>
+            </a:fillRef>
+            <a:effectRef idx="0">
+              <a:schemeClr val="accent1"/>
+            </a:effectRef>
+            <a:fontRef idx="minor">
+              <a:schemeClr val="tx1"/>
+            </a:fontRef>
+          </p:style>
+        </p:cxnSp>
+        <p:cxnSp>
+          <p:nvCxnSpPr>
+            <p:cNvPr id="112" name="Straight Arrow Connector 111">
+              <a:extLst>
+                <a:ext uri="{FF2B5EF4-FFF2-40B4-BE49-F238E27FC236}">
+                  <a16:creationId xmlns:a16="http://schemas.microsoft.com/office/drawing/2014/main" id="{C7825B24-96A1-77C3-DC77-B268764F8228}"/>
+                </a:ext>
+              </a:extLst>
+            </p:cNvPr>
+            <p:cNvCxnSpPr>
+              <a:stCxn id="52" idx="3"/>
+              <a:endCxn id="63" idx="2"/>
+            </p:cNvCxnSpPr>
+            <p:nvPr/>
+          </p:nvCxnSpPr>
+          <p:spPr>
+            <a:xfrm flipV="1">
+              <a:off x="9705340" y="2299646"/>
+              <a:ext cx="351964" cy="145371"/>
+            </a:xfrm>
+            <a:prstGeom prst="straightConnector1">
+              <a:avLst/>
+            </a:prstGeom>
+            <a:ln>
+              <a:tailEnd type="triangle"/>
+            </a:ln>
+          </p:spPr>
+          <p:style>
+            <a:lnRef idx="1">
+              <a:schemeClr val="accent1"/>
+            </a:lnRef>
+            <a:fillRef idx="0">
+              <a:schemeClr val="accent1"/>
+            </a:fillRef>
+            <a:effectRef idx="0">
+              <a:schemeClr val="accent1"/>
+            </a:effectRef>
+            <a:fontRef idx="minor">
+              <a:schemeClr val="tx1"/>
+            </a:fontRef>
+          </p:style>
+        </p:cxnSp>
+        <p:cxnSp>
+          <p:nvCxnSpPr>
+            <p:cNvPr id="114" name="Straight Arrow Connector 113">
+              <a:extLst>
+                <a:ext uri="{FF2B5EF4-FFF2-40B4-BE49-F238E27FC236}">
+                  <a16:creationId xmlns:a16="http://schemas.microsoft.com/office/drawing/2014/main" id="{338EC7E3-D2C7-5965-79F1-7495DFA479D9}"/>
+                </a:ext>
+              </a:extLst>
+            </p:cNvPr>
+            <p:cNvCxnSpPr>
+              <a:stCxn id="52" idx="3"/>
+              <a:endCxn id="65" idx="2"/>
+            </p:cNvCxnSpPr>
+            <p:nvPr/>
+          </p:nvCxnSpPr>
+          <p:spPr>
+            <a:xfrm>
+              <a:off x="9705340" y="2445017"/>
+              <a:ext cx="351964" cy="318721"/>
+            </a:xfrm>
+            <a:prstGeom prst="straightConnector1">
+              <a:avLst/>
+            </a:prstGeom>
+            <a:ln>
+              <a:tailEnd type="triangle"/>
+            </a:ln>
+          </p:spPr>
+          <p:style>
+            <a:lnRef idx="1">
+              <a:schemeClr val="accent1"/>
+            </a:lnRef>
+            <a:fillRef idx="0">
+              <a:schemeClr val="accent1"/>
+            </a:fillRef>
+            <a:effectRef idx="0">
+              <a:schemeClr val="accent1"/>
+            </a:effectRef>
+            <a:fontRef idx="minor">
+              <a:schemeClr val="tx1"/>
+            </a:fontRef>
+          </p:style>
+        </p:cxnSp>
+        <p:cxnSp>
+          <p:nvCxnSpPr>
+            <p:cNvPr id="118" name="Straight Arrow Connector 117">
+              <a:extLst>
+                <a:ext uri="{FF2B5EF4-FFF2-40B4-BE49-F238E27FC236}">
+                  <a16:creationId xmlns:a16="http://schemas.microsoft.com/office/drawing/2014/main" id="{510C21F8-96F7-35FA-DCE0-3DF4D3A98935}"/>
+                </a:ext>
+              </a:extLst>
+            </p:cNvPr>
+            <p:cNvCxnSpPr>
+              <a:stCxn id="54" idx="6"/>
+              <a:endCxn id="61" idx="2"/>
+            </p:cNvCxnSpPr>
+            <p:nvPr/>
+          </p:nvCxnSpPr>
+          <p:spPr>
+            <a:xfrm flipV="1">
+              <a:off x="9711686" y="1840263"/>
+              <a:ext cx="345618" cy="1066518"/>
+            </a:xfrm>
+            <a:prstGeom prst="straightConnector1">
+              <a:avLst/>
+            </a:prstGeom>
+            <a:ln>
+              <a:tailEnd type="triangle"/>
+            </a:ln>
+          </p:spPr>
+          <p:style>
+            <a:lnRef idx="1">
+              <a:schemeClr val="accent1"/>
+            </a:lnRef>
+            <a:fillRef idx="0">
+              <a:schemeClr val="accent1"/>
+            </a:fillRef>
+            <a:effectRef idx="0">
+              <a:schemeClr val="accent1"/>
+            </a:effectRef>
+            <a:fontRef idx="minor">
+              <a:schemeClr val="tx1"/>
+            </a:fontRef>
+          </p:style>
+        </p:cxnSp>
+        <p:cxnSp>
+          <p:nvCxnSpPr>
+            <p:cNvPr id="120" name="Straight Arrow Connector 119">
+              <a:extLst>
+                <a:ext uri="{FF2B5EF4-FFF2-40B4-BE49-F238E27FC236}">
+                  <a16:creationId xmlns:a16="http://schemas.microsoft.com/office/drawing/2014/main" id="{D642B616-36F6-B0D4-6443-287D308FF7AD}"/>
+                </a:ext>
+              </a:extLst>
+            </p:cNvPr>
+            <p:cNvCxnSpPr>
+              <a:stCxn id="55" idx="3"/>
+              <a:endCxn id="63" idx="2"/>
+            </p:cNvCxnSpPr>
+            <p:nvPr/>
+          </p:nvCxnSpPr>
+          <p:spPr>
+            <a:xfrm flipV="1">
+              <a:off x="9708513" y="2299646"/>
+              <a:ext cx="348791" cy="586363"/>
+            </a:xfrm>
+            <a:prstGeom prst="straightConnector1">
+              <a:avLst/>
+            </a:prstGeom>
+            <a:ln>
+              <a:tailEnd type="triangle"/>
+            </a:ln>
+          </p:spPr>
+          <p:style>
+            <a:lnRef idx="1">
+              <a:schemeClr val="accent1"/>
+            </a:lnRef>
+            <a:fillRef idx="0">
+              <a:schemeClr val="accent1"/>
+            </a:fillRef>
+            <a:effectRef idx="0">
+              <a:schemeClr val="accent1"/>
+            </a:effectRef>
+            <a:fontRef idx="minor">
+              <a:schemeClr val="tx1"/>
+            </a:fontRef>
+          </p:style>
+        </p:cxnSp>
+        <p:cxnSp>
+          <p:nvCxnSpPr>
+            <p:cNvPr id="122" name="Straight Arrow Connector 121">
+              <a:extLst>
+                <a:ext uri="{FF2B5EF4-FFF2-40B4-BE49-F238E27FC236}">
+                  <a16:creationId xmlns:a16="http://schemas.microsoft.com/office/drawing/2014/main" id="{02D286D2-35F1-9020-E174-E7448E850FBF}"/>
+                </a:ext>
+              </a:extLst>
+            </p:cNvPr>
+            <p:cNvCxnSpPr>
+              <a:stCxn id="54" idx="6"/>
+              <a:endCxn id="65" idx="2"/>
+            </p:cNvCxnSpPr>
+            <p:nvPr/>
+          </p:nvCxnSpPr>
+          <p:spPr>
+            <a:xfrm flipV="1">
+              <a:off x="9711686" y="2763738"/>
+              <a:ext cx="345618" cy="143043"/>
+            </a:xfrm>
+            <a:prstGeom prst="straightConnector1">
+              <a:avLst/>
+            </a:prstGeom>
+            <a:ln>
+              <a:tailEnd type="triangle"/>
+            </a:ln>
+          </p:spPr>
+          <p:style>
+            <a:lnRef idx="1">
+              <a:schemeClr val="accent1"/>
+            </a:lnRef>
+            <a:fillRef idx="0">
+              <a:schemeClr val="accent1"/>
+            </a:fillRef>
+            <a:effectRef idx="0">
+              <a:schemeClr val="accent1"/>
+            </a:effectRef>
+            <a:fontRef idx="minor">
+              <a:schemeClr val="tx1"/>
+            </a:fontRef>
+          </p:style>
+        </p:cxnSp>
+        <p:cxnSp>
+          <p:nvCxnSpPr>
+            <p:cNvPr id="126" name="Straight Arrow Connector 125">
+              <a:extLst>
+                <a:ext uri="{FF2B5EF4-FFF2-40B4-BE49-F238E27FC236}">
+                  <a16:creationId xmlns:a16="http://schemas.microsoft.com/office/drawing/2014/main" id="{617F8051-7779-465D-25A7-C846B8C7B388}"/>
+                </a:ext>
+              </a:extLst>
+            </p:cNvPr>
+            <p:cNvCxnSpPr>
+              <a:stCxn id="57" idx="3"/>
+              <a:endCxn id="61" idx="2"/>
+            </p:cNvCxnSpPr>
+            <p:nvPr/>
+          </p:nvCxnSpPr>
+          <p:spPr>
+            <a:xfrm flipV="1">
+              <a:off x="9705340" y="1840263"/>
+              <a:ext cx="351964" cy="1489534"/>
+            </a:xfrm>
+            <a:prstGeom prst="straightConnector1">
+              <a:avLst/>
+            </a:prstGeom>
+            <a:ln>
+              <a:tailEnd type="triangle"/>
+            </a:ln>
+          </p:spPr>
+          <p:style>
+            <a:lnRef idx="1">
+              <a:schemeClr val="accent1"/>
+            </a:lnRef>
+            <a:fillRef idx="0">
+              <a:schemeClr val="accent1"/>
+            </a:fillRef>
+            <a:effectRef idx="0">
+              <a:schemeClr val="accent1"/>
+            </a:effectRef>
+            <a:fontRef idx="minor">
+              <a:schemeClr val="tx1"/>
+            </a:fontRef>
+          </p:style>
+        </p:cxnSp>
+        <p:cxnSp>
+          <p:nvCxnSpPr>
+            <p:cNvPr id="128" name="Straight Arrow Connector 127">
+              <a:extLst>
+                <a:ext uri="{FF2B5EF4-FFF2-40B4-BE49-F238E27FC236}">
+                  <a16:creationId xmlns:a16="http://schemas.microsoft.com/office/drawing/2014/main" id="{A0201CC0-B835-E90B-892D-C555EFE10846}"/>
+                </a:ext>
+              </a:extLst>
+            </p:cNvPr>
+            <p:cNvCxnSpPr>
+              <a:stCxn id="57" idx="3"/>
+              <a:endCxn id="63" idx="2"/>
+            </p:cNvCxnSpPr>
+            <p:nvPr/>
+          </p:nvCxnSpPr>
+          <p:spPr>
+            <a:xfrm flipV="1">
+              <a:off x="9705340" y="2299646"/>
+              <a:ext cx="351964" cy="1030151"/>
+            </a:xfrm>
+            <a:prstGeom prst="straightConnector1">
+              <a:avLst/>
+            </a:prstGeom>
+            <a:ln>
+              <a:tailEnd type="triangle"/>
+            </a:ln>
+          </p:spPr>
+          <p:style>
+            <a:lnRef idx="1">
+              <a:schemeClr val="accent1"/>
+            </a:lnRef>
+            <a:fillRef idx="0">
+              <a:schemeClr val="accent1"/>
+            </a:fillRef>
+            <a:effectRef idx="0">
+              <a:schemeClr val="accent1"/>
+            </a:effectRef>
+            <a:fontRef idx="minor">
+              <a:schemeClr val="tx1"/>
+            </a:fontRef>
+          </p:style>
+        </p:cxnSp>
+        <p:cxnSp>
+          <p:nvCxnSpPr>
+            <p:cNvPr id="130" name="Straight Arrow Connector 129">
+              <a:extLst>
+                <a:ext uri="{FF2B5EF4-FFF2-40B4-BE49-F238E27FC236}">
+                  <a16:creationId xmlns:a16="http://schemas.microsoft.com/office/drawing/2014/main" id="{194F5464-74F5-83B2-B799-CFC879A01497}"/>
+                </a:ext>
+              </a:extLst>
+            </p:cNvPr>
+            <p:cNvCxnSpPr>
+              <a:stCxn id="57" idx="3"/>
+              <a:endCxn id="65" idx="2"/>
+            </p:cNvCxnSpPr>
+            <p:nvPr/>
+          </p:nvCxnSpPr>
+          <p:spPr>
+            <a:xfrm flipV="1">
+              <a:off x="9705340" y="2763738"/>
+              <a:ext cx="351964" cy="566059"/>
+            </a:xfrm>
+            <a:prstGeom prst="straightConnector1">
+              <a:avLst/>
+            </a:prstGeom>
+            <a:ln>
+              <a:tailEnd type="triangle"/>
+            </a:ln>
+          </p:spPr>
+          <p:style>
+            <a:lnRef idx="1">
+              <a:schemeClr val="accent1"/>
+            </a:lnRef>
+            <a:fillRef idx="0">
+              <a:schemeClr val="accent1"/>
+            </a:fillRef>
+            <a:effectRef idx="0">
+              <a:schemeClr val="accent1"/>
+            </a:effectRef>
+            <a:fontRef idx="minor">
+              <a:schemeClr val="tx1"/>
+            </a:fontRef>
+          </p:style>
+        </p:cxnSp>
+        <p:cxnSp>
+          <p:nvCxnSpPr>
+            <p:cNvPr id="134" name="Straight Arrow Connector 133">
+              <a:extLst>
+                <a:ext uri="{FF2B5EF4-FFF2-40B4-BE49-F238E27FC236}">
+                  <a16:creationId xmlns:a16="http://schemas.microsoft.com/office/drawing/2014/main" id="{2FA33639-2199-A506-FFD7-58DA436195DC}"/>
+                </a:ext>
+              </a:extLst>
+            </p:cNvPr>
+            <p:cNvCxnSpPr>
+              <a:stCxn id="59" idx="3"/>
+              <a:endCxn id="61" idx="2"/>
+            </p:cNvCxnSpPr>
+            <p:nvPr/>
+          </p:nvCxnSpPr>
+          <p:spPr>
+            <a:xfrm flipV="1">
+              <a:off x="9724351" y="1840263"/>
+              <a:ext cx="332953" cy="1944814"/>
+            </a:xfrm>
+            <a:prstGeom prst="straightConnector1">
+              <a:avLst/>
+            </a:prstGeom>
+            <a:ln>
+              <a:tailEnd type="triangle"/>
+            </a:ln>
+          </p:spPr>
+          <p:style>
+            <a:lnRef idx="1">
+              <a:schemeClr val="accent1"/>
+            </a:lnRef>
+            <a:fillRef idx="0">
+              <a:schemeClr val="accent1"/>
+            </a:fillRef>
+            <a:effectRef idx="0">
+              <a:schemeClr val="accent1"/>
+            </a:effectRef>
+            <a:fontRef idx="minor">
+              <a:schemeClr val="tx1"/>
+            </a:fontRef>
+          </p:style>
+        </p:cxnSp>
+        <p:cxnSp>
+          <p:nvCxnSpPr>
+            <p:cNvPr id="136" name="Straight Arrow Connector 135">
+              <a:extLst>
+                <a:ext uri="{FF2B5EF4-FFF2-40B4-BE49-F238E27FC236}">
+                  <a16:creationId xmlns:a16="http://schemas.microsoft.com/office/drawing/2014/main" id="{56DF2292-B42F-C3D9-9085-55B7A55EAA42}"/>
+                </a:ext>
+              </a:extLst>
+            </p:cNvPr>
+            <p:cNvCxnSpPr>
+              <a:stCxn id="59" idx="3"/>
+              <a:endCxn id="63" idx="2"/>
+            </p:cNvCxnSpPr>
+            <p:nvPr/>
+          </p:nvCxnSpPr>
+          <p:spPr>
+            <a:xfrm flipV="1">
+              <a:off x="9724351" y="2299646"/>
+              <a:ext cx="332953" cy="1485431"/>
+            </a:xfrm>
+            <a:prstGeom prst="straightConnector1">
+              <a:avLst/>
+            </a:prstGeom>
+            <a:ln>
+              <a:tailEnd type="triangle"/>
+            </a:ln>
+          </p:spPr>
+          <p:style>
+            <a:lnRef idx="1">
+              <a:schemeClr val="accent1"/>
+            </a:lnRef>
+            <a:fillRef idx="0">
+              <a:schemeClr val="accent1"/>
+            </a:fillRef>
+            <a:effectRef idx="0">
+              <a:schemeClr val="accent1"/>
+            </a:effectRef>
+            <a:fontRef idx="minor">
+              <a:schemeClr val="tx1"/>
+            </a:fontRef>
+          </p:style>
+        </p:cxnSp>
+        <p:cxnSp>
+          <p:nvCxnSpPr>
+            <p:cNvPr id="138" name="Straight Arrow Connector 137">
+              <a:extLst>
+                <a:ext uri="{FF2B5EF4-FFF2-40B4-BE49-F238E27FC236}">
+                  <a16:creationId xmlns:a16="http://schemas.microsoft.com/office/drawing/2014/main" id="{D2846E60-7E12-A94E-EBAA-8C4B9734AF9E}"/>
+                </a:ext>
+              </a:extLst>
+            </p:cNvPr>
+            <p:cNvCxnSpPr>
+              <a:stCxn id="59" idx="3"/>
+              <a:endCxn id="65" idx="2"/>
+            </p:cNvCxnSpPr>
+            <p:nvPr/>
+          </p:nvCxnSpPr>
+          <p:spPr>
+            <a:xfrm flipV="1">
+              <a:off x="9724351" y="2763738"/>
+              <a:ext cx="332953" cy="1021339"/>
+            </a:xfrm>
+            <a:prstGeom prst="straightConnector1">
+              <a:avLst/>
+            </a:prstGeom>
+            <a:ln>
+              <a:tailEnd type="triangle"/>
+            </a:ln>
+          </p:spPr>
+          <p:style>
+            <a:lnRef idx="1">
+              <a:schemeClr val="accent1"/>
+            </a:lnRef>
+            <a:fillRef idx="0">
+              <a:schemeClr val="accent1"/>
+            </a:fillRef>
+            <a:effectRef idx="0">
+              <a:schemeClr val="accent1"/>
+            </a:effectRef>
+            <a:fontRef idx="minor">
+              <a:schemeClr val="tx1"/>
+            </a:fontRef>
+          </p:style>
+        </p:cxnSp>
+        <p:cxnSp>
+          <p:nvCxnSpPr>
+            <p:cNvPr id="142" name="Straight Arrow Connector 141">
+              <a:extLst>
+                <a:ext uri="{FF2B5EF4-FFF2-40B4-BE49-F238E27FC236}">
+                  <a16:creationId xmlns:a16="http://schemas.microsoft.com/office/drawing/2014/main" id="{229F4DF6-69DE-2A3E-1643-968E75B06362}"/>
+                </a:ext>
+              </a:extLst>
+            </p:cNvPr>
+            <p:cNvCxnSpPr>
+              <a:stCxn id="61" idx="6"/>
+              <a:endCxn id="69" idx="2"/>
+            </p:cNvCxnSpPr>
+            <p:nvPr/>
+          </p:nvCxnSpPr>
+          <p:spPr>
+            <a:xfrm flipV="1">
+              <a:off x="10386622" y="1140401"/>
+              <a:ext cx="306186" cy="699862"/>
+            </a:xfrm>
+            <a:prstGeom prst="straightConnector1">
+              <a:avLst/>
+            </a:prstGeom>
+            <a:ln>
+              <a:tailEnd type="triangle"/>
+            </a:ln>
+          </p:spPr>
+          <p:style>
+            <a:lnRef idx="1">
+              <a:schemeClr val="accent1"/>
+            </a:lnRef>
+            <a:fillRef idx="0">
+              <a:schemeClr val="accent1"/>
+            </a:fillRef>
+            <a:effectRef idx="0">
+              <a:schemeClr val="accent1"/>
+            </a:effectRef>
+            <a:fontRef idx="minor">
+              <a:schemeClr val="tx1"/>
+            </a:fontRef>
+          </p:style>
+        </p:cxnSp>
+        <p:cxnSp>
+          <p:nvCxnSpPr>
+            <p:cNvPr id="144" name="Straight Arrow Connector 143">
+              <a:extLst>
+                <a:ext uri="{FF2B5EF4-FFF2-40B4-BE49-F238E27FC236}">
+                  <a16:creationId xmlns:a16="http://schemas.microsoft.com/office/drawing/2014/main" id="{37ADBE14-AA0D-E929-E95A-9D11096E183D}"/>
+                </a:ext>
+              </a:extLst>
+            </p:cNvPr>
+            <p:cNvCxnSpPr>
+              <a:stCxn id="61" idx="6"/>
+              <a:endCxn id="71" idx="2"/>
+            </p:cNvCxnSpPr>
+            <p:nvPr/>
+          </p:nvCxnSpPr>
+          <p:spPr>
+            <a:xfrm flipV="1">
+              <a:off x="10386622" y="1579678"/>
+              <a:ext cx="306186" cy="260585"/>
+            </a:xfrm>
+            <a:prstGeom prst="straightConnector1">
+              <a:avLst/>
+            </a:prstGeom>
+            <a:ln>
+              <a:tailEnd type="triangle"/>
+            </a:ln>
+          </p:spPr>
+          <p:style>
+            <a:lnRef idx="1">
+              <a:schemeClr val="accent1"/>
+            </a:lnRef>
+            <a:fillRef idx="0">
+              <a:schemeClr val="accent1"/>
+            </a:fillRef>
+            <a:effectRef idx="0">
+              <a:schemeClr val="accent1"/>
+            </a:effectRef>
+            <a:fontRef idx="minor">
+              <a:schemeClr val="tx1"/>
+            </a:fontRef>
+          </p:style>
+        </p:cxnSp>
+        <p:cxnSp>
+          <p:nvCxnSpPr>
+            <p:cNvPr id="146" name="Straight Arrow Connector 145">
+              <a:extLst>
+                <a:ext uri="{FF2B5EF4-FFF2-40B4-BE49-F238E27FC236}">
+                  <a16:creationId xmlns:a16="http://schemas.microsoft.com/office/drawing/2014/main" id="{1930E791-7C1F-C65A-ACB9-A0649B4C7DF7}"/>
+                </a:ext>
+              </a:extLst>
+            </p:cNvPr>
+            <p:cNvCxnSpPr>
+              <a:stCxn id="61" idx="6"/>
+              <a:endCxn id="73" idx="2"/>
+            </p:cNvCxnSpPr>
+            <p:nvPr/>
+          </p:nvCxnSpPr>
+          <p:spPr>
+            <a:xfrm>
+              <a:off x="10386622" y="1840263"/>
+              <a:ext cx="306186" cy="184917"/>
+            </a:xfrm>
+            <a:prstGeom prst="straightConnector1">
+              <a:avLst/>
+            </a:prstGeom>
+            <a:ln>
+              <a:tailEnd type="triangle"/>
+            </a:ln>
+          </p:spPr>
+          <p:style>
+            <a:lnRef idx="1">
+              <a:schemeClr val="accent1"/>
+            </a:lnRef>
+            <a:fillRef idx="0">
+              <a:schemeClr val="accent1"/>
+            </a:fillRef>
+            <a:effectRef idx="0">
+              <a:schemeClr val="accent1"/>
+            </a:effectRef>
+            <a:fontRef idx="minor">
+              <a:schemeClr val="tx1"/>
+            </a:fontRef>
+          </p:style>
+        </p:cxnSp>
+        <p:cxnSp>
+          <p:nvCxnSpPr>
+            <p:cNvPr id="148" name="Straight Arrow Connector 147">
+              <a:extLst>
+                <a:ext uri="{FF2B5EF4-FFF2-40B4-BE49-F238E27FC236}">
+                  <a16:creationId xmlns:a16="http://schemas.microsoft.com/office/drawing/2014/main" id="{1186F47E-DF45-C974-92E6-DAED8170C127}"/>
+                </a:ext>
+              </a:extLst>
+            </p:cNvPr>
+            <p:cNvCxnSpPr>
+              <a:stCxn id="61" idx="6"/>
+              <a:endCxn id="75" idx="2"/>
+            </p:cNvCxnSpPr>
+            <p:nvPr/>
+          </p:nvCxnSpPr>
+          <p:spPr>
+            <a:xfrm>
+              <a:off x="10386622" y="1840263"/>
+              <a:ext cx="301229" cy="634621"/>
+            </a:xfrm>
+            <a:prstGeom prst="straightConnector1">
+              <a:avLst/>
+            </a:prstGeom>
+            <a:ln>
+              <a:tailEnd type="triangle"/>
+            </a:ln>
+          </p:spPr>
+          <p:style>
+            <a:lnRef idx="1">
+              <a:schemeClr val="accent1"/>
+            </a:lnRef>
+            <a:fillRef idx="0">
+              <a:schemeClr val="accent1"/>
+            </a:fillRef>
+            <a:effectRef idx="0">
+              <a:schemeClr val="accent1"/>
+            </a:effectRef>
+            <a:fontRef idx="minor">
+              <a:schemeClr val="tx1"/>
+            </a:fontRef>
+          </p:style>
+        </p:cxnSp>
+        <p:cxnSp>
+          <p:nvCxnSpPr>
+            <p:cNvPr id="150" name="Straight Arrow Connector 149">
+              <a:extLst>
+                <a:ext uri="{FF2B5EF4-FFF2-40B4-BE49-F238E27FC236}">
+                  <a16:creationId xmlns:a16="http://schemas.microsoft.com/office/drawing/2014/main" id="{B4A85B90-2421-688A-B306-FD4251A38836}"/>
+                </a:ext>
+              </a:extLst>
+            </p:cNvPr>
+            <p:cNvCxnSpPr>
+              <a:stCxn id="61" idx="6"/>
+              <a:endCxn id="77" idx="2"/>
+            </p:cNvCxnSpPr>
+            <p:nvPr/>
+          </p:nvCxnSpPr>
+          <p:spPr>
+            <a:xfrm>
+              <a:off x="10386622" y="1840263"/>
+              <a:ext cx="301229" cy="1091761"/>
+            </a:xfrm>
+            <a:prstGeom prst="straightConnector1">
+              <a:avLst/>
+            </a:prstGeom>
+            <a:ln>
+              <a:tailEnd type="triangle"/>
+            </a:ln>
+          </p:spPr>
+          <p:style>
+            <a:lnRef idx="1">
+              <a:schemeClr val="accent1"/>
+            </a:lnRef>
+            <a:fillRef idx="0">
+              <a:schemeClr val="accent1"/>
+            </a:fillRef>
+            <a:effectRef idx="0">
+              <a:schemeClr val="accent1"/>
+            </a:effectRef>
+            <a:fontRef idx="minor">
+              <a:schemeClr val="tx1"/>
+            </a:fontRef>
+          </p:style>
+        </p:cxnSp>
+        <p:cxnSp>
+          <p:nvCxnSpPr>
+            <p:cNvPr id="152" name="Straight Arrow Connector 151">
+              <a:extLst>
+                <a:ext uri="{FF2B5EF4-FFF2-40B4-BE49-F238E27FC236}">
+                  <a16:creationId xmlns:a16="http://schemas.microsoft.com/office/drawing/2014/main" id="{D0A49ED3-59AE-9543-6FAC-E5B173A11286}"/>
+                </a:ext>
+              </a:extLst>
+            </p:cNvPr>
+            <p:cNvCxnSpPr>
+              <a:stCxn id="61" idx="6"/>
+              <a:endCxn id="79" idx="2"/>
+            </p:cNvCxnSpPr>
+            <p:nvPr/>
+          </p:nvCxnSpPr>
+          <p:spPr>
+            <a:xfrm>
+              <a:off x="10386622" y="1840263"/>
+              <a:ext cx="296272" cy="1532861"/>
+            </a:xfrm>
+            <a:prstGeom prst="straightConnector1">
+              <a:avLst/>
+            </a:prstGeom>
+            <a:ln>
+              <a:tailEnd type="triangle"/>
+            </a:ln>
+          </p:spPr>
+          <p:style>
+            <a:lnRef idx="1">
+              <a:schemeClr val="accent1"/>
+            </a:lnRef>
+            <a:fillRef idx="0">
+              <a:schemeClr val="accent1"/>
+            </a:fillRef>
+            <a:effectRef idx="0">
+              <a:schemeClr val="accent1"/>
+            </a:effectRef>
+            <a:fontRef idx="minor">
+              <a:schemeClr val="tx1"/>
+            </a:fontRef>
+          </p:style>
+        </p:cxnSp>
+        <p:cxnSp>
+          <p:nvCxnSpPr>
+            <p:cNvPr id="154" name="Straight Arrow Connector 153">
+              <a:extLst>
+                <a:ext uri="{FF2B5EF4-FFF2-40B4-BE49-F238E27FC236}">
+                  <a16:creationId xmlns:a16="http://schemas.microsoft.com/office/drawing/2014/main" id="{FDDDB228-5756-AE12-0B03-DDEC5B6B28DA}"/>
+                </a:ext>
+              </a:extLst>
+            </p:cNvPr>
+            <p:cNvCxnSpPr>
+              <a:stCxn id="63" idx="6"/>
+              <a:endCxn id="68" idx="1"/>
+            </p:cNvCxnSpPr>
+            <p:nvPr/>
+          </p:nvCxnSpPr>
+          <p:spPr>
+            <a:xfrm flipV="1">
+              <a:off x="10386622" y="1127729"/>
+              <a:ext cx="320181" cy="1171917"/>
+            </a:xfrm>
+            <a:prstGeom prst="straightConnector1">
+              <a:avLst/>
+            </a:prstGeom>
+            <a:ln>
+              <a:tailEnd type="triangle"/>
+            </a:ln>
+          </p:spPr>
+          <p:style>
+            <a:lnRef idx="1">
+              <a:schemeClr val="accent1"/>
+            </a:lnRef>
+            <a:fillRef idx="0">
+              <a:schemeClr val="accent1"/>
+            </a:fillRef>
+            <a:effectRef idx="0">
+              <a:schemeClr val="accent1"/>
+            </a:effectRef>
+            <a:fontRef idx="minor">
+              <a:schemeClr val="tx1"/>
+            </a:fontRef>
+          </p:style>
+        </p:cxnSp>
+        <p:cxnSp>
+          <p:nvCxnSpPr>
+            <p:cNvPr id="156" name="Straight Arrow Connector 155">
+              <a:extLst>
+                <a:ext uri="{FF2B5EF4-FFF2-40B4-BE49-F238E27FC236}">
+                  <a16:creationId xmlns:a16="http://schemas.microsoft.com/office/drawing/2014/main" id="{0C9B806F-B83B-BB0C-186B-EAF3FB00777D}"/>
+                </a:ext>
+              </a:extLst>
+            </p:cNvPr>
+            <p:cNvCxnSpPr>
+              <a:stCxn id="63" idx="6"/>
+              <a:endCxn id="71" idx="2"/>
+            </p:cNvCxnSpPr>
+            <p:nvPr/>
+          </p:nvCxnSpPr>
+          <p:spPr>
+            <a:xfrm flipV="1">
+              <a:off x="10386622" y="1579678"/>
+              <a:ext cx="306186" cy="719968"/>
+            </a:xfrm>
+            <a:prstGeom prst="straightConnector1">
+              <a:avLst/>
+            </a:prstGeom>
+            <a:ln>
+              <a:tailEnd type="triangle"/>
+            </a:ln>
+          </p:spPr>
+          <p:style>
+            <a:lnRef idx="1">
+              <a:schemeClr val="accent1"/>
+            </a:lnRef>
+            <a:fillRef idx="0">
+              <a:schemeClr val="accent1"/>
+            </a:fillRef>
+            <a:effectRef idx="0">
+              <a:schemeClr val="accent1"/>
+            </a:effectRef>
+            <a:fontRef idx="minor">
+              <a:schemeClr val="tx1"/>
+            </a:fontRef>
+          </p:style>
+        </p:cxnSp>
+        <p:cxnSp>
+          <p:nvCxnSpPr>
+            <p:cNvPr id="158" name="Straight Arrow Connector 157">
+              <a:extLst>
+                <a:ext uri="{FF2B5EF4-FFF2-40B4-BE49-F238E27FC236}">
+                  <a16:creationId xmlns:a16="http://schemas.microsoft.com/office/drawing/2014/main" id="{71495A06-E4F7-7F49-C66A-68CF6A8AD478}"/>
+                </a:ext>
+              </a:extLst>
+            </p:cNvPr>
+            <p:cNvCxnSpPr>
+              <a:stCxn id="63" idx="6"/>
+              <a:endCxn id="81" idx="1"/>
+            </p:cNvCxnSpPr>
+            <p:nvPr/>
+          </p:nvCxnSpPr>
+          <p:spPr>
+            <a:xfrm flipV="1">
+              <a:off x="10386622" y="2010545"/>
+              <a:ext cx="330161" cy="289101"/>
+            </a:xfrm>
+            <a:prstGeom prst="straightConnector1">
+              <a:avLst/>
+            </a:prstGeom>
+            <a:ln>
+              <a:tailEnd type="triangle"/>
+            </a:ln>
+          </p:spPr>
+          <p:style>
+            <a:lnRef idx="1">
+              <a:schemeClr val="accent1"/>
+            </a:lnRef>
+            <a:fillRef idx="0">
+              <a:schemeClr val="accent1"/>
+            </a:fillRef>
+            <a:effectRef idx="0">
+              <a:schemeClr val="accent1"/>
+            </a:effectRef>
+            <a:fontRef idx="minor">
+              <a:schemeClr val="tx1"/>
+            </a:fontRef>
+          </p:style>
+        </p:cxnSp>
+        <p:cxnSp>
+          <p:nvCxnSpPr>
+            <p:cNvPr id="160" name="Straight Arrow Connector 159">
+              <a:extLst>
+                <a:ext uri="{FF2B5EF4-FFF2-40B4-BE49-F238E27FC236}">
+                  <a16:creationId xmlns:a16="http://schemas.microsoft.com/office/drawing/2014/main" id="{A41FAE14-8F7F-ACC4-3CD1-7F49271857C2}"/>
+                </a:ext>
+              </a:extLst>
+            </p:cNvPr>
+            <p:cNvCxnSpPr>
+              <a:stCxn id="63" idx="6"/>
+              <a:endCxn id="75" idx="2"/>
+            </p:cNvCxnSpPr>
+            <p:nvPr/>
+          </p:nvCxnSpPr>
+          <p:spPr>
+            <a:xfrm>
+              <a:off x="10386622" y="2299646"/>
+              <a:ext cx="301229" cy="175238"/>
+            </a:xfrm>
+            <a:prstGeom prst="straightConnector1">
+              <a:avLst/>
+            </a:prstGeom>
+            <a:ln>
+              <a:tailEnd type="triangle"/>
+            </a:ln>
+          </p:spPr>
+          <p:style>
+            <a:lnRef idx="1">
+              <a:schemeClr val="accent1"/>
+            </a:lnRef>
+            <a:fillRef idx="0">
+              <a:schemeClr val="accent1"/>
+            </a:fillRef>
+            <a:effectRef idx="0">
+              <a:schemeClr val="accent1"/>
+            </a:effectRef>
+            <a:fontRef idx="minor">
+              <a:schemeClr val="tx1"/>
+            </a:fontRef>
+          </p:style>
+        </p:cxnSp>
+        <p:cxnSp>
+          <p:nvCxnSpPr>
+            <p:cNvPr id="162" name="Straight Arrow Connector 161">
+              <a:extLst>
+                <a:ext uri="{FF2B5EF4-FFF2-40B4-BE49-F238E27FC236}">
+                  <a16:creationId xmlns:a16="http://schemas.microsoft.com/office/drawing/2014/main" id="{8429B36B-4CEB-4AB6-81DB-9D2890B3D86C}"/>
+                </a:ext>
+              </a:extLst>
+            </p:cNvPr>
+            <p:cNvCxnSpPr>
+              <a:stCxn id="63" idx="6"/>
+              <a:endCxn id="77" idx="2"/>
+            </p:cNvCxnSpPr>
+            <p:nvPr/>
+          </p:nvCxnSpPr>
+          <p:spPr>
+            <a:xfrm>
+              <a:off x="10386622" y="2299646"/>
+              <a:ext cx="301229" cy="632378"/>
+            </a:xfrm>
+            <a:prstGeom prst="straightConnector1">
+              <a:avLst/>
+            </a:prstGeom>
+            <a:ln>
+              <a:tailEnd type="triangle"/>
+            </a:ln>
+          </p:spPr>
+          <p:style>
+            <a:lnRef idx="1">
+              <a:schemeClr val="accent1"/>
+            </a:lnRef>
+            <a:fillRef idx="0">
+              <a:schemeClr val="accent1"/>
+            </a:fillRef>
+            <a:effectRef idx="0">
+              <a:schemeClr val="accent1"/>
+            </a:effectRef>
+            <a:fontRef idx="minor">
+              <a:schemeClr val="tx1"/>
+            </a:fontRef>
+          </p:style>
+        </p:cxnSp>
+        <p:cxnSp>
+          <p:nvCxnSpPr>
+            <p:cNvPr id="164" name="Straight Arrow Connector 163">
+              <a:extLst>
+                <a:ext uri="{FF2B5EF4-FFF2-40B4-BE49-F238E27FC236}">
+                  <a16:creationId xmlns:a16="http://schemas.microsoft.com/office/drawing/2014/main" id="{E64DFFBC-D012-E466-7A2C-0A498A753A04}"/>
+                </a:ext>
+              </a:extLst>
+            </p:cNvPr>
+            <p:cNvCxnSpPr>
+              <a:stCxn id="63" idx="6"/>
+              <a:endCxn id="79" idx="2"/>
+            </p:cNvCxnSpPr>
+            <p:nvPr/>
+          </p:nvCxnSpPr>
+          <p:spPr>
+            <a:xfrm>
+              <a:off x="10386622" y="2299646"/>
+              <a:ext cx="296272" cy="1073478"/>
+            </a:xfrm>
+            <a:prstGeom prst="straightConnector1">
+              <a:avLst/>
+            </a:prstGeom>
+            <a:ln>
+              <a:tailEnd type="triangle"/>
+            </a:ln>
+          </p:spPr>
+          <p:style>
+            <a:lnRef idx="1">
+              <a:schemeClr val="accent1"/>
+            </a:lnRef>
+            <a:fillRef idx="0">
+              <a:schemeClr val="accent1"/>
+            </a:fillRef>
+            <a:effectRef idx="0">
+              <a:schemeClr val="accent1"/>
+            </a:effectRef>
+            <a:fontRef idx="minor">
+              <a:schemeClr val="tx1"/>
+            </a:fontRef>
+          </p:style>
+        </p:cxnSp>
+        <p:cxnSp>
+          <p:nvCxnSpPr>
+            <p:cNvPr id="166" name="Straight Arrow Connector 165">
+              <a:extLst>
+                <a:ext uri="{FF2B5EF4-FFF2-40B4-BE49-F238E27FC236}">
+                  <a16:creationId xmlns:a16="http://schemas.microsoft.com/office/drawing/2014/main" id="{3A762208-7555-8C42-1B99-723C41A449A5}"/>
+                </a:ext>
+              </a:extLst>
+            </p:cNvPr>
+            <p:cNvCxnSpPr>
+              <a:stCxn id="65" idx="6"/>
+              <a:endCxn id="68" idx="1"/>
+            </p:cNvCxnSpPr>
+            <p:nvPr/>
+          </p:nvCxnSpPr>
+          <p:spPr>
+            <a:xfrm flipV="1">
+              <a:off x="10386622" y="1127729"/>
+              <a:ext cx="320181" cy="1636009"/>
+            </a:xfrm>
+            <a:prstGeom prst="straightConnector1">
+              <a:avLst/>
+            </a:prstGeom>
+            <a:ln>
+              <a:tailEnd type="triangle"/>
+            </a:ln>
+          </p:spPr>
+          <p:style>
+            <a:lnRef idx="1">
+              <a:schemeClr val="accent1"/>
+            </a:lnRef>
+            <a:fillRef idx="0">
+              <a:schemeClr val="accent1"/>
+            </a:fillRef>
+            <a:effectRef idx="0">
+              <a:schemeClr val="accent1"/>
+            </a:effectRef>
+            <a:fontRef idx="minor">
+              <a:schemeClr val="tx1"/>
+            </a:fontRef>
+          </p:style>
+        </p:cxnSp>
+        <p:cxnSp>
+          <p:nvCxnSpPr>
+            <p:cNvPr id="168" name="Straight Arrow Connector 167">
+              <a:extLst>
+                <a:ext uri="{FF2B5EF4-FFF2-40B4-BE49-F238E27FC236}">
+                  <a16:creationId xmlns:a16="http://schemas.microsoft.com/office/drawing/2014/main" id="{6C59A6B1-759C-EFE8-5CAB-A136A3008F6E}"/>
+                </a:ext>
+              </a:extLst>
+            </p:cNvPr>
+            <p:cNvCxnSpPr>
+              <a:stCxn id="65" idx="6"/>
+              <a:endCxn id="80" idx="1"/>
+            </p:cNvCxnSpPr>
+            <p:nvPr/>
+          </p:nvCxnSpPr>
+          <p:spPr>
+            <a:xfrm flipV="1">
+              <a:off x="10386622" y="1569137"/>
+              <a:ext cx="320181" cy="1194601"/>
+            </a:xfrm>
+            <a:prstGeom prst="straightConnector1">
+              <a:avLst/>
+            </a:prstGeom>
+            <a:ln>
+              <a:tailEnd type="triangle"/>
+            </a:ln>
+          </p:spPr>
+          <p:style>
+            <a:lnRef idx="1">
+              <a:schemeClr val="accent1"/>
+            </a:lnRef>
+            <a:fillRef idx="0">
+              <a:schemeClr val="accent1"/>
+            </a:fillRef>
+            <a:effectRef idx="0">
+              <a:schemeClr val="accent1"/>
+            </a:effectRef>
+            <a:fontRef idx="minor">
+              <a:schemeClr val="tx1"/>
+            </a:fontRef>
+          </p:style>
+        </p:cxnSp>
+        <p:cxnSp>
+          <p:nvCxnSpPr>
+            <p:cNvPr id="170" name="Straight Arrow Connector 169">
+              <a:extLst>
+                <a:ext uri="{FF2B5EF4-FFF2-40B4-BE49-F238E27FC236}">
+                  <a16:creationId xmlns:a16="http://schemas.microsoft.com/office/drawing/2014/main" id="{7B885EF4-D99E-AED3-5C76-A18A2726CE32}"/>
+                </a:ext>
+              </a:extLst>
+            </p:cNvPr>
+            <p:cNvCxnSpPr>
+              <a:stCxn id="65" idx="6"/>
+              <a:endCxn id="73" idx="2"/>
+            </p:cNvCxnSpPr>
+            <p:nvPr/>
+          </p:nvCxnSpPr>
+          <p:spPr>
+            <a:xfrm flipV="1">
+              <a:off x="10386622" y="2025180"/>
+              <a:ext cx="306186" cy="738558"/>
+            </a:xfrm>
+            <a:prstGeom prst="straightConnector1">
+              <a:avLst/>
+            </a:prstGeom>
+            <a:ln>
+              <a:tailEnd type="triangle"/>
+            </a:ln>
+          </p:spPr>
+          <p:style>
+            <a:lnRef idx="1">
+              <a:schemeClr val="accent1"/>
+            </a:lnRef>
+            <a:fillRef idx="0">
+              <a:schemeClr val="accent1"/>
+            </a:fillRef>
+            <a:effectRef idx="0">
+              <a:schemeClr val="accent1"/>
+            </a:effectRef>
+            <a:fontRef idx="minor">
+              <a:schemeClr val="tx1"/>
+            </a:fontRef>
+          </p:style>
+        </p:cxnSp>
+        <p:cxnSp>
+          <p:nvCxnSpPr>
+            <p:cNvPr id="172" name="Straight Arrow Connector 171">
+              <a:extLst>
+                <a:ext uri="{FF2B5EF4-FFF2-40B4-BE49-F238E27FC236}">
+                  <a16:creationId xmlns:a16="http://schemas.microsoft.com/office/drawing/2014/main" id="{A8E69A39-49D1-C41F-A0BD-7443EB560CCC}"/>
+                </a:ext>
+              </a:extLst>
+            </p:cNvPr>
+            <p:cNvCxnSpPr>
+              <a:stCxn id="65" idx="6"/>
+              <a:endCxn id="75" idx="2"/>
+            </p:cNvCxnSpPr>
+            <p:nvPr/>
+          </p:nvCxnSpPr>
+          <p:spPr>
+            <a:xfrm flipV="1">
+              <a:off x="10386622" y="2474884"/>
+              <a:ext cx="301229" cy="288854"/>
+            </a:xfrm>
+            <a:prstGeom prst="straightConnector1">
+              <a:avLst/>
+            </a:prstGeom>
+            <a:ln>
+              <a:tailEnd type="triangle"/>
+            </a:ln>
+          </p:spPr>
+          <p:style>
+            <a:lnRef idx="1">
+              <a:schemeClr val="accent1"/>
+            </a:lnRef>
+            <a:fillRef idx="0">
+              <a:schemeClr val="accent1"/>
+            </a:fillRef>
+            <a:effectRef idx="0">
+              <a:schemeClr val="accent1"/>
+            </a:effectRef>
+            <a:fontRef idx="minor">
+              <a:schemeClr val="tx1"/>
+            </a:fontRef>
+          </p:style>
+        </p:cxnSp>
+        <p:cxnSp>
+          <p:nvCxnSpPr>
+            <p:cNvPr id="174" name="Straight Arrow Connector 173">
+              <a:extLst>
+                <a:ext uri="{FF2B5EF4-FFF2-40B4-BE49-F238E27FC236}">
+                  <a16:creationId xmlns:a16="http://schemas.microsoft.com/office/drawing/2014/main" id="{47B54391-B166-1F56-9797-7047F2DB262D}"/>
+                </a:ext>
+              </a:extLst>
+            </p:cNvPr>
+            <p:cNvCxnSpPr>
+              <a:stCxn id="65" idx="6"/>
+              <a:endCxn id="77" idx="2"/>
+            </p:cNvCxnSpPr>
+            <p:nvPr/>
+          </p:nvCxnSpPr>
+          <p:spPr>
+            <a:xfrm>
+              <a:off x="10386622" y="2763738"/>
+              <a:ext cx="301229" cy="168286"/>
+            </a:xfrm>
+            <a:prstGeom prst="straightConnector1">
+              <a:avLst/>
+            </a:prstGeom>
+            <a:ln>
+              <a:tailEnd type="triangle"/>
+            </a:ln>
+          </p:spPr>
+          <p:style>
+            <a:lnRef idx="1">
+              <a:schemeClr val="accent1"/>
+            </a:lnRef>
+            <a:fillRef idx="0">
+              <a:schemeClr val="accent1"/>
+            </a:fillRef>
+            <a:effectRef idx="0">
+              <a:schemeClr val="accent1"/>
+            </a:effectRef>
+            <a:fontRef idx="minor">
+              <a:schemeClr val="tx1"/>
+            </a:fontRef>
+          </p:style>
+        </p:cxnSp>
+        <p:cxnSp>
+          <p:nvCxnSpPr>
+            <p:cNvPr id="176" name="Straight Arrow Connector 175">
+              <a:extLst>
+                <a:ext uri="{FF2B5EF4-FFF2-40B4-BE49-F238E27FC236}">
+                  <a16:creationId xmlns:a16="http://schemas.microsoft.com/office/drawing/2014/main" id="{00D4E099-4574-29A5-6FF1-BD61E0D7358D}"/>
+                </a:ext>
+              </a:extLst>
+            </p:cNvPr>
+            <p:cNvCxnSpPr>
+              <a:stCxn id="65" idx="6"/>
+              <a:endCxn id="79" idx="2"/>
+            </p:cNvCxnSpPr>
+            <p:nvPr/>
+          </p:nvCxnSpPr>
+          <p:spPr>
+            <a:xfrm>
+              <a:off x="10386622" y="2763738"/>
+              <a:ext cx="296272" cy="609386"/>
+            </a:xfrm>
+            <a:prstGeom prst="straightConnector1">
+              <a:avLst/>
+            </a:prstGeom>
+            <a:ln>
+              <a:tailEnd type="triangle"/>
+            </a:ln>
+          </p:spPr>
+          <p:style>
+            <a:lnRef idx="1">
+              <a:schemeClr val="accent1"/>
+            </a:lnRef>
+            <a:fillRef idx="0">
+              <a:schemeClr val="accent1"/>
+            </a:fillRef>
+            <a:effectRef idx="0">
+              <a:schemeClr val="accent1"/>
+            </a:effectRef>
+            <a:fontRef idx="minor">
+              <a:schemeClr val="tx1"/>
+            </a:fontRef>
+          </p:style>
+        </p:cxnSp>
+        <p:cxnSp>
+          <p:nvCxnSpPr>
+            <p:cNvPr id="178" name="Straight Arrow Connector 177">
+              <a:extLst>
+                <a:ext uri="{FF2B5EF4-FFF2-40B4-BE49-F238E27FC236}">
+                  <a16:creationId xmlns:a16="http://schemas.microsoft.com/office/drawing/2014/main" id="{D6DF76CA-C0B2-A20B-F308-9408D990C254}"/>
+                </a:ext>
+              </a:extLst>
+            </p:cNvPr>
+            <p:cNvCxnSpPr>
+              <a:stCxn id="67" idx="6"/>
+              <a:endCxn id="68" idx="1"/>
+            </p:cNvCxnSpPr>
+            <p:nvPr/>
+          </p:nvCxnSpPr>
+          <p:spPr>
+            <a:xfrm flipV="1">
+              <a:off x="10386622" y="1127729"/>
+              <a:ext cx="320181" cy="2100101"/>
+            </a:xfrm>
+            <a:prstGeom prst="straightConnector1">
+              <a:avLst/>
+            </a:prstGeom>
+            <a:ln>
+              <a:tailEnd type="triangle"/>
+            </a:ln>
+          </p:spPr>
+          <p:style>
+            <a:lnRef idx="1">
+              <a:schemeClr val="accent1"/>
+            </a:lnRef>
+            <a:fillRef idx="0">
+              <a:schemeClr val="accent1"/>
+            </a:fillRef>
+            <a:effectRef idx="0">
+              <a:schemeClr val="accent1"/>
+            </a:effectRef>
+            <a:fontRef idx="minor">
+              <a:schemeClr val="tx1"/>
+            </a:fontRef>
+          </p:style>
+        </p:cxnSp>
+        <p:cxnSp>
+          <p:nvCxnSpPr>
+            <p:cNvPr id="180" name="Straight Arrow Connector 179">
+              <a:extLst>
+                <a:ext uri="{FF2B5EF4-FFF2-40B4-BE49-F238E27FC236}">
+                  <a16:creationId xmlns:a16="http://schemas.microsoft.com/office/drawing/2014/main" id="{F2CC7B7B-9A0B-8DCD-768B-3A7F61666A5E}"/>
+                </a:ext>
+              </a:extLst>
+            </p:cNvPr>
+            <p:cNvCxnSpPr>
+              <a:stCxn id="67" idx="6"/>
+              <a:endCxn id="80" idx="1"/>
+            </p:cNvCxnSpPr>
+            <p:nvPr/>
+          </p:nvCxnSpPr>
+          <p:spPr>
+            <a:xfrm flipV="1">
+              <a:off x="10386622" y="1569137"/>
+              <a:ext cx="320181" cy="1658693"/>
+            </a:xfrm>
+            <a:prstGeom prst="straightConnector1">
+              <a:avLst/>
+            </a:prstGeom>
+            <a:ln>
+              <a:tailEnd type="triangle"/>
+            </a:ln>
+          </p:spPr>
+          <p:style>
+            <a:lnRef idx="1">
+              <a:schemeClr val="accent1"/>
+            </a:lnRef>
+            <a:fillRef idx="0">
+              <a:schemeClr val="accent1"/>
+            </a:fillRef>
+            <a:effectRef idx="0">
+              <a:schemeClr val="accent1"/>
+            </a:effectRef>
+            <a:fontRef idx="minor">
+              <a:schemeClr val="tx1"/>
+            </a:fontRef>
+          </p:style>
+        </p:cxnSp>
+        <p:cxnSp>
+          <p:nvCxnSpPr>
+            <p:cNvPr id="182" name="Straight Arrow Connector 181">
+              <a:extLst>
+                <a:ext uri="{FF2B5EF4-FFF2-40B4-BE49-F238E27FC236}">
+                  <a16:creationId xmlns:a16="http://schemas.microsoft.com/office/drawing/2014/main" id="{E6AF2A1A-9B92-BAE6-99D7-5D8FFDF63540}"/>
+                </a:ext>
+              </a:extLst>
+            </p:cNvPr>
+            <p:cNvCxnSpPr>
+              <a:stCxn id="67" idx="6"/>
+              <a:endCxn id="73" idx="2"/>
+            </p:cNvCxnSpPr>
+            <p:nvPr/>
+          </p:nvCxnSpPr>
+          <p:spPr>
+            <a:xfrm flipV="1">
+              <a:off x="10386622" y="2025180"/>
+              <a:ext cx="306186" cy="1202650"/>
+            </a:xfrm>
+            <a:prstGeom prst="straightConnector1">
+              <a:avLst/>
+            </a:prstGeom>
+            <a:ln>
+              <a:tailEnd type="triangle"/>
+            </a:ln>
+          </p:spPr>
+          <p:style>
+            <a:lnRef idx="1">
+              <a:schemeClr val="accent1"/>
+            </a:lnRef>
+            <a:fillRef idx="0">
+              <a:schemeClr val="accent1"/>
+            </a:fillRef>
+            <a:effectRef idx="0">
+              <a:schemeClr val="accent1"/>
+            </a:effectRef>
+            <a:fontRef idx="minor">
+              <a:schemeClr val="tx1"/>
+            </a:fontRef>
+          </p:style>
+        </p:cxnSp>
+        <p:cxnSp>
+          <p:nvCxnSpPr>
+            <p:cNvPr id="184" name="Straight Arrow Connector 183">
+              <a:extLst>
+                <a:ext uri="{FF2B5EF4-FFF2-40B4-BE49-F238E27FC236}">
+                  <a16:creationId xmlns:a16="http://schemas.microsoft.com/office/drawing/2014/main" id="{0EB1C928-8EDD-E4F7-3E7A-F266197F7419}"/>
+                </a:ext>
+              </a:extLst>
+            </p:cNvPr>
+            <p:cNvCxnSpPr>
+              <a:stCxn id="67" idx="6"/>
+              <a:endCxn id="75" idx="2"/>
+            </p:cNvCxnSpPr>
+            <p:nvPr/>
+          </p:nvCxnSpPr>
+          <p:spPr>
+            <a:xfrm flipV="1">
+              <a:off x="10386622" y="2474884"/>
+              <a:ext cx="301229" cy="752946"/>
+            </a:xfrm>
+            <a:prstGeom prst="straightConnector1">
+              <a:avLst/>
+            </a:prstGeom>
+            <a:ln>
+              <a:tailEnd type="triangle"/>
+            </a:ln>
+          </p:spPr>
+          <p:style>
+            <a:lnRef idx="1">
+              <a:schemeClr val="accent1"/>
+            </a:lnRef>
+            <a:fillRef idx="0">
+              <a:schemeClr val="accent1"/>
+            </a:fillRef>
+            <a:effectRef idx="0">
+              <a:schemeClr val="accent1"/>
+            </a:effectRef>
+            <a:fontRef idx="minor">
+              <a:schemeClr val="tx1"/>
+            </a:fontRef>
+          </p:style>
+        </p:cxnSp>
+        <p:cxnSp>
+          <p:nvCxnSpPr>
+            <p:cNvPr id="186" name="Straight Arrow Connector 185">
+              <a:extLst>
+                <a:ext uri="{FF2B5EF4-FFF2-40B4-BE49-F238E27FC236}">
+                  <a16:creationId xmlns:a16="http://schemas.microsoft.com/office/drawing/2014/main" id="{A29C3926-EA44-F82F-3BEA-AD6622A96246}"/>
+                </a:ext>
+              </a:extLst>
+            </p:cNvPr>
+            <p:cNvCxnSpPr>
+              <a:stCxn id="67" idx="6"/>
+              <a:endCxn id="77" idx="2"/>
+            </p:cNvCxnSpPr>
+            <p:nvPr/>
+          </p:nvCxnSpPr>
+          <p:spPr>
+            <a:xfrm flipV="1">
+              <a:off x="10386622" y="2932024"/>
+              <a:ext cx="301229" cy="295806"/>
+            </a:xfrm>
+            <a:prstGeom prst="straightConnector1">
+              <a:avLst/>
+            </a:prstGeom>
+            <a:ln>
+              <a:tailEnd type="triangle"/>
+            </a:ln>
+          </p:spPr>
+          <p:style>
+            <a:lnRef idx="1">
+              <a:schemeClr val="accent1"/>
+            </a:lnRef>
+            <a:fillRef idx="0">
+              <a:schemeClr val="accent1"/>
+            </a:fillRef>
+            <a:effectRef idx="0">
+              <a:schemeClr val="accent1"/>
+            </a:effectRef>
+            <a:fontRef idx="minor">
+              <a:schemeClr val="tx1"/>
+            </a:fontRef>
+          </p:style>
+        </p:cxnSp>
+        <p:cxnSp>
+          <p:nvCxnSpPr>
+            <p:cNvPr id="188" name="Straight Arrow Connector 187">
+              <a:extLst>
+                <a:ext uri="{FF2B5EF4-FFF2-40B4-BE49-F238E27FC236}">
+                  <a16:creationId xmlns:a16="http://schemas.microsoft.com/office/drawing/2014/main" id="{87E09EEC-9E8F-D9A1-B49D-CE96C2DB2215}"/>
+                </a:ext>
+              </a:extLst>
+            </p:cNvPr>
+            <p:cNvCxnSpPr>
+              <a:stCxn id="67" idx="6"/>
+              <a:endCxn id="79" idx="2"/>
+            </p:cNvCxnSpPr>
+            <p:nvPr/>
+          </p:nvCxnSpPr>
+          <p:spPr>
+            <a:xfrm>
+              <a:off x="10386622" y="3227830"/>
+              <a:ext cx="296272" cy="145294"/>
+            </a:xfrm>
+            <a:prstGeom prst="straightConnector1">
+              <a:avLst/>
+            </a:prstGeom>
+            <a:ln>
+              <a:tailEnd type="triangle"/>
+            </a:ln>
+          </p:spPr>
+          <p:style>
+            <a:lnRef idx="1">
+              <a:schemeClr val="accent1"/>
+            </a:lnRef>
+            <a:fillRef idx="0">
+              <a:schemeClr val="accent1"/>
+            </a:fillRef>
+            <a:effectRef idx="0">
+              <a:schemeClr val="accent1"/>
+            </a:effectRef>
+            <a:fontRef idx="minor">
+              <a:schemeClr val="tx1"/>
+            </a:fontRef>
+          </p:style>
+        </p:cxnSp>
+        <mc:AlternateContent xmlns:mc="http://schemas.openxmlformats.org/markup-compatibility/2006">
+          <mc:Choice xmlns:a14="http://schemas.microsoft.com/office/drawing/2010/main" Requires="a14">
+            <p:sp>
+              <p:nvSpPr>
+                <p:cNvPr id="189" name="TextBox 188">
+                  <a:extLst>
+                    <a:ext uri="{FF2B5EF4-FFF2-40B4-BE49-F238E27FC236}">
+                      <a16:creationId xmlns:a16="http://schemas.microsoft.com/office/drawing/2014/main" id="{2576FB50-A02F-86B9-A6D3-A5327F9A5897}"/>
+                    </a:ext>
+                  </a:extLst>
+                </p:cNvPr>
+                <p:cNvSpPr txBox="1"/>
+                <p:nvPr/>
+              </p:nvSpPr>
+              <p:spPr>
+                <a:xfrm>
+                  <a:off x="10057304" y="3116558"/>
+                  <a:ext cx="360996" cy="230832"/>
+                </a:xfrm>
+                <a:prstGeom prst="rect">
+                  <a:avLst/>
+                </a:prstGeom>
+                <a:noFill/>
+              </p:spPr>
+              <p:txBody>
+                <a:bodyPr wrap="none" rtlCol="0">
+                  <a:spAutoFit/>
+                </a:bodyPr>
+                <a:lstStyle/>
+                <a:p>
+                  <a14:m>
+                    <m:oMathPara xmlns:m="http://schemas.openxmlformats.org/officeDocument/2006/math">
+                      <m:oMathParaPr>
+                        <m:jc m:val="centerGroup"/>
+                      </m:oMathParaPr>
+                      <m:oMath xmlns:m="http://schemas.openxmlformats.org/officeDocument/2006/math">
+                        <m:r>
+                          <a:rPr lang="en-US" sz="900" i="1" smtClean="0">
+                            <a:latin typeface="Cambria Math" panose="02040503050406030204" pitchFamily="18" charset="0"/>
+                          </a:rPr>
+                          <m:t>+</m:t>
+                        </m:r>
+                        <m:r>
+                          <a:rPr lang="en-US" sz="900" b="0" i="1" smtClean="0">
+                            <a:latin typeface="Cambria Math" panose="02040503050406030204" pitchFamily="18" charset="0"/>
+                          </a:rPr>
+                          <m:t>1</m:t>
+                        </m:r>
+                      </m:oMath>
+                    </m:oMathPara>
+                  </a14:m>
+                  <a:endParaRPr lang="en-US" sz="900" dirty="0"/>
+                </a:p>
+              </p:txBody>
+            </p:sp>
+          </mc:Choice>
+          <mc:Fallback>
+            <p:sp>
+              <p:nvSpPr>
+                <p:cNvPr id="189" name="TextBox 188">
+                  <a:extLst>
+                    <a:ext uri="{FF2B5EF4-FFF2-40B4-BE49-F238E27FC236}">
+                      <a16:creationId xmlns:a16="http://schemas.microsoft.com/office/drawing/2014/main" id="{2576FB50-A02F-86B9-A6D3-A5327F9A5897}"/>
+                    </a:ext>
+                  </a:extLst>
+                </p:cNvPr>
+                <p:cNvSpPr txBox="1">
+                  <a:spLocks noRot="1" noChangeAspect="1" noMove="1" noResize="1" noEditPoints="1" noAdjustHandles="1" noChangeArrowheads="1" noChangeShapeType="1" noTextEdit="1"/>
+                </p:cNvSpPr>
+                <p:nvPr/>
+              </p:nvSpPr>
+              <p:spPr>
+                <a:xfrm>
+                  <a:off x="10057304" y="3116558"/>
+                  <a:ext cx="360996" cy="230832"/>
+                </a:xfrm>
+                <a:prstGeom prst="rect">
+                  <a:avLst/>
+                </a:prstGeom>
+                <a:blipFill>
+                  <a:blip r:embed="rId26"/>
+                  <a:stretch>
+                    <a:fillRect/>
+                  </a:stretch>
+                </a:blipFill>
+              </p:spPr>
+              <p:txBody>
+                <a:bodyPr/>
+                <a:lstStyle/>
+                <a:p>
+                  <a:r>
+                    <a:rPr lang="en-US">
+                      <a:noFill/>
+                    </a:rPr>
+                    <a:t> </a:t>
+                  </a:r>
+                </a:p>
+              </p:txBody>
+            </p:sp>
+          </mc:Fallback>
+        </mc:AlternateContent>
+        <p:cxnSp>
+          <p:nvCxnSpPr>
+            <p:cNvPr id="191" name="Straight Arrow Connector 190">
+              <a:extLst>
+                <a:ext uri="{FF2B5EF4-FFF2-40B4-BE49-F238E27FC236}">
+                  <a16:creationId xmlns:a16="http://schemas.microsoft.com/office/drawing/2014/main" id="{41D8C426-5770-059E-D97D-19375A05F74E}"/>
+                </a:ext>
+              </a:extLst>
+            </p:cNvPr>
+            <p:cNvCxnSpPr>
+              <a:stCxn id="68" idx="3"/>
+            </p:cNvCxnSpPr>
+            <p:nvPr/>
+          </p:nvCxnSpPr>
+          <p:spPr>
+            <a:xfrm>
+              <a:off x="11027083" y="1127729"/>
+              <a:ext cx="359785" cy="0"/>
+            </a:xfrm>
+            <a:prstGeom prst="straightConnector1">
+              <a:avLst/>
+            </a:prstGeom>
+            <a:ln>
+              <a:tailEnd type="triangle"/>
+            </a:ln>
+          </p:spPr>
+          <p:style>
+            <a:lnRef idx="1">
+              <a:schemeClr val="accent1"/>
+            </a:lnRef>
+            <a:fillRef idx="0">
+              <a:schemeClr val="accent1"/>
+            </a:fillRef>
+            <a:effectRef idx="0">
+              <a:schemeClr val="accent1"/>
+            </a:effectRef>
+            <a:fontRef idx="minor">
+              <a:schemeClr val="tx1"/>
+            </a:fontRef>
+          </p:style>
+        </p:cxnSp>
+        <p:cxnSp>
+          <p:nvCxnSpPr>
+            <p:cNvPr id="192" name="Straight Arrow Connector 191">
+              <a:extLst>
+                <a:ext uri="{FF2B5EF4-FFF2-40B4-BE49-F238E27FC236}">
+                  <a16:creationId xmlns:a16="http://schemas.microsoft.com/office/drawing/2014/main" id="{6628C03D-40C5-61BE-CE94-0DD713EB9857}"/>
+                </a:ext>
+              </a:extLst>
+            </p:cNvPr>
+            <p:cNvCxnSpPr/>
+            <p:nvPr/>
+          </p:nvCxnSpPr>
+          <p:spPr>
+            <a:xfrm>
+              <a:off x="11029776" y="1579678"/>
+              <a:ext cx="359785" cy="0"/>
+            </a:xfrm>
+            <a:prstGeom prst="straightConnector1">
+              <a:avLst/>
+            </a:prstGeom>
+            <a:ln>
+              <a:tailEnd type="triangle"/>
+            </a:ln>
+          </p:spPr>
+          <p:style>
+            <a:lnRef idx="1">
+              <a:schemeClr val="accent1"/>
+            </a:lnRef>
+            <a:fillRef idx="0">
+              <a:schemeClr val="accent1"/>
+            </a:fillRef>
+            <a:effectRef idx="0">
+              <a:schemeClr val="accent1"/>
+            </a:effectRef>
+            <a:fontRef idx="minor">
+              <a:schemeClr val="tx1"/>
+            </a:fontRef>
+          </p:style>
+        </p:cxnSp>
+        <p:cxnSp>
+          <p:nvCxnSpPr>
+            <p:cNvPr id="193" name="Straight Arrow Connector 192">
+              <a:extLst>
+                <a:ext uri="{FF2B5EF4-FFF2-40B4-BE49-F238E27FC236}">
+                  <a16:creationId xmlns:a16="http://schemas.microsoft.com/office/drawing/2014/main" id="{631D4B3E-DE56-4D29-22BF-B47DC4BA5C40}"/>
+                </a:ext>
+              </a:extLst>
+            </p:cNvPr>
+            <p:cNvCxnSpPr/>
+            <p:nvPr/>
+          </p:nvCxnSpPr>
+          <p:spPr>
+            <a:xfrm>
+              <a:off x="11022126" y="2022966"/>
+              <a:ext cx="359785" cy="0"/>
+            </a:xfrm>
+            <a:prstGeom prst="straightConnector1">
+              <a:avLst/>
+            </a:prstGeom>
+            <a:ln>
+              <a:tailEnd type="triangle"/>
+            </a:ln>
+          </p:spPr>
+          <p:style>
+            <a:lnRef idx="1">
+              <a:schemeClr val="accent1"/>
+            </a:lnRef>
+            <a:fillRef idx="0">
+              <a:schemeClr val="accent1"/>
+            </a:fillRef>
+            <a:effectRef idx="0">
+              <a:schemeClr val="accent1"/>
+            </a:effectRef>
+            <a:fontRef idx="minor">
+              <a:schemeClr val="tx1"/>
+            </a:fontRef>
+          </p:style>
+        </p:cxnSp>
+        <p:cxnSp>
+          <p:nvCxnSpPr>
+            <p:cNvPr id="194" name="Straight Arrow Connector 193">
+              <a:extLst>
+                <a:ext uri="{FF2B5EF4-FFF2-40B4-BE49-F238E27FC236}">
+                  <a16:creationId xmlns:a16="http://schemas.microsoft.com/office/drawing/2014/main" id="{DBFE19A4-D57F-359D-A53A-2706D3CF3861}"/>
+                </a:ext>
+              </a:extLst>
+            </p:cNvPr>
+            <p:cNvCxnSpPr/>
+            <p:nvPr/>
+          </p:nvCxnSpPr>
+          <p:spPr>
+            <a:xfrm>
+              <a:off x="11022125" y="2476393"/>
+              <a:ext cx="359785" cy="0"/>
+            </a:xfrm>
+            <a:prstGeom prst="straightConnector1">
+              <a:avLst/>
+            </a:prstGeom>
+            <a:ln>
+              <a:tailEnd type="triangle"/>
+            </a:ln>
+          </p:spPr>
+          <p:style>
+            <a:lnRef idx="1">
+              <a:schemeClr val="accent1"/>
+            </a:lnRef>
+            <a:fillRef idx="0">
+              <a:schemeClr val="accent1"/>
+            </a:fillRef>
+            <a:effectRef idx="0">
+              <a:schemeClr val="accent1"/>
+            </a:effectRef>
+            <a:fontRef idx="minor">
+              <a:schemeClr val="tx1"/>
+            </a:fontRef>
+          </p:style>
+        </p:cxnSp>
+        <p:cxnSp>
+          <p:nvCxnSpPr>
+            <p:cNvPr id="195" name="Straight Arrow Connector 194">
+              <a:extLst>
+                <a:ext uri="{FF2B5EF4-FFF2-40B4-BE49-F238E27FC236}">
+                  <a16:creationId xmlns:a16="http://schemas.microsoft.com/office/drawing/2014/main" id="{9D9A962C-8A22-CF7D-640A-9CECADEA7FD4}"/>
+                </a:ext>
+              </a:extLst>
+            </p:cNvPr>
+            <p:cNvCxnSpPr/>
+            <p:nvPr/>
+          </p:nvCxnSpPr>
+          <p:spPr>
+            <a:xfrm>
+              <a:off x="11022124" y="2929881"/>
+              <a:ext cx="359785" cy="0"/>
+            </a:xfrm>
+            <a:prstGeom prst="straightConnector1">
+              <a:avLst/>
+            </a:prstGeom>
+            <a:ln>
+              <a:tailEnd type="triangle"/>
+            </a:ln>
+          </p:spPr>
+          <p:style>
+            <a:lnRef idx="1">
+              <a:schemeClr val="accent1"/>
+            </a:lnRef>
+            <a:fillRef idx="0">
+              <a:schemeClr val="accent1"/>
+            </a:fillRef>
+            <a:effectRef idx="0">
+              <a:schemeClr val="accent1"/>
+            </a:effectRef>
+            <a:fontRef idx="minor">
+              <a:schemeClr val="tx1"/>
+            </a:fontRef>
+          </p:style>
+        </p:cxnSp>
+        <p:cxnSp>
+          <p:nvCxnSpPr>
+            <p:cNvPr id="196" name="Straight Arrow Connector 195">
+              <a:extLst>
+                <a:ext uri="{FF2B5EF4-FFF2-40B4-BE49-F238E27FC236}">
+                  <a16:creationId xmlns:a16="http://schemas.microsoft.com/office/drawing/2014/main" id="{310748E1-DFF5-D80C-BA4C-AF5AC7DE052A}"/>
+                </a:ext>
+              </a:extLst>
+            </p:cNvPr>
+            <p:cNvCxnSpPr/>
+            <p:nvPr/>
+          </p:nvCxnSpPr>
+          <p:spPr>
+            <a:xfrm>
+              <a:off x="11012212" y="3370320"/>
+              <a:ext cx="359785" cy="0"/>
+            </a:xfrm>
+            <a:prstGeom prst="straightConnector1">
+              <a:avLst/>
+            </a:prstGeom>
+            <a:ln>
+              <a:tailEnd type="triangle"/>
+            </a:ln>
+          </p:spPr>
+          <p:style>
+            <a:lnRef idx="1">
+              <a:schemeClr val="accent1"/>
+            </a:lnRef>
+            <a:fillRef idx="0">
+              <a:schemeClr val="accent1"/>
+            </a:fillRef>
+            <a:effectRef idx="0">
+              <a:schemeClr val="accent1"/>
+            </a:effectRef>
+            <a:fontRef idx="minor">
+              <a:schemeClr val="tx1"/>
+            </a:fontRef>
+          </p:style>
+        </p:cxnSp>
+        <mc:AlternateContent xmlns:mc="http://schemas.openxmlformats.org/markup-compatibility/2006">
+          <mc:Choice xmlns:a14="http://schemas.microsoft.com/office/drawing/2010/main" Requires="a14">
+            <p:sp>
+              <p:nvSpPr>
+                <p:cNvPr id="197" name="TextBox 196">
+                  <a:extLst>
+                    <a:ext uri="{FF2B5EF4-FFF2-40B4-BE49-F238E27FC236}">
+                      <a16:creationId xmlns:a16="http://schemas.microsoft.com/office/drawing/2014/main" id="{5255070C-8684-FCC2-49FC-8D125D16A077}"/>
+                    </a:ext>
+                  </a:extLst>
+                </p:cNvPr>
+                <p:cNvSpPr txBox="1"/>
+                <p:nvPr/>
+              </p:nvSpPr>
+              <p:spPr>
+                <a:xfrm>
+                  <a:off x="11255435" y="2141080"/>
+                  <a:ext cx="749304" cy="253018"/>
+                </a:xfrm>
+                <a:prstGeom prst="rect">
+                  <a:avLst/>
+                </a:prstGeom>
+                <a:noFill/>
+              </p:spPr>
+              <p:txBody>
+                <a:bodyPr wrap="square" rtlCol="0">
+                  <a:spAutoFit/>
+                </a:bodyPr>
+                <a:lstStyle/>
+                <a:p>
+                  <a14:m>
+                    <m:oMathPara xmlns:m="http://schemas.openxmlformats.org/officeDocument/2006/math">
+                      <m:oMathParaPr>
+                        <m:jc m:val="centerGroup"/>
+                      </m:oMathParaPr>
+                      <m:oMath xmlns:m="http://schemas.openxmlformats.org/officeDocument/2006/math">
+                        <m:sSub>
+                          <m:sSubPr>
+                            <m:ctrlPr>
+                              <a:rPr lang="en-US" sz="1000" i="1" smtClean="0">
+                                <a:latin typeface="Cambria Math" panose="02040503050406030204" pitchFamily="18" charset="0"/>
+                              </a:rPr>
+                            </m:ctrlPr>
+                          </m:sSubPr>
+                          <m:e>
+                            <m:r>
+                              <a:rPr lang="en-US" sz="1000" b="0" i="1" smtClean="0">
+                                <a:latin typeface="Cambria Math" panose="02040503050406030204" pitchFamily="18" charset="0"/>
+                              </a:rPr>
+                              <m:t>h</m:t>
+                            </m:r>
+                          </m:e>
+                          <m:sub>
+                            <m:r>
+                              <a:rPr lang="en-US" sz="1000" b="0" i="1" smtClean="0">
+                                <a:latin typeface="Cambria Math" panose="02040503050406030204" pitchFamily="18" charset="0"/>
+                              </a:rPr>
+                              <m:t>𝑊</m:t>
+                            </m:r>
+                            <m:r>
+                              <a:rPr lang="en-US" sz="1000" b="0" i="1" smtClean="0">
+                                <a:latin typeface="Cambria Math" panose="02040503050406030204" pitchFamily="18" charset="0"/>
+                              </a:rPr>
+                              <m:t>,</m:t>
+                            </m:r>
+                            <m:r>
+                              <a:rPr lang="en-US" sz="1000" b="0" i="1" smtClean="0">
+                                <a:latin typeface="Cambria Math" panose="02040503050406030204" pitchFamily="18" charset="0"/>
+                              </a:rPr>
+                              <m:t>𝑏</m:t>
+                            </m:r>
+                          </m:sub>
+                        </m:sSub>
+                        <m:d>
+                          <m:dPr>
+                            <m:ctrlPr>
+                              <a:rPr lang="en-US" sz="1000" i="1" smtClean="0">
+                                <a:latin typeface="Cambria Math" panose="02040503050406030204" pitchFamily="18" charset="0"/>
+                              </a:rPr>
+                            </m:ctrlPr>
+                          </m:dPr>
+                          <m:e>
+                            <m:r>
+                              <a:rPr lang="en-US" sz="1000" b="0" i="1" smtClean="0">
+                                <a:latin typeface="Cambria Math" panose="02040503050406030204" pitchFamily="18" charset="0"/>
+                              </a:rPr>
+                              <m:t>𝑥</m:t>
+                            </m:r>
+                          </m:e>
+                        </m:d>
+                      </m:oMath>
+                    </m:oMathPara>
+                  </a14:m>
+                  <a:endParaRPr lang="en-US" sz="1000" dirty="0"/>
+                </a:p>
+              </p:txBody>
+            </p:sp>
+          </mc:Choice>
+          <mc:Fallback>
+            <p:sp>
+              <p:nvSpPr>
+                <p:cNvPr id="197" name="TextBox 196">
+                  <a:extLst>
+                    <a:ext uri="{FF2B5EF4-FFF2-40B4-BE49-F238E27FC236}">
+                      <a16:creationId xmlns:a16="http://schemas.microsoft.com/office/drawing/2014/main" id="{5255070C-8684-FCC2-49FC-8D125D16A077}"/>
+                    </a:ext>
+                  </a:extLst>
+                </p:cNvPr>
+                <p:cNvSpPr txBox="1">
+                  <a:spLocks noRot="1" noChangeAspect="1" noMove="1" noResize="1" noEditPoints="1" noAdjustHandles="1" noChangeArrowheads="1" noChangeShapeType="1" noTextEdit="1"/>
+                </p:cNvSpPr>
+                <p:nvPr/>
+              </p:nvSpPr>
+              <p:spPr>
+                <a:xfrm>
+                  <a:off x="11255435" y="2141080"/>
+                  <a:ext cx="749304" cy="253018"/>
+                </a:xfrm>
+                <a:prstGeom prst="rect">
+                  <a:avLst/>
+                </a:prstGeom>
+                <a:blipFill>
+                  <a:blip r:embed="rId27"/>
+                  <a:stretch>
+                    <a:fillRect/>
+                  </a:stretch>
+                </a:blipFill>
+              </p:spPr>
+              <p:txBody>
+                <a:bodyPr/>
+                <a:lstStyle/>
+                <a:p>
+                  <a:r>
+                    <a:rPr lang="en-US">
+                      <a:noFill/>
+                    </a:rPr>
+                    <a:t> </a:t>
+                  </a:r>
+                </a:p>
+              </p:txBody>
+            </p:sp>
+          </mc:Fallback>
+        </mc:AlternateContent>
+        <mc:AlternateContent xmlns:mc="http://schemas.openxmlformats.org/markup-compatibility/2006">
+          <mc:Choice xmlns:a14="http://schemas.microsoft.com/office/drawing/2010/main" Requires="a14">
+            <p:sp>
+              <p:nvSpPr>
+                <p:cNvPr id="198" name="TextBox 197">
+                  <a:extLst>
+                    <a:ext uri="{FF2B5EF4-FFF2-40B4-BE49-F238E27FC236}">
+                      <a16:creationId xmlns:a16="http://schemas.microsoft.com/office/drawing/2014/main" id="{56479DAA-D48F-EB88-95D8-6B29FA08464F}"/>
+                    </a:ext>
+                  </a:extLst>
+                </p:cNvPr>
+                <p:cNvSpPr txBox="1"/>
+                <p:nvPr/>
+              </p:nvSpPr>
+              <p:spPr>
+                <a:xfrm>
+                  <a:off x="9192049" y="4036784"/>
+                  <a:ext cx="621452" cy="246221"/>
+                </a:xfrm>
+                <a:prstGeom prst="rect">
+                  <a:avLst/>
+                </a:prstGeom>
+                <a:noFill/>
+              </p:spPr>
+              <p:txBody>
+                <a:bodyPr wrap="none" rtlCol="0">
+                  <a:spAutoFit/>
+                </a:bodyPr>
+                <a:lstStyle/>
+                <a:p>
+                  <a:r>
+                    <a:rPr lang="en-US" sz="1000" dirty="0"/>
+                    <a:t>Layer </a:t>
+                  </a:r>
+                  <a14:m>
                     <m:oMath xmlns:m="http://schemas.openxmlformats.org/officeDocument/2006/math">
                       <m:sSub>
                         <m:sSubPr>
                           <m:ctrlPr>
-                            <a:rPr lang="en-US" sz="900" i="1" smtClean="0">
+                            <a:rPr lang="en-US" sz="1000" i="1" smtClean="0">
                               <a:latin typeface="Cambria Math" panose="02040503050406030204" pitchFamily="18" charset="0"/>
                             </a:rPr>
                           </m:ctrlPr>
                         </m:sSubPr>
                         <m:e>
                           <m:r>
-                            <a:rPr lang="en-US" sz="900" b="0" i="1" smtClean="0">
+                            <a:rPr lang="en-US" sz="1000" b="0" i="1" smtClean="0">
                               <a:latin typeface="Cambria Math" panose="02040503050406030204" pitchFamily="18" charset="0"/>
                             </a:rPr>
-                            <m:t>𝑥</m:t>
+                            <m:t>𝐿</m:t>
                           </m:r>
                         </m:e>
                         <m:sub>
                           <m:r>
-                            <a:rPr lang="en-US" sz="900" b="0" i="1" smtClean="0">
+                            <a:rPr lang="en-US" sz="1000" b="0" i="1" smtClean="0">
                               <a:latin typeface="Cambria Math" panose="02040503050406030204" pitchFamily="18" charset="0"/>
                             </a:rPr>
                             <m:t>1</m:t>
@@ -5532,113 +10291,112 @@
                         </m:sub>
                       </m:sSub>
                     </m:oMath>
-                  </m:oMathPara>
-                </a14:m>
-                <a:endParaRPr lang="en-US" sz="900" dirty="0"/>
-              </a:p>
-            </p:txBody>
-          </p:sp>
-        </mc:Choice>
-        <mc:Fallback>
-          <p:sp>
-            <p:nvSpPr>
-              <p:cNvPr id="46" name="TextBox 45">
-                <a:extLst>
-                  <a:ext uri="{FF2B5EF4-FFF2-40B4-BE49-F238E27FC236}">
-                    <a16:creationId xmlns:a16="http://schemas.microsoft.com/office/drawing/2014/main" id="{3DA15823-4243-5190-98A8-F06CCE6D4F81}"/>
-                  </a:ext>
-                </a:extLst>
-              </p:cNvPr>
-              <p:cNvSpPr txBox="1">
-                <a:spLocks noRot="1" noChangeAspect="1" noMove="1" noResize="1" noEditPoints="1" noAdjustHandles="1" noChangeArrowheads="1" noChangeShapeType="1" noTextEdit="1"/>
-              </p:cNvSpPr>
-              <p:nvPr/>
-            </p:nvSpPr>
-            <p:spPr>
-              <a:xfrm>
-                <a:off x="9385540" y="1013340"/>
-                <a:ext cx="320280" cy="230832"/>
-              </a:xfrm>
-              <a:prstGeom prst="rect">
-                <a:avLst/>
-              </a:prstGeom>
-              <a:blipFill>
-                <a:blip r:embed="rId13"/>
-                <a:stretch>
-                  <a:fillRect/>
-                </a:stretch>
-              </a:blipFill>
-            </p:spPr>
-            <p:txBody>
-              <a:bodyPr/>
-              <a:lstStyle/>
-              <a:p>
-                <a:r>
-                  <a:rPr lang="en-US">
-                    <a:noFill/>
-                  </a:rPr>
-                  <a:t> </a:t>
-                </a:r>
-              </a:p>
-            </p:txBody>
-          </p:sp>
-        </mc:Fallback>
-      </mc:AlternateContent>
-      <mc:AlternateContent xmlns:mc="http://schemas.openxmlformats.org/markup-compatibility/2006">
-        <mc:Choice xmlns:a14="http://schemas.microsoft.com/office/drawing/2010/main" Requires="a14">
-          <p:sp>
-            <p:nvSpPr>
-              <p:cNvPr id="47" name="TextBox 46">
-                <a:extLst>
-                  <a:ext uri="{FF2B5EF4-FFF2-40B4-BE49-F238E27FC236}">
-                    <a16:creationId xmlns:a16="http://schemas.microsoft.com/office/drawing/2014/main" id="{5B7297EC-416E-13FE-95F9-31641A7880C6}"/>
-                  </a:ext>
-                </a:extLst>
-              </p:cNvPr>
-              <p:cNvSpPr txBox="1"/>
-              <p:nvPr/>
-            </p:nvSpPr>
-            <p:spPr>
-              <a:xfrm>
-                <a:off x="9380583" y="1455470"/>
-                <a:ext cx="322973" cy="230832"/>
-              </a:xfrm>
-              <a:prstGeom prst="rect">
-                <a:avLst/>
-              </a:prstGeom>
-              <a:noFill/>
-            </p:spPr>
-            <p:txBody>
-              <a:bodyPr wrap="none" rtlCol="0">
-                <a:spAutoFit/>
-              </a:bodyPr>
-              <a:lstStyle/>
-              <a:p>
-                <a14:m>
-                  <m:oMathPara xmlns:m="http://schemas.openxmlformats.org/officeDocument/2006/math">
-                    <m:oMathParaPr>
-                      <m:jc m:val="centerGroup"/>
-                    </m:oMathParaPr>
+                  </a14:m>
+                  <a:endParaRPr lang="en-US" sz="1000" dirty="0"/>
+                </a:p>
+              </p:txBody>
+            </p:sp>
+          </mc:Choice>
+          <mc:Fallback>
+            <p:sp>
+              <p:nvSpPr>
+                <p:cNvPr id="198" name="TextBox 197">
+                  <a:extLst>
+                    <a:ext uri="{FF2B5EF4-FFF2-40B4-BE49-F238E27FC236}">
+                      <a16:creationId xmlns:a16="http://schemas.microsoft.com/office/drawing/2014/main" id="{56479DAA-D48F-EB88-95D8-6B29FA08464F}"/>
+                    </a:ext>
+                  </a:extLst>
+                </p:cNvPr>
+                <p:cNvSpPr txBox="1">
+                  <a:spLocks noRot="1" noChangeAspect="1" noMove="1" noResize="1" noEditPoints="1" noAdjustHandles="1" noChangeArrowheads="1" noChangeShapeType="1" noTextEdit="1"/>
+                </p:cNvSpPr>
+                <p:nvPr/>
+              </p:nvSpPr>
+              <p:spPr>
+                <a:xfrm>
+                  <a:off x="9192049" y="4036784"/>
+                  <a:ext cx="621452" cy="246221"/>
+                </a:xfrm>
+                <a:prstGeom prst="rect">
+                  <a:avLst/>
+                </a:prstGeom>
+                <a:blipFill>
+                  <a:blip r:embed="rId28"/>
+                  <a:stretch>
+                    <a:fillRect b="-9524"/>
+                  </a:stretch>
+                </a:blipFill>
+              </p:spPr>
+              <p:txBody>
+                <a:bodyPr/>
+                <a:lstStyle/>
+                <a:p>
+                  <a:r>
+                    <a:rPr lang="en-US">
+                      <a:noFill/>
+                    </a:rPr>
+                    <a:t> </a:t>
+                  </a:r>
+                </a:p>
+              </p:txBody>
+            </p:sp>
+          </mc:Fallback>
+        </mc:AlternateContent>
+        <mc:AlternateContent xmlns:mc="http://schemas.openxmlformats.org/markup-compatibility/2006">
+          <mc:Choice xmlns:a14="http://schemas.microsoft.com/office/drawing/2010/main" Requires="a14">
+            <p:sp>
+              <p:nvSpPr>
+                <p:cNvPr id="199" name="TextBox 198">
+                  <a:extLst>
+                    <a:ext uri="{FF2B5EF4-FFF2-40B4-BE49-F238E27FC236}">
+                      <a16:creationId xmlns:a16="http://schemas.microsoft.com/office/drawing/2014/main" id="{DC939AD4-9433-9D26-982A-3D35F10CA64F}"/>
+                    </a:ext>
+                  </a:extLst>
+                </p:cNvPr>
+                <p:cNvSpPr txBox="1"/>
+                <p:nvPr/>
+              </p:nvSpPr>
+              <p:spPr>
+                <a:xfrm>
+                  <a:off x="9927098" y="3510711"/>
+                  <a:ext cx="624402" cy="246221"/>
+                </a:xfrm>
+                <a:prstGeom prst="rect">
+                  <a:avLst/>
+                </a:prstGeom>
+                <a:noFill/>
+              </p:spPr>
+              <p:txBody>
+                <a:bodyPr wrap="none" rtlCol="0">
+                  <a:spAutoFit/>
+                </a:bodyPr>
+                <a:lstStyle/>
+                <a:p>
+                  <a:r>
+                    <a:rPr lang="en-US" sz="1000" dirty="0"/>
+                    <a:t>Layer </a:t>
+                  </a:r>
+                  <a14:m>
                     <m:oMath xmlns:m="http://schemas.openxmlformats.org/officeDocument/2006/math">
                       <m:sSub>
                         <m:sSubPr>
                           <m:ctrlPr>
-                            <a:rPr lang="en-US" sz="900" i="1" smtClean="0">
+                            <a:rPr lang="en-US" sz="1000" i="1" smtClean="0">
                               <a:latin typeface="Cambria Math" panose="02040503050406030204" pitchFamily="18" charset="0"/>
                             </a:rPr>
                           </m:ctrlPr>
                         </m:sSubPr>
                         <m:e>
                           <m:r>
-                            <a:rPr lang="en-US" sz="900" b="0" i="1" smtClean="0">
+                            <a:rPr lang="en-US" sz="1000" b="0" i="1" smtClean="0">
                               <a:latin typeface="Cambria Math" panose="02040503050406030204" pitchFamily="18" charset="0"/>
                             </a:rPr>
-                            <m:t>𝑥</m:t>
+                            <m:t>𝐿</m:t>
                           </m:r>
                         </m:e>
                         <m:sub>
                           <m:r>
-                            <a:rPr lang="en-US" sz="900" b="0" i="1" smtClean="0">
+                            <a:rPr lang="en-US" sz="1000" b="0" i="1" smtClean="0">
                               <a:latin typeface="Cambria Math" panose="02040503050406030204" pitchFamily="18" charset="0"/>
                             </a:rPr>
                             <m:t>2</m:t>
@@ -5646,113 +10404,112 @@
                         </m:sub>
                       </m:sSub>
                     </m:oMath>
-                  </m:oMathPara>
-                </a14:m>
-                <a:endParaRPr lang="en-US" sz="900" dirty="0"/>
-              </a:p>
-            </p:txBody>
-          </p:sp>
-        </mc:Choice>
-        <mc:Fallback>
-          <p:sp>
-            <p:nvSpPr>
-              <p:cNvPr id="47" name="TextBox 46">
-                <a:extLst>
-                  <a:ext uri="{FF2B5EF4-FFF2-40B4-BE49-F238E27FC236}">
-                    <a16:creationId xmlns:a16="http://schemas.microsoft.com/office/drawing/2014/main" id="{5B7297EC-416E-13FE-95F9-31641A7880C6}"/>
-                  </a:ext>
-                </a:extLst>
-              </p:cNvPr>
-              <p:cNvSpPr txBox="1">
-                <a:spLocks noRot="1" noChangeAspect="1" noMove="1" noResize="1" noEditPoints="1" noAdjustHandles="1" noChangeArrowheads="1" noChangeShapeType="1" noTextEdit="1"/>
-              </p:cNvSpPr>
-              <p:nvPr/>
-            </p:nvSpPr>
-            <p:spPr>
-              <a:xfrm>
-                <a:off x="9380583" y="1455470"/>
-                <a:ext cx="322973" cy="230832"/>
-              </a:xfrm>
-              <a:prstGeom prst="rect">
-                <a:avLst/>
-              </a:prstGeom>
-              <a:blipFill>
-                <a:blip r:embed="rId14"/>
-                <a:stretch>
-                  <a:fillRect/>
-                </a:stretch>
-              </a:blipFill>
-            </p:spPr>
-            <p:txBody>
-              <a:bodyPr/>
-              <a:lstStyle/>
-              <a:p>
-                <a:r>
-                  <a:rPr lang="en-US">
-                    <a:noFill/>
-                  </a:rPr>
-                  <a:t> </a:t>
-                </a:r>
-              </a:p>
-            </p:txBody>
-          </p:sp>
-        </mc:Fallback>
-      </mc:AlternateContent>
-      <mc:AlternateContent xmlns:mc="http://schemas.openxmlformats.org/markup-compatibility/2006">
-        <mc:Choice xmlns:a14="http://schemas.microsoft.com/office/drawing/2010/main" Requires="a14">
-          <p:sp>
-            <p:nvSpPr>
-              <p:cNvPr id="48" name="TextBox 47">
-                <a:extLst>
-                  <a:ext uri="{FF2B5EF4-FFF2-40B4-BE49-F238E27FC236}">
-                    <a16:creationId xmlns:a16="http://schemas.microsoft.com/office/drawing/2014/main" id="{674E7053-F16E-C70B-A248-F58FE7EDBA18}"/>
-                  </a:ext>
-                </a:extLst>
-              </p:cNvPr>
-              <p:cNvSpPr txBox="1"/>
-              <p:nvPr/>
-            </p:nvSpPr>
-            <p:spPr>
-              <a:xfrm>
-                <a:off x="9382367" y="1888609"/>
-                <a:ext cx="322973" cy="230832"/>
-              </a:xfrm>
-              <a:prstGeom prst="rect">
-                <a:avLst/>
-              </a:prstGeom>
-              <a:noFill/>
-            </p:spPr>
-            <p:txBody>
-              <a:bodyPr wrap="none" rtlCol="0">
-                <a:spAutoFit/>
-              </a:bodyPr>
-              <a:lstStyle/>
-              <a:p>
-                <a14:m>
-                  <m:oMathPara xmlns:m="http://schemas.openxmlformats.org/officeDocument/2006/math">
-                    <m:oMathParaPr>
-                      <m:jc m:val="centerGroup"/>
-                    </m:oMathParaPr>
+                  </a14:m>
+                  <a:endParaRPr lang="en-US" sz="1000" dirty="0"/>
+                </a:p>
+              </p:txBody>
+            </p:sp>
+          </mc:Choice>
+          <mc:Fallback>
+            <p:sp>
+              <p:nvSpPr>
+                <p:cNvPr id="199" name="TextBox 198">
+                  <a:extLst>
+                    <a:ext uri="{FF2B5EF4-FFF2-40B4-BE49-F238E27FC236}">
+                      <a16:creationId xmlns:a16="http://schemas.microsoft.com/office/drawing/2014/main" id="{DC939AD4-9433-9D26-982A-3D35F10CA64F}"/>
+                    </a:ext>
+                  </a:extLst>
+                </p:cNvPr>
+                <p:cNvSpPr txBox="1">
+                  <a:spLocks noRot="1" noChangeAspect="1" noMove="1" noResize="1" noEditPoints="1" noAdjustHandles="1" noChangeArrowheads="1" noChangeShapeType="1" noTextEdit="1"/>
+                </p:cNvSpPr>
+                <p:nvPr/>
+              </p:nvSpPr>
+              <p:spPr>
+                <a:xfrm>
+                  <a:off x="9927098" y="3510711"/>
+                  <a:ext cx="624402" cy="246221"/>
+                </a:xfrm>
+                <a:prstGeom prst="rect">
+                  <a:avLst/>
+                </a:prstGeom>
+                <a:blipFill>
+                  <a:blip r:embed="rId29"/>
+                  <a:stretch>
+                    <a:fillRect b="-15000"/>
+                  </a:stretch>
+                </a:blipFill>
+              </p:spPr>
+              <p:txBody>
+                <a:bodyPr/>
+                <a:lstStyle/>
+                <a:p>
+                  <a:r>
+                    <a:rPr lang="en-US">
+                      <a:noFill/>
+                    </a:rPr>
+                    <a:t> </a:t>
+                  </a:r>
+                </a:p>
+              </p:txBody>
+            </p:sp>
+          </mc:Fallback>
+        </mc:AlternateContent>
+        <mc:AlternateContent xmlns:mc="http://schemas.openxmlformats.org/markup-compatibility/2006">
+          <mc:Choice xmlns:a14="http://schemas.microsoft.com/office/drawing/2010/main" Requires="a14">
+            <p:sp>
+              <p:nvSpPr>
+                <p:cNvPr id="200" name="TextBox 199">
+                  <a:extLst>
+                    <a:ext uri="{FF2B5EF4-FFF2-40B4-BE49-F238E27FC236}">
+                      <a16:creationId xmlns:a16="http://schemas.microsoft.com/office/drawing/2014/main" id="{C7F7A4C0-7E89-369E-E806-8D4FEE23D544}"/>
+                    </a:ext>
+                  </a:extLst>
+                </p:cNvPr>
+                <p:cNvSpPr txBox="1"/>
+                <p:nvPr/>
+              </p:nvSpPr>
+              <p:spPr>
+                <a:xfrm>
+                  <a:off x="10690504" y="3687648"/>
+                  <a:ext cx="624402" cy="246221"/>
+                </a:xfrm>
+                <a:prstGeom prst="rect">
+                  <a:avLst/>
+                </a:prstGeom>
+                <a:noFill/>
+              </p:spPr>
+              <p:txBody>
+                <a:bodyPr wrap="none" rtlCol="0">
+                  <a:spAutoFit/>
+                </a:bodyPr>
+                <a:lstStyle/>
+                <a:p>
+                  <a:r>
+                    <a:rPr lang="en-US" sz="1000" dirty="0"/>
+                    <a:t>Layer </a:t>
+                  </a:r>
+                  <a14:m>
                     <m:oMath xmlns:m="http://schemas.openxmlformats.org/officeDocument/2006/math">
                       <m:sSub>
                         <m:sSubPr>
                           <m:ctrlPr>
-                            <a:rPr lang="en-US" sz="900" i="1" smtClean="0">
+                            <a:rPr lang="en-US" sz="1000" i="1" smtClean="0">
                               <a:latin typeface="Cambria Math" panose="02040503050406030204" pitchFamily="18" charset="0"/>
                             </a:rPr>
                           </m:ctrlPr>
                         </m:sSubPr>
                         <m:e>
                           <m:r>
-                            <a:rPr lang="en-US" sz="900" b="0" i="1" smtClean="0">
+                            <a:rPr lang="en-US" sz="1000" b="0" i="1" smtClean="0">
                               <a:latin typeface="Cambria Math" panose="02040503050406030204" pitchFamily="18" charset="0"/>
                             </a:rPr>
-                            <m:t>𝑥</m:t>
+                            <m:t>𝐿</m:t>
                           </m:r>
                         </m:e>
                         <m:sub>
                           <m:r>
-                            <a:rPr lang="en-US" sz="900" b="0" i="1" smtClean="0">
+                            <a:rPr lang="en-US" sz="1000" b="0" i="1" smtClean="0">
                               <a:latin typeface="Cambria Math" panose="02040503050406030204" pitchFamily="18" charset="0"/>
                             </a:rPr>
                             <m:t>3</m:t>
@@ -5760,2292 +10517,58 @@
                         </m:sub>
                       </m:sSub>
                     </m:oMath>
-                  </m:oMathPara>
-                </a14:m>
-                <a:endParaRPr lang="en-US" sz="900" dirty="0"/>
-              </a:p>
-            </p:txBody>
-          </p:sp>
-        </mc:Choice>
-        <mc:Fallback>
-          <p:sp>
-            <p:nvSpPr>
-              <p:cNvPr id="48" name="TextBox 47">
-                <a:extLst>
-                  <a:ext uri="{FF2B5EF4-FFF2-40B4-BE49-F238E27FC236}">
-                    <a16:creationId xmlns:a16="http://schemas.microsoft.com/office/drawing/2014/main" id="{674E7053-F16E-C70B-A248-F58FE7EDBA18}"/>
-                  </a:ext>
-                </a:extLst>
-              </p:cNvPr>
-              <p:cNvSpPr txBox="1">
-                <a:spLocks noRot="1" noChangeAspect="1" noMove="1" noResize="1" noEditPoints="1" noAdjustHandles="1" noChangeArrowheads="1" noChangeShapeType="1" noTextEdit="1"/>
-              </p:cNvSpPr>
-              <p:nvPr/>
-            </p:nvSpPr>
-            <p:spPr>
-              <a:xfrm>
-                <a:off x="9382367" y="1888609"/>
-                <a:ext cx="322973" cy="230832"/>
-              </a:xfrm>
-              <a:prstGeom prst="rect">
-                <a:avLst/>
-              </a:prstGeom>
-              <a:blipFill>
-                <a:blip r:embed="rId15"/>
-                <a:stretch>
-                  <a:fillRect/>
-                </a:stretch>
-              </a:blipFill>
-            </p:spPr>
-            <p:txBody>
-              <a:bodyPr/>
-              <a:lstStyle/>
-              <a:p>
-                <a:r>
-                  <a:rPr lang="en-US">
-                    <a:noFill/>
-                  </a:rPr>
-                  <a:t> </a:t>
-                </a:r>
-              </a:p>
-            </p:txBody>
-          </p:sp>
-        </mc:Fallback>
-      </mc:AlternateContent>
-      <p:sp>
-        <p:nvSpPr>
-          <p:cNvPr id="49" name="Oval 48">
-            <a:extLst>
-              <a:ext uri="{FF2B5EF4-FFF2-40B4-BE49-F238E27FC236}">
-                <a16:creationId xmlns:a16="http://schemas.microsoft.com/office/drawing/2014/main" id="{1290628C-990A-639D-E58A-CA0B586E4566}"/>
-              </a:ext>
-            </a:extLst>
-          </p:cNvPr>
-          <p:cNvSpPr/>
-          <p:nvPr/>
-        </p:nvSpPr>
-        <p:spPr>
-          <a:xfrm>
-            <a:off x="9371545" y="975285"/>
-            <a:ext cx="329318" cy="332286"/>
-          </a:xfrm>
-          <a:prstGeom prst="ellipse">
-            <a:avLst/>
-          </a:prstGeom>
-          <a:solidFill>
-            <a:schemeClr val="accent1">
-              <a:alpha val="26887"/>
-            </a:schemeClr>
-          </a:solidFill>
-        </p:spPr>
-        <p:style>
-          <a:lnRef idx="2">
-            <a:schemeClr val="accent1">
-              <a:shade val="15000"/>
-            </a:schemeClr>
-          </a:lnRef>
-          <a:fillRef idx="1">
-            <a:schemeClr val="accent1"/>
-          </a:fillRef>
-          <a:effectRef idx="0">
-            <a:schemeClr val="accent1"/>
-          </a:effectRef>
-          <a:fontRef idx="minor">
-            <a:schemeClr val="lt1"/>
-          </a:fontRef>
-        </p:style>
-        <p:txBody>
-          <a:bodyPr rtlCol="0" anchor="ctr"/>
-          <a:lstStyle/>
-          <a:p>
-            <a:pPr algn="ctr"/>
-            <a:endParaRPr lang="en-US" dirty="0"/>
-          </a:p>
-        </p:txBody>
-      </p:sp>
-      <p:sp>
-        <p:nvSpPr>
-          <p:cNvPr id="50" name="Oval 49">
-            <a:extLst>
-              <a:ext uri="{FF2B5EF4-FFF2-40B4-BE49-F238E27FC236}">
-                <a16:creationId xmlns:a16="http://schemas.microsoft.com/office/drawing/2014/main" id="{2AB41B04-39DF-F479-1BC2-18F9617797DA}"/>
-              </a:ext>
-            </a:extLst>
-          </p:cNvPr>
-          <p:cNvSpPr/>
-          <p:nvPr/>
-        </p:nvSpPr>
-        <p:spPr>
-          <a:xfrm>
-            <a:off x="9379195" y="1417662"/>
-            <a:ext cx="329318" cy="332286"/>
-          </a:xfrm>
-          <a:prstGeom prst="ellipse">
-            <a:avLst/>
-          </a:prstGeom>
-          <a:solidFill>
-            <a:schemeClr val="accent1">
-              <a:alpha val="26887"/>
-            </a:schemeClr>
-          </a:solidFill>
-        </p:spPr>
-        <p:style>
-          <a:lnRef idx="2">
-            <a:schemeClr val="accent1">
-              <a:shade val="15000"/>
-            </a:schemeClr>
-          </a:lnRef>
-          <a:fillRef idx="1">
-            <a:schemeClr val="accent1"/>
-          </a:fillRef>
-          <a:effectRef idx="0">
-            <a:schemeClr val="accent1"/>
-          </a:effectRef>
-          <a:fontRef idx="minor">
-            <a:schemeClr val="lt1"/>
-          </a:fontRef>
-        </p:style>
-        <p:txBody>
-          <a:bodyPr rtlCol="0" anchor="ctr"/>
-          <a:lstStyle/>
-          <a:p>
-            <a:pPr algn="ctr"/>
-            <a:endParaRPr lang="en-US" dirty="0"/>
-          </a:p>
-        </p:txBody>
-      </p:sp>
-      <p:sp>
-        <p:nvSpPr>
-          <p:cNvPr id="51" name="Oval 50">
-            <a:extLst>
-              <a:ext uri="{FF2B5EF4-FFF2-40B4-BE49-F238E27FC236}">
-                <a16:creationId xmlns:a16="http://schemas.microsoft.com/office/drawing/2014/main" id="{1AD1FCC6-306E-8752-C108-8E488E321527}"/>
-              </a:ext>
-            </a:extLst>
-          </p:cNvPr>
-          <p:cNvSpPr/>
-          <p:nvPr/>
-        </p:nvSpPr>
-        <p:spPr>
-          <a:xfrm>
-            <a:off x="9379195" y="1858654"/>
-            <a:ext cx="329318" cy="332286"/>
-          </a:xfrm>
-          <a:prstGeom prst="ellipse">
-            <a:avLst/>
-          </a:prstGeom>
-          <a:solidFill>
-            <a:schemeClr val="accent1">
-              <a:alpha val="26887"/>
-            </a:schemeClr>
-          </a:solidFill>
-        </p:spPr>
-        <p:style>
-          <a:lnRef idx="2">
-            <a:schemeClr val="accent1">
-              <a:shade val="15000"/>
-            </a:schemeClr>
-          </a:lnRef>
-          <a:fillRef idx="1">
-            <a:schemeClr val="accent1"/>
-          </a:fillRef>
-          <a:effectRef idx="0">
-            <a:schemeClr val="accent1"/>
-          </a:effectRef>
-          <a:fontRef idx="minor">
-            <a:schemeClr val="lt1"/>
-          </a:fontRef>
-        </p:style>
-        <p:txBody>
-          <a:bodyPr rtlCol="0" anchor="ctr"/>
-          <a:lstStyle/>
-          <a:p>
-            <a:pPr algn="ctr"/>
-            <a:endParaRPr lang="en-US" dirty="0"/>
-          </a:p>
-        </p:txBody>
-      </p:sp>
-      <mc:AlternateContent xmlns:mc="http://schemas.openxmlformats.org/markup-compatibility/2006">
-        <mc:Choice xmlns:a14="http://schemas.microsoft.com/office/drawing/2010/main" Requires="a14">
-          <p:sp>
-            <p:nvSpPr>
-              <p:cNvPr id="52" name="TextBox 51">
-                <a:extLst>
-                  <a:ext uri="{FF2B5EF4-FFF2-40B4-BE49-F238E27FC236}">
-                    <a16:creationId xmlns:a16="http://schemas.microsoft.com/office/drawing/2014/main" id="{7CFA59FC-5294-E47D-8ADA-BD6732FE4BB4}"/>
-                  </a:ext>
-                </a:extLst>
-              </p:cNvPr>
-              <p:cNvSpPr txBox="1"/>
-              <p:nvPr/>
-            </p:nvSpPr>
-            <p:spPr>
-              <a:xfrm>
-                <a:off x="9382367" y="2329601"/>
-                <a:ext cx="322973" cy="230832"/>
-              </a:xfrm>
-              <a:prstGeom prst="rect">
-                <a:avLst/>
-              </a:prstGeom>
-              <a:noFill/>
-            </p:spPr>
-            <p:txBody>
-              <a:bodyPr wrap="none" rtlCol="0">
-                <a:spAutoFit/>
-              </a:bodyPr>
-              <a:lstStyle/>
-              <a:p>
-                <a14:m>
-                  <m:oMathPara xmlns:m="http://schemas.openxmlformats.org/officeDocument/2006/math">
-                    <m:oMathParaPr>
-                      <m:jc m:val="centerGroup"/>
-                    </m:oMathParaPr>
-                    <m:oMath xmlns:m="http://schemas.openxmlformats.org/officeDocument/2006/math">
-                      <m:sSub>
-                        <m:sSubPr>
-                          <m:ctrlPr>
-                            <a:rPr lang="en-US" sz="900" i="1" smtClean="0">
-                              <a:latin typeface="Cambria Math" panose="02040503050406030204" pitchFamily="18" charset="0"/>
-                            </a:rPr>
-                          </m:ctrlPr>
-                        </m:sSubPr>
-                        <m:e>
-                          <m:r>
-                            <a:rPr lang="en-US" sz="900" b="0" i="1" smtClean="0">
-                              <a:latin typeface="Cambria Math" panose="02040503050406030204" pitchFamily="18" charset="0"/>
-                            </a:rPr>
-                            <m:t>𝑥</m:t>
-                          </m:r>
-                        </m:e>
-                        <m:sub>
-                          <m:r>
-                            <a:rPr lang="en-US" sz="900" b="0" i="1" smtClean="0">
-                              <a:latin typeface="Cambria Math" panose="02040503050406030204" pitchFamily="18" charset="0"/>
-                            </a:rPr>
-                            <m:t>4</m:t>
-                          </m:r>
-                        </m:sub>
-                      </m:sSub>
-                    </m:oMath>
-                  </m:oMathPara>
-                </a14:m>
-                <a:endParaRPr lang="en-US" sz="900" dirty="0"/>
-              </a:p>
-            </p:txBody>
-          </p:sp>
-        </mc:Choice>
-        <mc:Fallback>
-          <p:sp>
-            <p:nvSpPr>
-              <p:cNvPr id="52" name="TextBox 51">
-                <a:extLst>
-                  <a:ext uri="{FF2B5EF4-FFF2-40B4-BE49-F238E27FC236}">
-                    <a16:creationId xmlns:a16="http://schemas.microsoft.com/office/drawing/2014/main" id="{7CFA59FC-5294-E47D-8ADA-BD6732FE4BB4}"/>
-                  </a:ext>
-                </a:extLst>
-              </p:cNvPr>
-              <p:cNvSpPr txBox="1">
-                <a:spLocks noRot="1" noChangeAspect="1" noMove="1" noResize="1" noEditPoints="1" noAdjustHandles="1" noChangeArrowheads="1" noChangeShapeType="1" noTextEdit="1"/>
-              </p:cNvSpPr>
-              <p:nvPr/>
-            </p:nvSpPr>
-            <p:spPr>
-              <a:xfrm>
-                <a:off x="9382367" y="2329601"/>
-                <a:ext cx="322973" cy="230832"/>
-              </a:xfrm>
-              <a:prstGeom prst="rect">
-                <a:avLst/>
-              </a:prstGeom>
-              <a:blipFill>
-                <a:blip r:embed="rId16"/>
-                <a:stretch>
-                  <a:fillRect/>
-                </a:stretch>
-              </a:blipFill>
-            </p:spPr>
-            <p:txBody>
-              <a:bodyPr/>
-              <a:lstStyle/>
-              <a:p>
-                <a:r>
-                  <a:rPr lang="en-US">
-                    <a:noFill/>
-                  </a:rPr>
-                  <a:t> </a:t>
-                </a:r>
-              </a:p>
-            </p:txBody>
-          </p:sp>
-        </mc:Fallback>
-      </mc:AlternateContent>
-      <p:sp>
-        <p:nvSpPr>
-          <p:cNvPr id="54" name="Oval 53">
-            <a:extLst>
-              <a:ext uri="{FF2B5EF4-FFF2-40B4-BE49-F238E27FC236}">
-                <a16:creationId xmlns:a16="http://schemas.microsoft.com/office/drawing/2014/main" id="{2E9D8BFE-887B-A00E-67A4-BB2FC48E34A5}"/>
-              </a:ext>
-            </a:extLst>
-          </p:cNvPr>
-          <p:cNvSpPr/>
-          <p:nvPr/>
-        </p:nvSpPr>
-        <p:spPr>
-          <a:xfrm>
-            <a:off x="9382368" y="2740638"/>
-            <a:ext cx="329318" cy="332286"/>
-          </a:xfrm>
-          <a:prstGeom prst="ellipse">
-            <a:avLst/>
-          </a:prstGeom>
-          <a:solidFill>
-            <a:schemeClr val="accent1">
-              <a:alpha val="26887"/>
-            </a:schemeClr>
-          </a:solidFill>
-        </p:spPr>
-        <p:style>
-          <a:lnRef idx="2">
-            <a:schemeClr val="accent1">
-              <a:shade val="15000"/>
-            </a:schemeClr>
-          </a:lnRef>
-          <a:fillRef idx="1">
-            <a:schemeClr val="accent1"/>
-          </a:fillRef>
-          <a:effectRef idx="0">
-            <a:schemeClr val="accent1"/>
-          </a:effectRef>
-          <a:fontRef idx="minor">
-            <a:schemeClr val="lt1"/>
-          </a:fontRef>
-        </p:style>
-        <p:txBody>
-          <a:bodyPr rtlCol="0" anchor="ctr"/>
-          <a:lstStyle/>
-          <a:p>
-            <a:pPr algn="ctr"/>
-            <a:endParaRPr lang="en-US" dirty="0"/>
-          </a:p>
-        </p:txBody>
-      </p:sp>
-      <mc:AlternateContent xmlns:mc="http://schemas.openxmlformats.org/markup-compatibility/2006">
-        <mc:Choice xmlns:a14="http://schemas.microsoft.com/office/drawing/2010/main" Requires="a14">
-          <p:sp>
-            <p:nvSpPr>
-              <p:cNvPr id="55" name="TextBox 54">
-                <a:extLst>
-                  <a:ext uri="{FF2B5EF4-FFF2-40B4-BE49-F238E27FC236}">
-                    <a16:creationId xmlns:a16="http://schemas.microsoft.com/office/drawing/2014/main" id="{33DA0D43-AAC2-F891-E834-B4DA12E3A561}"/>
-                  </a:ext>
-                </a:extLst>
-              </p:cNvPr>
-              <p:cNvSpPr txBox="1"/>
-              <p:nvPr/>
-            </p:nvSpPr>
-            <p:spPr>
-              <a:xfrm>
-                <a:off x="9385540" y="2770593"/>
-                <a:ext cx="322973" cy="230832"/>
-              </a:xfrm>
-              <a:prstGeom prst="rect">
-                <a:avLst/>
-              </a:prstGeom>
-              <a:noFill/>
-            </p:spPr>
-            <p:txBody>
-              <a:bodyPr wrap="none" rtlCol="0">
-                <a:spAutoFit/>
-              </a:bodyPr>
-              <a:lstStyle/>
-              <a:p>
-                <a14:m>
-                  <m:oMathPara xmlns:m="http://schemas.openxmlformats.org/officeDocument/2006/math">
-                    <m:oMathParaPr>
-                      <m:jc m:val="centerGroup"/>
-                    </m:oMathParaPr>
-                    <m:oMath xmlns:m="http://schemas.openxmlformats.org/officeDocument/2006/math">
-                      <m:sSub>
-                        <m:sSubPr>
-                          <m:ctrlPr>
-                            <a:rPr lang="en-US" sz="900" i="1" smtClean="0">
-                              <a:latin typeface="Cambria Math" panose="02040503050406030204" pitchFamily="18" charset="0"/>
-                            </a:rPr>
-                          </m:ctrlPr>
-                        </m:sSubPr>
-                        <m:e>
-                          <m:r>
-                            <a:rPr lang="en-US" sz="900" b="0" i="1" smtClean="0">
-                              <a:latin typeface="Cambria Math" panose="02040503050406030204" pitchFamily="18" charset="0"/>
-                            </a:rPr>
-                            <m:t>𝑥</m:t>
-                          </m:r>
-                        </m:e>
-                        <m:sub>
-                          <m:r>
-                            <a:rPr lang="en-US" sz="900" b="0" i="1" smtClean="0">
-                              <a:latin typeface="Cambria Math" panose="02040503050406030204" pitchFamily="18" charset="0"/>
-                            </a:rPr>
-                            <m:t>5</m:t>
-                          </m:r>
-                        </m:sub>
-                      </m:sSub>
-                    </m:oMath>
-                  </m:oMathPara>
-                </a14:m>
-                <a:endParaRPr lang="en-US" sz="900" dirty="0"/>
-              </a:p>
-            </p:txBody>
-          </p:sp>
-        </mc:Choice>
-        <mc:Fallback>
-          <p:sp>
-            <p:nvSpPr>
-              <p:cNvPr id="55" name="TextBox 54">
-                <a:extLst>
-                  <a:ext uri="{FF2B5EF4-FFF2-40B4-BE49-F238E27FC236}">
-                    <a16:creationId xmlns:a16="http://schemas.microsoft.com/office/drawing/2014/main" id="{33DA0D43-AAC2-F891-E834-B4DA12E3A561}"/>
-                  </a:ext>
-                </a:extLst>
-              </p:cNvPr>
-              <p:cNvSpPr txBox="1">
-                <a:spLocks noRot="1" noChangeAspect="1" noMove="1" noResize="1" noEditPoints="1" noAdjustHandles="1" noChangeArrowheads="1" noChangeShapeType="1" noTextEdit="1"/>
-              </p:cNvSpPr>
-              <p:nvPr/>
-            </p:nvSpPr>
-            <p:spPr>
-              <a:xfrm>
-                <a:off x="9385540" y="2770593"/>
-                <a:ext cx="322973" cy="230832"/>
-              </a:xfrm>
-              <a:prstGeom prst="rect">
-                <a:avLst/>
-              </a:prstGeom>
-              <a:blipFill>
-                <a:blip r:embed="rId17"/>
-                <a:stretch>
-                  <a:fillRect/>
-                </a:stretch>
-              </a:blipFill>
-            </p:spPr>
-            <p:txBody>
-              <a:bodyPr/>
-              <a:lstStyle/>
-              <a:p>
-                <a:r>
-                  <a:rPr lang="en-US">
-                    <a:noFill/>
-                  </a:rPr>
-                  <a:t> </a:t>
-                </a:r>
-              </a:p>
-            </p:txBody>
-          </p:sp>
-        </mc:Fallback>
-      </mc:AlternateContent>
-      <p:sp>
-        <p:nvSpPr>
-          <p:cNvPr id="56" name="Oval 55">
-            <a:extLst>
-              <a:ext uri="{FF2B5EF4-FFF2-40B4-BE49-F238E27FC236}">
-                <a16:creationId xmlns:a16="http://schemas.microsoft.com/office/drawing/2014/main" id="{6362BE5A-9C2E-B2C0-FE65-012B115F6501}"/>
-              </a:ext>
-            </a:extLst>
-          </p:cNvPr>
-          <p:cNvSpPr/>
-          <p:nvPr/>
-        </p:nvSpPr>
-        <p:spPr>
-          <a:xfrm>
-            <a:off x="9379195" y="3184426"/>
-            <a:ext cx="329318" cy="332286"/>
-          </a:xfrm>
-          <a:prstGeom prst="ellipse">
-            <a:avLst/>
-          </a:prstGeom>
-          <a:solidFill>
-            <a:schemeClr val="accent1">
-              <a:alpha val="26887"/>
-            </a:schemeClr>
-          </a:solidFill>
-        </p:spPr>
-        <p:style>
-          <a:lnRef idx="2">
-            <a:schemeClr val="accent1">
-              <a:shade val="15000"/>
-            </a:schemeClr>
-          </a:lnRef>
-          <a:fillRef idx="1">
-            <a:schemeClr val="accent1"/>
-          </a:fillRef>
-          <a:effectRef idx="0">
-            <a:schemeClr val="accent1"/>
-          </a:effectRef>
-          <a:fontRef idx="minor">
-            <a:schemeClr val="lt1"/>
-          </a:fontRef>
-        </p:style>
-        <p:txBody>
-          <a:bodyPr rtlCol="0" anchor="ctr"/>
-          <a:lstStyle/>
-          <a:p>
-            <a:pPr algn="ctr"/>
-            <a:endParaRPr lang="en-US" dirty="0"/>
-          </a:p>
-        </p:txBody>
-      </p:sp>
-      <mc:AlternateContent xmlns:mc="http://schemas.openxmlformats.org/markup-compatibility/2006">
-        <mc:Choice xmlns:a14="http://schemas.microsoft.com/office/drawing/2010/main" Requires="a14">
-          <p:sp>
-            <p:nvSpPr>
-              <p:cNvPr id="57" name="TextBox 56">
-                <a:extLst>
-                  <a:ext uri="{FF2B5EF4-FFF2-40B4-BE49-F238E27FC236}">
-                    <a16:creationId xmlns:a16="http://schemas.microsoft.com/office/drawing/2014/main" id="{002A9A99-57B4-2375-5208-0271D2A83AD6}"/>
-                  </a:ext>
-                </a:extLst>
-              </p:cNvPr>
-              <p:cNvSpPr txBox="1"/>
-              <p:nvPr/>
-            </p:nvSpPr>
-            <p:spPr>
-              <a:xfrm>
-                <a:off x="9382367" y="3214381"/>
-                <a:ext cx="322973" cy="230832"/>
-              </a:xfrm>
-              <a:prstGeom prst="rect">
-                <a:avLst/>
-              </a:prstGeom>
-              <a:noFill/>
-            </p:spPr>
-            <p:txBody>
-              <a:bodyPr wrap="none" rtlCol="0">
-                <a:spAutoFit/>
-              </a:bodyPr>
-              <a:lstStyle/>
-              <a:p>
-                <a14:m>
-                  <m:oMathPara xmlns:m="http://schemas.openxmlformats.org/officeDocument/2006/math">
-                    <m:oMathParaPr>
-                      <m:jc m:val="centerGroup"/>
-                    </m:oMathParaPr>
-                    <m:oMath xmlns:m="http://schemas.openxmlformats.org/officeDocument/2006/math">
-                      <m:sSub>
-                        <m:sSubPr>
-                          <m:ctrlPr>
-                            <a:rPr lang="en-US" sz="900" i="1" smtClean="0">
-                              <a:latin typeface="Cambria Math" panose="02040503050406030204" pitchFamily="18" charset="0"/>
-                            </a:rPr>
-                          </m:ctrlPr>
-                        </m:sSubPr>
-                        <m:e>
-                          <m:r>
-                            <a:rPr lang="en-US" sz="900" b="0" i="1" smtClean="0">
-                              <a:latin typeface="Cambria Math" panose="02040503050406030204" pitchFamily="18" charset="0"/>
-                            </a:rPr>
-                            <m:t>𝑥</m:t>
-                          </m:r>
-                        </m:e>
-                        <m:sub>
-                          <m:r>
-                            <a:rPr lang="en-US" sz="900" b="0" i="1" smtClean="0">
-                              <a:latin typeface="Cambria Math" panose="02040503050406030204" pitchFamily="18" charset="0"/>
-                            </a:rPr>
-                            <m:t>6</m:t>
-                          </m:r>
-                        </m:sub>
-                      </m:sSub>
-                    </m:oMath>
-                  </m:oMathPara>
-                </a14:m>
-                <a:endParaRPr lang="en-US" sz="900" dirty="0"/>
-              </a:p>
-            </p:txBody>
-          </p:sp>
-        </mc:Choice>
-        <mc:Fallback>
-          <p:sp>
-            <p:nvSpPr>
-              <p:cNvPr id="57" name="TextBox 56">
-                <a:extLst>
-                  <a:ext uri="{FF2B5EF4-FFF2-40B4-BE49-F238E27FC236}">
-                    <a16:creationId xmlns:a16="http://schemas.microsoft.com/office/drawing/2014/main" id="{002A9A99-57B4-2375-5208-0271D2A83AD6}"/>
-                  </a:ext>
-                </a:extLst>
-              </p:cNvPr>
-              <p:cNvSpPr txBox="1">
-                <a:spLocks noRot="1" noChangeAspect="1" noMove="1" noResize="1" noEditPoints="1" noAdjustHandles="1" noChangeArrowheads="1" noChangeShapeType="1" noTextEdit="1"/>
-              </p:cNvSpPr>
-              <p:nvPr/>
-            </p:nvSpPr>
-            <p:spPr>
-              <a:xfrm>
-                <a:off x="9382367" y="3214381"/>
-                <a:ext cx="322973" cy="230832"/>
-              </a:xfrm>
-              <a:prstGeom prst="rect">
-                <a:avLst/>
-              </a:prstGeom>
-              <a:blipFill>
-                <a:blip r:embed="rId18"/>
-                <a:stretch>
-                  <a:fillRect/>
-                </a:stretch>
-              </a:blipFill>
-            </p:spPr>
-            <p:txBody>
-              <a:bodyPr/>
-              <a:lstStyle/>
-              <a:p>
-                <a:r>
-                  <a:rPr lang="en-US">
-                    <a:noFill/>
-                  </a:rPr>
-                  <a:t> </a:t>
-                </a:r>
-              </a:p>
-            </p:txBody>
-          </p:sp>
-        </mc:Fallback>
-      </mc:AlternateContent>
-      <p:sp>
-        <p:nvSpPr>
-          <p:cNvPr id="58" name="Oval 57">
-            <a:extLst>
-              <a:ext uri="{FF2B5EF4-FFF2-40B4-BE49-F238E27FC236}">
-                <a16:creationId xmlns:a16="http://schemas.microsoft.com/office/drawing/2014/main" id="{2D5C44A7-3584-974C-D7D3-34836068F7B4}"/>
-              </a:ext>
-            </a:extLst>
-          </p:cNvPr>
-          <p:cNvSpPr/>
-          <p:nvPr/>
-        </p:nvSpPr>
-        <p:spPr>
-          <a:xfrm>
-            <a:off x="9379195" y="3622622"/>
-            <a:ext cx="329318" cy="332286"/>
-          </a:xfrm>
-          <a:prstGeom prst="ellipse">
-            <a:avLst/>
-          </a:prstGeom>
-          <a:solidFill>
-            <a:schemeClr val="accent1">
-              <a:alpha val="26887"/>
-            </a:schemeClr>
-          </a:solidFill>
-        </p:spPr>
-        <p:style>
-          <a:lnRef idx="2">
-            <a:schemeClr val="accent1">
-              <a:shade val="15000"/>
-            </a:schemeClr>
-          </a:lnRef>
-          <a:fillRef idx="1">
-            <a:schemeClr val="accent1"/>
-          </a:fillRef>
-          <a:effectRef idx="0">
-            <a:schemeClr val="accent1"/>
-          </a:effectRef>
-          <a:fontRef idx="minor">
-            <a:schemeClr val="lt1"/>
-          </a:fontRef>
-        </p:style>
-        <p:txBody>
-          <a:bodyPr rtlCol="0" anchor="ctr"/>
-          <a:lstStyle/>
-          <a:p>
-            <a:pPr algn="ctr"/>
-            <a:endParaRPr lang="en-US" dirty="0"/>
-          </a:p>
-        </p:txBody>
-      </p:sp>
-      <mc:AlternateContent xmlns:mc="http://schemas.openxmlformats.org/markup-compatibility/2006">
-        <mc:Choice xmlns:a14="http://schemas.microsoft.com/office/drawing/2010/main" Requires="a14">
-          <p:sp>
-            <p:nvSpPr>
-              <p:cNvPr id="59" name="TextBox 58">
-                <a:extLst>
-                  <a:ext uri="{FF2B5EF4-FFF2-40B4-BE49-F238E27FC236}">
-                    <a16:creationId xmlns:a16="http://schemas.microsoft.com/office/drawing/2014/main" id="{AEFF7110-D5C2-10D8-CC32-63D698BAC96F}"/>
-                  </a:ext>
-                </a:extLst>
-              </p:cNvPr>
-              <p:cNvSpPr txBox="1"/>
-              <p:nvPr/>
-            </p:nvSpPr>
-            <p:spPr>
-              <a:xfrm>
-                <a:off x="9363355" y="3669661"/>
-                <a:ext cx="360996" cy="230832"/>
-              </a:xfrm>
-              <a:prstGeom prst="rect">
-                <a:avLst/>
-              </a:prstGeom>
-              <a:noFill/>
-            </p:spPr>
-            <p:txBody>
-              <a:bodyPr wrap="none" rtlCol="0">
-                <a:spAutoFit/>
-              </a:bodyPr>
-              <a:lstStyle/>
-              <a:p>
-                <a14:m>
-                  <m:oMathPara xmlns:m="http://schemas.openxmlformats.org/officeDocument/2006/math">
-                    <m:oMathParaPr>
-                      <m:jc m:val="centerGroup"/>
-                    </m:oMathParaPr>
-                    <m:oMath xmlns:m="http://schemas.openxmlformats.org/officeDocument/2006/math">
-                      <m:r>
-                        <a:rPr lang="en-US" sz="900" i="1" smtClean="0">
-                          <a:latin typeface="Cambria Math" panose="02040503050406030204" pitchFamily="18" charset="0"/>
-                        </a:rPr>
-                        <m:t>+</m:t>
-                      </m:r>
-                      <m:r>
-                        <a:rPr lang="en-US" sz="900" b="0" i="1" smtClean="0">
-                          <a:latin typeface="Cambria Math" panose="02040503050406030204" pitchFamily="18" charset="0"/>
-                        </a:rPr>
-                        <m:t>1</m:t>
-                      </m:r>
-                    </m:oMath>
-                  </m:oMathPara>
-                </a14:m>
-                <a:endParaRPr lang="en-US" sz="900" dirty="0"/>
-              </a:p>
-            </p:txBody>
-          </p:sp>
-        </mc:Choice>
-        <mc:Fallback>
-          <p:sp>
-            <p:nvSpPr>
-              <p:cNvPr id="59" name="TextBox 58">
-                <a:extLst>
-                  <a:ext uri="{FF2B5EF4-FFF2-40B4-BE49-F238E27FC236}">
-                    <a16:creationId xmlns:a16="http://schemas.microsoft.com/office/drawing/2014/main" id="{AEFF7110-D5C2-10D8-CC32-63D698BAC96F}"/>
-                  </a:ext>
-                </a:extLst>
-              </p:cNvPr>
-              <p:cNvSpPr txBox="1">
-                <a:spLocks noRot="1" noChangeAspect="1" noMove="1" noResize="1" noEditPoints="1" noAdjustHandles="1" noChangeArrowheads="1" noChangeShapeType="1" noTextEdit="1"/>
-              </p:cNvSpPr>
-              <p:nvPr/>
-            </p:nvSpPr>
-            <p:spPr>
-              <a:xfrm>
-                <a:off x="9363355" y="3669661"/>
-                <a:ext cx="360996" cy="230832"/>
-              </a:xfrm>
-              <a:prstGeom prst="rect">
-                <a:avLst/>
-              </a:prstGeom>
-              <a:blipFill>
-                <a:blip r:embed="rId19"/>
-                <a:stretch>
-                  <a:fillRect/>
-                </a:stretch>
-              </a:blipFill>
-            </p:spPr>
-            <p:txBody>
-              <a:bodyPr/>
-              <a:lstStyle/>
-              <a:p>
-                <a:r>
-                  <a:rPr lang="en-US">
-                    <a:noFill/>
-                  </a:rPr>
-                  <a:t> </a:t>
-                </a:r>
-              </a:p>
-            </p:txBody>
-          </p:sp>
-        </mc:Fallback>
-      </mc:AlternateContent>
-      <mc:AlternateContent xmlns:mc="http://schemas.openxmlformats.org/markup-compatibility/2006">
-        <mc:Choice xmlns:a14="http://schemas.microsoft.com/office/drawing/2010/main" Requires="a14">
-          <p:sp>
-            <p:nvSpPr>
-              <p:cNvPr id="62" name="TextBox 61">
-                <a:extLst>
-                  <a:ext uri="{FF2B5EF4-FFF2-40B4-BE49-F238E27FC236}">
-                    <a16:creationId xmlns:a16="http://schemas.microsoft.com/office/drawing/2014/main" id="{D705FB51-3843-8FD6-3884-CAD9A2F5B2DB}"/>
-                  </a:ext>
-                </a:extLst>
-              </p:cNvPr>
-              <p:cNvSpPr txBox="1"/>
-              <p:nvPr/>
-            </p:nvSpPr>
-            <p:spPr>
-              <a:xfrm>
-                <a:off x="10071299" y="2171558"/>
-                <a:ext cx="320280" cy="230832"/>
-              </a:xfrm>
-              <a:prstGeom prst="rect">
-                <a:avLst/>
-              </a:prstGeom>
-              <a:noFill/>
-            </p:spPr>
-            <p:txBody>
-              <a:bodyPr wrap="none" rtlCol="0">
-                <a:spAutoFit/>
-              </a:bodyPr>
-              <a:lstStyle/>
-              <a:p>
-                <a14:m>
-                  <m:oMathPara xmlns:m="http://schemas.openxmlformats.org/officeDocument/2006/math">
-                    <m:oMathParaPr>
-                      <m:jc m:val="centerGroup"/>
-                    </m:oMathParaPr>
-                    <m:oMath xmlns:m="http://schemas.openxmlformats.org/officeDocument/2006/math">
-                      <m:sSub>
-                        <m:sSubPr>
-                          <m:ctrlPr>
-                            <a:rPr lang="en-US" sz="900" i="1" smtClean="0">
-                              <a:latin typeface="Cambria Math" panose="02040503050406030204" pitchFamily="18" charset="0"/>
-                            </a:rPr>
-                          </m:ctrlPr>
-                        </m:sSubPr>
-                        <m:e>
-                          <m:r>
-                            <a:rPr lang="en-US" sz="900" b="0" i="1" smtClean="0">
-                              <a:latin typeface="Cambria Math" panose="02040503050406030204" pitchFamily="18" charset="0"/>
-                            </a:rPr>
-                            <m:t>𝑥</m:t>
-                          </m:r>
-                        </m:e>
-                        <m:sub>
-                          <m:r>
-                            <a:rPr lang="en-US" sz="900" b="0" i="1" smtClean="0">
-                              <a:latin typeface="Cambria Math" panose="02040503050406030204" pitchFamily="18" charset="0"/>
-                            </a:rPr>
-                            <m:t>1</m:t>
-                          </m:r>
-                        </m:sub>
-                      </m:sSub>
-                    </m:oMath>
-                  </m:oMathPara>
-                </a14:m>
-                <a:endParaRPr lang="en-US" sz="900" dirty="0"/>
-              </a:p>
-            </p:txBody>
-          </p:sp>
-        </mc:Choice>
-        <mc:Fallback>
-          <p:sp>
-            <p:nvSpPr>
-              <p:cNvPr id="62" name="TextBox 61">
-                <a:extLst>
-                  <a:ext uri="{FF2B5EF4-FFF2-40B4-BE49-F238E27FC236}">
-                    <a16:creationId xmlns:a16="http://schemas.microsoft.com/office/drawing/2014/main" id="{D705FB51-3843-8FD6-3884-CAD9A2F5B2DB}"/>
-                  </a:ext>
-                </a:extLst>
-              </p:cNvPr>
-              <p:cNvSpPr txBox="1">
-                <a:spLocks noRot="1" noChangeAspect="1" noMove="1" noResize="1" noEditPoints="1" noAdjustHandles="1" noChangeArrowheads="1" noChangeShapeType="1" noTextEdit="1"/>
-              </p:cNvSpPr>
-              <p:nvPr/>
-            </p:nvSpPr>
-            <p:spPr>
-              <a:xfrm>
-                <a:off x="10071299" y="2171558"/>
-                <a:ext cx="320280" cy="230832"/>
-              </a:xfrm>
-              <a:prstGeom prst="rect">
-                <a:avLst/>
-              </a:prstGeom>
-              <a:blipFill>
-                <a:blip r:embed="rId20"/>
-                <a:stretch>
-                  <a:fillRect/>
-                </a:stretch>
-              </a:blipFill>
-            </p:spPr>
-            <p:txBody>
-              <a:bodyPr/>
-              <a:lstStyle/>
-              <a:p>
-                <a:r>
-                  <a:rPr lang="en-US">
-                    <a:noFill/>
-                  </a:rPr>
-                  <a:t> </a:t>
-                </a:r>
-              </a:p>
-            </p:txBody>
-          </p:sp>
-        </mc:Fallback>
-      </mc:AlternateContent>
-      <p:sp>
-        <p:nvSpPr>
-          <p:cNvPr id="63" name="Oval 62">
-            <a:extLst>
-              <a:ext uri="{FF2B5EF4-FFF2-40B4-BE49-F238E27FC236}">
-                <a16:creationId xmlns:a16="http://schemas.microsoft.com/office/drawing/2014/main" id="{6F239D33-7AE9-2CEB-2C81-B6D30C494A7B}"/>
-              </a:ext>
-            </a:extLst>
-          </p:cNvPr>
-          <p:cNvSpPr/>
-          <p:nvPr/>
-        </p:nvSpPr>
-        <p:spPr>
-          <a:xfrm>
-            <a:off x="10057304" y="2133503"/>
-            <a:ext cx="329318" cy="332286"/>
-          </a:xfrm>
-          <a:prstGeom prst="ellipse">
-            <a:avLst/>
-          </a:prstGeom>
-          <a:solidFill>
-            <a:schemeClr val="accent1">
-              <a:alpha val="26887"/>
-            </a:schemeClr>
-          </a:solidFill>
-        </p:spPr>
-        <p:style>
-          <a:lnRef idx="2">
-            <a:schemeClr val="accent1">
-              <a:shade val="15000"/>
-            </a:schemeClr>
-          </a:lnRef>
-          <a:fillRef idx="1">
-            <a:schemeClr val="accent1"/>
-          </a:fillRef>
-          <a:effectRef idx="0">
-            <a:schemeClr val="accent1"/>
-          </a:effectRef>
-          <a:fontRef idx="minor">
-            <a:schemeClr val="lt1"/>
-          </a:fontRef>
-        </p:style>
-        <p:txBody>
-          <a:bodyPr rtlCol="0" anchor="ctr"/>
-          <a:lstStyle/>
-          <a:p>
-            <a:pPr algn="ctr"/>
-            <a:endParaRPr lang="en-US" dirty="0"/>
-          </a:p>
-        </p:txBody>
-      </p:sp>
-      <mc:AlternateContent xmlns:mc="http://schemas.openxmlformats.org/markup-compatibility/2006">
-        <mc:Choice xmlns:a14="http://schemas.microsoft.com/office/drawing/2010/main" Requires="a14">
-          <p:sp>
-            <p:nvSpPr>
-              <p:cNvPr id="64" name="TextBox 63">
-                <a:extLst>
-                  <a:ext uri="{FF2B5EF4-FFF2-40B4-BE49-F238E27FC236}">
-                    <a16:creationId xmlns:a16="http://schemas.microsoft.com/office/drawing/2014/main" id="{F3964BC5-64FC-9828-6586-82A6E02E0FFE}"/>
-                  </a:ext>
-                </a:extLst>
-              </p:cNvPr>
-              <p:cNvSpPr txBox="1"/>
-              <p:nvPr/>
-            </p:nvSpPr>
-            <p:spPr>
-              <a:xfrm>
-                <a:off x="10071299" y="2635650"/>
-                <a:ext cx="320280" cy="230832"/>
-              </a:xfrm>
-              <a:prstGeom prst="rect">
-                <a:avLst/>
-              </a:prstGeom>
-              <a:noFill/>
-            </p:spPr>
-            <p:txBody>
-              <a:bodyPr wrap="none" rtlCol="0">
-                <a:spAutoFit/>
-              </a:bodyPr>
-              <a:lstStyle/>
-              <a:p>
-                <a14:m>
-                  <m:oMathPara xmlns:m="http://schemas.openxmlformats.org/officeDocument/2006/math">
-                    <m:oMathParaPr>
-                      <m:jc m:val="centerGroup"/>
-                    </m:oMathParaPr>
-                    <m:oMath xmlns:m="http://schemas.openxmlformats.org/officeDocument/2006/math">
-                      <m:sSub>
-                        <m:sSubPr>
-                          <m:ctrlPr>
-                            <a:rPr lang="en-US" sz="900" i="1" smtClean="0">
-                              <a:latin typeface="Cambria Math" panose="02040503050406030204" pitchFamily="18" charset="0"/>
-                            </a:rPr>
-                          </m:ctrlPr>
-                        </m:sSubPr>
-                        <m:e>
-                          <m:r>
-                            <a:rPr lang="en-US" sz="900" b="0" i="1" smtClean="0">
-                              <a:latin typeface="Cambria Math" panose="02040503050406030204" pitchFamily="18" charset="0"/>
-                            </a:rPr>
-                            <m:t>𝑥</m:t>
-                          </m:r>
-                        </m:e>
-                        <m:sub>
-                          <m:r>
-                            <a:rPr lang="en-US" sz="900" b="0" i="1" smtClean="0">
-                              <a:latin typeface="Cambria Math" panose="02040503050406030204" pitchFamily="18" charset="0"/>
-                            </a:rPr>
-                            <m:t>1</m:t>
-                          </m:r>
-                        </m:sub>
-                      </m:sSub>
-                    </m:oMath>
-                  </m:oMathPara>
-                </a14:m>
-                <a:endParaRPr lang="en-US" sz="900" dirty="0"/>
-              </a:p>
-            </p:txBody>
-          </p:sp>
-        </mc:Choice>
-        <mc:Fallback>
-          <p:sp>
-            <p:nvSpPr>
-              <p:cNvPr id="64" name="TextBox 63">
-                <a:extLst>
-                  <a:ext uri="{FF2B5EF4-FFF2-40B4-BE49-F238E27FC236}">
-                    <a16:creationId xmlns:a16="http://schemas.microsoft.com/office/drawing/2014/main" id="{F3964BC5-64FC-9828-6586-82A6E02E0FFE}"/>
-                  </a:ext>
-                </a:extLst>
-              </p:cNvPr>
-              <p:cNvSpPr txBox="1">
-                <a:spLocks noRot="1" noChangeAspect="1" noMove="1" noResize="1" noEditPoints="1" noAdjustHandles="1" noChangeArrowheads="1" noChangeShapeType="1" noTextEdit="1"/>
-              </p:cNvSpPr>
-              <p:nvPr/>
-            </p:nvSpPr>
-            <p:spPr>
-              <a:xfrm>
-                <a:off x="10071299" y="2635650"/>
-                <a:ext cx="320280" cy="230832"/>
-              </a:xfrm>
-              <a:prstGeom prst="rect">
-                <a:avLst/>
-              </a:prstGeom>
-              <a:blipFill>
-                <a:blip r:embed="rId21"/>
-                <a:stretch>
-                  <a:fillRect/>
-                </a:stretch>
-              </a:blipFill>
-            </p:spPr>
-            <p:txBody>
-              <a:bodyPr/>
-              <a:lstStyle/>
-              <a:p>
-                <a:r>
-                  <a:rPr lang="en-US">
-                    <a:noFill/>
-                  </a:rPr>
-                  <a:t> </a:t>
-                </a:r>
-              </a:p>
-            </p:txBody>
-          </p:sp>
-        </mc:Fallback>
-      </mc:AlternateContent>
-      <p:sp>
-        <p:nvSpPr>
-          <p:cNvPr id="65" name="Oval 64">
-            <a:extLst>
-              <a:ext uri="{FF2B5EF4-FFF2-40B4-BE49-F238E27FC236}">
-                <a16:creationId xmlns:a16="http://schemas.microsoft.com/office/drawing/2014/main" id="{860A474B-2907-293C-E8B0-94A6B23091A1}"/>
-              </a:ext>
-            </a:extLst>
-          </p:cNvPr>
-          <p:cNvSpPr/>
-          <p:nvPr/>
-        </p:nvSpPr>
-        <p:spPr>
-          <a:xfrm>
-            <a:off x="10057304" y="2597595"/>
-            <a:ext cx="329318" cy="332286"/>
-          </a:xfrm>
-          <a:prstGeom prst="ellipse">
-            <a:avLst/>
-          </a:prstGeom>
-          <a:solidFill>
-            <a:schemeClr val="accent1">
-              <a:alpha val="26887"/>
-            </a:schemeClr>
-          </a:solidFill>
-        </p:spPr>
-        <p:style>
-          <a:lnRef idx="2">
-            <a:schemeClr val="accent1">
-              <a:shade val="15000"/>
-            </a:schemeClr>
-          </a:lnRef>
-          <a:fillRef idx="1">
-            <a:schemeClr val="accent1"/>
-          </a:fillRef>
-          <a:effectRef idx="0">
-            <a:schemeClr val="accent1"/>
-          </a:effectRef>
-          <a:fontRef idx="minor">
-            <a:schemeClr val="lt1"/>
-          </a:fontRef>
-        </p:style>
-        <p:txBody>
-          <a:bodyPr rtlCol="0" anchor="ctr"/>
-          <a:lstStyle/>
-          <a:p>
-            <a:pPr algn="ctr"/>
-            <a:endParaRPr lang="en-US" dirty="0"/>
-          </a:p>
-        </p:txBody>
-      </p:sp>
-      <mc:AlternateContent xmlns:mc="http://schemas.openxmlformats.org/markup-compatibility/2006">
-        <mc:Choice xmlns:a14="http://schemas.microsoft.com/office/drawing/2010/main" Requires="a14">
-          <p:sp>
-            <p:nvSpPr>
-              <p:cNvPr id="66" name="TextBox 65">
-                <a:extLst>
-                  <a:ext uri="{FF2B5EF4-FFF2-40B4-BE49-F238E27FC236}">
-                    <a16:creationId xmlns:a16="http://schemas.microsoft.com/office/drawing/2014/main" id="{9EF9522F-7CC1-113E-8C4B-C22C847DD63A}"/>
-                  </a:ext>
-                </a:extLst>
-              </p:cNvPr>
-              <p:cNvSpPr txBox="1"/>
-              <p:nvPr/>
-            </p:nvSpPr>
-            <p:spPr>
-              <a:xfrm>
-                <a:off x="10071299" y="3099742"/>
-                <a:ext cx="320280" cy="230832"/>
-              </a:xfrm>
-              <a:prstGeom prst="rect">
-                <a:avLst/>
-              </a:prstGeom>
-              <a:noFill/>
-            </p:spPr>
-            <p:txBody>
-              <a:bodyPr wrap="none" rtlCol="0">
-                <a:spAutoFit/>
-              </a:bodyPr>
-              <a:lstStyle/>
-              <a:p>
-                <a14:m>
-                  <m:oMathPara xmlns:m="http://schemas.openxmlformats.org/officeDocument/2006/math">
-                    <m:oMathParaPr>
-                      <m:jc m:val="centerGroup"/>
-                    </m:oMathParaPr>
-                    <m:oMath xmlns:m="http://schemas.openxmlformats.org/officeDocument/2006/math">
-                      <m:sSub>
-                        <m:sSubPr>
-                          <m:ctrlPr>
-                            <a:rPr lang="en-US" sz="900" i="1" smtClean="0">
-                              <a:latin typeface="Cambria Math" panose="02040503050406030204" pitchFamily="18" charset="0"/>
-                            </a:rPr>
-                          </m:ctrlPr>
-                        </m:sSubPr>
-                        <m:e>
-                          <m:r>
-                            <a:rPr lang="en-US" sz="900" b="0" i="1" smtClean="0">
-                              <a:latin typeface="Cambria Math" panose="02040503050406030204" pitchFamily="18" charset="0"/>
-                            </a:rPr>
-                            <m:t>𝑥</m:t>
-                          </m:r>
-                        </m:e>
-                        <m:sub>
-                          <m:r>
-                            <a:rPr lang="en-US" sz="900" b="0" i="1" smtClean="0">
-                              <a:latin typeface="Cambria Math" panose="02040503050406030204" pitchFamily="18" charset="0"/>
-                            </a:rPr>
-                            <m:t>1</m:t>
-                          </m:r>
-                        </m:sub>
-                      </m:sSub>
-                    </m:oMath>
-                  </m:oMathPara>
-                </a14:m>
-                <a:endParaRPr lang="en-US" sz="900" dirty="0"/>
-              </a:p>
-            </p:txBody>
-          </p:sp>
-        </mc:Choice>
-        <mc:Fallback>
-          <p:sp>
-            <p:nvSpPr>
-              <p:cNvPr id="66" name="TextBox 65">
-                <a:extLst>
-                  <a:ext uri="{FF2B5EF4-FFF2-40B4-BE49-F238E27FC236}">
-                    <a16:creationId xmlns:a16="http://schemas.microsoft.com/office/drawing/2014/main" id="{9EF9522F-7CC1-113E-8C4B-C22C847DD63A}"/>
-                  </a:ext>
-                </a:extLst>
-              </p:cNvPr>
-              <p:cNvSpPr txBox="1">
-                <a:spLocks noRot="1" noChangeAspect="1" noMove="1" noResize="1" noEditPoints="1" noAdjustHandles="1" noChangeArrowheads="1" noChangeShapeType="1" noTextEdit="1"/>
-              </p:cNvSpPr>
-              <p:nvPr/>
-            </p:nvSpPr>
-            <p:spPr>
-              <a:xfrm>
-                <a:off x="10071299" y="3099742"/>
-                <a:ext cx="320280" cy="230832"/>
-              </a:xfrm>
-              <a:prstGeom prst="rect">
-                <a:avLst/>
-              </a:prstGeom>
-              <a:blipFill>
-                <a:blip r:embed="rId20"/>
-                <a:stretch>
-                  <a:fillRect/>
-                </a:stretch>
-              </a:blipFill>
-            </p:spPr>
-            <p:txBody>
-              <a:bodyPr/>
-              <a:lstStyle/>
-              <a:p>
-                <a:r>
-                  <a:rPr lang="en-US">
-                    <a:noFill/>
-                  </a:rPr>
-                  <a:t> </a:t>
-                </a:r>
-              </a:p>
-            </p:txBody>
-          </p:sp>
-        </mc:Fallback>
-      </mc:AlternateContent>
-      <p:sp>
-        <p:nvSpPr>
-          <p:cNvPr id="67" name="Oval 66">
-            <a:extLst>
-              <a:ext uri="{FF2B5EF4-FFF2-40B4-BE49-F238E27FC236}">
-                <a16:creationId xmlns:a16="http://schemas.microsoft.com/office/drawing/2014/main" id="{27351EEB-5344-93FD-9CC0-0C40815B9E38}"/>
-              </a:ext>
-            </a:extLst>
-          </p:cNvPr>
-          <p:cNvSpPr/>
-          <p:nvPr/>
-        </p:nvSpPr>
-        <p:spPr>
-          <a:xfrm>
-            <a:off x="10057304" y="3061687"/>
-            <a:ext cx="329318" cy="332286"/>
-          </a:xfrm>
-          <a:prstGeom prst="ellipse">
-            <a:avLst/>
-          </a:prstGeom>
-          <a:solidFill>
-            <a:schemeClr val="accent1">
-              <a:alpha val="26887"/>
-            </a:schemeClr>
-          </a:solidFill>
-        </p:spPr>
-        <p:style>
-          <a:lnRef idx="2">
-            <a:schemeClr val="accent1">
-              <a:shade val="15000"/>
-            </a:schemeClr>
-          </a:lnRef>
-          <a:fillRef idx="1">
-            <a:schemeClr val="accent1"/>
-          </a:fillRef>
-          <a:effectRef idx="0">
-            <a:schemeClr val="accent1"/>
-          </a:effectRef>
-          <a:fontRef idx="minor">
-            <a:schemeClr val="lt1"/>
-          </a:fontRef>
-        </p:style>
-        <p:txBody>
-          <a:bodyPr rtlCol="0" anchor="ctr"/>
-          <a:lstStyle/>
-          <a:p>
-            <a:pPr algn="ctr"/>
-            <a:endParaRPr lang="en-US" dirty="0"/>
-          </a:p>
-        </p:txBody>
-      </p:sp>
-      <mc:AlternateContent xmlns:mc="http://schemas.openxmlformats.org/markup-compatibility/2006">
-        <mc:Choice xmlns:a14="http://schemas.microsoft.com/office/drawing/2010/main" Requires="a14">
-          <p:sp>
-            <p:nvSpPr>
-              <p:cNvPr id="68" name="TextBox 67">
-                <a:extLst>
-                  <a:ext uri="{FF2B5EF4-FFF2-40B4-BE49-F238E27FC236}">
-                    <a16:creationId xmlns:a16="http://schemas.microsoft.com/office/drawing/2014/main" id="{A200EC3C-17F0-F383-D41E-9C704FC82257}"/>
-                  </a:ext>
-                </a:extLst>
-              </p:cNvPr>
-              <p:cNvSpPr txBox="1"/>
-              <p:nvPr/>
-            </p:nvSpPr>
-            <p:spPr>
-              <a:xfrm>
-                <a:off x="10706803" y="1012313"/>
-                <a:ext cx="320280" cy="230832"/>
-              </a:xfrm>
-              <a:prstGeom prst="rect">
-                <a:avLst/>
-              </a:prstGeom>
-              <a:noFill/>
-            </p:spPr>
-            <p:txBody>
-              <a:bodyPr wrap="none" rtlCol="0">
-                <a:spAutoFit/>
-              </a:bodyPr>
-              <a:lstStyle/>
-              <a:p>
-                <a14:m>
-                  <m:oMathPara xmlns:m="http://schemas.openxmlformats.org/officeDocument/2006/math">
-                    <m:oMathParaPr>
-                      <m:jc m:val="centerGroup"/>
-                    </m:oMathParaPr>
-                    <m:oMath xmlns:m="http://schemas.openxmlformats.org/officeDocument/2006/math">
-                      <m:sSub>
-                        <m:sSubPr>
-                          <m:ctrlPr>
-                            <a:rPr lang="en-US" sz="900" i="1" smtClean="0">
-                              <a:latin typeface="Cambria Math" panose="02040503050406030204" pitchFamily="18" charset="0"/>
-                            </a:rPr>
-                          </m:ctrlPr>
-                        </m:sSubPr>
-                        <m:e>
-                          <m:r>
-                            <a:rPr lang="en-US" sz="900" b="0" i="1" smtClean="0">
-                              <a:latin typeface="Cambria Math" panose="02040503050406030204" pitchFamily="18" charset="0"/>
-                            </a:rPr>
-                            <m:t>𝑥</m:t>
-                          </m:r>
-                        </m:e>
-                        <m:sub>
-                          <m:r>
-                            <a:rPr lang="en-US" sz="900" b="0" i="1" smtClean="0">
-                              <a:latin typeface="Cambria Math" panose="02040503050406030204" pitchFamily="18" charset="0"/>
-                            </a:rPr>
-                            <m:t>1</m:t>
-                          </m:r>
-                        </m:sub>
-                      </m:sSub>
-                    </m:oMath>
-                  </m:oMathPara>
-                </a14:m>
-                <a:endParaRPr lang="en-US" sz="900" dirty="0"/>
-              </a:p>
-            </p:txBody>
-          </p:sp>
-        </mc:Choice>
-        <mc:Fallback>
-          <p:sp>
-            <p:nvSpPr>
-              <p:cNvPr id="68" name="TextBox 67">
-                <a:extLst>
-                  <a:ext uri="{FF2B5EF4-FFF2-40B4-BE49-F238E27FC236}">
-                    <a16:creationId xmlns:a16="http://schemas.microsoft.com/office/drawing/2014/main" id="{A200EC3C-17F0-F383-D41E-9C704FC82257}"/>
-                  </a:ext>
-                </a:extLst>
-              </p:cNvPr>
-              <p:cNvSpPr txBox="1">
-                <a:spLocks noRot="1" noChangeAspect="1" noMove="1" noResize="1" noEditPoints="1" noAdjustHandles="1" noChangeArrowheads="1" noChangeShapeType="1" noTextEdit="1"/>
-              </p:cNvSpPr>
-              <p:nvPr/>
-            </p:nvSpPr>
-            <p:spPr>
-              <a:xfrm>
-                <a:off x="10706803" y="1012313"/>
-                <a:ext cx="320280" cy="230832"/>
-              </a:xfrm>
-              <a:prstGeom prst="rect">
-                <a:avLst/>
-              </a:prstGeom>
-              <a:blipFill>
-                <a:blip r:embed="rId22"/>
-                <a:stretch>
-                  <a:fillRect/>
-                </a:stretch>
-              </a:blipFill>
-            </p:spPr>
-            <p:txBody>
-              <a:bodyPr/>
-              <a:lstStyle/>
-              <a:p>
-                <a:r>
-                  <a:rPr lang="en-US">
-                    <a:noFill/>
-                  </a:rPr>
-                  <a:t> </a:t>
-                </a:r>
-              </a:p>
-            </p:txBody>
-          </p:sp>
-        </mc:Fallback>
-      </mc:AlternateContent>
-      <p:sp>
-        <p:nvSpPr>
-          <p:cNvPr id="69" name="Oval 68">
-            <a:extLst>
-              <a:ext uri="{FF2B5EF4-FFF2-40B4-BE49-F238E27FC236}">
-                <a16:creationId xmlns:a16="http://schemas.microsoft.com/office/drawing/2014/main" id="{03C168FD-6BC9-8EA5-A386-E0091E903E0E}"/>
-              </a:ext>
-            </a:extLst>
-          </p:cNvPr>
-          <p:cNvSpPr/>
-          <p:nvPr/>
-        </p:nvSpPr>
-        <p:spPr>
-          <a:xfrm>
-            <a:off x="10692808" y="974258"/>
-            <a:ext cx="329318" cy="332286"/>
-          </a:xfrm>
-          <a:prstGeom prst="ellipse">
-            <a:avLst/>
-          </a:prstGeom>
-          <a:solidFill>
-            <a:schemeClr val="accent1">
-              <a:alpha val="26887"/>
-            </a:schemeClr>
-          </a:solidFill>
-        </p:spPr>
-        <p:style>
-          <a:lnRef idx="2">
-            <a:schemeClr val="accent1">
-              <a:shade val="15000"/>
-            </a:schemeClr>
-          </a:lnRef>
-          <a:fillRef idx="1">
-            <a:schemeClr val="accent1"/>
-          </a:fillRef>
-          <a:effectRef idx="0">
-            <a:schemeClr val="accent1"/>
-          </a:effectRef>
-          <a:fontRef idx="minor">
-            <a:schemeClr val="lt1"/>
-          </a:fontRef>
-        </p:style>
-        <p:txBody>
-          <a:bodyPr rtlCol="0" anchor="ctr"/>
-          <a:lstStyle/>
-          <a:p>
-            <a:pPr algn="ctr"/>
-            <a:endParaRPr lang="en-US" dirty="0"/>
-          </a:p>
-        </p:txBody>
-      </p:sp>
-      <mc:AlternateContent xmlns:mc="http://schemas.openxmlformats.org/markup-compatibility/2006">
-        <mc:Choice xmlns:a14="http://schemas.microsoft.com/office/drawing/2010/main" Requires="a14">
-          <p:sp>
-            <p:nvSpPr>
-              <p:cNvPr id="70" name="TextBox 69">
-                <a:extLst>
-                  <a:ext uri="{FF2B5EF4-FFF2-40B4-BE49-F238E27FC236}">
-                    <a16:creationId xmlns:a16="http://schemas.microsoft.com/office/drawing/2014/main" id="{1044D3CE-2B3D-B2CB-9655-08357A37C8AF}"/>
-                  </a:ext>
-                </a:extLst>
-              </p:cNvPr>
-              <p:cNvSpPr txBox="1"/>
-              <p:nvPr/>
-            </p:nvSpPr>
-            <p:spPr>
-              <a:xfrm>
-                <a:off x="10706803" y="1451590"/>
-                <a:ext cx="320280" cy="230832"/>
-              </a:xfrm>
-              <a:prstGeom prst="rect">
-                <a:avLst/>
-              </a:prstGeom>
-              <a:noFill/>
-            </p:spPr>
-            <p:txBody>
-              <a:bodyPr wrap="none" rtlCol="0">
-                <a:spAutoFit/>
-              </a:bodyPr>
-              <a:lstStyle/>
-              <a:p>
-                <a14:m>
-                  <m:oMathPara xmlns:m="http://schemas.openxmlformats.org/officeDocument/2006/math">
-                    <m:oMathParaPr>
-                      <m:jc m:val="centerGroup"/>
-                    </m:oMathParaPr>
-                    <m:oMath xmlns:m="http://schemas.openxmlformats.org/officeDocument/2006/math">
-                      <m:sSub>
-                        <m:sSubPr>
-                          <m:ctrlPr>
-                            <a:rPr lang="en-US" sz="900" i="1" smtClean="0">
-                              <a:latin typeface="Cambria Math" panose="02040503050406030204" pitchFamily="18" charset="0"/>
-                            </a:rPr>
-                          </m:ctrlPr>
-                        </m:sSubPr>
-                        <m:e>
-                          <m:r>
-                            <a:rPr lang="en-US" sz="900" b="0" i="1" smtClean="0">
-                              <a:latin typeface="Cambria Math" panose="02040503050406030204" pitchFamily="18" charset="0"/>
-                            </a:rPr>
-                            <m:t>𝑥</m:t>
-                          </m:r>
-                        </m:e>
-                        <m:sub>
-                          <m:r>
-                            <a:rPr lang="en-US" sz="900" b="0" i="1" smtClean="0">
-                              <a:latin typeface="Cambria Math" panose="02040503050406030204" pitchFamily="18" charset="0"/>
-                            </a:rPr>
-                            <m:t>1</m:t>
-                          </m:r>
-                        </m:sub>
-                      </m:sSub>
-                    </m:oMath>
-                  </m:oMathPara>
-                </a14:m>
-                <a:endParaRPr lang="en-US" sz="900" dirty="0"/>
-              </a:p>
-            </p:txBody>
-          </p:sp>
-        </mc:Choice>
-        <mc:Fallback>
-          <p:sp>
-            <p:nvSpPr>
-              <p:cNvPr id="70" name="TextBox 69">
-                <a:extLst>
-                  <a:ext uri="{FF2B5EF4-FFF2-40B4-BE49-F238E27FC236}">
-                    <a16:creationId xmlns:a16="http://schemas.microsoft.com/office/drawing/2014/main" id="{1044D3CE-2B3D-B2CB-9655-08357A37C8AF}"/>
-                  </a:ext>
-                </a:extLst>
-              </p:cNvPr>
-              <p:cNvSpPr txBox="1">
-                <a:spLocks noRot="1" noChangeAspect="1" noMove="1" noResize="1" noEditPoints="1" noAdjustHandles="1" noChangeArrowheads="1" noChangeShapeType="1" noTextEdit="1"/>
-              </p:cNvSpPr>
-              <p:nvPr/>
-            </p:nvSpPr>
-            <p:spPr>
-              <a:xfrm>
-                <a:off x="10706803" y="1451590"/>
-                <a:ext cx="320280" cy="230832"/>
-              </a:xfrm>
-              <a:prstGeom prst="rect">
-                <a:avLst/>
-              </a:prstGeom>
-              <a:blipFill>
-                <a:blip r:embed="rId23"/>
-                <a:stretch>
-                  <a:fillRect/>
-                </a:stretch>
-              </a:blipFill>
-            </p:spPr>
-            <p:txBody>
-              <a:bodyPr/>
-              <a:lstStyle/>
-              <a:p>
-                <a:r>
-                  <a:rPr lang="en-US">
-                    <a:noFill/>
-                  </a:rPr>
-                  <a:t> </a:t>
-                </a:r>
-              </a:p>
-            </p:txBody>
-          </p:sp>
-        </mc:Fallback>
-      </mc:AlternateContent>
-      <p:sp>
-        <p:nvSpPr>
-          <p:cNvPr id="71" name="Oval 70">
-            <a:extLst>
-              <a:ext uri="{FF2B5EF4-FFF2-40B4-BE49-F238E27FC236}">
-                <a16:creationId xmlns:a16="http://schemas.microsoft.com/office/drawing/2014/main" id="{96B57ADC-0D65-9B84-FF48-FE49DD068490}"/>
-              </a:ext>
-            </a:extLst>
-          </p:cNvPr>
-          <p:cNvSpPr/>
-          <p:nvPr/>
-        </p:nvSpPr>
-        <p:spPr>
-          <a:xfrm>
-            <a:off x="10692808" y="1413535"/>
-            <a:ext cx="329318" cy="332286"/>
-          </a:xfrm>
-          <a:prstGeom prst="ellipse">
-            <a:avLst/>
-          </a:prstGeom>
-          <a:solidFill>
-            <a:schemeClr val="accent1">
-              <a:alpha val="26887"/>
-            </a:schemeClr>
-          </a:solidFill>
-        </p:spPr>
-        <p:style>
-          <a:lnRef idx="2">
-            <a:schemeClr val="accent1">
-              <a:shade val="15000"/>
-            </a:schemeClr>
-          </a:lnRef>
-          <a:fillRef idx="1">
-            <a:schemeClr val="accent1"/>
-          </a:fillRef>
-          <a:effectRef idx="0">
-            <a:schemeClr val="accent1"/>
-          </a:effectRef>
-          <a:fontRef idx="minor">
-            <a:schemeClr val="lt1"/>
-          </a:fontRef>
-        </p:style>
-        <p:txBody>
-          <a:bodyPr rtlCol="0" anchor="ctr"/>
-          <a:lstStyle/>
-          <a:p>
-            <a:pPr algn="ctr"/>
-            <a:endParaRPr lang="en-US" dirty="0"/>
-          </a:p>
-        </p:txBody>
-      </p:sp>
-      <mc:AlternateContent xmlns:mc="http://schemas.openxmlformats.org/markup-compatibility/2006">
-        <mc:Choice xmlns:a14="http://schemas.microsoft.com/office/drawing/2010/main" Requires="a14">
-          <p:sp>
-            <p:nvSpPr>
-              <p:cNvPr id="72" name="TextBox 71">
-                <a:extLst>
-                  <a:ext uri="{FF2B5EF4-FFF2-40B4-BE49-F238E27FC236}">
-                    <a16:creationId xmlns:a16="http://schemas.microsoft.com/office/drawing/2014/main" id="{58CC6DA5-2D32-8D5D-5A35-E937CE10B6E1}"/>
-                  </a:ext>
-                </a:extLst>
-              </p:cNvPr>
-              <p:cNvSpPr txBox="1"/>
-              <p:nvPr/>
-            </p:nvSpPr>
-            <p:spPr>
-              <a:xfrm>
-                <a:off x="10706803" y="1897092"/>
-                <a:ext cx="320280" cy="230832"/>
-              </a:xfrm>
-              <a:prstGeom prst="rect">
-                <a:avLst/>
-              </a:prstGeom>
-              <a:noFill/>
-            </p:spPr>
-            <p:txBody>
-              <a:bodyPr wrap="none" rtlCol="0">
-                <a:spAutoFit/>
-              </a:bodyPr>
-              <a:lstStyle/>
-              <a:p>
-                <a14:m>
-                  <m:oMathPara xmlns:m="http://schemas.openxmlformats.org/officeDocument/2006/math">
-                    <m:oMathParaPr>
-                      <m:jc m:val="centerGroup"/>
-                    </m:oMathParaPr>
-                    <m:oMath xmlns:m="http://schemas.openxmlformats.org/officeDocument/2006/math">
-                      <m:sSub>
-                        <m:sSubPr>
-                          <m:ctrlPr>
-                            <a:rPr lang="en-US" sz="900" i="1" smtClean="0">
-                              <a:latin typeface="Cambria Math" panose="02040503050406030204" pitchFamily="18" charset="0"/>
-                            </a:rPr>
-                          </m:ctrlPr>
-                        </m:sSubPr>
-                        <m:e>
-                          <m:r>
-                            <a:rPr lang="en-US" sz="900" b="0" i="1" smtClean="0">
-                              <a:latin typeface="Cambria Math" panose="02040503050406030204" pitchFamily="18" charset="0"/>
-                            </a:rPr>
-                            <m:t>𝑥</m:t>
-                          </m:r>
-                        </m:e>
-                        <m:sub>
-                          <m:r>
-                            <a:rPr lang="en-US" sz="900" b="0" i="1" smtClean="0">
-                              <a:latin typeface="Cambria Math" panose="02040503050406030204" pitchFamily="18" charset="0"/>
-                            </a:rPr>
-                            <m:t>1</m:t>
-                          </m:r>
-                        </m:sub>
-                      </m:sSub>
-                    </m:oMath>
-                  </m:oMathPara>
-                </a14:m>
-                <a:endParaRPr lang="en-US" sz="900" dirty="0"/>
-              </a:p>
-            </p:txBody>
-          </p:sp>
-        </mc:Choice>
-        <mc:Fallback>
-          <p:sp>
-            <p:nvSpPr>
-              <p:cNvPr id="72" name="TextBox 71">
-                <a:extLst>
-                  <a:ext uri="{FF2B5EF4-FFF2-40B4-BE49-F238E27FC236}">
-                    <a16:creationId xmlns:a16="http://schemas.microsoft.com/office/drawing/2014/main" id="{58CC6DA5-2D32-8D5D-5A35-E937CE10B6E1}"/>
-                  </a:ext>
-                </a:extLst>
-              </p:cNvPr>
-              <p:cNvSpPr txBox="1">
-                <a:spLocks noRot="1" noChangeAspect="1" noMove="1" noResize="1" noEditPoints="1" noAdjustHandles="1" noChangeArrowheads="1" noChangeShapeType="1" noTextEdit="1"/>
-              </p:cNvSpPr>
-              <p:nvPr/>
-            </p:nvSpPr>
-            <p:spPr>
-              <a:xfrm>
-                <a:off x="10706803" y="1897092"/>
-                <a:ext cx="320280" cy="230832"/>
-              </a:xfrm>
-              <a:prstGeom prst="rect">
-                <a:avLst/>
-              </a:prstGeom>
-              <a:blipFill>
-                <a:blip r:embed="rId23"/>
-                <a:stretch>
-                  <a:fillRect/>
-                </a:stretch>
-              </a:blipFill>
-            </p:spPr>
-            <p:txBody>
-              <a:bodyPr/>
-              <a:lstStyle/>
-              <a:p>
-                <a:r>
-                  <a:rPr lang="en-US">
-                    <a:noFill/>
-                  </a:rPr>
-                  <a:t> </a:t>
-                </a:r>
-              </a:p>
-            </p:txBody>
-          </p:sp>
-        </mc:Fallback>
-      </mc:AlternateContent>
-      <p:sp>
-        <p:nvSpPr>
-          <p:cNvPr id="73" name="Oval 72">
-            <a:extLst>
-              <a:ext uri="{FF2B5EF4-FFF2-40B4-BE49-F238E27FC236}">
-                <a16:creationId xmlns:a16="http://schemas.microsoft.com/office/drawing/2014/main" id="{D4804E19-82DF-2E05-F8AF-E9E5C9D50688}"/>
-              </a:ext>
-            </a:extLst>
-          </p:cNvPr>
-          <p:cNvSpPr/>
-          <p:nvPr/>
-        </p:nvSpPr>
-        <p:spPr>
-          <a:xfrm>
-            <a:off x="10692808" y="1859037"/>
-            <a:ext cx="329318" cy="332286"/>
-          </a:xfrm>
-          <a:prstGeom prst="ellipse">
-            <a:avLst/>
-          </a:prstGeom>
-          <a:solidFill>
-            <a:schemeClr val="accent1">
-              <a:alpha val="26887"/>
-            </a:schemeClr>
-          </a:solidFill>
-        </p:spPr>
-        <p:style>
-          <a:lnRef idx="2">
-            <a:schemeClr val="accent1">
-              <a:shade val="15000"/>
-            </a:schemeClr>
-          </a:lnRef>
-          <a:fillRef idx="1">
-            <a:schemeClr val="accent1"/>
-          </a:fillRef>
-          <a:effectRef idx="0">
-            <a:schemeClr val="accent1"/>
-          </a:effectRef>
-          <a:fontRef idx="minor">
-            <a:schemeClr val="lt1"/>
-          </a:fontRef>
-        </p:style>
-        <p:txBody>
-          <a:bodyPr rtlCol="0" anchor="ctr"/>
-          <a:lstStyle/>
-          <a:p>
-            <a:pPr algn="ctr"/>
-            <a:endParaRPr lang="en-US" dirty="0"/>
-          </a:p>
-        </p:txBody>
-      </p:sp>
-      <mc:AlternateContent xmlns:mc="http://schemas.openxmlformats.org/markup-compatibility/2006">
-        <mc:Choice xmlns:a14="http://schemas.microsoft.com/office/drawing/2010/main" Requires="a14">
-          <p:sp>
-            <p:nvSpPr>
-              <p:cNvPr id="74" name="TextBox 73">
-                <a:extLst>
-                  <a:ext uri="{FF2B5EF4-FFF2-40B4-BE49-F238E27FC236}">
-                    <a16:creationId xmlns:a16="http://schemas.microsoft.com/office/drawing/2014/main" id="{B7F02349-6330-6F59-CF52-FBBA47A540E8}"/>
-                  </a:ext>
-                </a:extLst>
-              </p:cNvPr>
-              <p:cNvSpPr txBox="1"/>
-              <p:nvPr/>
-            </p:nvSpPr>
-            <p:spPr>
-              <a:xfrm>
-                <a:off x="10701846" y="2346796"/>
-                <a:ext cx="320280" cy="230832"/>
-              </a:xfrm>
-              <a:prstGeom prst="rect">
-                <a:avLst/>
-              </a:prstGeom>
-              <a:noFill/>
-            </p:spPr>
-            <p:txBody>
-              <a:bodyPr wrap="none" rtlCol="0">
-                <a:spAutoFit/>
-              </a:bodyPr>
-              <a:lstStyle/>
-              <a:p>
-                <a14:m>
-                  <m:oMathPara xmlns:m="http://schemas.openxmlformats.org/officeDocument/2006/math">
-                    <m:oMathParaPr>
-                      <m:jc m:val="centerGroup"/>
-                    </m:oMathParaPr>
-                    <m:oMath xmlns:m="http://schemas.openxmlformats.org/officeDocument/2006/math">
-                      <m:sSub>
-                        <m:sSubPr>
-                          <m:ctrlPr>
-                            <a:rPr lang="en-US" sz="900" i="1" smtClean="0">
-                              <a:latin typeface="Cambria Math" panose="02040503050406030204" pitchFamily="18" charset="0"/>
-                            </a:rPr>
-                          </m:ctrlPr>
-                        </m:sSubPr>
-                        <m:e>
-                          <m:r>
-                            <a:rPr lang="en-US" sz="900" b="0" i="1" smtClean="0">
-                              <a:latin typeface="Cambria Math" panose="02040503050406030204" pitchFamily="18" charset="0"/>
-                            </a:rPr>
-                            <m:t>𝑥</m:t>
-                          </m:r>
-                        </m:e>
-                        <m:sub>
-                          <m:r>
-                            <a:rPr lang="en-US" sz="900" b="0" i="1" smtClean="0">
-                              <a:latin typeface="Cambria Math" panose="02040503050406030204" pitchFamily="18" charset="0"/>
-                            </a:rPr>
-                            <m:t>1</m:t>
-                          </m:r>
-                        </m:sub>
-                      </m:sSub>
-                    </m:oMath>
-                  </m:oMathPara>
-                </a14:m>
-                <a:endParaRPr lang="en-US" sz="900" dirty="0"/>
-              </a:p>
-            </p:txBody>
-          </p:sp>
-        </mc:Choice>
-        <mc:Fallback>
-          <p:sp>
-            <p:nvSpPr>
-              <p:cNvPr id="74" name="TextBox 73">
-                <a:extLst>
-                  <a:ext uri="{FF2B5EF4-FFF2-40B4-BE49-F238E27FC236}">
-                    <a16:creationId xmlns:a16="http://schemas.microsoft.com/office/drawing/2014/main" id="{B7F02349-6330-6F59-CF52-FBBA47A540E8}"/>
-                  </a:ext>
-                </a:extLst>
-              </p:cNvPr>
-              <p:cNvSpPr txBox="1">
-                <a:spLocks noRot="1" noChangeAspect="1" noMove="1" noResize="1" noEditPoints="1" noAdjustHandles="1" noChangeArrowheads="1" noChangeShapeType="1" noTextEdit="1"/>
-              </p:cNvSpPr>
-              <p:nvPr/>
-            </p:nvSpPr>
-            <p:spPr>
-              <a:xfrm>
-                <a:off x="10701846" y="2346796"/>
-                <a:ext cx="320280" cy="230832"/>
-              </a:xfrm>
-              <a:prstGeom prst="rect">
-                <a:avLst/>
-              </a:prstGeom>
-              <a:blipFill>
-                <a:blip r:embed="rId24"/>
-                <a:stretch>
-                  <a:fillRect/>
-                </a:stretch>
-              </a:blipFill>
-            </p:spPr>
-            <p:txBody>
-              <a:bodyPr/>
-              <a:lstStyle/>
-              <a:p>
-                <a:r>
-                  <a:rPr lang="en-US">
-                    <a:noFill/>
-                  </a:rPr>
-                  <a:t> </a:t>
-                </a:r>
-              </a:p>
-            </p:txBody>
-          </p:sp>
-        </mc:Fallback>
-      </mc:AlternateContent>
-      <p:sp>
-        <p:nvSpPr>
-          <p:cNvPr id="75" name="Oval 74">
-            <a:extLst>
-              <a:ext uri="{FF2B5EF4-FFF2-40B4-BE49-F238E27FC236}">
-                <a16:creationId xmlns:a16="http://schemas.microsoft.com/office/drawing/2014/main" id="{7AB6EBC6-A5D5-B825-2165-47F9B54D0E18}"/>
-              </a:ext>
-            </a:extLst>
-          </p:cNvPr>
-          <p:cNvSpPr/>
-          <p:nvPr/>
-        </p:nvSpPr>
-        <p:spPr>
-          <a:xfrm>
-            <a:off x="10687851" y="2308741"/>
-            <a:ext cx="329318" cy="332286"/>
-          </a:xfrm>
-          <a:prstGeom prst="ellipse">
-            <a:avLst/>
-          </a:prstGeom>
-          <a:solidFill>
-            <a:schemeClr val="accent1">
-              <a:alpha val="26887"/>
-            </a:schemeClr>
-          </a:solidFill>
-        </p:spPr>
-        <p:style>
-          <a:lnRef idx="2">
-            <a:schemeClr val="accent1">
-              <a:shade val="15000"/>
-            </a:schemeClr>
-          </a:lnRef>
-          <a:fillRef idx="1">
-            <a:schemeClr val="accent1"/>
-          </a:fillRef>
-          <a:effectRef idx="0">
-            <a:schemeClr val="accent1"/>
-          </a:effectRef>
-          <a:fontRef idx="minor">
-            <a:schemeClr val="lt1"/>
-          </a:fontRef>
-        </p:style>
-        <p:txBody>
-          <a:bodyPr rtlCol="0" anchor="ctr"/>
-          <a:lstStyle/>
-          <a:p>
-            <a:pPr algn="ctr"/>
-            <a:endParaRPr lang="en-US" dirty="0"/>
-          </a:p>
-        </p:txBody>
-      </p:sp>
-      <mc:AlternateContent xmlns:mc="http://schemas.openxmlformats.org/markup-compatibility/2006">
-        <mc:Choice xmlns:a14="http://schemas.microsoft.com/office/drawing/2010/main" Requires="a14">
-          <p:sp>
-            <p:nvSpPr>
-              <p:cNvPr id="76" name="TextBox 75">
-                <a:extLst>
-                  <a:ext uri="{FF2B5EF4-FFF2-40B4-BE49-F238E27FC236}">
-                    <a16:creationId xmlns:a16="http://schemas.microsoft.com/office/drawing/2014/main" id="{783EBA91-8531-7739-6265-5C8553FB7DFA}"/>
-                  </a:ext>
-                </a:extLst>
-              </p:cNvPr>
-              <p:cNvSpPr txBox="1"/>
-              <p:nvPr/>
-            </p:nvSpPr>
-            <p:spPr>
-              <a:xfrm>
-                <a:off x="10701846" y="2803936"/>
-                <a:ext cx="320280" cy="230832"/>
-              </a:xfrm>
-              <a:prstGeom prst="rect">
-                <a:avLst/>
-              </a:prstGeom>
-              <a:noFill/>
-            </p:spPr>
-            <p:txBody>
-              <a:bodyPr wrap="none" rtlCol="0">
-                <a:spAutoFit/>
-              </a:bodyPr>
-              <a:lstStyle/>
-              <a:p>
-                <a14:m>
-                  <m:oMathPara xmlns:m="http://schemas.openxmlformats.org/officeDocument/2006/math">
-                    <m:oMathParaPr>
-                      <m:jc m:val="centerGroup"/>
-                    </m:oMathParaPr>
-                    <m:oMath xmlns:m="http://schemas.openxmlformats.org/officeDocument/2006/math">
-                      <m:sSub>
-                        <m:sSubPr>
-                          <m:ctrlPr>
-                            <a:rPr lang="en-US" sz="900" i="1" smtClean="0">
-                              <a:latin typeface="Cambria Math" panose="02040503050406030204" pitchFamily="18" charset="0"/>
-                            </a:rPr>
-                          </m:ctrlPr>
-                        </m:sSubPr>
-                        <m:e>
-                          <m:r>
-                            <a:rPr lang="en-US" sz="900" b="0" i="1" smtClean="0">
-                              <a:latin typeface="Cambria Math" panose="02040503050406030204" pitchFamily="18" charset="0"/>
-                            </a:rPr>
-                            <m:t>𝑥</m:t>
-                          </m:r>
-                        </m:e>
-                        <m:sub>
-                          <m:r>
-                            <a:rPr lang="en-US" sz="900" b="0" i="1" smtClean="0">
-                              <a:latin typeface="Cambria Math" panose="02040503050406030204" pitchFamily="18" charset="0"/>
-                            </a:rPr>
-                            <m:t>1</m:t>
-                          </m:r>
-                        </m:sub>
-                      </m:sSub>
-                    </m:oMath>
-                  </m:oMathPara>
-                </a14:m>
-                <a:endParaRPr lang="en-US" sz="900" dirty="0"/>
-              </a:p>
-            </p:txBody>
-          </p:sp>
-        </mc:Choice>
-        <mc:Fallback>
-          <p:sp>
-            <p:nvSpPr>
-              <p:cNvPr id="76" name="TextBox 75">
-                <a:extLst>
-                  <a:ext uri="{FF2B5EF4-FFF2-40B4-BE49-F238E27FC236}">
-                    <a16:creationId xmlns:a16="http://schemas.microsoft.com/office/drawing/2014/main" id="{783EBA91-8531-7739-6265-5C8553FB7DFA}"/>
-                  </a:ext>
-                </a:extLst>
-              </p:cNvPr>
-              <p:cNvSpPr txBox="1">
-                <a:spLocks noRot="1" noChangeAspect="1" noMove="1" noResize="1" noEditPoints="1" noAdjustHandles="1" noChangeArrowheads="1" noChangeShapeType="1" noTextEdit="1"/>
-              </p:cNvSpPr>
-              <p:nvPr/>
-            </p:nvSpPr>
-            <p:spPr>
-              <a:xfrm>
-                <a:off x="10701846" y="2803936"/>
-                <a:ext cx="320280" cy="230832"/>
-              </a:xfrm>
-              <a:prstGeom prst="rect">
-                <a:avLst/>
-              </a:prstGeom>
-              <a:blipFill>
-                <a:blip r:embed="rId24"/>
-                <a:stretch>
-                  <a:fillRect/>
-                </a:stretch>
-              </a:blipFill>
-            </p:spPr>
-            <p:txBody>
-              <a:bodyPr/>
-              <a:lstStyle/>
-              <a:p>
-                <a:r>
-                  <a:rPr lang="en-US">
-                    <a:noFill/>
-                  </a:rPr>
-                  <a:t> </a:t>
-                </a:r>
-              </a:p>
-            </p:txBody>
-          </p:sp>
-        </mc:Fallback>
-      </mc:AlternateContent>
-      <p:sp>
-        <p:nvSpPr>
-          <p:cNvPr id="77" name="Oval 76">
-            <a:extLst>
-              <a:ext uri="{FF2B5EF4-FFF2-40B4-BE49-F238E27FC236}">
-                <a16:creationId xmlns:a16="http://schemas.microsoft.com/office/drawing/2014/main" id="{4A47A3D7-3886-23B3-3A9E-1861A4B33658}"/>
-              </a:ext>
-            </a:extLst>
-          </p:cNvPr>
-          <p:cNvSpPr/>
-          <p:nvPr/>
-        </p:nvSpPr>
-        <p:spPr>
-          <a:xfrm>
-            <a:off x="10687851" y="2765881"/>
-            <a:ext cx="329318" cy="332286"/>
-          </a:xfrm>
-          <a:prstGeom prst="ellipse">
-            <a:avLst/>
-          </a:prstGeom>
-          <a:solidFill>
-            <a:schemeClr val="accent1">
-              <a:alpha val="26887"/>
-            </a:schemeClr>
-          </a:solidFill>
-        </p:spPr>
-        <p:style>
-          <a:lnRef idx="2">
-            <a:schemeClr val="accent1">
-              <a:shade val="15000"/>
-            </a:schemeClr>
-          </a:lnRef>
-          <a:fillRef idx="1">
-            <a:schemeClr val="accent1"/>
-          </a:fillRef>
-          <a:effectRef idx="0">
-            <a:schemeClr val="accent1"/>
-          </a:effectRef>
-          <a:fontRef idx="minor">
-            <a:schemeClr val="lt1"/>
-          </a:fontRef>
-        </p:style>
-        <p:txBody>
-          <a:bodyPr rtlCol="0" anchor="ctr"/>
-          <a:lstStyle/>
-          <a:p>
-            <a:pPr algn="ctr"/>
-            <a:endParaRPr lang="en-US" dirty="0"/>
-          </a:p>
-        </p:txBody>
-      </p:sp>
-      <mc:AlternateContent xmlns:mc="http://schemas.openxmlformats.org/markup-compatibility/2006">
-        <mc:Choice xmlns:a14="http://schemas.microsoft.com/office/drawing/2010/main" Requires="a14">
-          <p:sp>
-            <p:nvSpPr>
-              <p:cNvPr id="78" name="TextBox 77">
-                <a:extLst>
-                  <a:ext uri="{FF2B5EF4-FFF2-40B4-BE49-F238E27FC236}">
-                    <a16:creationId xmlns:a16="http://schemas.microsoft.com/office/drawing/2014/main" id="{56F40DFD-BA3B-F9EB-FF81-C134C028E96F}"/>
-                  </a:ext>
-                </a:extLst>
-              </p:cNvPr>
-              <p:cNvSpPr txBox="1"/>
-              <p:nvPr/>
-            </p:nvSpPr>
-            <p:spPr>
-              <a:xfrm>
-                <a:off x="10696889" y="3245036"/>
-                <a:ext cx="320280" cy="230832"/>
-              </a:xfrm>
-              <a:prstGeom prst="rect">
-                <a:avLst/>
-              </a:prstGeom>
-              <a:noFill/>
-            </p:spPr>
-            <p:txBody>
-              <a:bodyPr wrap="none" rtlCol="0">
-                <a:spAutoFit/>
-              </a:bodyPr>
-              <a:lstStyle/>
-              <a:p>
-                <a14:m>
-                  <m:oMathPara xmlns:m="http://schemas.openxmlformats.org/officeDocument/2006/math">
-                    <m:oMathParaPr>
-                      <m:jc m:val="centerGroup"/>
-                    </m:oMathParaPr>
-                    <m:oMath xmlns:m="http://schemas.openxmlformats.org/officeDocument/2006/math">
-                      <m:sSub>
-                        <m:sSubPr>
-                          <m:ctrlPr>
-                            <a:rPr lang="en-US" sz="900" i="1" smtClean="0">
-                              <a:latin typeface="Cambria Math" panose="02040503050406030204" pitchFamily="18" charset="0"/>
-                            </a:rPr>
-                          </m:ctrlPr>
-                        </m:sSubPr>
-                        <m:e>
-                          <m:r>
-                            <a:rPr lang="en-US" sz="900" b="0" i="1" smtClean="0">
-                              <a:latin typeface="Cambria Math" panose="02040503050406030204" pitchFamily="18" charset="0"/>
-                            </a:rPr>
-                            <m:t>𝑥</m:t>
-                          </m:r>
-                        </m:e>
-                        <m:sub>
-                          <m:r>
-                            <a:rPr lang="en-US" sz="900" b="0" i="1" smtClean="0">
-                              <a:latin typeface="Cambria Math" panose="02040503050406030204" pitchFamily="18" charset="0"/>
-                            </a:rPr>
-                            <m:t>1</m:t>
-                          </m:r>
-                        </m:sub>
-                      </m:sSub>
-                    </m:oMath>
-                  </m:oMathPara>
-                </a14:m>
-                <a:endParaRPr lang="en-US" sz="900" dirty="0"/>
-              </a:p>
-            </p:txBody>
-          </p:sp>
-        </mc:Choice>
-        <mc:Fallback>
-          <p:sp>
-            <p:nvSpPr>
-              <p:cNvPr id="78" name="TextBox 77">
-                <a:extLst>
-                  <a:ext uri="{FF2B5EF4-FFF2-40B4-BE49-F238E27FC236}">
-                    <a16:creationId xmlns:a16="http://schemas.microsoft.com/office/drawing/2014/main" id="{56F40DFD-BA3B-F9EB-FF81-C134C028E96F}"/>
-                  </a:ext>
-                </a:extLst>
-              </p:cNvPr>
-              <p:cNvSpPr txBox="1">
-                <a:spLocks noRot="1" noChangeAspect="1" noMove="1" noResize="1" noEditPoints="1" noAdjustHandles="1" noChangeArrowheads="1" noChangeShapeType="1" noTextEdit="1"/>
-              </p:cNvSpPr>
-              <p:nvPr/>
-            </p:nvSpPr>
-            <p:spPr>
-              <a:xfrm>
-                <a:off x="10696889" y="3245036"/>
-                <a:ext cx="320280" cy="230832"/>
-              </a:xfrm>
-              <a:prstGeom prst="rect">
-                <a:avLst/>
-              </a:prstGeom>
-              <a:blipFill>
-                <a:blip r:embed="rId25"/>
-                <a:stretch>
-                  <a:fillRect/>
-                </a:stretch>
-              </a:blipFill>
-            </p:spPr>
-            <p:txBody>
-              <a:bodyPr/>
-              <a:lstStyle/>
-              <a:p>
-                <a:r>
-                  <a:rPr lang="en-US">
-                    <a:noFill/>
-                  </a:rPr>
-                  <a:t> </a:t>
-                </a:r>
-              </a:p>
-            </p:txBody>
-          </p:sp>
-        </mc:Fallback>
-      </mc:AlternateContent>
-      <p:sp>
-        <p:nvSpPr>
-          <p:cNvPr id="79" name="Oval 78">
-            <a:extLst>
-              <a:ext uri="{FF2B5EF4-FFF2-40B4-BE49-F238E27FC236}">
-                <a16:creationId xmlns:a16="http://schemas.microsoft.com/office/drawing/2014/main" id="{05BD3F3A-8A30-7220-8157-87608F02BB3B}"/>
-              </a:ext>
-            </a:extLst>
-          </p:cNvPr>
-          <p:cNvSpPr/>
-          <p:nvPr/>
-        </p:nvSpPr>
-        <p:spPr>
-          <a:xfrm>
-            <a:off x="10682894" y="3206981"/>
-            <a:ext cx="329318" cy="332286"/>
-          </a:xfrm>
-          <a:prstGeom prst="ellipse">
-            <a:avLst/>
-          </a:prstGeom>
-          <a:solidFill>
-            <a:schemeClr val="accent1">
-              <a:alpha val="26887"/>
-            </a:schemeClr>
-          </a:solidFill>
-        </p:spPr>
-        <p:style>
-          <a:lnRef idx="2">
-            <a:schemeClr val="accent1">
-              <a:shade val="15000"/>
-            </a:schemeClr>
-          </a:lnRef>
-          <a:fillRef idx="1">
-            <a:schemeClr val="accent1"/>
-          </a:fillRef>
-          <a:effectRef idx="0">
-            <a:schemeClr val="accent1"/>
-          </a:effectRef>
-          <a:fontRef idx="minor">
-            <a:schemeClr val="lt1"/>
-          </a:fontRef>
-        </p:style>
-        <p:txBody>
-          <a:bodyPr rtlCol="0" anchor="ctr"/>
-          <a:lstStyle/>
-          <a:p>
-            <a:pPr algn="ctr"/>
-            <a:endParaRPr lang="en-US" dirty="0"/>
-          </a:p>
-        </p:txBody>
-      </p:sp>
+                  </a14:m>
+                  <a:endParaRPr lang="en-US" sz="1000" dirty="0"/>
+                </a:p>
+              </p:txBody>
+            </p:sp>
+          </mc:Choice>
+          <mc:Fallback>
+            <p:sp>
+              <p:nvSpPr>
+                <p:cNvPr id="200" name="TextBox 199">
+                  <a:extLst>
+                    <a:ext uri="{FF2B5EF4-FFF2-40B4-BE49-F238E27FC236}">
+                      <a16:creationId xmlns:a16="http://schemas.microsoft.com/office/drawing/2014/main" id="{C7F7A4C0-7E89-369E-E806-8D4FEE23D544}"/>
+                    </a:ext>
+                  </a:extLst>
+                </p:cNvPr>
+                <p:cNvSpPr txBox="1">
+                  <a:spLocks noRot="1" noChangeAspect="1" noMove="1" noResize="1" noEditPoints="1" noAdjustHandles="1" noChangeArrowheads="1" noChangeShapeType="1" noTextEdit="1"/>
+                </p:cNvSpPr>
+                <p:nvPr/>
+              </p:nvSpPr>
+              <p:spPr>
+                <a:xfrm>
+                  <a:off x="10690504" y="3687648"/>
+                  <a:ext cx="624402" cy="246221"/>
+                </a:xfrm>
+                <a:prstGeom prst="rect">
+                  <a:avLst/>
+                </a:prstGeom>
+                <a:blipFill>
+                  <a:blip r:embed="rId30"/>
+                  <a:stretch>
+                    <a:fillRect b="-10000"/>
+                  </a:stretch>
+                </a:blipFill>
+              </p:spPr>
+              <p:txBody>
+                <a:bodyPr/>
+                <a:lstStyle/>
+                <a:p>
+                  <a:r>
+                    <a:rPr lang="en-US">
+                      <a:noFill/>
+                    </a:rPr>
+                    <a:t> </a:t>
+                  </a:r>
+                </a:p>
+              </p:txBody>
+            </p:sp>
+          </mc:Fallback>
+        </mc:AlternateContent>
+      </p:grpSp>
     </p:spTree>
     <p:extLst>
       <p:ext uri="{BB962C8B-B14F-4D97-AF65-F5344CB8AC3E}">
